--- a/YouTube dataset analysis presentation.pptx
+++ b/YouTube dataset analysis presentation.pptx
@@ -13,16 +13,17 @@
     <p:sldId id="259" r:id="rId7"/>
     <p:sldId id="260" r:id="rId8"/>
     <p:sldId id="278" r:id="rId9"/>
-    <p:sldId id="279" r:id="rId10"/>
-    <p:sldId id="280" r:id="rId11"/>
-    <p:sldId id="290" r:id="rId12"/>
-    <p:sldId id="291" r:id="rId13"/>
-    <p:sldId id="282" r:id="rId14"/>
-    <p:sldId id="283" r:id="rId15"/>
-    <p:sldId id="281" r:id="rId16"/>
-    <p:sldId id="284" r:id="rId17"/>
-    <p:sldId id="285" r:id="rId18"/>
-    <p:sldId id="286" r:id="rId19"/>
+    <p:sldId id="282" r:id="rId10"/>
+    <p:sldId id="303" r:id="rId11"/>
+    <p:sldId id="307" r:id="rId12"/>
+    <p:sldId id="308" r:id="rId13"/>
+    <p:sldId id="309" r:id="rId14"/>
+    <p:sldId id="310" r:id="rId15"/>
+    <p:sldId id="311" r:id="rId16"/>
+    <p:sldId id="312" r:id="rId17"/>
+    <p:sldId id="313" r:id="rId18"/>
+    <p:sldId id="314" r:id="rId19"/>
+    <p:sldId id="315" r:id="rId20"/>
   </p:sldIdLst>
   <p:sldSz cx="12192000" cy="6858000"/>
   <p:notesSz cx="6858000" cy="9144000"/>
@@ -276,7 +277,7 @@
           <a:p>
             <a:fld id="{C3236DAF-325B-41C6-A659-3FD835B93F99}" type="datetimeFigureOut">
               <a:rPr lang="he-IL" smtClean="0"/>
-              <a:t>י'/טבת/תשפ"ג</a:t>
+              <a:t>ב'/אייר/תשפ"ג</a:t>
             </a:fld>
             <a:endParaRPr lang="he-IL"/>
           </a:p>
@@ -474,7 +475,7 @@
           <a:p>
             <a:fld id="{C3236DAF-325B-41C6-A659-3FD835B93F99}" type="datetimeFigureOut">
               <a:rPr lang="he-IL" smtClean="0"/>
-              <a:t>י'/טבת/תשפ"ג</a:t>
+              <a:t>ב'/אייר/תשפ"ג</a:t>
             </a:fld>
             <a:endParaRPr lang="he-IL"/>
           </a:p>
@@ -682,7 +683,7 @@
           <a:p>
             <a:fld id="{C3236DAF-325B-41C6-A659-3FD835B93F99}" type="datetimeFigureOut">
               <a:rPr lang="he-IL" smtClean="0"/>
-              <a:t>י'/טבת/תשפ"ג</a:t>
+              <a:t>ב'/אייר/תשפ"ג</a:t>
             </a:fld>
             <a:endParaRPr lang="he-IL"/>
           </a:p>
@@ -880,7 +881,7 @@
           <a:p>
             <a:fld id="{C3236DAF-325B-41C6-A659-3FD835B93F99}" type="datetimeFigureOut">
               <a:rPr lang="he-IL" smtClean="0"/>
-              <a:t>י'/טבת/תשפ"ג</a:t>
+              <a:t>ב'/אייר/תשפ"ג</a:t>
             </a:fld>
             <a:endParaRPr lang="he-IL"/>
           </a:p>
@@ -1155,7 +1156,7 @@
           <a:p>
             <a:fld id="{C3236DAF-325B-41C6-A659-3FD835B93F99}" type="datetimeFigureOut">
               <a:rPr lang="he-IL" smtClean="0"/>
-              <a:t>י'/טבת/תשפ"ג</a:t>
+              <a:t>ב'/אייר/תשפ"ג</a:t>
             </a:fld>
             <a:endParaRPr lang="he-IL"/>
           </a:p>
@@ -1420,7 +1421,7 @@
           <a:p>
             <a:fld id="{C3236DAF-325B-41C6-A659-3FD835B93F99}" type="datetimeFigureOut">
               <a:rPr lang="he-IL" smtClean="0"/>
-              <a:t>י'/טבת/תשפ"ג</a:t>
+              <a:t>ב'/אייר/תשפ"ג</a:t>
             </a:fld>
             <a:endParaRPr lang="he-IL"/>
           </a:p>
@@ -1832,7 +1833,7 @@
           <a:p>
             <a:fld id="{C3236DAF-325B-41C6-A659-3FD835B93F99}" type="datetimeFigureOut">
               <a:rPr lang="he-IL" smtClean="0"/>
-              <a:t>י'/טבת/תשפ"ג</a:t>
+              <a:t>ב'/אייר/תשפ"ג</a:t>
             </a:fld>
             <a:endParaRPr lang="he-IL"/>
           </a:p>
@@ -1973,7 +1974,7 @@
           <a:p>
             <a:fld id="{C3236DAF-325B-41C6-A659-3FD835B93F99}" type="datetimeFigureOut">
               <a:rPr lang="he-IL" smtClean="0"/>
-              <a:t>י'/טבת/תשפ"ג</a:t>
+              <a:t>ב'/אייר/תשפ"ג</a:t>
             </a:fld>
             <a:endParaRPr lang="he-IL"/>
           </a:p>
@@ -2086,7 +2087,7 @@
           <a:p>
             <a:fld id="{C3236DAF-325B-41C6-A659-3FD835B93F99}" type="datetimeFigureOut">
               <a:rPr lang="he-IL" smtClean="0"/>
-              <a:t>י'/טבת/תשפ"ג</a:t>
+              <a:t>ב'/אייר/תשפ"ג</a:t>
             </a:fld>
             <a:endParaRPr lang="he-IL"/>
           </a:p>
@@ -2397,7 +2398,7 @@
           <a:p>
             <a:fld id="{C3236DAF-325B-41C6-A659-3FD835B93F99}" type="datetimeFigureOut">
               <a:rPr lang="he-IL" smtClean="0"/>
-              <a:t>י'/טבת/תשפ"ג</a:t>
+              <a:t>ב'/אייר/תשפ"ג</a:t>
             </a:fld>
             <a:endParaRPr lang="he-IL"/>
           </a:p>
@@ -2685,7 +2686,7 @@
           <a:p>
             <a:fld id="{C3236DAF-325B-41C6-A659-3FD835B93F99}" type="datetimeFigureOut">
               <a:rPr lang="he-IL" smtClean="0"/>
-              <a:t>י'/טבת/תשפ"ג</a:t>
+              <a:t>ב'/אייר/תשפ"ג</a:t>
             </a:fld>
             <a:endParaRPr lang="he-IL"/>
           </a:p>
@@ -2769,7 +2770,7 @@
           </a:blip>
           <a:srcRect/>
           <a:stretch>
-            <a:fillRect l="-5000" r="-5000"/>
+            <a:fillRect t="-9000" b="-9000"/>
           </a:stretch>
         </a:blipFill>
         <a:effectLst/>
@@ -2935,7 +2936,7 @@
           <a:p>
             <a:fld id="{C3236DAF-325B-41C6-A659-3FD835B93F99}" type="datetimeFigureOut">
               <a:rPr lang="he-IL" smtClean="0"/>
-              <a:t>י'/טבת/תשפ"ג</a:t>
+              <a:t>ב'/אייר/תשפ"ג</a:t>
             </a:fld>
             <a:endParaRPr lang="he-IL"/>
           </a:p>
@@ -3374,18 +3375,10 @@
           <a:lstStyle/>
           <a:p>
             <a:r>
-              <a:rPr lang="en-US" dirty="0">
-                <a:solidFill>
-                  <a:schemeClr val="bg1"/>
-                </a:solidFill>
-              </a:rPr>
+              <a:rPr lang="en-US" dirty="0"/>
               <a:t>YouTube dataset analyzation</a:t>
             </a:r>
-            <a:endParaRPr lang="he-IL" dirty="0">
-              <a:solidFill>
-                <a:schemeClr val="bg1"/>
-              </a:solidFill>
-            </a:endParaRPr>
+            <a:endParaRPr lang="he-IL" dirty="0"/>
           </a:p>
         </p:txBody>
       </p:sp>
@@ -3424,6 +3417,13 @@
   <p:clrMapOvr>
     <a:masterClrMapping/>
   </p:clrMapOvr>
+  <p:timing>
+    <p:tnLst>
+      <p:par>
+        <p:cTn id="1" dur="indefinite" restart="never" nodeType="tmRoot"/>
+      </p:par>
+    </p:tnLst>
+  </p:timing>
 </p:sld>
 </file>
 
@@ -3467,93 +3467,93 @@
           <a:p>
             <a:pPr algn="ctr"/>
             <a:r>
-              <a:rPr lang="en-US" dirty="0">
-                <a:solidFill>
-                  <a:schemeClr val="bg1"/>
-                </a:solidFill>
-              </a:rPr>
+              <a:rPr lang="en-US" dirty="0"/>
               <a:t>Graph </a:t>
             </a:r>
             <a:r>
-              <a:rPr lang="en-US" dirty="0" smtClean="0">
-                <a:solidFill>
-                  <a:schemeClr val="bg1"/>
-                </a:solidFill>
-              </a:rPr>
+              <a:rPr lang="en-US" dirty="0" smtClean="0"/>
               <a:t>3</a:t>
             </a:r>
+            <a:r>
+              <a:rPr lang="en-US" dirty="0"/>
+              <a:t/>
+            </a:r>
             <a:br>
-              <a:rPr lang="en-US" dirty="0" smtClean="0">
-                <a:solidFill>
-                  <a:schemeClr val="bg1"/>
-                </a:solidFill>
-              </a:rPr>
+              <a:rPr lang="en-US" dirty="0"/>
             </a:br>
             <a:r>
-              <a:rPr lang="en-US" dirty="0" err="1" smtClean="0">
-                <a:solidFill>
-                  <a:schemeClr val="bg1"/>
-                </a:solidFill>
-              </a:rPr>
-              <a:t>video</a:t>
-            </a:r>
-            <a:r>
-              <a:rPr lang="en-US" dirty="0" err="1">
-                <a:solidFill>
-                  <a:schemeClr val="bg1"/>
-                </a:solidFill>
-              </a:rPr>
-              <a:t>comment</a:t>
-            </a:r>
-            <a:r>
-              <a:rPr lang="en-US" dirty="0" err="1" smtClean="0">
-                <a:solidFill>
-                  <a:schemeClr val="bg1"/>
-                </a:solidFill>
-              </a:rPr>
-              <a:t>count</a:t>
-            </a:r>
-            <a:r>
-              <a:rPr lang="en-US" dirty="0" smtClean="0">
-                <a:solidFill>
-                  <a:schemeClr val="bg1"/>
-                </a:solidFill>
-              </a:rPr>
-              <a:t> per </a:t>
-            </a:r>
-            <a:r>
-              <a:rPr lang="en-US" dirty="0">
-                <a:solidFill>
-                  <a:schemeClr val="bg1"/>
-                </a:solidFill>
-              </a:rPr>
-              <a:t>subscriber </a:t>
-            </a:r>
-            <a:r>
-              <a:rPr lang="en-US" dirty="0" smtClean="0">
-                <a:solidFill>
-                  <a:schemeClr val="bg1"/>
-                </a:solidFill>
-              </a:rPr>
-              <a:t>count</a:t>
-            </a:r>
-            <a:endParaRPr lang="he-IL" dirty="0">
-              <a:solidFill>
-                <a:schemeClr val="bg1"/>
-              </a:solidFill>
-            </a:endParaRPr>
+              <a:rPr lang="en-US" dirty="0" smtClean="0"/>
+              <a:t>video category id </a:t>
+            </a:r>
+            <a:r>
+              <a:rPr lang="en-US" dirty="0"/>
+              <a:t>per </a:t>
+            </a:r>
+            <a:r>
+              <a:rPr lang="en-US" dirty="0" smtClean="0"/>
+              <a:t>video </a:t>
+            </a:r>
+            <a:r>
+              <a:rPr lang="en-US" dirty="0"/>
+              <a:t>view count</a:t>
+            </a:r>
+            <a:endParaRPr lang="he-IL" dirty="0"/>
+          </a:p>
+        </p:txBody>
+      </p:sp>
+      <p:sp>
+        <p:nvSpPr>
+          <p:cNvPr id="3" name="TextBox 2"/>
+          <p:cNvSpPr txBox="1"/>
+          <p:nvPr/>
+        </p:nvSpPr>
+        <p:spPr>
+          <a:xfrm>
+            <a:off x="35622" y="6176963"/>
+            <a:ext cx="11700960" cy="369332"/>
+          </a:xfrm>
+          <a:prstGeom prst="rect">
+            <a:avLst/>
+          </a:prstGeom>
+          <a:noFill/>
+        </p:spPr>
+        <p:txBody>
+          <a:bodyPr wrap="none" rtlCol="1">
+            <a:spAutoFit/>
+          </a:bodyPr>
+          <a:lstStyle/>
+          <a:p>
+            <a:r>
+              <a:rPr lang="en-US" dirty="0" smtClean="0"/>
+              <a:t>Graph 1,2 and 3 are quite similar it can be </a:t>
+            </a:r>
+            <a:r>
+              <a:rPr lang="en-US" dirty="0" err="1" smtClean="0"/>
+              <a:t>disticly</a:t>
+            </a:r>
+            <a:r>
+              <a:rPr lang="en-US" dirty="0" smtClean="0"/>
+              <a:t> seen that some categories are better than others in </a:t>
+            </a:r>
+            <a:r>
+              <a:rPr lang="en-US" dirty="0" err="1" smtClean="0"/>
+              <a:t>therms</a:t>
+            </a:r>
+            <a:r>
+              <a:rPr lang="en-US" dirty="0" smtClean="0"/>
+              <a:t> of popularity.</a:t>
+            </a:r>
+            <a:endParaRPr lang="he-IL" dirty="0"/>
           </a:p>
         </p:txBody>
       </p:sp>
       <p:pic>
         <p:nvPicPr>
-          <p:cNvPr id="4" name="Content Placeholder 3"/>
+          <p:cNvPr id="4" name="Picture 3"/>
           <p:cNvPicPr>
-            <a:picLocks noGrp="1" noChangeAspect="1"/>
+            <a:picLocks noChangeAspect="1"/>
           </p:cNvPicPr>
-          <p:nvPr>
-            <p:ph idx="1"/>
-          </p:nvPr>
+          <p:nvPr/>
         </p:nvPicPr>
         <p:blipFill>
           <a:blip r:embed="rId2">
@@ -3569,21 +3569,31 @@
         </p:blipFill>
         <p:spPr>
           <a:xfrm>
-            <a:off x="1937086" y="1825625"/>
-            <a:ext cx="8317828" cy="4351338"/>
+            <a:off x="2294069" y="1690688"/>
+            <a:ext cx="7184066" cy="5156994"/>
           </a:xfrm>
+          <a:prstGeom prst="rect">
+            <a:avLst/>
+          </a:prstGeom>
         </p:spPr>
       </p:pic>
     </p:spTree>
     <p:extLst>
       <p:ext uri="{BB962C8B-B14F-4D97-AF65-F5344CB8AC3E}">
-        <p14:creationId xmlns:p14="http://schemas.microsoft.com/office/powerpoint/2010/main" val="2949527702"/>
+        <p14:creationId xmlns:p14="http://schemas.microsoft.com/office/powerpoint/2010/main" val="3247770455"/>
       </p:ext>
     </p:extLst>
   </p:cSld>
   <p:clrMapOvr>
     <a:masterClrMapping/>
   </p:clrMapOvr>
+  <p:timing>
+    <p:tnLst>
+      <p:par>
+        <p:cTn id="1" dur="indefinite" restart="never" nodeType="tmRoot"/>
+      </p:par>
+    </p:tnLst>
+  </p:timing>
 </p:sld>
 </file>
 
@@ -3622,70 +3632,44 @@
         </p:nvSpPr>
         <p:spPr/>
         <p:txBody>
-          <a:bodyPr>
-            <a:normAutofit/>
-          </a:bodyPr>
+          <a:bodyPr/>
           <a:lstStyle/>
           <a:p>
             <a:pPr algn="ctr"/>
             <a:r>
-              <a:rPr lang="en-US" dirty="0">
-                <a:solidFill>
-                  <a:schemeClr val="bg1"/>
-                </a:solidFill>
-              </a:rPr>
+              <a:rPr lang="en-US" dirty="0"/>
               <a:t>Graph </a:t>
             </a:r>
             <a:r>
-              <a:rPr lang="en-US" dirty="0" smtClean="0">
-                <a:solidFill>
-                  <a:schemeClr val="bg1"/>
-                </a:solidFill>
-              </a:rPr>
+              <a:rPr lang="en-US" dirty="0" smtClean="0"/>
               <a:t>4</a:t>
             </a:r>
             <a:r>
-              <a:rPr lang="en-US" dirty="0">
-                <a:solidFill>
-                  <a:schemeClr val="bg1"/>
-                </a:solidFill>
-              </a:rPr>
+              <a:rPr lang="en-US" dirty="0" smtClean="0"/>
               <a:t/>
             </a:r>
             <a:br>
-              <a:rPr lang="en-US" dirty="0">
-                <a:solidFill>
-                  <a:schemeClr val="bg1"/>
-                </a:solidFill>
-              </a:rPr>
+              <a:rPr lang="en-US" dirty="0" smtClean="0"/>
             </a:br>
             <a:r>
-              <a:rPr lang="en-US" dirty="0" smtClean="0">
-                <a:solidFill>
-                  <a:schemeClr val="bg1"/>
-                </a:solidFill>
-              </a:rPr>
-              <a:t>comments/views </a:t>
-            </a:r>
-            <a:r>
-              <a:rPr lang="en-US" dirty="0">
-                <a:solidFill>
-                  <a:schemeClr val="bg1"/>
-                </a:solidFill>
-              </a:rPr>
-              <a:t>per channel elapsed time</a:t>
-            </a:r>
-            <a:endParaRPr lang="he-IL" dirty="0">
-              <a:solidFill>
-                <a:schemeClr val="bg1"/>
-              </a:solidFill>
-            </a:endParaRPr>
+              <a:rPr lang="en-US" dirty="0" err="1"/>
+              <a:t>videolike</a:t>
+            </a:r>
+            <a:r>
+              <a:rPr lang="en-US" dirty="0"/>
+              <a:t> per </a:t>
+            </a:r>
+            <a:r>
+              <a:rPr lang="en-US" dirty="0" err="1"/>
+              <a:t>videoviewcount</a:t>
+            </a:r>
+            <a:endParaRPr lang="he-IL" dirty="0"/>
           </a:p>
         </p:txBody>
       </p:sp>
       <p:pic>
         <p:nvPicPr>
-          <p:cNvPr id="4" name="Content Placeholder 3"/>
+          <p:cNvPr id="3" name="Content Placeholder 2"/>
           <p:cNvPicPr>
             <a:picLocks noGrp="1" noChangeAspect="1"/>
           </p:cNvPicPr>
@@ -3707,21 +3691,28 @@
         </p:blipFill>
         <p:spPr>
           <a:xfrm>
-            <a:off x="1970439" y="1825625"/>
-            <a:ext cx="8251122" cy="4351338"/>
+            <a:off x="3311949" y="1825625"/>
+            <a:ext cx="5568101" cy="4351338"/>
           </a:xfrm>
         </p:spPr>
       </p:pic>
     </p:spTree>
     <p:extLst>
       <p:ext uri="{BB962C8B-B14F-4D97-AF65-F5344CB8AC3E}">
-        <p14:creationId xmlns:p14="http://schemas.microsoft.com/office/powerpoint/2010/main" val="3978114690"/>
+        <p14:creationId xmlns:p14="http://schemas.microsoft.com/office/powerpoint/2010/main" val="3867197297"/>
       </p:ext>
     </p:extLst>
   </p:cSld>
   <p:clrMapOvr>
     <a:masterClrMapping/>
   </p:clrMapOvr>
+  <p:timing>
+    <p:tnLst>
+      <p:par>
+        <p:cTn id="1" dur="indefinite" restart="never" nodeType="tmRoot"/>
+      </p:par>
+    </p:tnLst>
+  </p:timing>
 </p:sld>
 </file>
 
@@ -3765,39 +3756,31 @@
           <a:p>
             <a:pPr algn="ctr"/>
             <a:r>
-              <a:rPr lang="en-US" dirty="0" smtClean="0">
-                <a:solidFill>
-                  <a:schemeClr val="bg1"/>
-                </a:solidFill>
-              </a:rPr>
+              <a:rPr lang="en-US" dirty="0" smtClean="0"/>
               <a:t>Graph 5</a:t>
             </a:r>
+            <a:r>
+              <a:rPr lang="en-US" dirty="0"/>
+              <a:t/>
+            </a:r>
             <a:br>
-              <a:rPr lang="en-US" dirty="0" smtClean="0">
-                <a:solidFill>
-                  <a:schemeClr val="bg1"/>
-                </a:solidFill>
-              </a:rPr>
+              <a:rPr lang="en-US" dirty="0"/>
             </a:br>
             <a:r>
-              <a:rPr lang="en-US" dirty="0" smtClean="0">
-                <a:solidFill>
-                  <a:schemeClr val="bg1"/>
-                </a:solidFill>
-              </a:rPr>
-              <a:t> likes/views per subscriber count</a:t>
-            </a:r>
-            <a:endParaRPr lang="he-IL" dirty="0">
-              <a:solidFill>
-                <a:schemeClr val="bg1"/>
-              </a:solidFill>
-            </a:endParaRPr>
+              <a:rPr lang="en-US" dirty="0" err="1"/>
+              <a:t>videolike</a:t>
+            </a:r>
+            <a:r>
+              <a:rPr lang="en-US" dirty="0"/>
+              <a:t> per subscriber count</a:t>
+            </a:r>
+            <a:endParaRPr lang="he-IL" dirty="0"/>
           </a:p>
         </p:txBody>
       </p:sp>
       <p:pic>
         <p:nvPicPr>
-          <p:cNvPr id="4" name="Content Placeholder 3"/>
+          <p:cNvPr id="3" name="Content Placeholder 2"/>
           <p:cNvPicPr>
             <a:picLocks noGrp="1" noChangeAspect="1"/>
           </p:cNvPicPr>
@@ -3819,21 +3802,28 @@
         </p:blipFill>
         <p:spPr>
           <a:xfrm>
-            <a:off x="1970439" y="1825625"/>
-            <a:ext cx="8251122" cy="4351338"/>
+            <a:off x="3311949" y="1825625"/>
+            <a:ext cx="5568101" cy="4351338"/>
           </a:xfrm>
         </p:spPr>
       </p:pic>
     </p:spTree>
     <p:extLst>
       <p:ext uri="{BB962C8B-B14F-4D97-AF65-F5344CB8AC3E}">
-        <p14:creationId xmlns:p14="http://schemas.microsoft.com/office/powerpoint/2010/main" val="1894447193"/>
+        <p14:creationId xmlns:p14="http://schemas.microsoft.com/office/powerpoint/2010/main" val="3127887361"/>
       </p:ext>
     </p:extLst>
   </p:cSld>
   <p:clrMapOvr>
     <a:masterClrMapping/>
   </p:clrMapOvr>
+  <p:timing>
+    <p:tnLst>
+      <p:par>
+        <p:cTn id="1" dur="indefinite" restart="never" nodeType="tmRoot"/>
+      </p:par>
+    </p:tnLst>
+  </p:timing>
 </p:sld>
 </file>
 
@@ -3877,71 +3867,39 @@
           <a:p>
             <a:pPr algn="ctr"/>
             <a:r>
-              <a:rPr lang="en-US" dirty="0">
-                <a:solidFill>
-                  <a:schemeClr val="bg1"/>
-                </a:solidFill>
-              </a:rPr>
+              <a:rPr lang="en-US" dirty="0"/>
               <a:t>Graph </a:t>
             </a:r>
             <a:r>
-              <a:rPr lang="en-US" dirty="0" smtClean="0">
-                <a:solidFill>
-                  <a:schemeClr val="bg1"/>
-                </a:solidFill>
-              </a:rPr>
+              <a:rPr lang="en-US" dirty="0" smtClean="0"/>
               <a:t>6</a:t>
             </a:r>
             <a:r>
-              <a:rPr lang="en-US" dirty="0">
-                <a:solidFill>
-                  <a:schemeClr val="bg1"/>
-                </a:solidFill>
-              </a:rPr>
+              <a:rPr lang="en-US" dirty="0" smtClean="0"/>
               <a:t/>
             </a:r>
             <a:br>
-              <a:rPr lang="en-US" dirty="0">
-                <a:solidFill>
-                  <a:schemeClr val="bg1"/>
-                </a:solidFill>
-              </a:rPr>
+              <a:rPr lang="en-US" dirty="0" smtClean="0"/>
             </a:br>
             <a:r>
-              <a:rPr lang="en-US" dirty="0" err="1" smtClean="0">
-                <a:solidFill>
-                  <a:schemeClr val="bg1"/>
-                </a:solidFill>
-              </a:rPr>
-              <a:t>videocategoryid</a:t>
-            </a:r>
-            <a:r>
-              <a:rPr lang="en-US" dirty="0" smtClean="0">
-                <a:solidFill>
-                  <a:schemeClr val="bg1"/>
-                </a:solidFill>
-              </a:rPr>
-              <a:t> </a:t>
-            </a:r>
-            <a:r>
-              <a:rPr lang="en-US" dirty="0">
-                <a:solidFill>
-                  <a:schemeClr val="bg1"/>
-                </a:solidFill>
-              </a:rPr>
-              <a:t>per channel view count</a:t>
-            </a:r>
-            <a:endParaRPr lang="he-IL" dirty="0">
-              <a:solidFill>
-                <a:schemeClr val="bg1"/>
-              </a:solidFill>
-            </a:endParaRPr>
+              <a:rPr lang="en-US" dirty="0" err="1"/>
+              <a:t>videolike</a:t>
+            </a:r>
+            <a:r>
+              <a:rPr lang="en-US" dirty="0"/>
+              <a:t> per </a:t>
+            </a:r>
+            <a:r>
+              <a:rPr lang="en-US" dirty="0" err="1"/>
+              <a:t>channelvideoviewcount</a:t>
+            </a:r>
+            <a:endParaRPr lang="he-IL" dirty="0"/>
           </a:p>
         </p:txBody>
       </p:sp>
       <p:pic>
         <p:nvPicPr>
-          <p:cNvPr id="4" name="Content Placeholder 3"/>
+          <p:cNvPr id="3" name="Content Placeholder 2"/>
           <p:cNvPicPr>
             <a:picLocks noGrp="1" noChangeAspect="1"/>
           </p:cNvPicPr>
@@ -3963,21 +3921,28 @@
         </p:blipFill>
         <p:spPr>
           <a:xfrm>
-            <a:off x="1937086" y="1825625"/>
-            <a:ext cx="8317828" cy="4351338"/>
+            <a:off x="3311949" y="1825625"/>
+            <a:ext cx="5568101" cy="4351338"/>
           </a:xfrm>
         </p:spPr>
       </p:pic>
     </p:spTree>
     <p:extLst>
       <p:ext uri="{BB962C8B-B14F-4D97-AF65-F5344CB8AC3E}">
-        <p14:creationId xmlns:p14="http://schemas.microsoft.com/office/powerpoint/2010/main" val="3287575754"/>
+        <p14:creationId xmlns:p14="http://schemas.microsoft.com/office/powerpoint/2010/main" val="2646345653"/>
       </p:ext>
     </p:extLst>
   </p:cSld>
   <p:clrMapOvr>
     <a:masterClrMapping/>
   </p:clrMapOvr>
+  <p:timing>
+    <p:tnLst>
+      <p:par>
+        <p:cTn id="1" dur="indefinite" restart="never" nodeType="tmRoot"/>
+      </p:par>
+    </p:tnLst>
+  </p:timing>
 </p:sld>
 </file>
 
@@ -4021,79 +3986,35 @@
           <a:p>
             <a:pPr algn="ctr"/>
             <a:r>
-              <a:rPr lang="en-US" dirty="0">
-                <a:solidFill>
-                  <a:schemeClr val="bg1"/>
-                </a:solidFill>
-              </a:rPr>
+              <a:rPr lang="en-US" dirty="0"/>
               <a:t>Graph </a:t>
             </a:r>
             <a:r>
-              <a:rPr lang="en-US" dirty="0" smtClean="0">
-                <a:solidFill>
-                  <a:schemeClr val="bg1"/>
-                </a:solidFill>
-              </a:rPr>
+              <a:rPr lang="en-US" dirty="0" smtClean="0"/>
               <a:t>7</a:t>
             </a:r>
             <a:r>
-              <a:rPr lang="en-US" dirty="0">
-                <a:solidFill>
-                  <a:schemeClr val="bg1"/>
-                </a:solidFill>
-              </a:rPr>
+              <a:rPr lang="en-US" dirty="0" smtClean="0"/>
               <a:t/>
             </a:r>
             <a:br>
-              <a:rPr lang="en-US" dirty="0">
-                <a:solidFill>
-                  <a:schemeClr val="bg1"/>
-                </a:solidFill>
-              </a:rPr>
+              <a:rPr lang="en-US" dirty="0" smtClean="0"/>
             </a:br>
             <a:r>
-              <a:rPr lang="en-US" dirty="0" smtClean="0">
-                <a:solidFill>
-                  <a:schemeClr val="bg1"/>
-                </a:solidFill>
-              </a:rPr>
-              <a:t>likes/dislikes </a:t>
-            </a:r>
-            <a:r>
-              <a:rPr lang="en-US" dirty="0">
-                <a:solidFill>
-                  <a:schemeClr val="bg1"/>
-                </a:solidFill>
-              </a:rPr>
-              <a:t>per </a:t>
-            </a:r>
-            <a:r>
-              <a:rPr lang="en-US" dirty="0" smtClean="0">
-                <a:solidFill>
-                  <a:schemeClr val="bg1"/>
-                </a:solidFill>
-              </a:rPr>
-              <a:t>channel view </a:t>
-            </a:r>
-            <a:r>
-              <a:rPr lang="en-US" dirty="0">
-                <a:solidFill>
-                  <a:schemeClr val="bg1"/>
-                </a:solidFill>
-              </a:rPr>
-              <a:t>count</a:t>
-            </a:r>
-            <a:endParaRPr lang="he-IL" dirty="0">
-              <a:solidFill>
-                <a:schemeClr val="bg1"/>
-              </a:solidFill>
-            </a:endParaRPr>
+              <a:rPr lang="en-US" dirty="0"/>
+              <a:t>comment per </a:t>
+            </a:r>
+            <a:r>
+              <a:rPr lang="en-US" dirty="0" err="1"/>
+              <a:t>videoviewcount</a:t>
+            </a:r>
+            <a:endParaRPr lang="he-IL" dirty="0"/>
           </a:p>
         </p:txBody>
       </p:sp>
       <p:pic>
         <p:nvPicPr>
-          <p:cNvPr id="4" name="Content Placeholder 3"/>
+          <p:cNvPr id="3" name="Content Placeholder 2"/>
           <p:cNvPicPr>
             <a:picLocks noGrp="1" noChangeAspect="1"/>
           </p:cNvPicPr>
@@ -4115,21 +4036,28 @@
         </p:blipFill>
         <p:spPr>
           <a:xfrm>
-            <a:off x="1937086" y="1825625"/>
-            <a:ext cx="8317828" cy="4351338"/>
+            <a:off x="3239427" y="1825625"/>
+            <a:ext cx="5713145" cy="4351338"/>
           </a:xfrm>
         </p:spPr>
       </p:pic>
     </p:spTree>
     <p:extLst>
       <p:ext uri="{BB962C8B-B14F-4D97-AF65-F5344CB8AC3E}">
-        <p14:creationId xmlns:p14="http://schemas.microsoft.com/office/powerpoint/2010/main" val="14188330"/>
+        <p14:creationId xmlns:p14="http://schemas.microsoft.com/office/powerpoint/2010/main" val="2662776740"/>
       </p:ext>
     </p:extLst>
   </p:cSld>
   <p:clrMapOvr>
     <a:masterClrMapping/>
   </p:clrMapOvr>
+  <p:timing>
+    <p:tnLst>
+      <p:par>
+        <p:cTn id="1" dur="indefinite" restart="never" nodeType="tmRoot"/>
+      </p:par>
+    </p:tnLst>
+  </p:timing>
 </p:sld>
 </file>
 
@@ -4168,70 +4096,44 @@
         </p:nvSpPr>
         <p:spPr/>
         <p:txBody>
-          <a:bodyPr>
-            <a:normAutofit/>
-          </a:bodyPr>
+          <a:bodyPr/>
           <a:lstStyle/>
           <a:p>
             <a:pPr algn="ctr"/>
             <a:r>
-              <a:rPr lang="en-US" dirty="0">
-                <a:solidFill>
-                  <a:schemeClr val="bg1"/>
-                </a:solidFill>
-              </a:rPr>
+              <a:rPr lang="en-US" dirty="0"/>
               <a:t>Graph </a:t>
             </a:r>
             <a:r>
-              <a:rPr lang="en-US" dirty="0" smtClean="0">
-                <a:solidFill>
-                  <a:schemeClr val="bg1"/>
-                </a:solidFill>
-              </a:rPr>
+              <a:rPr lang="en-US" dirty="0" smtClean="0"/>
               <a:t>8</a:t>
             </a:r>
             <a:r>
-              <a:rPr lang="en-US" dirty="0">
-                <a:solidFill>
-                  <a:schemeClr val="bg1"/>
-                </a:solidFill>
-              </a:rPr>
+              <a:rPr lang="en-US" dirty="0" smtClean="0"/>
               <a:t/>
             </a:r>
             <a:br>
-              <a:rPr lang="en-US" dirty="0">
-                <a:solidFill>
-                  <a:schemeClr val="bg1"/>
-                </a:solidFill>
-              </a:rPr>
+              <a:rPr lang="en-US" dirty="0" smtClean="0"/>
             </a:br>
             <a:r>
-              <a:rPr lang="en-US" dirty="0" smtClean="0">
-                <a:solidFill>
-                  <a:schemeClr val="bg1"/>
-                </a:solidFill>
-              </a:rPr>
-              <a:t>comments/views </a:t>
-            </a:r>
-            <a:r>
-              <a:rPr lang="en-US" dirty="0">
-                <a:solidFill>
-                  <a:schemeClr val="bg1"/>
-                </a:solidFill>
-              </a:rPr>
-              <a:t>per channel view count</a:t>
-            </a:r>
-            <a:endParaRPr lang="he-IL" dirty="0">
-              <a:solidFill>
-                <a:schemeClr val="bg1"/>
-              </a:solidFill>
-            </a:endParaRPr>
+              <a:rPr lang="en-US" dirty="0" smtClean="0"/>
+              <a:t>comment </a:t>
+            </a:r>
+            <a:r>
+              <a:rPr lang="en-US" dirty="0" smtClean="0"/>
+              <a:t>per </a:t>
+            </a:r>
+            <a:r>
+              <a:rPr lang="en-US" dirty="0"/>
+              <a:t>subscriber count</a:t>
+            </a:r>
+            <a:endParaRPr lang="he-IL" dirty="0"/>
           </a:p>
         </p:txBody>
       </p:sp>
       <p:pic>
         <p:nvPicPr>
-          <p:cNvPr id="4" name="Content Placeholder 3"/>
+          <p:cNvPr id="3" name="Content Placeholder 2"/>
           <p:cNvPicPr>
             <a:picLocks noGrp="1" noChangeAspect="1"/>
           </p:cNvPicPr>
@@ -4253,21 +4155,28 @@
         </p:blipFill>
         <p:spPr>
           <a:xfrm>
-            <a:off x="1937086" y="1825625"/>
-            <a:ext cx="8317828" cy="4351338"/>
+            <a:off x="3239427" y="1825625"/>
+            <a:ext cx="5713145" cy="4351338"/>
           </a:xfrm>
         </p:spPr>
       </p:pic>
     </p:spTree>
     <p:extLst>
       <p:ext uri="{BB962C8B-B14F-4D97-AF65-F5344CB8AC3E}">
-        <p14:creationId xmlns:p14="http://schemas.microsoft.com/office/powerpoint/2010/main" val="2231791752"/>
+        <p14:creationId xmlns:p14="http://schemas.microsoft.com/office/powerpoint/2010/main" val="2031404524"/>
       </p:ext>
     </p:extLst>
   </p:cSld>
   <p:clrMapOvr>
     <a:masterClrMapping/>
   </p:clrMapOvr>
+  <p:timing>
+    <p:tnLst>
+      <p:par>
+        <p:cTn id="1" dur="indefinite" restart="never" nodeType="tmRoot"/>
+      </p:par>
+    </p:tnLst>
+  </p:timing>
 </p:sld>
 </file>
 
@@ -4311,71 +4220,35 @@
           <a:p>
             <a:pPr algn="ctr"/>
             <a:r>
-              <a:rPr lang="en-US" dirty="0">
-                <a:solidFill>
-                  <a:schemeClr val="bg1"/>
-                </a:solidFill>
-              </a:rPr>
+              <a:rPr lang="en-US" dirty="0"/>
               <a:t>Graph </a:t>
             </a:r>
             <a:r>
-              <a:rPr lang="en-US" dirty="0" smtClean="0">
-                <a:solidFill>
-                  <a:schemeClr val="bg1"/>
-                </a:solidFill>
-              </a:rPr>
+              <a:rPr lang="en-US" dirty="0" smtClean="0"/>
               <a:t>9</a:t>
             </a:r>
             <a:r>
-              <a:rPr lang="en-US" dirty="0">
-                <a:solidFill>
-                  <a:schemeClr val="bg1"/>
-                </a:solidFill>
-              </a:rPr>
+              <a:rPr lang="en-US" dirty="0"/>
               <a:t/>
             </a:r>
             <a:br>
-              <a:rPr lang="en-US" dirty="0">
-                <a:solidFill>
-                  <a:schemeClr val="bg1"/>
-                </a:solidFill>
-              </a:rPr>
+              <a:rPr lang="en-US" dirty="0"/>
             </a:br>
             <a:r>
-              <a:rPr lang="en-US" dirty="0" err="1" smtClean="0">
-                <a:solidFill>
-                  <a:schemeClr val="bg1"/>
-                </a:solidFill>
-              </a:rPr>
-              <a:t>channelelapsedtime</a:t>
-            </a:r>
-            <a:r>
-              <a:rPr lang="en-US" dirty="0" smtClean="0">
-                <a:solidFill>
-                  <a:schemeClr val="bg1"/>
-                </a:solidFill>
-              </a:rPr>
-              <a:t> </a:t>
-            </a:r>
-            <a:r>
-              <a:rPr lang="en-US" dirty="0">
-                <a:solidFill>
-                  <a:schemeClr val="bg1"/>
-                </a:solidFill>
-              </a:rPr>
-              <a:t>per channel view count</a:t>
-            </a:r>
-            <a:endParaRPr lang="he-IL" dirty="0">
-              <a:solidFill>
-                <a:schemeClr val="bg1"/>
-              </a:solidFill>
-            </a:endParaRPr>
+              <a:rPr lang="en-US" dirty="0"/>
+              <a:t>comment per </a:t>
+            </a:r>
+            <a:r>
+              <a:rPr lang="en-US" dirty="0" err="1" smtClean="0"/>
+              <a:t>channelvideoviewcount</a:t>
+            </a:r>
+            <a:endParaRPr lang="he-IL" dirty="0"/>
           </a:p>
         </p:txBody>
       </p:sp>
       <p:pic>
         <p:nvPicPr>
-          <p:cNvPr id="4" name="Content Placeholder 3"/>
+          <p:cNvPr id="3" name="Content Placeholder 2"/>
           <p:cNvPicPr>
             <a:picLocks noGrp="1" noChangeAspect="1"/>
           </p:cNvPicPr>
@@ -4397,21 +4270,28 @@
         </p:blipFill>
         <p:spPr>
           <a:xfrm>
-            <a:off x="1937086" y="1825625"/>
-            <a:ext cx="8317828" cy="4351338"/>
+            <a:off x="3203166" y="1825625"/>
+            <a:ext cx="5785667" cy="4351338"/>
           </a:xfrm>
         </p:spPr>
       </p:pic>
     </p:spTree>
     <p:extLst>
       <p:ext uri="{BB962C8B-B14F-4D97-AF65-F5344CB8AC3E}">
-        <p14:creationId xmlns:p14="http://schemas.microsoft.com/office/powerpoint/2010/main" val="2179149193"/>
+        <p14:creationId xmlns:p14="http://schemas.microsoft.com/office/powerpoint/2010/main" val="1274136664"/>
       </p:ext>
     </p:extLst>
   </p:cSld>
   <p:clrMapOvr>
     <a:masterClrMapping/>
   </p:clrMapOvr>
+  <p:timing>
+    <p:tnLst>
+      <p:par>
+        <p:cTn id="1" dur="indefinite" restart="never" nodeType="tmRoot"/>
+      </p:par>
+    </p:tnLst>
+  </p:timing>
 </p:sld>
 </file>
 
@@ -4455,63 +4335,35 @@
           <a:p>
             <a:pPr algn="ctr"/>
             <a:r>
-              <a:rPr lang="en-US" dirty="0">
-                <a:solidFill>
-                  <a:schemeClr val="bg1"/>
-                </a:solidFill>
-              </a:rPr>
+              <a:rPr lang="en-US" dirty="0"/>
               <a:t>Graph </a:t>
             </a:r>
             <a:r>
-              <a:rPr lang="en-US" dirty="0" smtClean="0">
-                <a:solidFill>
-                  <a:schemeClr val="bg1"/>
-                </a:solidFill>
-              </a:rPr>
+              <a:rPr lang="en-US" dirty="0" smtClean="0"/>
               <a:t>10</a:t>
             </a:r>
             <a:r>
-              <a:rPr lang="en-US" dirty="0">
-                <a:solidFill>
-                  <a:schemeClr val="bg1"/>
-                </a:solidFill>
-              </a:rPr>
+              <a:rPr lang="en-US" dirty="0" smtClean="0"/>
               <a:t/>
             </a:r>
             <a:br>
-              <a:rPr lang="en-US" dirty="0">
-                <a:solidFill>
-                  <a:schemeClr val="bg1"/>
-                </a:solidFill>
-              </a:rPr>
+              <a:rPr lang="en-US" dirty="0" smtClean="0"/>
             </a:br>
             <a:r>
-              <a:rPr lang="en-US" dirty="0" smtClean="0">
-                <a:solidFill>
-                  <a:schemeClr val="bg1"/>
-                </a:solidFill>
-              </a:rPr>
-              <a:t>dislike/subscriber </a:t>
-            </a:r>
-            <a:r>
-              <a:rPr lang="en-US" dirty="0">
-                <a:solidFill>
-                  <a:schemeClr val="bg1"/>
-                </a:solidFill>
-              </a:rPr>
-              <a:t>per channel view count</a:t>
-            </a:r>
-            <a:endParaRPr lang="he-IL" dirty="0">
-              <a:solidFill>
-                <a:schemeClr val="bg1"/>
-              </a:solidFill>
-            </a:endParaRPr>
+              <a:rPr lang="en-US" dirty="0"/>
+              <a:t>elapsed per </a:t>
+            </a:r>
+            <a:r>
+              <a:rPr lang="en-US" dirty="0" err="1"/>
+              <a:t>videoviewcount</a:t>
+            </a:r>
+            <a:endParaRPr lang="he-IL" dirty="0"/>
           </a:p>
         </p:txBody>
       </p:sp>
       <p:pic>
         <p:nvPicPr>
-          <p:cNvPr id="4" name="Content Placeholder 3"/>
+          <p:cNvPr id="5" name="Content Placeholder 4"/>
           <p:cNvPicPr>
             <a:picLocks noGrp="1" noChangeAspect="1"/>
           </p:cNvPicPr>
@@ -4533,21 +4385,28 @@
         </p:blipFill>
         <p:spPr>
           <a:xfrm>
-            <a:off x="1937086" y="1825625"/>
-            <a:ext cx="8317828" cy="4351338"/>
+            <a:off x="3295833" y="1825625"/>
+            <a:ext cx="5600333" cy="4351338"/>
           </a:xfrm>
         </p:spPr>
       </p:pic>
     </p:spTree>
     <p:extLst>
       <p:ext uri="{BB962C8B-B14F-4D97-AF65-F5344CB8AC3E}">
-        <p14:creationId xmlns:p14="http://schemas.microsoft.com/office/powerpoint/2010/main" val="2297763278"/>
+        <p14:creationId xmlns:p14="http://schemas.microsoft.com/office/powerpoint/2010/main" val="132620354"/>
       </p:ext>
     </p:extLst>
   </p:cSld>
   <p:clrMapOvr>
     <a:masterClrMapping/>
   </p:clrMapOvr>
+  <p:timing>
+    <p:tnLst>
+      <p:par>
+        <p:cTn id="1" dur="indefinite" restart="never" nodeType="tmRoot"/>
+      </p:par>
+    </p:tnLst>
+  </p:timing>
 </p:sld>
 </file>
 
@@ -4568,9 +4427,62 @@
           <a:chExt cx="0" cy="0"/>
         </a:xfrm>
       </p:grpSpPr>
+      <p:sp>
+        <p:nvSpPr>
+          <p:cNvPr id="2" name="כותרת 1">
+            <a:extLst>
+              <a:ext uri="{FF2B5EF4-FFF2-40B4-BE49-F238E27FC236}">
+                <a16:creationId xmlns:a16="http://schemas.microsoft.com/office/drawing/2014/main" id="{91917102-484B-F73A-F7F5-F4262E5B4011}"/>
+              </a:ext>
+            </a:extLst>
+          </p:cNvPr>
+          <p:cNvSpPr>
+            <a:spLocks noGrp="1"/>
+          </p:cNvSpPr>
+          <p:nvPr>
+            <p:ph type="title"/>
+          </p:nvPr>
+        </p:nvSpPr>
+        <p:spPr/>
+        <p:txBody>
+          <a:bodyPr/>
+          <a:lstStyle/>
+          <a:p>
+            <a:pPr algn="ctr"/>
+            <a:r>
+              <a:rPr lang="en-US" dirty="0"/>
+              <a:t>Graph </a:t>
+            </a:r>
+            <a:r>
+              <a:rPr lang="en-US" dirty="0" smtClean="0"/>
+              <a:t>11</a:t>
+            </a:r>
+            <a:r>
+              <a:rPr lang="en-US" dirty="0" smtClean="0"/>
+              <a:t/>
+            </a:r>
+            <a:br>
+              <a:rPr lang="en-US" dirty="0" smtClean="0"/>
+            </a:br>
+            <a:r>
+              <a:rPr lang="en-US" dirty="0"/>
+              <a:t>elapsed </a:t>
+            </a:r>
+            <a:r>
+              <a:rPr lang="en-US" dirty="0" smtClean="0"/>
+              <a:t>per </a:t>
+            </a:r>
+            <a:r>
+              <a:rPr lang="en-US" dirty="0" err="1"/>
+              <a:t>subscribercount</a:t>
+            </a:r>
+            <a:endParaRPr lang="he-IL" dirty="0"/>
+          </a:p>
+        </p:txBody>
+      </p:sp>
       <p:pic>
         <p:nvPicPr>
-          <p:cNvPr id="4" name="Content Placeholder 3"/>
+          <p:cNvPr id="3" name="Content Placeholder 2"/>
           <p:cNvPicPr>
             <a:picLocks noGrp="1" noChangeAspect="1"/>
           </p:cNvPicPr>
@@ -4592,88 +4504,143 @@
         </p:blipFill>
         <p:spPr>
           <a:xfrm>
-            <a:off x="1781228" y="1825625"/>
-            <a:ext cx="8629544" cy="4351338"/>
+            <a:off x="3295833" y="1825625"/>
+            <a:ext cx="5600333" cy="4351338"/>
           </a:xfrm>
         </p:spPr>
       </p:pic>
-      <p:sp>
-        <p:nvSpPr>
-          <p:cNvPr id="5" name="Title 4"/>
-          <p:cNvSpPr>
-            <a:spLocks noGrp="1"/>
-          </p:cNvSpPr>
-          <p:nvPr>
-            <p:ph type="title"/>
-          </p:nvPr>
-        </p:nvSpPr>
-        <p:spPr/>
-        <p:txBody>
-          <a:bodyPr/>
-          <a:lstStyle/>
-          <a:p>
-            <a:pPr algn="ctr"/>
-            <a:r>
-              <a:rPr lang="en-US" smtClean="0">
-                <a:solidFill>
-                  <a:schemeClr val="bg1"/>
-                </a:solidFill>
-              </a:rPr>
-              <a:t>Graph 11</a:t>
-            </a:r>
-            <a:r>
-              <a:rPr lang="en-US" dirty="0" smtClean="0">
-                <a:solidFill>
-                  <a:schemeClr val="bg1"/>
-                </a:solidFill>
-              </a:rPr>
-              <a:t/>
-            </a:r>
-            <a:br>
-              <a:rPr lang="en-US" dirty="0" smtClean="0">
-                <a:solidFill>
-                  <a:schemeClr val="bg1"/>
-                </a:solidFill>
-              </a:rPr>
-            </a:br>
-            <a:r>
-              <a:rPr lang="en-US" dirty="0" smtClean="0">
-                <a:solidFill>
-                  <a:schemeClr val="bg1"/>
-                </a:solidFill>
-              </a:rPr>
-              <a:t>dislikes/subscriber </a:t>
-            </a:r>
-            <a:r>
-              <a:rPr lang="en-US" dirty="0">
-                <a:solidFill>
-                  <a:schemeClr val="bg1"/>
-                </a:solidFill>
-              </a:rPr>
-              <a:t>per channel </a:t>
-            </a:r>
-            <a:r>
-              <a:rPr lang="en-US" dirty="0" smtClean="0">
-                <a:solidFill>
-                  <a:schemeClr val="bg1"/>
-                </a:solidFill>
-              </a:rPr>
-              <a:t>elapsed time</a:t>
-            </a:r>
-            <a:endParaRPr lang="he-IL" dirty="0"/>
-          </a:p>
-        </p:txBody>
-      </p:sp>
     </p:spTree>
     <p:extLst>
       <p:ext uri="{BB962C8B-B14F-4D97-AF65-F5344CB8AC3E}">
-        <p14:creationId xmlns:p14="http://schemas.microsoft.com/office/powerpoint/2010/main" val="1767906992"/>
+        <p14:creationId xmlns:p14="http://schemas.microsoft.com/office/powerpoint/2010/main" val="1718617716"/>
       </p:ext>
     </p:extLst>
   </p:cSld>
   <p:clrMapOvr>
     <a:masterClrMapping/>
   </p:clrMapOvr>
+  <p:timing>
+    <p:tnLst>
+      <p:par>
+        <p:cTn id="1" dur="indefinite" restart="never" nodeType="tmRoot"/>
+      </p:par>
+    </p:tnLst>
+  </p:timing>
+</p:sld>
+</file>
+
+<file path=ppt/slides/slide19.xml><?xml version="1.0" encoding="utf-8"?>
+<p:sld xmlns:a="http://schemas.openxmlformats.org/drawingml/2006/main" xmlns:r="http://schemas.openxmlformats.org/officeDocument/2006/relationships" xmlns:p="http://schemas.openxmlformats.org/presentationml/2006/main">
+  <p:cSld>
+    <p:spTree>
+      <p:nvGrpSpPr>
+        <p:cNvPr id="1" name=""/>
+        <p:cNvGrpSpPr/>
+        <p:nvPr/>
+      </p:nvGrpSpPr>
+      <p:grpSpPr>
+        <a:xfrm>
+          <a:off x="0" y="0"/>
+          <a:ext cx="0" cy="0"/>
+          <a:chOff x="0" y="0"/>
+          <a:chExt cx="0" cy="0"/>
+        </a:xfrm>
+      </p:grpSpPr>
+      <p:sp>
+        <p:nvSpPr>
+          <p:cNvPr id="2" name="כותרת 1">
+            <a:extLst>
+              <a:ext uri="{FF2B5EF4-FFF2-40B4-BE49-F238E27FC236}">
+                <a16:creationId xmlns:a16="http://schemas.microsoft.com/office/drawing/2014/main" id="{91917102-484B-F73A-F7F5-F4262E5B4011}"/>
+              </a:ext>
+            </a:extLst>
+          </p:cNvPr>
+          <p:cNvSpPr>
+            <a:spLocks noGrp="1"/>
+          </p:cNvSpPr>
+          <p:nvPr>
+            <p:ph type="title"/>
+          </p:nvPr>
+        </p:nvSpPr>
+        <p:spPr/>
+        <p:txBody>
+          <a:bodyPr/>
+          <a:lstStyle/>
+          <a:p>
+            <a:pPr algn="ctr"/>
+            <a:r>
+              <a:rPr lang="en-US" dirty="0"/>
+              <a:t>Graph </a:t>
+            </a:r>
+            <a:r>
+              <a:rPr lang="en-US" dirty="0" smtClean="0"/>
+              <a:t>12</a:t>
+            </a:r>
+            <a:r>
+              <a:rPr lang="en-US" dirty="0" smtClean="0"/>
+              <a:t/>
+            </a:r>
+            <a:br>
+              <a:rPr lang="en-US" dirty="0" smtClean="0"/>
+            </a:br>
+            <a:r>
+              <a:rPr lang="en-US" dirty="0"/>
+              <a:t>elapsed per </a:t>
+            </a:r>
+            <a:r>
+              <a:rPr lang="en-US" dirty="0" err="1"/>
+              <a:t>channelvideoviewcount</a:t>
+            </a:r>
+            <a:endParaRPr lang="he-IL" dirty="0"/>
+          </a:p>
+        </p:txBody>
+      </p:sp>
+      <p:pic>
+        <p:nvPicPr>
+          <p:cNvPr id="3" name="Content Placeholder 2"/>
+          <p:cNvPicPr>
+            <a:picLocks noGrp="1" noChangeAspect="1"/>
+          </p:cNvPicPr>
+          <p:nvPr>
+            <p:ph idx="1"/>
+          </p:nvPr>
+        </p:nvPicPr>
+        <p:blipFill>
+          <a:blip r:embed="rId2">
+            <a:extLst>
+              <a:ext uri="{28A0092B-C50C-407E-A947-70E740481C1C}">
+                <a14:useLocalDpi xmlns:a14="http://schemas.microsoft.com/office/drawing/2010/main" val="0"/>
+              </a:ext>
+            </a:extLst>
+          </a:blip>
+          <a:stretch>
+            <a:fillRect/>
+          </a:stretch>
+        </p:blipFill>
+        <p:spPr>
+          <a:xfrm>
+            <a:off x="3259572" y="1825625"/>
+            <a:ext cx="5672855" cy="4351338"/>
+          </a:xfrm>
+        </p:spPr>
+      </p:pic>
+    </p:spTree>
+    <p:extLst>
+      <p:ext uri="{BB962C8B-B14F-4D97-AF65-F5344CB8AC3E}">
+        <p14:creationId xmlns:p14="http://schemas.microsoft.com/office/powerpoint/2010/main" val="533002588"/>
+      </p:ext>
+    </p:extLst>
+  </p:cSld>
+  <p:clrMapOvr>
+    <a:masterClrMapping/>
+  </p:clrMapOvr>
+  <p:timing>
+    <p:tnLst>
+      <p:par>
+        <p:cTn id="1" dur="indefinite" restart="never" nodeType="tmRoot"/>
+      </p:par>
+    </p:tnLst>
+  </p:timing>
 </p:sld>
 </file>
 
@@ -4717,18 +4684,10 @@
           <a:p>
             <a:pPr algn="l"/>
             <a:r>
-              <a:rPr lang="en-US" dirty="0">
-                <a:solidFill>
-                  <a:schemeClr val="bg1"/>
-                </a:solidFill>
-              </a:rPr>
+              <a:rPr lang="en-US" dirty="0"/>
               <a:t>Main objective </a:t>
             </a:r>
-            <a:endParaRPr lang="he-IL" dirty="0">
-              <a:solidFill>
-                <a:schemeClr val="bg1"/>
-              </a:solidFill>
-            </a:endParaRPr>
+            <a:endParaRPr lang="he-IL" dirty="0"/>
           </a:p>
         </p:txBody>
       </p:sp>
@@ -4757,11 +4716,7 @@
               <a:buNone/>
             </a:pPr>
             <a:r>
-              <a:rPr lang="en-US" dirty="0">
-                <a:solidFill>
-                  <a:schemeClr val="bg1"/>
-                </a:solidFill>
-              </a:rPr>
+              <a:rPr lang="en-US" dirty="0"/>
               <a:t>The main purpose of this data analyzation is to aid YouTube channel owners to expand or maintain their user base by providing them with useful information regarding YouTube video usage.</a:t>
             </a:r>
           </a:p>
@@ -4770,18 +4725,10 @@
               <a:buNone/>
             </a:pPr>
             <a:r>
-              <a:rPr lang="en-US" dirty="0">
-                <a:solidFill>
-                  <a:schemeClr val="bg1"/>
-                </a:solidFill>
-              </a:rPr>
+              <a:rPr lang="en-US" dirty="0"/>
               <a:t>A secondary purpose can be to aid YouTube common users to find the best quality or most popular channels or videos. </a:t>
             </a:r>
-            <a:endParaRPr lang="he-IL" dirty="0">
-              <a:solidFill>
-                <a:schemeClr val="bg1"/>
-              </a:solidFill>
-            </a:endParaRPr>
+            <a:endParaRPr lang="he-IL" dirty="0"/>
           </a:p>
         </p:txBody>
       </p:sp>
@@ -4795,6 +4742,13 @@
   <p:clrMapOvr>
     <a:masterClrMapping/>
   </p:clrMapOvr>
+  <p:timing>
+    <p:tnLst>
+      <p:par>
+        <p:cTn id="1" dur="indefinite" restart="never" nodeType="tmRoot"/>
+      </p:par>
+    </p:tnLst>
+  </p:timing>
 </p:sld>
 </file>
 
@@ -4838,18 +4792,10 @@
           <a:p>
             <a:pPr algn="l"/>
             <a:r>
-              <a:rPr lang="en-US" dirty="0">
-                <a:solidFill>
-                  <a:schemeClr val="bg1"/>
-                </a:solidFill>
-              </a:rPr>
+              <a:rPr lang="en-US" dirty="0"/>
               <a:t>Introduction to the dataset</a:t>
             </a:r>
-            <a:endParaRPr lang="he-IL" dirty="0">
-              <a:solidFill>
-                <a:schemeClr val="bg1"/>
-              </a:solidFill>
-            </a:endParaRPr>
+            <a:endParaRPr lang="he-IL" dirty="0"/>
           </a:p>
         </p:txBody>
       </p:sp>
@@ -4879,19 +4825,12 @@
             </a:pPr>
             <a:r>
               <a:rPr lang="en-US" sz="2400" b="0" i="0" u="none" strike="noStrike" dirty="0">
-                <a:solidFill>
-                  <a:schemeClr val="bg1"/>
-                </a:solidFill>
                 <a:effectLst/>
               </a:rPr>
               <a:t>The given dataset con</a:t>
             </a:r>
             <a:r>
-              <a:rPr lang="en-US" sz="2400" dirty="0">
-                <a:solidFill>
-                  <a:schemeClr val="bg1"/>
-                </a:solidFill>
-              </a:rPr>
+              <a:rPr lang="en-US" sz="2400" dirty="0"/>
               <a:t>tain 27 different columns, of which the first column is the index column the index number is unique to every row thus it can be defined as the primary key every row has a unique number identifying it. </a:t>
             </a:r>
           </a:p>
@@ -4900,11 +4839,7 @@
               <a:buNone/>
             </a:pPr>
             <a:r>
-              <a:rPr lang="en-US" sz="2400" dirty="0">
-                <a:solidFill>
-                  <a:schemeClr val="bg1"/>
-                </a:solidFill>
-              </a:rPr>
+              <a:rPr lang="en-US" sz="2400" dirty="0"/>
               <a:t>The other 26 remaining columns contain YouTube related data, the channel id column is the unique id of every channel.</a:t>
             </a:r>
           </a:p>
@@ -4914,42 +4849,25 @@
             </a:pPr>
             <a:r>
               <a:rPr lang="en-US" sz="2400" b="0" i="0" u="none" strike="noStrike" dirty="0">
-                <a:solidFill>
-                  <a:schemeClr val="bg1"/>
-                </a:solidFill>
                 <a:effectLst/>
               </a:rPr>
               <a:t>The following columns are divided by categories: positive correlation in which the YouTube channel owners will want to maximize the amount to gain success, negative correlation in which the YouTube channel owners will want to minimize the amount to gain success, unknown correlation in which the effect on the channel success of changing the amount or type of the factor is yet unknown and unrelated correlation in </a:t>
             </a:r>
             <a:r>
-              <a:rPr lang="en-US" sz="2400" dirty="0">
-                <a:solidFill>
-                  <a:schemeClr val="bg1"/>
-                </a:solidFill>
-              </a:rPr>
+              <a:rPr lang="en-US" sz="2400" dirty="0"/>
               <a:t>which the column data is unrelated to the channel </a:t>
             </a:r>
             <a:r>
-              <a:rPr lang="en-US" sz="2400" dirty="0" smtClean="0">
-                <a:solidFill>
-                  <a:schemeClr val="bg1"/>
-                </a:solidFill>
-              </a:rPr>
+              <a:rPr lang="en-US" sz="2400" dirty="0" smtClean="0"/>
               <a:t>success</a:t>
             </a:r>
             <a:r>
               <a:rPr lang="en-US" sz="2400" b="0" i="0" u="none" strike="noStrike" dirty="0" smtClean="0">
-                <a:solidFill>
-                  <a:schemeClr val="bg1"/>
-                </a:solidFill>
                 <a:effectLst/>
               </a:rPr>
               <a:t>.</a:t>
             </a:r>
             <a:endParaRPr lang="he-IL" sz="2400" b="0" i="0" u="none" strike="noStrike" dirty="0">
-              <a:solidFill>
-                <a:schemeClr val="bg1"/>
-              </a:solidFill>
               <a:effectLst/>
             </a:endParaRPr>
           </a:p>
@@ -4957,20 +4875,13 @@
             <a:pPr marL="0" indent="0" algn="l">
               <a:buNone/>
             </a:pPr>
-            <a:endParaRPr lang="he-IL" sz="1800" dirty="0">
-              <a:solidFill>
-                <a:schemeClr val="bg1"/>
-              </a:solidFill>
-            </a:endParaRPr>
+            <a:endParaRPr lang="he-IL" sz="1800" dirty="0"/>
           </a:p>
           <a:p>
             <a:pPr marL="0" indent="0" algn="l">
               <a:buNone/>
             </a:pPr>
             <a:endParaRPr lang="he-IL" sz="1800" b="0" i="0" u="none" strike="noStrike" dirty="0">
-              <a:solidFill>
-                <a:schemeClr val="bg1"/>
-              </a:solidFill>
               <a:effectLst/>
               <a:latin typeface="Arial" panose="020B0604020202020204" pitchFamily="34" charset="0"/>
             </a:endParaRPr>
@@ -4987,6 +4898,13 @@
   <p:clrMapOvr>
     <a:masterClrMapping/>
   </p:clrMapOvr>
+  <p:timing>
+    <p:tnLst>
+      <p:par>
+        <p:cTn id="1" dur="indefinite" restart="never" nodeType="tmRoot"/>
+      </p:par>
+    </p:tnLst>
+  </p:timing>
 </p:sld>
 </file>
 
@@ -5030,18 +4948,10 @@
           <a:p>
             <a:pPr algn="l"/>
             <a:r>
-              <a:rPr lang="en-US" dirty="0">
-                <a:solidFill>
-                  <a:schemeClr val="bg1"/>
-                </a:solidFill>
-              </a:rPr>
+              <a:rPr lang="en-US" dirty="0"/>
               <a:t>Introduction to the dataset</a:t>
             </a:r>
-            <a:endParaRPr lang="he-IL" dirty="0">
-              <a:solidFill>
-                <a:schemeClr val="bg1"/>
-              </a:solidFill>
-            </a:endParaRPr>
+            <a:endParaRPr lang="he-IL" dirty="0"/>
           </a:p>
         </p:txBody>
       </p:sp>
@@ -5071,147 +4981,95 @@
             </a:pPr>
             <a:r>
               <a:rPr lang="en-US" sz="1800" b="0" i="0" u="none" strike="noStrike" dirty="0">
-                <a:solidFill>
-                  <a:schemeClr val="bg1"/>
-                </a:solidFill>
                 <a:effectLst/>
               </a:rPr>
               <a:t>Positive correlation </a:t>
             </a:r>
             <a:r>
-              <a:rPr lang="en-US" sz="1800" dirty="0">
-                <a:solidFill>
-                  <a:schemeClr val="bg1"/>
-                </a:solidFill>
-              </a:rPr>
+              <a:rPr lang="en-US" sz="1800" dirty="0"/>
               <a:t>:</a:t>
             </a:r>
             <a:r>
               <a:rPr lang="en-US" sz="1800" b="0" i="0" u="none" strike="noStrike" dirty="0">
-                <a:solidFill>
-                  <a:schemeClr val="bg1"/>
-                </a:solidFill>
                 <a:effectLst/>
               </a:rPr>
               <a:t> </a:t>
             </a:r>
             <a:r>
               <a:rPr lang="en-US" sz="1800" b="0" i="0" u="none" strike="noStrike" dirty="0" err="1">
-                <a:solidFill>
-                  <a:schemeClr val="bg1"/>
-                </a:solidFill>
                 <a:effectLst/>
               </a:rPr>
               <a:t>subscriberCount</a:t>
             </a:r>
             <a:r>
               <a:rPr lang="en-US" sz="1800" b="0" i="0" u="none" strike="noStrike" dirty="0">
-                <a:solidFill>
-                  <a:schemeClr val="bg1"/>
-                </a:solidFill>
                 <a:effectLst/>
               </a:rPr>
               <a:t>, </a:t>
             </a:r>
             <a:r>
               <a:rPr lang="en-US" sz="1800" b="0" i="0" u="none" strike="noStrike" dirty="0" err="1">
-                <a:solidFill>
-                  <a:schemeClr val="bg1"/>
-                </a:solidFill>
                 <a:effectLst/>
               </a:rPr>
               <a:t>channelViewCount</a:t>
             </a:r>
             <a:r>
-              <a:rPr lang="en-US" sz="1800" dirty="0">
-                <a:solidFill>
-                  <a:schemeClr val="bg1"/>
-                </a:solidFill>
-              </a:rPr>
+              <a:rPr lang="en-US" sz="1800" dirty="0"/>
               <a:t>, </a:t>
             </a:r>
             <a:r>
               <a:rPr lang="en-US" sz="1800" b="0" i="0" u="none" strike="noStrike" dirty="0" err="1">
-                <a:solidFill>
-                  <a:schemeClr val="bg1"/>
-                </a:solidFill>
                 <a:effectLst/>
               </a:rPr>
               <a:t>channelCommentCount</a:t>
             </a:r>
             <a:r>
-              <a:rPr lang="en-US" sz="1800" dirty="0">
-                <a:solidFill>
-                  <a:schemeClr val="bg1"/>
-                </a:solidFill>
-              </a:rPr>
+              <a:rPr lang="en-US" sz="1800" dirty="0"/>
               <a:t>, </a:t>
             </a:r>
             <a:r>
               <a:rPr lang="en-US" sz="1800" b="0" i="0" u="none" strike="noStrike" dirty="0" err="1">
-                <a:solidFill>
-                  <a:schemeClr val="bg1"/>
-                </a:solidFill>
                 <a:effectLst/>
               </a:rPr>
               <a:t>videoViewCount</a:t>
             </a:r>
             <a:r>
-              <a:rPr lang="en-US" sz="1800" dirty="0">
-                <a:solidFill>
-                  <a:schemeClr val="bg1"/>
-                </a:solidFill>
-              </a:rPr>
+              <a:rPr lang="en-US" sz="1800" dirty="0"/>
               <a:t>, </a:t>
             </a:r>
             <a:r>
-              <a:rPr lang="en-US" sz="1800" b="0" i="0" u="none" strike="noStrike" dirty="0">
-                <a:solidFill>
-                  <a:schemeClr val="bg1"/>
-                </a:solidFill>
-                <a:effectLst/>
-              </a:rPr>
+              <a:rPr lang="en-US" sz="1800" dirty="0" err="1"/>
+              <a:t>videoCount</a:t>
+            </a:r>
+            <a:r>
+              <a:rPr lang="en-US" sz="1800" dirty="0"/>
+              <a:t> ,</a:t>
+            </a:r>
+            <a:r>
+              <a:rPr lang="en-US" sz="1800" dirty="0" smtClean="0"/>
               <a:t>likes/dislikes</a:t>
             </a:r>
             <a:r>
-              <a:rPr lang="en-US" sz="1800" dirty="0">
-                <a:solidFill>
-                  <a:schemeClr val="bg1"/>
-                </a:solidFill>
-              </a:rPr>
+              <a:rPr lang="en-US" sz="1800" dirty="0"/>
               <a:t>, </a:t>
             </a:r>
             <a:r>
               <a:rPr lang="en-US" sz="1800" b="0" i="0" u="none" strike="noStrike" dirty="0" err="1" smtClean="0">
-                <a:solidFill>
-                  <a:schemeClr val="bg1"/>
-                </a:solidFill>
                 <a:effectLst/>
               </a:rPr>
               <a:t>videoLikeCount</a:t>
             </a:r>
             <a:r>
-              <a:rPr lang="en-US" sz="1800" dirty="0" smtClean="0">
-                <a:solidFill>
-                  <a:schemeClr val="bg1"/>
-                </a:solidFill>
-              </a:rPr>
+              <a:rPr lang="en-US" sz="1800" dirty="0" smtClean="0"/>
               <a:t>.</a:t>
             </a:r>
-            <a:endParaRPr lang="en-US" sz="1800" dirty="0">
-              <a:solidFill>
-                <a:schemeClr val="bg1"/>
-              </a:solidFill>
-            </a:endParaRPr>
+            <a:endParaRPr lang="en-US" sz="1800" dirty="0"/>
           </a:p>
           <a:p>
             <a:pPr marL="0" indent="0" algn="l" rtl="0">
               <a:buNone/>
             </a:pPr>
             <a:endParaRPr lang="en-US" sz="1800" b="0" i="0" u="none" strike="noStrike" dirty="0">
-              <a:solidFill>
-                <a:schemeClr val="bg1"/>
-              </a:solidFill>
               <a:effectLst/>
             </a:endParaRPr>
           </a:p>
@@ -5221,413 +5079,248 @@
             </a:pPr>
             <a:r>
               <a:rPr lang="en-US" sz="1800" b="0" i="0" u="none" strike="noStrike" dirty="0">
-                <a:solidFill>
-                  <a:schemeClr val="bg1"/>
-                </a:solidFill>
                 <a:effectLst/>
               </a:rPr>
               <a:t>Negative correlation</a:t>
             </a:r>
             <a:r>
               <a:rPr lang="he-IL" sz="1800" b="0" i="0" u="none" strike="noStrike" dirty="0">
-                <a:solidFill>
-                  <a:schemeClr val="bg1"/>
-                </a:solidFill>
                 <a:effectLst/>
               </a:rPr>
               <a:t>:</a:t>
             </a:r>
             <a:r>
               <a:rPr lang="en-US" sz="1800" b="0" i="0" u="none" strike="noStrike" dirty="0">
-                <a:solidFill>
-                  <a:schemeClr val="bg1"/>
-                </a:solidFill>
                 <a:effectLst/>
               </a:rPr>
               <a:t> dislikes/subscriber, dislikes/views, </a:t>
             </a:r>
             <a:r>
               <a:rPr lang="en-US" sz="1800" b="0" i="0" u="none" strike="noStrike" dirty="0" err="1" smtClean="0">
-                <a:solidFill>
-                  <a:schemeClr val="bg1"/>
-                </a:solidFill>
                 <a:effectLst/>
               </a:rPr>
               <a:t>videoDislikeCount</a:t>
             </a:r>
             <a:r>
               <a:rPr lang="en-US" sz="1800" b="0" i="0" u="none" strike="noStrike" dirty="0" smtClean="0">
-                <a:solidFill>
-                  <a:schemeClr val="bg1"/>
-                </a:solidFill>
                 <a:effectLst/>
               </a:rPr>
               <a:t>.</a:t>
             </a:r>
-            <a:endParaRPr lang="en-US" sz="1800" dirty="0">
-              <a:solidFill>
-                <a:schemeClr val="bg1"/>
-              </a:solidFill>
-            </a:endParaRPr>
           </a:p>
           <a:p>
             <a:pPr marL="0" indent="0" algn="l" rtl="0">
               <a:buNone/>
             </a:pPr>
+            <a:endParaRPr lang="en-US" sz="1800" dirty="0"/>
+          </a:p>
+          <a:p>
+            <a:pPr marL="0" indent="0" algn="l" rtl="0">
+              <a:buNone/>
+            </a:pPr>
             <a:r>
               <a:rPr lang="en-US" sz="1800" b="0" i="0" u="none" strike="noStrike" dirty="0">
-                <a:solidFill>
-                  <a:schemeClr val="bg1"/>
-                </a:solidFill>
                 <a:effectLst/>
               </a:rPr>
               <a:t>Unknown correlation</a:t>
             </a:r>
             <a:r>
               <a:rPr lang="he-IL" sz="1800" b="0" i="0" u="none" strike="noStrike" dirty="0">
-                <a:solidFill>
-                  <a:schemeClr val="bg1"/>
-                </a:solidFill>
                 <a:effectLst/>
               </a:rPr>
               <a:t>:</a:t>
             </a:r>
             <a:r>
               <a:rPr lang="en-US" sz="1800" b="0" i="0" u="none" strike="noStrike" dirty="0">
-                <a:solidFill>
-                  <a:schemeClr val="bg1"/>
-                </a:solidFill>
                 <a:effectLst/>
               </a:rPr>
               <a:t> </a:t>
             </a:r>
             <a:r>
               <a:rPr lang="en-US" sz="1800" b="0" i="0" u="none" strike="noStrike" dirty="0" err="1">
-                <a:solidFill>
-                  <a:schemeClr val="bg1"/>
-                </a:solidFill>
                 <a:effectLst/>
               </a:rPr>
               <a:t>videoCategoryId</a:t>
             </a:r>
             <a:r>
+              <a:rPr lang="en-US" sz="1800" b="0" i="0" u="none" strike="noStrike" dirty="0" smtClean="0">
+                <a:effectLst/>
+              </a:rPr>
+              <a:t>,, </a:t>
+            </a:r>
+            <a:r>
               <a:rPr lang="en-US" sz="1800" b="0" i="0" u="none" strike="noStrike" dirty="0">
-                <a:solidFill>
-                  <a:schemeClr val="bg1"/>
-                </a:solidFill>
+                <a:effectLst/>
+              </a:rPr>
+              <a:t>views/subscribers, </a:t>
+            </a:r>
+            <a:r>
+              <a:rPr lang="en-US" sz="1800" b="0" i="0" u="none" strike="noStrike" dirty="0" err="1" smtClean="0">
+                <a:effectLst/>
+              </a:rPr>
+              <a:t>channelelapsedtime</a:t>
+            </a:r>
+            <a:r>
+              <a:rPr lang="en-US" sz="1800" b="0" i="0" u="none" strike="noStrike" dirty="0" smtClean="0">
+                <a:effectLst/>
+              </a:rPr>
+              <a:t>,</a:t>
+            </a:r>
+            <a:r>
+              <a:rPr lang="en-US" sz="1800" dirty="0" smtClean="0"/>
+              <a:t>,</a:t>
+            </a:r>
+            <a:r>
+              <a:rPr lang="en-US" sz="1800" b="0" i="0" u="none" strike="noStrike" dirty="0" err="1" smtClean="0">
+                <a:effectLst/>
+              </a:rPr>
+              <a:t>totalviews</a:t>
+            </a:r>
+            <a:r>
+              <a:rPr lang="en-US" sz="1800" b="0" i="0" u="none" strike="noStrike" dirty="0" smtClean="0">
+                <a:effectLst/>
+              </a:rPr>
+              <a:t>/</a:t>
+            </a:r>
+            <a:r>
+              <a:rPr lang="en-US" sz="1800" b="0" i="0" u="none" strike="noStrike" dirty="0" err="1" smtClean="0">
+                <a:effectLst/>
+              </a:rPr>
+              <a:t>channelelapsedtime</a:t>
+            </a:r>
+            <a:r>
+              <a:rPr lang="en-US" sz="1800" dirty="0" smtClean="0"/>
+              <a:t> </a:t>
+            </a:r>
+            <a:r>
+              <a:rPr lang="en-US" sz="1800" b="0" i="0" u="none" strike="noStrike" dirty="0">
+                <a:effectLst/>
+              </a:rPr>
+              <a:t>comments/views</a:t>
+            </a:r>
+            <a:r>
+              <a:rPr lang="en-US" sz="1800" dirty="0"/>
+              <a:t>, </a:t>
+            </a:r>
+            <a:r>
+              <a:rPr lang="en-US" sz="1800" b="0" i="0" u="none" strike="noStrike" dirty="0">
+                <a:effectLst/>
+              </a:rPr>
+              <a:t>comments/subscriber, likes/subscriber</a:t>
+            </a:r>
+            <a:r>
+              <a:rPr lang="en-US" sz="1800" dirty="0"/>
+              <a:t>, </a:t>
+            </a:r>
+            <a:r>
+              <a:rPr lang="en-US" sz="1800" b="0" i="0" u="none" strike="noStrike" dirty="0">
+                <a:effectLst/>
+              </a:rPr>
+              <a:t>likes/views</a:t>
+            </a:r>
+            <a:r>
+              <a:rPr lang="en-US" sz="1800" dirty="0"/>
+              <a:t>, </a:t>
+            </a:r>
+            <a:r>
+              <a:rPr lang="en-US" sz="1800" b="0" i="0" u="none" strike="noStrike" dirty="0" err="1">
+                <a:effectLst/>
+              </a:rPr>
+              <a:t>totvideos</a:t>
+            </a:r>
+            <a:r>
+              <a:rPr lang="en-US" sz="1800" b="0" i="0" u="none" strike="noStrike" dirty="0">
+                <a:effectLst/>
+              </a:rPr>
+              <a:t>/</a:t>
+            </a:r>
+            <a:r>
+              <a:rPr lang="en-US" sz="1800" b="0" i="0" u="none" strike="noStrike" dirty="0" err="1">
+                <a:effectLst/>
+              </a:rPr>
+              <a:t>videocount</a:t>
+            </a:r>
+            <a:r>
+              <a:rPr lang="en-US" sz="1800" b="0" i="0" u="none" strike="noStrike" dirty="0">
                 <a:effectLst/>
               </a:rPr>
               <a:t>, </a:t>
             </a:r>
             <a:r>
               <a:rPr lang="en-US" sz="1800" b="0" i="0" u="none" strike="noStrike" dirty="0" err="1">
-                <a:solidFill>
-                  <a:schemeClr val="bg1"/>
-                </a:solidFill>
                 <a:effectLst/>
               </a:rPr>
-              <a:t>videoCount</a:t>
+              <a:t>elapsedtime</a:t>
             </a:r>
             <a:r>
               <a:rPr lang="en-US" sz="1800" b="0" i="0" u="none" strike="noStrike" dirty="0">
-                <a:solidFill>
-                  <a:schemeClr val="bg1"/>
-                </a:solidFill>
                 <a:effectLst/>
               </a:rPr>
-              <a:t>, views/subscribers, </a:t>
-            </a:r>
-            <a:r>
-              <a:rPr lang="en-US" sz="1800" b="0" i="0" u="none" strike="noStrike" dirty="0" err="1" smtClean="0">
-                <a:solidFill>
-                  <a:schemeClr val="bg1"/>
-                </a:solidFill>
+              <a:t>,</a:t>
+            </a:r>
+            <a:r>
+              <a:rPr lang="en-US" sz="1800" dirty="0"/>
+              <a:t> </a:t>
+            </a:r>
+            <a:r>
+              <a:rPr lang="en-US" sz="1800" b="0" i="0" u="none" strike="noStrike" dirty="0" err="1">
                 <a:effectLst/>
               </a:rPr>
-              <a:t>channelelapsedtime</a:t>
-            </a:r>
-            <a:r>
-              <a:rPr lang="en-US" sz="1800" b="0" i="0" u="none" strike="noStrike" dirty="0" smtClean="0">
-                <a:solidFill>
-                  <a:schemeClr val="bg1"/>
-                </a:solidFill>
-                <a:effectLst/>
-              </a:rPr>
-              <a:t>, </a:t>
-            </a:r>
-            <a:r>
-              <a:rPr lang="en-US" sz="1800" b="0" i="0" u="none" strike="noStrike" dirty="0" err="1" smtClean="0">
-                <a:solidFill>
-                  <a:schemeClr val="bg1"/>
-                </a:solidFill>
-                <a:effectLst/>
-              </a:rPr>
-              <a:t>videoId</a:t>
-            </a:r>
-            <a:r>
-              <a:rPr lang="en-US" sz="1800" dirty="0">
-                <a:solidFill>
-                  <a:schemeClr val="bg1"/>
-                </a:solidFill>
-              </a:rPr>
-              <a:t>,</a:t>
+              <a:t>totviews</a:t>
             </a:r>
             <a:r>
               <a:rPr lang="en-US" sz="1800" b="0" i="0" u="none" strike="noStrike" dirty="0">
-                <a:solidFill>
-                  <a:schemeClr val="bg1"/>
-                </a:solidFill>
-                <a:effectLst/>
-              </a:rPr>
-              <a:t> </a:t>
-            </a:r>
-            <a:r>
-              <a:rPr lang="en-US" sz="1800" b="0" i="0" u="none" strike="noStrike" dirty="0" err="1">
-                <a:solidFill>
-                  <a:schemeClr val="bg1"/>
-                </a:solidFill>
-                <a:effectLst/>
-              </a:rPr>
-              <a:t>totalviews</a:t>
-            </a:r>
-            <a:r>
-              <a:rPr lang="en-US" sz="1800" b="0" i="0" u="none" strike="noStrike" dirty="0">
-                <a:solidFill>
-                  <a:schemeClr val="bg1"/>
-                </a:solidFill>
                 <a:effectLst/>
               </a:rPr>
               <a:t>/</a:t>
             </a:r>
             <a:r>
               <a:rPr lang="en-US" sz="1800" b="0" i="0" u="none" strike="noStrike" dirty="0" err="1">
-                <a:solidFill>
-                  <a:schemeClr val="bg1"/>
-                </a:solidFill>
                 <a:effectLst/>
               </a:rPr>
-              <a:t>channelelapsedtime</a:t>
-            </a:r>
-            <a:r>
-              <a:rPr lang="en-US" sz="1800" dirty="0">
-                <a:solidFill>
-                  <a:schemeClr val="bg1"/>
-                </a:solidFill>
-              </a:rPr>
-              <a:t> </a:t>
+              <a:t>totsubs</a:t>
             </a:r>
             <a:r>
               <a:rPr lang="en-US" sz="1800" b="0" i="0" u="none" strike="noStrike" dirty="0">
-                <a:solidFill>
-                  <a:schemeClr val="bg1"/>
-                </a:solidFill>
                 <a:effectLst/>
               </a:rPr>
-              <a:t>comments/views</a:t>
-            </a:r>
-            <a:r>
-              <a:rPr lang="en-US" sz="1800" dirty="0">
-                <a:solidFill>
-                  <a:schemeClr val="bg1"/>
-                </a:solidFill>
-              </a:rPr>
-              <a:t>, </a:t>
-            </a:r>
-            <a:r>
-              <a:rPr lang="en-US" sz="1800" b="0" i="0" u="none" strike="noStrike" dirty="0">
-                <a:solidFill>
-                  <a:schemeClr val="bg1"/>
-                </a:solidFill>
-                <a:effectLst/>
-              </a:rPr>
-              <a:t>comments/subscriber, likes/subscriber</a:t>
-            </a:r>
-            <a:r>
-              <a:rPr lang="en-US" sz="1800" dirty="0">
-                <a:solidFill>
-                  <a:schemeClr val="bg1"/>
-                </a:solidFill>
-              </a:rPr>
-              <a:t>, </a:t>
-            </a:r>
-            <a:r>
-              <a:rPr lang="en-US" sz="1800" b="0" i="0" u="none" strike="noStrike" dirty="0">
-                <a:solidFill>
-                  <a:schemeClr val="bg1"/>
-                </a:solidFill>
-                <a:effectLst/>
-              </a:rPr>
-              <a:t>likes/views</a:t>
-            </a:r>
-            <a:r>
-              <a:rPr lang="en-US" sz="1800" dirty="0">
-                <a:solidFill>
-                  <a:schemeClr val="bg1"/>
-                </a:solidFill>
-              </a:rPr>
-              <a:t>, </a:t>
+              <a:t>, views/</a:t>
             </a:r>
             <a:r>
               <a:rPr lang="en-US" sz="1800" b="0" i="0" u="none" strike="noStrike" dirty="0" err="1">
-                <a:solidFill>
-                  <a:schemeClr val="bg1"/>
-                </a:solidFill>
-                <a:effectLst/>
-              </a:rPr>
-              <a:t>totvideos</a:t>
-            </a:r>
-            <a:r>
-              <a:rPr lang="en-US" sz="1800" b="0" i="0" u="none" strike="noStrike" dirty="0">
-                <a:solidFill>
-                  <a:schemeClr val="bg1"/>
-                </a:solidFill>
-                <a:effectLst/>
-              </a:rPr>
-              <a:t>/</a:t>
-            </a:r>
-            <a:r>
-              <a:rPr lang="en-US" sz="1800" b="0" i="0" u="none" strike="noStrike" dirty="0" err="1">
-                <a:solidFill>
-                  <a:schemeClr val="bg1"/>
-                </a:solidFill>
-                <a:effectLst/>
-              </a:rPr>
-              <a:t>videocount</a:t>
-            </a:r>
-            <a:r>
-              <a:rPr lang="en-US" sz="1800" b="0" i="0" u="none" strike="noStrike" dirty="0">
-                <a:solidFill>
-                  <a:schemeClr val="bg1"/>
-                </a:solidFill>
-                <a:effectLst/>
-              </a:rPr>
-              <a:t>, </a:t>
-            </a:r>
-            <a:r>
-              <a:rPr lang="en-US" sz="1800" b="0" i="0" u="none" strike="noStrike" dirty="0" err="1">
-                <a:solidFill>
-                  <a:schemeClr val="bg1"/>
-                </a:solidFill>
                 <a:effectLst/>
               </a:rPr>
               <a:t>elapsedtime</a:t>
             </a:r>
             <a:r>
-              <a:rPr lang="en-US" sz="1800" b="0" i="0" u="none" strike="noStrike" dirty="0">
-                <a:solidFill>
-                  <a:schemeClr val="bg1"/>
-                </a:solidFill>
+              <a:rPr lang="en-US" sz="1800" dirty="0"/>
+              <a:t>, </a:t>
+            </a:r>
+            <a:r>
+              <a:rPr lang="en-US" sz="1800" b="0" i="0" u="none" strike="noStrike" dirty="0" err="1" smtClean="0">
+                <a:effectLst/>
+              </a:rPr>
+              <a:t>videoPublished</a:t>
+            </a:r>
+            <a:r>
+              <a:rPr lang="en-US" sz="1800" b="0" i="0" u="none" strike="noStrike" dirty="0" smtClean="0">
                 <a:effectLst/>
               </a:rPr>
               <a:t>,</a:t>
             </a:r>
             <a:r>
-              <a:rPr lang="en-US" sz="1800" dirty="0">
-                <a:solidFill>
-                  <a:schemeClr val="bg1"/>
-                </a:solidFill>
-              </a:rPr>
+              <a:rPr lang="en-US" sz="1800" dirty="0" smtClean="0"/>
               <a:t> </a:t>
             </a:r>
             <a:r>
-              <a:rPr lang="en-US" sz="1800" b="0" i="0" u="none" strike="noStrike" dirty="0" err="1">
-                <a:solidFill>
-                  <a:schemeClr val="bg1"/>
-                </a:solidFill>
-                <a:effectLst/>
-              </a:rPr>
-              <a:t>totviews</a:t>
-            </a:r>
-            <a:r>
-              <a:rPr lang="en-US" sz="1800" b="0" i="0" u="none" strike="noStrike" dirty="0">
-                <a:solidFill>
-                  <a:schemeClr val="bg1"/>
-                </a:solidFill>
-                <a:effectLst/>
-              </a:rPr>
-              <a:t>/</a:t>
-            </a:r>
-            <a:r>
-              <a:rPr lang="en-US" sz="1800" b="0" i="0" u="none" strike="noStrike" dirty="0" err="1">
-                <a:solidFill>
-                  <a:schemeClr val="bg1"/>
-                </a:solidFill>
-                <a:effectLst/>
-              </a:rPr>
-              <a:t>totsubs</a:t>
-            </a:r>
-            <a:r>
-              <a:rPr lang="en-US" sz="1800" b="0" i="0" u="none" strike="noStrike" dirty="0">
-                <a:solidFill>
-                  <a:schemeClr val="bg1"/>
-                </a:solidFill>
-                <a:effectLst/>
-              </a:rPr>
-              <a:t>, views/</a:t>
-            </a:r>
-            <a:r>
-              <a:rPr lang="en-US" sz="1800" b="0" i="0" u="none" strike="noStrike" dirty="0" err="1">
-                <a:solidFill>
-                  <a:schemeClr val="bg1"/>
-                </a:solidFill>
-                <a:effectLst/>
-              </a:rPr>
-              <a:t>elapsedtime</a:t>
-            </a:r>
-            <a:r>
-              <a:rPr lang="en-US" sz="1800" dirty="0">
-                <a:solidFill>
-                  <a:schemeClr val="bg1"/>
-                </a:solidFill>
-              </a:rPr>
-              <a:t>, </a:t>
-            </a:r>
-            <a:r>
-              <a:rPr lang="en-US" sz="1800" b="0" i="0" u="none" strike="noStrike" dirty="0" err="1" smtClean="0">
-                <a:solidFill>
-                  <a:schemeClr val="bg1"/>
-                </a:solidFill>
-                <a:effectLst/>
-              </a:rPr>
-              <a:t>videoPublished</a:t>
-            </a:r>
-            <a:r>
-              <a:rPr lang="en-US" sz="1800" b="0" i="0" u="none" strike="noStrike" dirty="0" smtClean="0">
-                <a:solidFill>
-                  <a:schemeClr val="bg1"/>
-                </a:solidFill>
-                <a:effectLst/>
-              </a:rPr>
-              <a:t>,</a:t>
-            </a:r>
-            <a:r>
-              <a:rPr lang="en-US" sz="1800" dirty="0" smtClean="0">
-                <a:solidFill>
-                  <a:schemeClr val="bg1"/>
-                </a:solidFill>
-              </a:rPr>
-              <a:t> </a:t>
-            </a:r>
-            <a:r>
-              <a:rPr lang="en-US" sz="1800" dirty="0" err="1" smtClean="0">
-                <a:solidFill>
-                  <a:schemeClr val="bg1"/>
-                </a:solidFill>
-              </a:rPr>
+              <a:rPr lang="en-US" sz="1800" dirty="0" err="1" smtClean="0"/>
               <a:t>VideoCommentCount</a:t>
             </a:r>
             <a:r>
-              <a:rPr lang="en-US" sz="1800" dirty="0" smtClean="0">
-                <a:solidFill>
-                  <a:schemeClr val="bg1"/>
-                </a:solidFill>
-              </a:rPr>
+              <a:rPr lang="en-US" sz="1800" dirty="0" smtClean="0"/>
               <a:t>.</a:t>
             </a:r>
             <a:endParaRPr lang="en-US" sz="1800" b="0" i="0" u="none" strike="noStrike" dirty="0">
-              <a:solidFill>
-                <a:schemeClr val="bg1"/>
-              </a:solidFill>
               <a:effectLst/>
             </a:endParaRPr>
           </a:p>
@@ -5636,67 +5329,52 @@
               <a:buNone/>
             </a:pPr>
             <a:r>
-              <a:rPr lang="en-US" sz="1800" dirty="0">
-                <a:solidFill>
-                  <a:schemeClr val="bg1"/>
-                </a:solidFill>
-              </a:rPr>
+              <a:rPr lang="en-US" sz="1800" dirty="0"/>
               <a:t>Unrelated </a:t>
             </a:r>
             <a:r>
               <a:rPr lang="en-US" sz="1800" b="0" i="0" u="none" strike="noStrike" dirty="0">
-                <a:solidFill>
-                  <a:schemeClr val="bg1"/>
-                </a:solidFill>
                 <a:effectLst/>
               </a:rPr>
               <a:t>correlation: Index</a:t>
             </a:r>
             <a:r>
-              <a:rPr lang="en-US" sz="1800" dirty="0">
-                <a:solidFill>
-                  <a:schemeClr val="bg1"/>
-                </a:solidFill>
-              </a:rPr>
+              <a:rPr lang="en-US" sz="1800" dirty="0"/>
               <a:t>, </a:t>
             </a:r>
             <a:r>
-              <a:rPr lang="en-US" sz="1800" b="0" i="0" u="none" strike="noStrike" dirty="0" err="1">
-                <a:solidFill>
-                  <a:schemeClr val="bg1"/>
-                </a:solidFill>
+              <a:rPr lang="en-US" sz="1800" dirty="0" err="1"/>
+              <a:t>videoId</a:t>
+            </a:r>
+            <a:r>
+              <a:rPr lang="en-US" sz="1800" dirty="0" smtClean="0"/>
+              <a:t>, </a:t>
+            </a:r>
+            <a:r>
+              <a:rPr lang="en-US" sz="1800" b="0" i="0" u="none" strike="noStrike" dirty="0" err="1" smtClean="0">
                 <a:effectLst/>
               </a:rPr>
               <a:t>channelId</a:t>
             </a:r>
             <a:r>
-              <a:rPr lang="en-US" sz="1800" b="0" i="0" u="none" strike="noStrike" dirty="0">
-                <a:solidFill>
-                  <a:schemeClr val="bg1"/>
-                </a:solidFill>
-                <a:effectLst/>
-              </a:rPr>
-              <a:t>,</a:t>
-            </a:r>
+              <a:rPr lang="en-US" sz="1800" dirty="0"/>
+              <a:t>.</a:t>
+            </a:r>
+            <a:endParaRPr lang="en-US" sz="1800" b="0" i="0" u="none" strike="noStrike" dirty="0">
+              <a:effectLst/>
+            </a:endParaRPr>
           </a:p>
           <a:p>
             <a:pPr marL="0" indent="0" algn="l">
               <a:buNone/>
             </a:pPr>
-            <a:endParaRPr lang="he-IL" sz="1800" dirty="0">
-              <a:solidFill>
-                <a:schemeClr val="bg1"/>
-              </a:solidFill>
-            </a:endParaRPr>
+            <a:endParaRPr lang="he-IL" sz="1800" dirty="0"/>
           </a:p>
           <a:p>
             <a:pPr marL="0" indent="0" algn="l">
               <a:buNone/>
             </a:pPr>
             <a:endParaRPr lang="he-IL" sz="1800" b="0" i="0" u="none" strike="noStrike" dirty="0">
-              <a:solidFill>
-                <a:schemeClr val="bg1"/>
-              </a:solidFill>
               <a:effectLst/>
               <a:latin typeface="Arial" panose="020B0604020202020204" pitchFamily="34" charset="0"/>
             </a:endParaRPr>
@@ -5713,6 +5391,13 @@
   <p:clrMapOvr>
     <a:masterClrMapping/>
   </p:clrMapOvr>
+  <p:timing>
+    <p:tnLst>
+      <p:par>
+        <p:cTn id="1" dur="indefinite" restart="never" nodeType="tmRoot"/>
+      </p:par>
+    </p:tnLst>
+  </p:timing>
 </p:sld>
 </file>
 
@@ -5756,18 +5441,10 @@
           <a:p>
             <a:pPr algn="l"/>
             <a:r>
-              <a:rPr lang="en-US" dirty="0">
-                <a:solidFill>
-                  <a:schemeClr val="bg1"/>
-                </a:solidFill>
-              </a:rPr>
+              <a:rPr lang="en-US" dirty="0"/>
               <a:t>Introduction to the dataset</a:t>
             </a:r>
-            <a:endParaRPr lang="he-IL" dirty="0">
-              <a:solidFill>
-                <a:schemeClr val="bg1"/>
-              </a:solidFill>
-            </a:endParaRPr>
+            <a:endParaRPr lang="he-IL" dirty="0"/>
           </a:p>
         </p:txBody>
       </p:sp>
@@ -5796,11 +5473,7 @@
               <a:buNone/>
             </a:pPr>
             <a:r>
-              <a:rPr lang="en-US" sz="1800" dirty="0">
-                <a:solidFill>
-                  <a:schemeClr val="bg1"/>
-                </a:solidFill>
-              </a:rPr>
+              <a:rPr lang="en-US" sz="1800" dirty="0"/>
               <a:t>To achieve the main objective a comparison will be made between factors with known correlation outcome to factors with unknow correlation outcome. This method will help draw conclusions about the factors with the unknown correlation to success.</a:t>
             </a:r>
           </a:p>
@@ -5810,25 +5483,15 @@
             </a:pPr>
             <a:r>
               <a:rPr lang="en-US" sz="1800" b="0" i="0" u="none" strike="noStrike" dirty="0">
-                <a:solidFill>
-                  <a:schemeClr val="bg1"/>
-                </a:solidFill>
                 <a:effectLst/>
               </a:rPr>
               <a:t>This comparison will give </a:t>
             </a:r>
             <a:r>
-              <a:rPr lang="en-US" sz="1800" dirty="0">
-                <a:solidFill>
-                  <a:schemeClr val="bg1"/>
-                </a:solidFill>
-              </a:rPr>
+              <a:rPr lang="en-US" sz="1800" dirty="0"/>
               <a:t>results that will hopefully aid the YouTube channel owner improve his channel success.</a:t>
             </a:r>
             <a:endParaRPr lang="en-US" sz="1800" b="0" i="0" u="none" strike="noStrike" dirty="0">
-              <a:solidFill>
-                <a:schemeClr val="bg1"/>
-              </a:solidFill>
               <a:effectLst/>
             </a:endParaRPr>
           </a:p>
@@ -5836,20 +5499,13 @@
             <a:pPr marL="0" indent="0" algn="l">
               <a:buNone/>
             </a:pPr>
-            <a:endParaRPr lang="he-IL" sz="1800" dirty="0">
-              <a:solidFill>
-                <a:schemeClr val="bg1"/>
-              </a:solidFill>
-            </a:endParaRPr>
+            <a:endParaRPr lang="he-IL" sz="1800" dirty="0"/>
           </a:p>
           <a:p>
             <a:pPr marL="0" indent="0" algn="l">
               <a:buNone/>
             </a:pPr>
             <a:endParaRPr lang="he-IL" sz="1800" b="0" i="0" u="none" strike="noStrike" dirty="0">
-              <a:solidFill>
-                <a:schemeClr val="bg1"/>
-              </a:solidFill>
               <a:effectLst/>
               <a:latin typeface="Arial" panose="020B0604020202020204" pitchFamily="34" charset="0"/>
             </a:endParaRPr>
@@ -5866,6 +5522,13 @@
   <p:clrMapOvr>
     <a:masterClrMapping/>
   </p:clrMapOvr>
+  <p:timing>
+    <p:tnLst>
+      <p:par>
+        <p:cTn id="1" dur="indefinite" restart="never" nodeType="tmRoot"/>
+      </p:par>
+    </p:tnLst>
+  </p:timing>
 </p:sld>
 </file>
 
@@ -5909,11 +5572,7 @@
           <a:p>
             <a:pPr algn="l"/>
             <a:r>
-              <a:rPr lang="en-US" dirty="0">
-                <a:solidFill>
-                  <a:schemeClr val="bg1"/>
-                </a:solidFill>
-              </a:rPr>
+              <a:rPr lang="en-US" dirty="0"/>
               <a:t>The dataset</a:t>
             </a:r>
             <a:endParaRPr lang="he-IL" dirty="0"/>
@@ -5947,29 +5606,17 @@
               <a:buNone/>
             </a:pPr>
             <a:r>
-              <a:rPr lang="en-US" dirty="0">
-                <a:solidFill>
-                  <a:schemeClr val="bg1"/>
-                </a:solidFill>
-              </a:rPr>
+              <a:rPr lang="en-US" dirty="0"/>
               <a:t>The main objective is to aid the YouTube channel owner to improve or maintain it’s users base, to achieve this various factors will be considered.</a:t>
             </a:r>
-            <a:endParaRPr lang="he-IL" dirty="0">
-              <a:solidFill>
-                <a:schemeClr val="bg1"/>
-              </a:solidFill>
-            </a:endParaRPr>
+            <a:endParaRPr lang="he-IL" dirty="0"/>
           </a:p>
           <a:p>
             <a:pPr marL="0" indent="0" algn="l">
               <a:buNone/>
             </a:pPr>
             <a:r>
-              <a:rPr lang="en-US" dirty="0">
-                <a:solidFill>
-                  <a:schemeClr val="bg1"/>
-                </a:solidFill>
-              </a:rPr>
+              <a:rPr lang="en-US" dirty="0"/>
               <a:t>The logical assumption is that a channel owner will want to maximize his number of subscriptions, views, likes and will want o minimize his number of dislikes. </a:t>
             </a:r>
           </a:p>
@@ -5978,11 +5625,7 @@
               <a:buNone/>
             </a:pPr>
             <a:r>
-              <a:rPr lang="en-US" dirty="0">
-                <a:solidFill>
-                  <a:schemeClr val="bg1"/>
-                </a:solidFill>
-              </a:rPr>
+              <a:rPr lang="en-US" dirty="0"/>
               <a:t>A big amount of likes and views for a specific video can be seen as a short term success and a big amount of subscriptions or a big amount of likes and views per channel can be seen as a long term success.</a:t>
             </a:r>
           </a:p>
@@ -5998,6 +5641,13 @@
   <p:clrMapOvr>
     <a:masterClrMapping/>
   </p:clrMapOvr>
+  <p:timing>
+    <p:tnLst>
+      <p:par>
+        <p:cTn id="1" dur="indefinite" restart="never" nodeType="tmRoot"/>
+      </p:par>
+    </p:tnLst>
+  </p:timing>
 </p:sld>
 </file>
 
@@ -6041,18 +5691,10 @@
           <a:p>
             <a:pPr algn="l"/>
             <a:r>
-              <a:rPr lang="en-US" dirty="0">
-                <a:solidFill>
-                  <a:schemeClr val="bg1"/>
-                </a:solidFill>
-              </a:rPr>
+              <a:rPr lang="en-US" dirty="0"/>
               <a:t>The dataset</a:t>
             </a:r>
-            <a:endParaRPr lang="he-IL" dirty="0">
-              <a:solidFill>
-                <a:schemeClr val="bg1"/>
-              </a:solidFill>
-            </a:endParaRPr>
+            <a:endParaRPr lang="he-IL" dirty="0"/>
           </a:p>
         </p:txBody>
       </p:sp>
@@ -6083,45 +5725,25 @@
               <a:buNone/>
             </a:pPr>
             <a:r>
-              <a:rPr lang="en-US" dirty="0">
-                <a:solidFill>
-                  <a:schemeClr val="bg1"/>
-                </a:solidFill>
-              </a:rPr>
+              <a:rPr lang="en-US" dirty="0"/>
               <a:t>The raw number of for example likes per videos will give us </a:t>
             </a:r>
             <a:r>
-              <a:rPr lang="en-US" dirty="0" smtClean="0">
-                <a:solidFill>
-                  <a:schemeClr val="bg1"/>
-                </a:solidFill>
-              </a:rPr>
+              <a:rPr lang="en-US" dirty="0" smtClean="0"/>
               <a:t>partial information </a:t>
             </a:r>
             <a:r>
-              <a:rPr lang="en-US" dirty="0">
-                <a:solidFill>
-                  <a:schemeClr val="bg1"/>
-                </a:solidFill>
-              </a:rPr>
+              <a:rPr lang="en-US" dirty="0"/>
               <a:t>because a video can get a big amount of likes compared to another video, but the amount of subscribers and viewers can vary greatly between them.</a:t>
             </a:r>
-            <a:endParaRPr lang="he-IL" dirty="0">
-              <a:solidFill>
-                <a:schemeClr val="bg1"/>
-              </a:solidFill>
-            </a:endParaRPr>
+            <a:endParaRPr lang="he-IL" dirty="0"/>
           </a:p>
           <a:p>
             <a:pPr marL="0" indent="0" algn="l">
               <a:buNone/>
             </a:pPr>
             <a:r>
-              <a:rPr lang="en-US" dirty="0">
-                <a:solidFill>
-                  <a:schemeClr val="bg1"/>
-                </a:solidFill>
-              </a:rPr>
+              <a:rPr lang="en-US" dirty="0"/>
               <a:t>For example, a video that got 100 likes but have been watched a million times compared to a video that got 100 likes but have been watched only a thousand times, it can be assumed that both videos got very different reactions from the audience.</a:t>
             </a:r>
           </a:p>
@@ -6130,29 +5752,17 @@
               <a:buNone/>
             </a:pPr>
             <a:r>
-              <a:rPr lang="en-US" dirty="0">
-                <a:solidFill>
-                  <a:schemeClr val="bg1"/>
-                </a:solidFill>
-              </a:rPr>
+              <a:rPr lang="en-US" dirty="0"/>
               <a:t>To amend this problem more substantial usage will be made with data that is divided by values which represents the channel popularity for example number of subscriptions, views.</a:t>
             </a:r>
-            <a:endParaRPr lang="he-IL" dirty="0">
-              <a:solidFill>
-                <a:schemeClr val="bg1"/>
-              </a:solidFill>
-            </a:endParaRPr>
+            <a:endParaRPr lang="he-IL" dirty="0"/>
           </a:p>
           <a:p>
             <a:pPr marL="0" indent="0" algn="l">
               <a:buNone/>
             </a:pPr>
             <a:r>
-              <a:rPr lang="en-US" dirty="0">
-                <a:solidFill>
-                  <a:schemeClr val="bg1"/>
-                </a:solidFill>
-              </a:rPr>
+              <a:rPr lang="en-US" dirty="0"/>
               <a:t>The channel that got the most subscriptions or the video that got the most likes\views divided by a factor that represents the video\channel popularity for example number of subscriptions will give a scale of the video\channel success.</a:t>
             </a:r>
           </a:p>
@@ -6174,6 +5784,13 @@
   <p:clrMapOvr>
     <a:masterClrMapping/>
   </p:clrMapOvr>
+  <p:timing>
+    <p:tnLst>
+      <p:par>
+        <p:cTn id="1" dur="indefinite" restart="never" nodeType="tmRoot"/>
+      </p:par>
+    </p:tnLst>
+  </p:timing>
 </p:sld>
 </file>
 
@@ -6217,41 +5834,21 @@
           <a:p>
             <a:pPr algn="ctr"/>
             <a:r>
-              <a:rPr lang="en-US" dirty="0">
-                <a:solidFill>
-                  <a:schemeClr val="bg1"/>
-                </a:solidFill>
-              </a:rPr>
+              <a:rPr lang="en-US" dirty="0"/>
               <a:t>Graph </a:t>
             </a:r>
             <a:r>
-              <a:rPr lang="en-US" dirty="0" smtClean="0">
-                <a:solidFill>
-                  <a:schemeClr val="bg1"/>
-                </a:solidFill>
-              </a:rPr>
+              <a:rPr lang="en-US" dirty="0" smtClean="0"/>
               <a:t>1</a:t>
             </a:r>
             <a:br>
-              <a:rPr lang="en-US" dirty="0" smtClean="0">
-                <a:solidFill>
-                  <a:schemeClr val="bg1"/>
-                </a:solidFill>
-              </a:rPr>
+              <a:rPr lang="en-US" dirty="0" smtClean="0"/>
             </a:br>
             <a:r>
-              <a:rPr lang="en-US" dirty="0" smtClean="0">
-                <a:solidFill>
-                  <a:schemeClr val="bg1"/>
-                </a:solidFill>
-              </a:rPr>
+              <a:rPr lang="en-US" dirty="0" smtClean="0"/>
               <a:t>video category id per subscriber count</a:t>
             </a:r>
-            <a:endParaRPr lang="he-IL" dirty="0">
-              <a:solidFill>
-                <a:schemeClr val="bg1"/>
-              </a:solidFill>
-            </a:endParaRPr>
+            <a:endParaRPr lang="he-IL" dirty="0"/>
           </a:p>
         </p:txBody>
       </p:sp>
@@ -6266,7 +5863,7 @@
           </p:nvPr>
         </p:nvPicPr>
         <p:blipFill>
-          <a:blip r:embed="rId2">
+          <a:blip r:embed="rId2" cstate="print">
             <a:extLst>
               <a:ext uri="{28A0092B-C50C-407E-A947-70E740481C1C}">
                 <a14:useLocalDpi xmlns:a14="http://schemas.microsoft.com/office/drawing/2010/main" val="0"/>
@@ -6279,8 +5876,8 @@
         </p:blipFill>
         <p:spPr>
           <a:xfrm>
-            <a:off x="1970439" y="1825625"/>
-            <a:ext cx="8251122" cy="4351338"/>
+            <a:off x="2430798" y="1506281"/>
+            <a:ext cx="7330403" cy="5351719"/>
           </a:xfrm>
         </p:spPr>
       </p:pic>
@@ -6294,6 +5891,13 @@
   <p:clrMapOvr>
     <a:masterClrMapping/>
   </p:clrMapOvr>
+  <p:timing>
+    <p:tnLst>
+      <p:par>
+        <p:cTn id="1" dur="indefinite" restart="never" nodeType="tmRoot"/>
+      </p:par>
+    </p:tnLst>
+  </p:timing>
 </p:sld>
 </file>
 
@@ -6337,55 +5941,95 @@
           <a:p>
             <a:pPr algn="ctr"/>
             <a:r>
-              <a:rPr lang="en-US" dirty="0">
-                <a:solidFill>
-                  <a:schemeClr val="bg1"/>
-                </a:solidFill>
-              </a:rPr>
+              <a:rPr lang="en-US" dirty="0"/>
               <a:t>Graph </a:t>
             </a:r>
             <a:r>
-              <a:rPr lang="en-US" dirty="0" smtClean="0">
-                <a:solidFill>
-                  <a:schemeClr val="bg1"/>
-                </a:solidFill>
-              </a:rPr>
+              <a:rPr lang="en-US" dirty="0" smtClean="0"/>
               <a:t>2</a:t>
             </a:r>
+            <a:r>
+              <a:rPr lang="en-US" dirty="0"/>
+              <a:t/>
+            </a:r>
             <a:br>
-              <a:rPr lang="en-US" dirty="0" smtClean="0">
-                <a:solidFill>
-                  <a:schemeClr val="bg1"/>
-                </a:solidFill>
-              </a:rPr>
+              <a:rPr lang="en-US" dirty="0"/>
             </a:br>
             <a:r>
-              <a:rPr lang="en-US" dirty="0" smtClean="0">
-                <a:solidFill>
-                  <a:schemeClr val="bg1"/>
-                </a:solidFill>
-              </a:rPr>
-              <a:t>dislikes/views per </a:t>
-            </a:r>
-            <a:r>
-              <a:rPr lang="en-US" dirty="0">
-                <a:solidFill>
-                  <a:schemeClr val="bg1"/>
-                </a:solidFill>
-              </a:rPr>
-              <a:t>subscriber count</a:t>
-            </a:r>
-            <a:endParaRPr lang="he-IL" dirty="0">
-              <a:solidFill>
-                <a:schemeClr val="bg1"/>
-              </a:solidFill>
-            </a:endParaRPr>
+              <a:rPr lang="en-US" dirty="0" smtClean="0"/>
+              <a:t>video category id </a:t>
+            </a:r>
+            <a:r>
+              <a:rPr lang="en-US" dirty="0"/>
+              <a:t>per channel view count</a:t>
+            </a:r>
+            <a:endParaRPr lang="he-IL" dirty="0"/>
+          </a:p>
+        </p:txBody>
+      </p:sp>
+      <p:sp>
+        <p:nvSpPr>
+          <p:cNvPr id="3" name="TextBox 2"/>
+          <p:cNvSpPr txBox="1"/>
+          <p:nvPr/>
+        </p:nvSpPr>
+        <p:spPr>
+          <a:xfrm>
+            <a:off x="455417" y="6176963"/>
+            <a:ext cx="11281165" cy="646331"/>
+          </a:xfrm>
+          <a:prstGeom prst="rect">
+            <a:avLst/>
+          </a:prstGeom>
+          <a:noFill/>
+        </p:spPr>
+        <p:txBody>
+          <a:bodyPr wrap="none" rtlCol="1">
+            <a:spAutoFit/>
+          </a:bodyPr>
+          <a:lstStyle/>
+          <a:p>
+            <a:r>
+              <a:rPr lang="en-US" dirty="0" smtClean="0"/>
+              <a:t>Graph 1 and 2 are quite </a:t>
+            </a:r>
+            <a:r>
+              <a:rPr lang="en-US" dirty="0" err="1" smtClean="0"/>
+              <a:t>similarwith</a:t>
+            </a:r>
+            <a:r>
+              <a:rPr lang="en-US" dirty="0" smtClean="0"/>
+              <a:t> the difference that some categories are extremely better in terms of subscriptions,</a:t>
+            </a:r>
+          </a:p>
+          <a:p>
+            <a:r>
+              <a:rPr lang="en-US" dirty="0" smtClean="0"/>
+              <a:t> it can be </a:t>
+            </a:r>
+            <a:r>
+              <a:rPr lang="en-US" dirty="0" err="1" smtClean="0"/>
+              <a:t>disticly</a:t>
+            </a:r>
+            <a:r>
+              <a:rPr lang="en-US" dirty="0" smtClean="0"/>
+              <a:t> seen that some categories are better than others in </a:t>
+            </a:r>
+            <a:r>
+              <a:rPr lang="en-US" dirty="0" err="1" smtClean="0"/>
+              <a:t>therms</a:t>
+            </a:r>
+            <a:r>
+              <a:rPr lang="en-US" dirty="0" smtClean="0"/>
+              <a:t> of popularity.</a:t>
+            </a:r>
+            <a:endParaRPr lang="he-IL" dirty="0"/>
           </a:p>
         </p:txBody>
       </p:sp>
       <p:pic>
         <p:nvPicPr>
-          <p:cNvPr id="4" name="Content Placeholder 3"/>
+          <p:cNvPr id="5" name="Content Placeholder 4"/>
           <p:cNvPicPr>
             <a:picLocks noGrp="1" noChangeAspect="1"/>
           </p:cNvPicPr>
@@ -6394,7 +6038,7 @@
           </p:nvPr>
         </p:nvPicPr>
         <p:blipFill>
-          <a:blip r:embed="rId2">
+          <a:blip r:embed="rId2" cstate="print">
             <a:extLst>
               <a:ext uri="{28A0092B-C50C-407E-A947-70E740481C1C}">
                 <a14:useLocalDpi xmlns:a14="http://schemas.microsoft.com/office/drawing/2010/main" val="0"/>
@@ -6407,21 +6051,28 @@
         </p:blipFill>
         <p:spPr>
           <a:xfrm>
-            <a:off x="1970439" y="1825625"/>
-            <a:ext cx="8251122" cy="4351338"/>
+            <a:off x="2919844" y="1628974"/>
+            <a:ext cx="6352309" cy="4609703"/>
           </a:xfrm>
         </p:spPr>
       </p:pic>
     </p:spTree>
     <p:extLst>
       <p:ext uri="{BB962C8B-B14F-4D97-AF65-F5344CB8AC3E}">
-        <p14:creationId xmlns:p14="http://schemas.microsoft.com/office/powerpoint/2010/main" val="1450172320"/>
+        <p14:creationId xmlns:p14="http://schemas.microsoft.com/office/powerpoint/2010/main" val="3287575754"/>
       </p:ext>
     </p:extLst>
   </p:cSld>
   <p:clrMapOvr>
     <a:masterClrMapping/>
   </p:clrMapOvr>
+  <p:timing>
+    <p:tnLst>
+      <p:par>
+        <p:cTn id="1" dur="indefinite" restart="never" nodeType="tmRoot"/>
+      </p:par>
+    </p:tnLst>
+  </p:timing>
 </p:sld>
 </file>
 
@@ -6430,10 +6081,10 @@
   <a:themeElements>
     <a:clrScheme name="Office">
       <a:dk1>
-        <a:sysClr val="windowText" lastClr="FFFFFF"/>
+        <a:sysClr val="windowText" lastClr="000000"/>
       </a:dk1>
       <a:lt1>
-        <a:sysClr val="window" lastClr="000000"/>
+        <a:sysClr val="window" lastClr="FFFFFF"/>
       </a:lt1>
       <a:dk2>
         <a:srgbClr val="44546A"/>

--- a/YouTube dataset analysis presentation.pptx
+++ b/YouTube dataset analysis presentation.pptx
@@ -277,7 +277,7 @@
           <a:p>
             <a:fld id="{C3236DAF-325B-41C6-A659-3FD835B93F99}" type="datetimeFigureOut">
               <a:rPr lang="he-IL" smtClean="0"/>
-              <a:t>ב'/אייר/תשפ"ג</a:t>
+              <a:t>י"א/אייר/תשפ"ג</a:t>
             </a:fld>
             <a:endParaRPr lang="he-IL"/>
           </a:p>
@@ -475,7 +475,7 @@
           <a:p>
             <a:fld id="{C3236DAF-325B-41C6-A659-3FD835B93F99}" type="datetimeFigureOut">
               <a:rPr lang="he-IL" smtClean="0"/>
-              <a:t>ב'/אייר/תשפ"ג</a:t>
+              <a:t>י"א/אייר/תשפ"ג</a:t>
             </a:fld>
             <a:endParaRPr lang="he-IL"/>
           </a:p>
@@ -683,7 +683,7 @@
           <a:p>
             <a:fld id="{C3236DAF-325B-41C6-A659-3FD835B93F99}" type="datetimeFigureOut">
               <a:rPr lang="he-IL" smtClean="0"/>
-              <a:t>ב'/אייר/תשפ"ג</a:t>
+              <a:t>י"א/אייר/תשפ"ג</a:t>
             </a:fld>
             <a:endParaRPr lang="he-IL"/>
           </a:p>
@@ -881,7 +881,7 @@
           <a:p>
             <a:fld id="{C3236DAF-325B-41C6-A659-3FD835B93F99}" type="datetimeFigureOut">
               <a:rPr lang="he-IL" smtClean="0"/>
-              <a:t>ב'/אייר/תשפ"ג</a:t>
+              <a:t>י"א/אייר/תשפ"ג</a:t>
             </a:fld>
             <a:endParaRPr lang="he-IL"/>
           </a:p>
@@ -1156,7 +1156,7 @@
           <a:p>
             <a:fld id="{C3236DAF-325B-41C6-A659-3FD835B93F99}" type="datetimeFigureOut">
               <a:rPr lang="he-IL" smtClean="0"/>
-              <a:t>ב'/אייר/תשפ"ג</a:t>
+              <a:t>י"א/אייר/תשפ"ג</a:t>
             </a:fld>
             <a:endParaRPr lang="he-IL"/>
           </a:p>
@@ -1421,7 +1421,7 @@
           <a:p>
             <a:fld id="{C3236DAF-325B-41C6-A659-3FD835B93F99}" type="datetimeFigureOut">
               <a:rPr lang="he-IL" smtClean="0"/>
-              <a:t>ב'/אייר/תשפ"ג</a:t>
+              <a:t>י"א/אייר/תשפ"ג</a:t>
             </a:fld>
             <a:endParaRPr lang="he-IL"/>
           </a:p>
@@ -1833,7 +1833,7 @@
           <a:p>
             <a:fld id="{C3236DAF-325B-41C6-A659-3FD835B93F99}" type="datetimeFigureOut">
               <a:rPr lang="he-IL" smtClean="0"/>
-              <a:t>ב'/אייר/תשפ"ג</a:t>
+              <a:t>י"א/אייר/תשפ"ג</a:t>
             </a:fld>
             <a:endParaRPr lang="he-IL"/>
           </a:p>
@@ -1974,7 +1974,7 @@
           <a:p>
             <a:fld id="{C3236DAF-325B-41C6-A659-3FD835B93F99}" type="datetimeFigureOut">
               <a:rPr lang="he-IL" smtClean="0"/>
-              <a:t>ב'/אייר/תשפ"ג</a:t>
+              <a:t>י"א/אייר/תשפ"ג</a:t>
             </a:fld>
             <a:endParaRPr lang="he-IL"/>
           </a:p>
@@ -2087,7 +2087,7 @@
           <a:p>
             <a:fld id="{C3236DAF-325B-41C6-A659-3FD835B93F99}" type="datetimeFigureOut">
               <a:rPr lang="he-IL" smtClean="0"/>
-              <a:t>ב'/אייר/תשפ"ג</a:t>
+              <a:t>י"א/אייר/תשפ"ג</a:t>
             </a:fld>
             <a:endParaRPr lang="he-IL"/>
           </a:p>
@@ -2398,7 +2398,7 @@
           <a:p>
             <a:fld id="{C3236DAF-325B-41C6-A659-3FD835B93F99}" type="datetimeFigureOut">
               <a:rPr lang="he-IL" smtClean="0"/>
-              <a:t>ב'/אייר/תשפ"ג</a:t>
+              <a:t>י"א/אייר/תשפ"ג</a:t>
             </a:fld>
             <a:endParaRPr lang="he-IL"/>
           </a:p>
@@ -2686,7 +2686,7 @@
           <a:p>
             <a:fld id="{C3236DAF-325B-41C6-A659-3FD835B93F99}" type="datetimeFigureOut">
               <a:rPr lang="he-IL" smtClean="0"/>
-              <a:t>ב'/אייר/תשפ"ג</a:t>
+              <a:t>י"א/אייר/תשפ"ג</a:t>
             </a:fld>
             <a:endParaRPr lang="he-IL"/>
           </a:p>
@@ -2936,7 +2936,7 @@
           <a:p>
             <a:fld id="{C3236DAF-325B-41C6-A659-3FD835B93F99}" type="datetimeFigureOut">
               <a:rPr lang="he-IL" smtClean="0"/>
-              <a:t>ב'/אייר/תשפ"ג</a:t>
+              <a:t>י"א/אייר/תשפ"ג</a:t>
             </a:fld>
             <a:endParaRPr lang="he-IL"/>
           </a:p>
@@ -3501,52 +3501,6 @@
           </a:p>
         </p:txBody>
       </p:sp>
-      <p:sp>
-        <p:nvSpPr>
-          <p:cNvPr id="3" name="TextBox 2"/>
-          <p:cNvSpPr txBox="1"/>
-          <p:nvPr/>
-        </p:nvSpPr>
-        <p:spPr>
-          <a:xfrm>
-            <a:off x="35622" y="6176963"/>
-            <a:ext cx="11700960" cy="369332"/>
-          </a:xfrm>
-          <a:prstGeom prst="rect">
-            <a:avLst/>
-          </a:prstGeom>
-          <a:noFill/>
-        </p:spPr>
-        <p:txBody>
-          <a:bodyPr wrap="none" rtlCol="1">
-            <a:spAutoFit/>
-          </a:bodyPr>
-          <a:lstStyle/>
-          <a:p>
-            <a:r>
-              <a:rPr lang="en-US" dirty="0" smtClean="0"/>
-              <a:t>Graph 1,2 and 3 are quite similar it can be </a:t>
-            </a:r>
-            <a:r>
-              <a:rPr lang="en-US" dirty="0" err="1" smtClean="0"/>
-              <a:t>disticly</a:t>
-            </a:r>
-            <a:r>
-              <a:rPr lang="en-US" dirty="0" smtClean="0"/>
-              <a:t> seen that some categories are better than others in </a:t>
-            </a:r>
-            <a:r>
-              <a:rPr lang="en-US" dirty="0" err="1" smtClean="0"/>
-              <a:t>therms</a:t>
-            </a:r>
-            <a:r>
-              <a:rPr lang="en-US" dirty="0" smtClean="0"/>
-              <a:t> of popularity.</a:t>
-            </a:r>
-            <a:endParaRPr lang="he-IL" dirty="0"/>
-          </a:p>
-        </p:txBody>
-      </p:sp>
       <p:pic>
         <p:nvPicPr>
           <p:cNvPr id="4" name="Picture 3"/>
@@ -3569,7 +3523,7 @@
         </p:blipFill>
         <p:spPr>
           <a:xfrm>
-            <a:off x="2294069" y="1690688"/>
+            <a:off x="2503967" y="1690688"/>
             <a:ext cx="7184066" cy="5156994"/>
           </a:xfrm>
           <a:prstGeom prst="rect">
@@ -3643,10 +3597,6 @@
             <a:r>
               <a:rPr lang="en-US" dirty="0" smtClean="0"/>
               <a:t>4</a:t>
-            </a:r>
-            <a:r>
-              <a:rPr lang="en-US" dirty="0" smtClean="0"/>
-              <a:t/>
             </a:r>
             <a:br>
               <a:rPr lang="en-US" dirty="0" smtClean="0"/>
@@ -3874,10 +3824,6 @@
               <a:rPr lang="en-US" dirty="0" smtClean="0"/>
               <a:t>6</a:t>
             </a:r>
-            <a:r>
-              <a:rPr lang="en-US" dirty="0" smtClean="0"/>
-              <a:t/>
-            </a:r>
             <a:br>
               <a:rPr lang="en-US" dirty="0" smtClean="0"/>
             </a:br>
@@ -3993,10 +3939,6 @@
               <a:rPr lang="en-US" dirty="0" smtClean="0"/>
               <a:t>7</a:t>
             </a:r>
-            <a:r>
-              <a:rPr lang="en-US" dirty="0" smtClean="0"/>
-              <a:t/>
-            </a:r>
             <a:br>
               <a:rPr lang="en-US" dirty="0" smtClean="0"/>
             </a:br>
@@ -4108,20 +4050,12 @@
               <a:rPr lang="en-US" dirty="0" smtClean="0"/>
               <a:t>8</a:t>
             </a:r>
-            <a:r>
-              <a:rPr lang="en-US" dirty="0" smtClean="0"/>
-              <a:t/>
-            </a:r>
             <a:br>
               <a:rPr lang="en-US" dirty="0" smtClean="0"/>
             </a:br>
             <a:r>
               <a:rPr lang="en-US" dirty="0" smtClean="0"/>
-              <a:t>comment </a:t>
-            </a:r>
-            <a:r>
-              <a:rPr lang="en-US" dirty="0" smtClean="0"/>
-              <a:t>per </a:t>
+              <a:t>comment per </a:t>
             </a:r>
             <a:r>
               <a:rPr lang="en-US" dirty="0"/>
@@ -4342,10 +4276,6 @@
               <a:rPr lang="en-US" dirty="0" smtClean="0"/>
               <a:t>10</a:t>
             </a:r>
-            <a:r>
-              <a:rPr lang="en-US" dirty="0" smtClean="0"/>
-              <a:t/>
-            </a:r>
             <a:br>
               <a:rPr lang="en-US" dirty="0" smtClean="0"/>
             </a:br>
@@ -4457,10 +4387,6 @@
               <a:rPr lang="en-US" dirty="0" smtClean="0"/>
               <a:t>11</a:t>
             </a:r>
-            <a:r>
-              <a:rPr lang="en-US" dirty="0" smtClean="0"/>
-              <a:t/>
-            </a:r>
             <a:br>
               <a:rPr lang="en-US" dirty="0" smtClean="0"/>
             </a:br>
@@ -4576,10 +4502,6 @@
               <a:rPr lang="en-US" dirty="0" smtClean="0"/>
               <a:t>12</a:t>
             </a:r>
-            <a:r>
-              <a:rPr lang="en-US" dirty="0" smtClean="0"/>
-              <a:t/>
-            </a:r>
             <a:br>
               <a:rPr lang="en-US" dirty="0" smtClean="0"/>
             </a:br>
@@ -5876,8 +5798,8 @@
         </p:blipFill>
         <p:spPr>
           <a:xfrm>
-            <a:off x="2430798" y="1506281"/>
-            <a:ext cx="7330403" cy="5351719"/>
+            <a:off x="2559290" y="1690688"/>
+            <a:ext cx="7073420" cy="5164103"/>
           </a:xfrm>
         </p:spPr>
       </p:pic>
@@ -5967,66 +5889,6 @@
           </a:p>
         </p:txBody>
       </p:sp>
-      <p:sp>
-        <p:nvSpPr>
-          <p:cNvPr id="3" name="TextBox 2"/>
-          <p:cNvSpPr txBox="1"/>
-          <p:nvPr/>
-        </p:nvSpPr>
-        <p:spPr>
-          <a:xfrm>
-            <a:off x="455417" y="6176963"/>
-            <a:ext cx="11281165" cy="646331"/>
-          </a:xfrm>
-          <a:prstGeom prst="rect">
-            <a:avLst/>
-          </a:prstGeom>
-          <a:noFill/>
-        </p:spPr>
-        <p:txBody>
-          <a:bodyPr wrap="none" rtlCol="1">
-            <a:spAutoFit/>
-          </a:bodyPr>
-          <a:lstStyle/>
-          <a:p>
-            <a:r>
-              <a:rPr lang="en-US" dirty="0" smtClean="0"/>
-              <a:t>Graph 1 and 2 are quite </a:t>
-            </a:r>
-            <a:r>
-              <a:rPr lang="en-US" dirty="0" err="1" smtClean="0"/>
-              <a:t>similarwith</a:t>
-            </a:r>
-            <a:r>
-              <a:rPr lang="en-US" dirty="0" smtClean="0"/>
-              <a:t> the difference that some categories are extremely better in terms of subscriptions,</a:t>
-            </a:r>
-          </a:p>
-          <a:p>
-            <a:r>
-              <a:rPr lang="en-US" dirty="0" smtClean="0"/>
-              <a:t> it can be </a:t>
-            </a:r>
-            <a:r>
-              <a:rPr lang="en-US" dirty="0" err="1" smtClean="0"/>
-              <a:t>disticly</a:t>
-            </a:r>
-            <a:r>
-              <a:rPr lang="en-US" dirty="0" smtClean="0"/>
-              <a:t> seen that some categories are better than others in </a:t>
-            </a:r>
-            <a:r>
-              <a:rPr lang="en-US" dirty="0" err="1" smtClean="0"/>
-              <a:t>therms</a:t>
-            </a:r>
-            <a:r>
-              <a:rPr lang="en-US" dirty="0" smtClean="0"/>
-              <a:t> of popularity.</a:t>
-            </a:r>
-            <a:endParaRPr lang="he-IL" dirty="0"/>
-          </a:p>
-        </p:txBody>
-      </p:sp>
       <p:pic>
         <p:nvPicPr>
           <p:cNvPr id="5" name="Content Placeholder 4"/>
@@ -6051,8 +5913,8 @@
         </p:blipFill>
         <p:spPr>
           <a:xfrm>
-            <a:off x="2919844" y="1628974"/>
-            <a:ext cx="6352309" cy="4609703"/>
+            <a:off x="2524125" y="1690688"/>
+            <a:ext cx="7143749" cy="5184031"/>
           </a:xfrm>
         </p:spPr>
       </p:pic>

--- a/YouTube dataset analysis presentation.pptx
+++ b/YouTube dataset analysis presentation.pptx
@@ -1,29 +1,32 @@
 
 <file path=ppt/presentation.xml><?xml version="1.0" encoding="utf-8"?>
-<p:presentation xmlns:a="http://schemas.openxmlformats.org/drawingml/2006/main" xmlns:r="http://schemas.openxmlformats.org/officeDocument/2006/relationships" xmlns:p="http://schemas.openxmlformats.org/presentationml/2006/main" rtl="1" saveSubsetFonts="1">
+<p:presentation xmlns:a="http://schemas.openxmlformats.org/drawingml/2006/main" xmlns:r="http://schemas.openxmlformats.org/officeDocument/2006/relationships" xmlns:p="http://schemas.openxmlformats.org/presentationml/2006/main" rtl="1">
   <p:sldMasterIdLst>
     <p:sldMasterId id="2147483648" r:id="rId1"/>
+    <p:sldMasterId id="2147483660" r:id="rId3"/>
   </p:sldMasterIdLst>
   <p:sldIdLst>
-    <p:sldId id="256" r:id="rId2"/>
-    <p:sldId id="257" r:id="rId3"/>
-    <p:sldId id="258" r:id="rId4"/>
-    <p:sldId id="288" r:id="rId5"/>
-    <p:sldId id="289" r:id="rId6"/>
-    <p:sldId id="259" r:id="rId7"/>
-    <p:sldId id="260" r:id="rId8"/>
-    <p:sldId id="278" r:id="rId9"/>
-    <p:sldId id="282" r:id="rId10"/>
-    <p:sldId id="303" r:id="rId11"/>
-    <p:sldId id="307" r:id="rId12"/>
-    <p:sldId id="308" r:id="rId13"/>
-    <p:sldId id="309" r:id="rId14"/>
-    <p:sldId id="310" r:id="rId15"/>
-    <p:sldId id="311" r:id="rId16"/>
-    <p:sldId id="312" r:id="rId17"/>
-    <p:sldId id="313" r:id="rId18"/>
-    <p:sldId id="314" r:id="rId19"/>
-    <p:sldId id="315" r:id="rId20"/>
+    <p:sldId id="256" r:id="rId4"/>
+    <p:sldId id="257" r:id="rId5"/>
+    <p:sldId id="258" r:id="rId6"/>
+    <p:sldId id="288" r:id="rId7"/>
+    <p:sldId id="289" r:id="rId8"/>
+    <p:sldId id="259" r:id="rId9"/>
+    <p:sldId id="260" r:id="rId10"/>
+    <p:sldId id="278" r:id="rId11"/>
+    <p:sldId id="282" r:id="rId12"/>
+    <p:sldId id="303" r:id="rId13"/>
+    <p:sldId id="307" r:id="rId14"/>
+    <p:sldId id="308" r:id="rId15"/>
+    <p:sldId id="309" r:id="rId16"/>
+    <p:sldId id="310" r:id="rId17"/>
+    <p:sldId id="311" r:id="rId18"/>
+    <p:sldId id="312" r:id="rId19"/>
+    <p:sldId id="313" r:id="rId20"/>
+    <p:sldId id="314" r:id="rId21"/>
+    <p:sldId id="315" r:id="rId22"/>
+    <p:sldId id="317" r:id="rId23"/>
+    <p:sldId id="316" r:id="rId24"/>
   </p:sldIdLst>
   <p:sldSz cx="12192000" cy="6858000"/>
   <p:notesSz cx="6858000" cy="9144000"/>
@@ -122,11 +125,6 @@
       </a:defRPr>
     </a:lvl9pPr>
   </p:defaultTextStyle>
-  <p:extLst>
-    <p:ext uri="{EFAFB233-063F-42B5-8137-9DF3F51BA10A}">
-      <p15:sldGuideLst xmlns:p15="http://schemas.microsoft.com/office/powerpoint/2012/main"/>
-    </p:ext>
-  </p:extLst>
 </p:presentation>
 </file>
 
@@ -149,18 +147,12 @@
       </p:grpSpPr>
       <p:sp>
         <p:nvSpPr>
-          <p:cNvPr id="2" name="כותרת 1">
-            <a:extLst>
-              <a:ext uri="{FF2B5EF4-FFF2-40B4-BE49-F238E27FC236}">
-                <a16:creationId xmlns:a16="http://schemas.microsoft.com/office/drawing/2014/main" id="{28EE10C8-53E7-B424-82A4-FB3AEA5D60EC}"/>
-              </a:ext>
-            </a:extLst>
-          </p:cNvPr>
-          <p:cNvSpPr>
-            <a:spLocks noGrp="1"/>
-          </p:cNvSpPr>
-          <p:nvPr>
-            <p:ph type="ctrTitle"/>
+          <p:cNvPr id="2" name="כותרת 1"/>
+          <p:cNvSpPr>
+            <a:spLocks noGrp="1"/>
+          </p:cNvSpPr>
+          <p:nvPr>
+            <p:ph type="ctrTitle" hasCustomPrompt="1"/>
           </p:nvPr>
         </p:nvSpPr>
         <p:spPr>
@@ -181,23 +173,18 @@
               <a:rPr lang="he-IL"/>
               <a:t>לחץ כדי לערוך סגנון כותרת של תבנית בסיס</a:t>
             </a:r>
-          </a:p>
-        </p:txBody>
-      </p:sp>
-      <p:sp>
-        <p:nvSpPr>
-          <p:cNvPr id="3" name="כותרת משנה 2">
-            <a:extLst>
-              <a:ext uri="{FF2B5EF4-FFF2-40B4-BE49-F238E27FC236}">
-                <a16:creationId xmlns:a16="http://schemas.microsoft.com/office/drawing/2014/main" id="{0C0E4299-3BD6-0F5F-0F35-64FC86C340D3}"/>
-              </a:ext>
-            </a:extLst>
-          </p:cNvPr>
-          <p:cNvSpPr>
-            <a:spLocks noGrp="1"/>
-          </p:cNvSpPr>
-          <p:nvPr>
-            <p:ph type="subTitle" idx="1"/>
+            <a:endParaRPr lang="he-IL"/>
+          </a:p>
+        </p:txBody>
+      </p:sp>
+      <p:sp>
+        <p:nvSpPr>
+          <p:cNvPr id="3" name="כותרת משנה 2"/>
+          <p:cNvSpPr>
+            <a:spLocks noGrp="1"/>
+          </p:cNvSpPr>
+          <p:nvPr>
+            <p:ph type="subTitle" idx="1" hasCustomPrompt="1"/>
           </p:nvPr>
         </p:nvSpPr>
         <p:spPr>
@@ -251,18 +238,13 @@
               <a:rPr lang="he-IL"/>
               <a:t>לחץ כדי לערוך סגנון כותרת משנה של תבנית בסיס</a:t>
             </a:r>
-          </a:p>
-        </p:txBody>
-      </p:sp>
-      <p:sp>
-        <p:nvSpPr>
-          <p:cNvPr id="4" name="מציין מיקום של תאריך 3">
-            <a:extLst>
-              <a:ext uri="{FF2B5EF4-FFF2-40B4-BE49-F238E27FC236}">
-                <a16:creationId xmlns:a16="http://schemas.microsoft.com/office/drawing/2014/main" id="{911D0369-1F31-5F44-9270-C5A5155B08ED}"/>
-              </a:ext>
-            </a:extLst>
-          </p:cNvPr>
+            <a:endParaRPr lang="he-IL"/>
+          </a:p>
+        </p:txBody>
+      </p:sp>
+      <p:sp>
+        <p:nvSpPr>
+          <p:cNvPr id="4" name="מציין מיקום של תאריך 3"/>
           <p:cNvSpPr>
             <a:spLocks noGrp="1"/>
           </p:cNvSpPr>
@@ -277,7 +259,6 @@
           <a:p>
             <a:fld id="{C3236DAF-325B-41C6-A659-3FD835B93F99}" type="datetimeFigureOut">
               <a:rPr lang="he-IL" smtClean="0"/>
-              <a:t>י"א/אייר/תשפ"ג</a:t>
             </a:fld>
             <a:endParaRPr lang="he-IL"/>
           </a:p>
@@ -285,13 +266,7 @@
       </p:sp>
       <p:sp>
         <p:nvSpPr>
-          <p:cNvPr id="5" name="מציין מיקום של כותרת תחתונה 4">
-            <a:extLst>
-              <a:ext uri="{FF2B5EF4-FFF2-40B4-BE49-F238E27FC236}">
-                <a16:creationId xmlns:a16="http://schemas.microsoft.com/office/drawing/2014/main" id="{DD9073E7-B6A3-3CE0-1CA7-FB5576993DA3}"/>
-              </a:ext>
-            </a:extLst>
-          </p:cNvPr>
+          <p:cNvPr id="5" name="מציין מיקום של כותרת תחתונה 4"/>
           <p:cNvSpPr>
             <a:spLocks noGrp="1"/>
           </p:cNvSpPr>
@@ -310,13 +285,7 @@
       </p:sp>
       <p:sp>
         <p:nvSpPr>
-          <p:cNvPr id="6" name="מציין מיקום של מספר שקופית 5">
-            <a:extLst>
-              <a:ext uri="{FF2B5EF4-FFF2-40B4-BE49-F238E27FC236}">
-                <a16:creationId xmlns:a16="http://schemas.microsoft.com/office/drawing/2014/main" id="{CB964A16-08C5-6C84-D7F8-6EF043B50657}"/>
-              </a:ext>
-            </a:extLst>
-          </p:cNvPr>
+          <p:cNvPr id="6" name="מציין מיקום של מספר שקופית 5"/>
           <p:cNvSpPr>
             <a:spLocks noGrp="1"/>
           </p:cNvSpPr>
@@ -331,18 +300,12 @@
           <a:p>
             <a:fld id="{9AC017FD-76BB-43D1-8D1C-C9B1CC8C9978}" type="slidenum">
               <a:rPr lang="he-IL" smtClean="0"/>
-              <a:t>‹#›</a:t>
             </a:fld>
             <a:endParaRPr lang="he-IL"/>
           </a:p>
         </p:txBody>
       </p:sp>
     </p:spTree>
-    <p:extLst>
-      <p:ext uri="{BB962C8B-B14F-4D97-AF65-F5344CB8AC3E}">
-        <p14:creationId xmlns:p14="http://schemas.microsoft.com/office/powerpoint/2010/main" val="3324371096"/>
-      </p:ext>
-    </p:extLst>
   </p:cSld>
   <p:clrMapOvr>
     <a:masterClrMapping/>
@@ -369,18 +332,12 @@
       </p:grpSpPr>
       <p:sp>
         <p:nvSpPr>
-          <p:cNvPr id="2" name="כותרת 1">
-            <a:extLst>
-              <a:ext uri="{FF2B5EF4-FFF2-40B4-BE49-F238E27FC236}">
-                <a16:creationId xmlns:a16="http://schemas.microsoft.com/office/drawing/2014/main" id="{ACB3E8F5-72DF-DEDB-C3C2-C08ED78BB384}"/>
-              </a:ext>
-            </a:extLst>
-          </p:cNvPr>
-          <p:cNvSpPr>
-            <a:spLocks noGrp="1"/>
-          </p:cNvSpPr>
-          <p:nvPr>
-            <p:ph type="title"/>
+          <p:cNvPr id="2" name="כותרת 1"/>
+          <p:cNvSpPr>
+            <a:spLocks noGrp="1"/>
+          </p:cNvSpPr>
+          <p:nvPr>
+            <p:ph type="title" hasCustomPrompt="1"/>
           </p:nvPr>
         </p:nvSpPr>
         <p:spPr/>
@@ -392,23 +349,18 @@
               <a:rPr lang="he-IL"/>
               <a:t>לחץ כדי לערוך סגנון כותרת של תבנית בסיס</a:t>
             </a:r>
-          </a:p>
-        </p:txBody>
-      </p:sp>
-      <p:sp>
-        <p:nvSpPr>
-          <p:cNvPr id="3" name="מציין מיקום של טקסט אנכי 2">
-            <a:extLst>
-              <a:ext uri="{FF2B5EF4-FFF2-40B4-BE49-F238E27FC236}">
-                <a16:creationId xmlns:a16="http://schemas.microsoft.com/office/drawing/2014/main" id="{47977A39-9276-9CC8-18A4-9135F54E2B77}"/>
-              </a:ext>
-            </a:extLst>
-          </p:cNvPr>
-          <p:cNvSpPr>
-            <a:spLocks noGrp="1"/>
-          </p:cNvSpPr>
-          <p:nvPr>
-            <p:ph type="body" orient="vert" idx="1"/>
+            <a:endParaRPr lang="he-IL"/>
+          </a:p>
+        </p:txBody>
+      </p:sp>
+      <p:sp>
+        <p:nvSpPr>
+          <p:cNvPr id="3" name="מציין מיקום של טקסט אנכי 2"/>
+          <p:cNvSpPr>
+            <a:spLocks noGrp="1"/>
+          </p:cNvSpPr>
+          <p:nvPr>
+            <p:ph type="body" orient="vert" idx="1" hasCustomPrompt="1"/>
           </p:nvPr>
         </p:nvSpPr>
         <p:spPr/>
@@ -421,6 +373,7 @@
               <a:rPr lang="he-IL"/>
               <a:t>לחץ כדי לערוך סגנונות טקסט של תבנית בסיס</a:t>
             </a:r>
+            <a:endParaRPr lang="he-IL"/>
           </a:p>
           <a:p>
             <a:pPr lvl="1"/>
@@ -428,6 +381,7 @@
               <a:rPr lang="he-IL"/>
               <a:t>רמה שנייה</a:t>
             </a:r>
+            <a:endParaRPr lang="he-IL"/>
           </a:p>
           <a:p>
             <a:pPr lvl="2"/>
@@ -435,6 +389,7 @@
               <a:rPr lang="he-IL"/>
               <a:t>רמה שלישית</a:t>
             </a:r>
+            <a:endParaRPr lang="he-IL"/>
           </a:p>
           <a:p>
             <a:pPr lvl="3"/>
@@ -442,6 +397,7 @@
               <a:rPr lang="he-IL"/>
               <a:t>רמה רביעית</a:t>
             </a:r>
+            <a:endParaRPr lang="he-IL"/>
           </a:p>
           <a:p>
             <a:pPr lvl="4"/>
@@ -449,18 +405,13 @@
               <a:rPr lang="he-IL"/>
               <a:t>רמה חמישית</a:t>
             </a:r>
-          </a:p>
-        </p:txBody>
-      </p:sp>
-      <p:sp>
-        <p:nvSpPr>
-          <p:cNvPr id="4" name="מציין מיקום של תאריך 3">
-            <a:extLst>
-              <a:ext uri="{FF2B5EF4-FFF2-40B4-BE49-F238E27FC236}">
-                <a16:creationId xmlns:a16="http://schemas.microsoft.com/office/drawing/2014/main" id="{92369EE1-FA1C-DF85-A0B6-B1C64873AA27}"/>
-              </a:ext>
-            </a:extLst>
-          </p:cNvPr>
+            <a:endParaRPr lang="he-IL"/>
+          </a:p>
+        </p:txBody>
+      </p:sp>
+      <p:sp>
+        <p:nvSpPr>
+          <p:cNvPr id="4" name="מציין מיקום של תאריך 3"/>
           <p:cNvSpPr>
             <a:spLocks noGrp="1"/>
           </p:cNvSpPr>
@@ -475,7 +426,6 @@
           <a:p>
             <a:fld id="{C3236DAF-325B-41C6-A659-3FD835B93F99}" type="datetimeFigureOut">
               <a:rPr lang="he-IL" smtClean="0"/>
-              <a:t>י"א/אייר/תשפ"ג</a:t>
             </a:fld>
             <a:endParaRPr lang="he-IL"/>
           </a:p>
@@ -483,13 +433,7 @@
       </p:sp>
       <p:sp>
         <p:nvSpPr>
-          <p:cNvPr id="5" name="מציין מיקום של כותרת תחתונה 4">
-            <a:extLst>
-              <a:ext uri="{FF2B5EF4-FFF2-40B4-BE49-F238E27FC236}">
-                <a16:creationId xmlns:a16="http://schemas.microsoft.com/office/drawing/2014/main" id="{6221F672-6568-1F1C-D52C-8D1B1F7EA17E}"/>
-              </a:ext>
-            </a:extLst>
-          </p:cNvPr>
+          <p:cNvPr id="5" name="מציין מיקום של כותרת תחתונה 4"/>
           <p:cNvSpPr>
             <a:spLocks noGrp="1"/>
           </p:cNvSpPr>
@@ -508,13 +452,7 @@
       </p:sp>
       <p:sp>
         <p:nvSpPr>
-          <p:cNvPr id="6" name="מציין מיקום של מספר שקופית 5">
-            <a:extLst>
-              <a:ext uri="{FF2B5EF4-FFF2-40B4-BE49-F238E27FC236}">
-                <a16:creationId xmlns:a16="http://schemas.microsoft.com/office/drawing/2014/main" id="{4E680E54-0667-56BB-0BC2-9702434D26F2}"/>
-              </a:ext>
-            </a:extLst>
-          </p:cNvPr>
+          <p:cNvPr id="6" name="מציין מיקום של מספר שקופית 5"/>
           <p:cNvSpPr>
             <a:spLocks noGrp="1"/>
           </p:cNvSpPr>
@@ -529,18 +467,12 @@
           <a:p>
             <a:fld id="{9AC017FD-76BB-43D1-8D1C-C9B1CC8C9978}" type="slidenum">
               <a:rPr lang="he-IL" smtClean="0"/>
-              <a:t>‹#›</a:t>
             </a:fld>
             <a:endParaRPr lang="he-IL"/>
           </a:p>
         </p:txBody>
       </p:sp>
     </p:spTree>
-    <p:extLst>
-      <p:ext uri="{BB962C8B-B14F-4D97-AF65-F5344CB8AC3E}">
-        <p14:creationId xmlns:p14="http://schemas.microsoft.com/office/powerpoint/2010/main" val="3891407270"/>
-      </p:ext>
-    </p:extLst>
   </p:cSld>
   <p:clrMapOvr>
     <a:masterClrMapping/>
@@ -567,18 +499,12 @@
       </p:grpSpPr>
       <p:sp>
         <p:nvSpPr>
-          <p:cNvPr id="2" name="כותרת אנכית 1">
-            <a:extLst>
-              <a:ext uri="{FF2B5EF4-FFF2-40B4-BE49-F238E27FC236}">
-                <a16:creationId xmlns:a16="http://schemas.microsoft.com/office/drawing/2014/main" id="{1D4A43BB-9877-6D13-97F2-60365F279E31}"/>
-              </a:ext>
-            </a:extLst>
-          </p:cNvPr>
-          <p:cNvSpPr>
-            <a:spLocks noGrp="1"/>
-          </p:cNvSpPr>
-          <p:nvPr>
-            <p:ph type="title" orient="vert"/>
+          <p:cNvPr id="2" name="כותרת אנכית 1"/>
+          <p:cNvSpPr>
+            <a:spLocks noGrp="1"/>
+          </p:cNvSpPr>
+          <p:nvPr>
+            <p:ph type="title" orient="vert" hasCustomPrompt="1"/>
           </p:nvPr>
         </p:nvSpPr>
         <p:spPr>
@@ -595,23 +521,18 @@
               <a:rPr lang="he-IL"/>
               <a:t>לחץ כדי לערוך סגנון כותרת של תבנית בסיס</a:t>
             </a:r>
-          </a:p>
-        </p:txBody>
-      </p:sp>
-      <p:sp>
-        <p:nvSpPr>
-          <p:cNvPr id="3" name="מציין מיקום של טקסט אנכי 2">
-            <a:extLst>
-              <a:ext uri="{FF2B5EF4-FFF2-40B4-BE49-F238E27FC236}">
-                <a16:creationId xmlns:a16="http://schemas.microsoft.com/office/drawing/2014/main" id="{422845A9-DFB9-C86A-1522-9B27A1E7C91A}"/>
-              </a:ext>
-            </a:extLst>
-          </p:cNvPr>
-          <p:cNvSpPr>
-            <a:spLocks noGrp="1"/>
-          </p:cNvSpPr>
-          <p:nvPr>
-            <p:ph type="body" orient="vert" idx="1"/>
+            <a:endParaRPr lang="he-IL"/>
+          </a:p>
+        </p:txBody>
+      </p:sp>
+      <p:sp>
+        <p:nvSpPr>
+          <p:cNvPr id="3" name="מציין מיקום של טקסט אנכי 2"/>
+          <p:cNvSpPr>
+            <a:spLocks noGrp="1"/>
+          </p:cNvSpPr>
+          <p:nvPr>
+            <p:ph type="body" orient="vert" idx="1" hasCustomPrompt="1"/>
           </p:nvPr>
         </p:nvSpPr>
         <p:spPr>
@@ -629,6 +550,7 @@
               <a:rPr lang="he-IL"/>
               <a:t>לחץ כדי לערוך סגנונות טקסט של תבנית בסיס</a:t>
             </a:r>
+            <a:endParaRPr lang="he-IL"/>
           </a:p>
           <a:p>
             <a:pPr lvl="1"/>
@@ -636,6 +558,7 @@
               <a:rPr lang="he-IL"/>
               <a:t>רמה שנייה</a:t>
             </a:r>
+            <a:endParaRPr lang="he-IL"/>
           </a:p>
           <a:p>
             <a:pPr lvl="2"/>
@@ -643,6 +566,7 @@
               <a:rPr lang="he-IL"/>
               <a:t>רמה שלישית</a:t>
             </a:r>
+            <a:endParaRPr lang="he-IL"/>
           </a:p>
           <a:p>
             <a:pPr lvl="3"/>
@@ -650,6 +574,7 @@
               <a:rPr lang="he-IL"/>
               <a:t>רמה רביעית</a:t>
             </a:r>
+            <a:endParaRPr lang="he-IL"/>
           </a:p>
           <a:p>
             <a:pPr lvl="4"/>
@@ -657,18 +582,13 @@
               <a:rPr lang="he-IL"/>
               <a:t>רמה חמישית</a:t>
             </a:r>
-          </a:p>
-        </p:txBody>
-      </p:sp>
-      <p:sp>
-        <p:nvSpPr>
-          <p:cNvPr id="4" name="מציין מיקום של תאריך 3">
-            <a:extLst>
-              <a:ext uri="{FF2B5EF4-FFF2-40B4-BE49-F238E27FC236}">
-                <a16:creationId xmlns:a16="http://schemas.microsoft.com/office/drawing/2014/main" id="{8051CDCB-A215-8C9B-5409-2CD13349E92D}"/>
-              </a:ext>
-            </a:extLst>
-          </p:cNvPr>
+            <a:endParaRPr lang="he-IL"/>
+          </a:p>
+        </p:txBody>
+      </p:sp>
+      <p:sp>
+        <p:nvSpPr>
+          <p:cNvPr id="4" name="מציין מיקום של תאריך 3"/>
           <p:cNvSpPr>
             <a:spLocks noGrp="1"/>
           </p:cNvSpPr>
@@ -683,7 +603,6 @@
           <a:p>
             <a:fld id="{C3236DAF-325B-41C6-A659-3FD835B93F99}" type="datetimeFigureOut">
               <a:rPr lang="he-IL" smtClean="0"/>
-              <a:t>י"א/אייר/תשפ"ג</a:t>
             </a:fld>
             <a:endParaRPr lang="he-IL"/>
           </a:p>
@@ -691,13 +610,7 @@
       </p:sp>
       <p:sp>
         <p:nvSpPr>
-          <p:cNvPr id="5" name="מציין מיקום של כותרת תחתונה 4">
-            <a:extLst>
-              <a:ext uri="{FF2B5EF4-FFF2-40B4-BE49-F238E27FC236}">
-                <a16:creationId xmlns:a16="http://schemas.microsoft.com/office/drawing/2014/main" id="{196A2CE6-15A4-F3BD-B9DB-D121BE282B6A}"/>
-              </a:ext>
-            </a:extLst>
-          </p:cNvPr>
+          <p:cNvPr id="5" name="מציין מיקום של כותרת תחתונה 4"/>
           <p:cNvSpPr>
             <a:spLocks noGrp="1"/>
           </p:cNvSpPr>
@@ -716,13 +629,7 @@
       </p:sp>
       <p:sp>
         <p:nvSpPr>
-          <p:cNvPr id="6" name="מציין מיקום של מספר שקופית 5">
-            <a:extLst>
-              <a:ext uri="{FF2B5EF4-FFF2-40B4-BE49-F238E27FC236}">
-                <a16:creationId xmlns:a16="http://schemas.microsoft.com/office/drawing/2014/main" id="{C1470DAD-587A-A642-2E05-BCB9B01D8F88}"/>
-              </a:ext>
-            </a:extLst>
-          </p:cNvPr>
+          <p:cNvPr id="6" name="מציין מיקום של מספר שקופית 5"/>
           <p:cNvSpPr>
             <a:spLocks noGrp="1"/>
           </p:cNvSpPr>
@@ -737,18 +644,12 @@
           <a:p>
             <a:fld id="{9AC017FD-76BB-43D1-8D1C-C9B1CC8C9978}" type="slidenum">
               <a:rPr lang="he-IL" smtClean="0"/>
-              <a:t>‹#›</a:t>
             </a:fld>
             <a:endParaRPr lang="he-IL"/>
           </a:p>
         </p:txBody>
       </p:sp>
     </p:spTree>
-    <p:extLst>
-      <p:ext uri="{BB962C8B-B14F-4D97-AF65-F5344CB8AC3E}">
-        <p14:creationId xmlns:p14="http://schemas.microsoft.com/office/powerpoint/2010/main" val="3295871958"/>
-      </p:ext>
-    </p:extLst>
   </p:cSld>
   <p:clrMapOvr>
     <a:masterClrMapping/>
@@ -756,7 +657,192 @@
 </p:sldLayout>
 </file>
 
-<file path=ppt/slideLayouts/slideLayout2.xml><?xml version="1.0" encoding="utf-8"?>
+<file path=ppt/slideLayouts/slideLayout12.xml><?xml version="1.0" encoding="utf-8"?>
+<p:sldLayout xmlns:a="http://schemas.openxmlformats.org/drawingml/2006/main" xmlns:r="http://schemas.openxmlformats.org/officeDocument/2006/relationships" xmlns:p="http://schemas.openxmlformats.org/presentationml/2006/main" type="title" preserve="1">
+  <p:cSld name="שקופית כותרת">
+    <p:spTree>
+      <p:nvGrpSpPr>
+        <p:cNvPr id="1" name=""/>
+        <p:cNvGrpSpPr/>
+        <p:nvPr/>
+      </p:nvGrpSpPr>
+      <p:grpSpPr>
+        <a:xfrm>
+          <a:off x="0" y="0"/>
+          <a:ext cx="0" cy="0"/>
+          <a:chOff x="0" y="0"/>
+          <a:chExt cx="0" cy="0"/>
+        </a:xfrm>
+      </p:grpSpPr>
+      <p:sp>
+        <p:nvSpPr>
+          <p:cNvPr id="2" name="כותרת 1"/>
+          <p:cNvSpPr>
+            <a:spLocks noGrp="1"/>
+          </p:cNvSpPr>
+          <p:nvPr>
+            <p:ph type="ctrTitle" hasCustomPrompt="1"/>
+          </p:nvPr>
+        </p:nvSpPr>
+        <p:spPr>
+          <a:xfrm>
+            <a:off x="1524000" y="1122363"/>
+            <a:ext cx="9144000" cy="2387600"/>
+          </a:xfrm>
+        </p:spPr>
+        <p:txBody>
+          <a:bodyPr anchor="b"/>
+          <a:lstStyle>
+            <a:lvl1pPr algn="ctr">
+              <a:defRPr sz="6000"/>
+            </a:lvl1pPr>
+          </a:lstStyle>
+          <a:p>
+            <a:r>
+              <a:rPr lang="he-IL"/>
+              <a:t>לחץ כדי לערוך סגנון כותרת של תבנית בסיס</a:t>
+            </a:r>
+            <a:endParaRPr lang="he-IL"/>
+          </a:p>
+        </p:txBody>
+      </p:sp>
+      <p:sp>
+        <p:nvSpPr>
+          <p:cNvPr id="3" name="כותרת משנה 2"/>
+          <p:cNvSpPr>
+            <a:spLocks noGrp="1"/>
+          </p:cNvSpPr>
+          <p:nvPr>
+            <p:ph type="subTitle" idx="1" hasCustomPrompt="1"/>
+          </p:nvPr>
+        </p:nvSpPr>
+        <p:spPr>
+          <a:xfrm>
+            <a:off x="1524000" y="3602038"/>
+            <a:ext cx="9144000" cy="1655762"/>
+          </a:xfrm>
+        </p:spPr>
+        <p:txBody>
+          <a:bodyPr/>
+          <a:lstStyle>
+            <a:lvl1pPr marL="0" indent="0" algn="ctr">
+              <a:buNone/>
+              <a:defRPr sz="2400"/>
+            </a:lvl1pPr>
+            <a:lvl2pPr marL="457200" indent="0" algn="ctr">
+              <a:buNone/>
+              <a:defRPr sz="2000"/>
+            </a:lvl2pPr>
+            <a:lvl3pPr marL="914400" indent="0" algn="ctr">
+              <a:buNone/>
+              <a:defRPr sz="1800"/>
+            </a:lvl3pPr>
+            <a:lvl4pPr marL="1371600" indent="0" algn="ctr">
+              <a:buNone/>
+              <a:defRPr sz="1600"/>
+            </a:lvl4pPr>
+            <a:lvl5pPr marL="1828800" indent="0" algn="ctr">
+              <a:buNone/>
+              <a:defRPr sz="1600"/>
+            </a:lvl5pPr>
+            <a:lvl6pPr marL="2286000" indent="0" algn="ctr">
+              <a:buNone/>
+              <a:defRPr sz="1600"/>
+            </a:lvl6pPr>
+            <a:lvl7pPr marL="2743200" indent="0" algn="ctr">
+              <a:buNone/>
+              <a:defRPr sz="1600"/>
+            </a:lvl7pPr>
+            <a:lvl8pPr marL="3200400" indent="0" algn="ctr">
+              <a:buNone/>
+              <a:defRPr sz="1600"/>
+            </a:lvl8pPr>
+            <a:lvl9pPr marL="3657600" indent="0" algn="ctr">
+              <a:buNone/>
+              <a:defRPr sz="1600"/>
+            </a:lvl9pPr>
+          </a:lstStyle>
+          <a:p>
+            <a:r>
+              <a:rPr lang="he-IL"/>
+              <a:t>לחץ כדי לערוך סגנון כותרת משנה של תבנית בסיס</a:t>
+            </a:r>
+            <a:endParaRPr lang="he-IL"/>
+          </a:p>
+        </p:txBody>
+      </p:sp>
+      <p:sp>
+        <p:nvSpPr>
+          <p:cNvPr id="4" name="מציין מיקום של תאריך 3"/>
+          <p:cNvSpPr>
+            <a:spLocks noGrp="1"/>
+          </p:cNvSpPr>
+          <p:nvPr>
+            <p:ph type="dt" sz="half" idx="10"/>
+          </p:nvPr>
+        </p:nvSpPr>
+        <p:spPr/>
+        <p:txBody>
+          <a:bodyPr/>
+          <a:lstStyle/>
+          <a:p>
+            <a:fld id="{C3236DAF-325B-41C6-A659-3FD835B93F99}" type="datetimeFigureOut">
+              <a:rPr lang="he-IL" smtClean="0"/>
+            </a:fld>
+            <a:endParaRPr lang="he-IL"/>
+          </a:p>
+        </p:txBody>
+      </p:sp>
+      <p:sp>
+        <p:nvSpPr>
+          <p:cNvPr id="5" name="מציין מיקום של כותרת תחתונה 4"/>
+          <p:cNvSpPr>
+            <a:spLocks noGrp="1"/>
+          </p:cNvSpPr>
+          <p:nvPr>
+            <p:ph type="ftr" sz="quarter" idx="11"/>
+          </p:nvPr>
+        </p:nvSpPr>
+        <p:spPr/>
+        <p:txBody>
+          <a:bodyPr/>
+          <a:lstStyle/>
+          <a:p>
+            <a:endParaRPr lang="he-IL"/>
+          </a:p>
+        </p:txBody>
+      </p:sp>
+      <p:sp>
+        <p:nvSpPr>
+          <p:cNvPr id="6" name="מציין מיקום של מספר שקופית 5"/>
+          <p:cNvSpPr>
+            <a:spLocks noGrp="1"/>
+          </p:cNvSpPr>
+          <p:nvPr>
+            <p:ph type="sldNum" sz="quarter" idx="12"/>
+          </p:nvPr>
+        </p:nvSpPr>
+        <p:spPr/>
+        <p:txBody>
+          <a:bodyPr/>
+          <a:lstStyle/>
+          <a:p>
+            <a:fld id="{9AC017FD-76BB-43D1-8D1C-C9B1CC8C9978}" type="slidenum">
+              <a:rPr lang="he-IL" smtClean="0"/>
+            </a:fld>
+            <a:endParaRPr lang="he-IL"/>
+          </a:p>
+        </p:txBody>
+      </p:sp>
+    </p:spTree>
+  </p:cSld>
+  <p:clrMapOvr>
+    <a:masterClrMapping/>
+  </p:clrMapOvr>
+</p:sldLayout>
+</file>
+
+<file path=ppt/slideLayouts/slideLayout13.xml><?xml version="1.0" encoding="utf-8"?>
 <p:sldLayout xmlns:a="http://schemas.openxmlformats.org/drawingml/2006/main" xmlns:r="http://schemas.openxmlformats.org/officeDocument/2006/relationships" xmlns:p="http://schemas.openxmlformats.org/presentationml/2006/main" type="obj" preserve="1">
   <p:cSld name="כותרת ותוכן">
     <p:spTree>
@@ -775,18 +861,12 @@
       </p:grpSpPr>
       <p:sp>
         <p:nvSpPr>
-          <p:cNvPr id="2" name="כותרת 1">
-            <a:extLst>
-              <a:ext uri="{FF2B5EF4-FFF2-40B4-BE49-F238E27FC236}">
-                <a16:creationId xmlns:a16="http://schemas.microsoft.com/office/drawing/2014/main" id="{36BDF96B-1375-108D-E83C-B068C64DAD30}"/>
-              </a:ext>
-            </a:extLst>
-          </p:cNvPr>
-          <p:cNvSpPr>
-            <a:spLocks noGrp="1"/>
-          </p:cNvSpPr>
-          <p:nvPr>
-            <p:ph type="title"/>
+          <p:cNvPr id="2" name="כותרת 1"/>
+          <p:cNvSpPr>
+            <a:spLocks noGrp="1"/>
+          </p:cNvSpPr>
+          <p:nvPr>
+            <p:ph type="title" hasCustomPrompt="1"/>
           </p:nvPr>
         </p:nvSpPr>
         <p:spPr/>
@@ -798,23 +878,18 @@
               <a:rPr lang="he-IL"/>
               <a:t>לחץ כדי לערוך סגנון כותרת של תבנית בסיס</a:t>
             </a:r>
-          </a:p>
-        </p:txBody>
-      </p:sp>
-      <p:sp>
-        <p:nvSpPr>
-          <p:cNvPr id="3" name="מציין מיקום תוכן 2">
-            <a:extLst>
-              <a:ext uri="{FF2B5EF4-FFF2-40B4-BE49-F238E27FC236}">
-                <a16:creationId xmlns:a16="http://schemas.microsoft.com/office/drawing/2014/main" id="{3832DE57-32FD-0754-77AB-80F7A2FDF5A2}"/>
-              </a:ext>
-            </a:extLst>
-          </p:cNvPr>
-          <p:cNvSpPr>
-            <a:spLocks noGrp="1"/>
-          </p:cNvSpPr>
-          <p:nvPr>
-            <p:ph idx="1"/>
+            <a:endParaRPr lang="he-IL"/>
+          </a:p>
+        </p:txBody>
+      </p:sp>
+      <p:sp>
+        <p:nvSpPr>
+          <p:cNvPr id="3" name="מציין מיקום תוכן 2"/>
+          <p:cNvSpPr>
+            <a:spLocks noGrp="1"/>
+          </p:cNvSpPr>
+          <p:nvPr>
+            <p:ph idx="1" hasCustomPrompt="1"/>
           </p:nvPr>
         </p:nvSpPr>
         <p:spPr/>
@@ -827,6 +902,7 @@
               <a:rPr lang="he-IL"/>
               <a:t>לחץ כדי לערוך סגנונות טקסט של תבנית בסיס</a:t>
             </a:r>
+            <a:endParaRPr lang="he-IL"/>
           </a:p>
           <a:p>
             <a:pPr lvl="1"/>
@@ -834,6 +910,7 @@
               <a:rPr lang="he-IL"/>
               <a:t>רמה שנייה</a:t>
             </a:r>
+            <a:endParaRPr lang="he-IL"/>
           </a:p>
           <a:p>
             <a:pPr lvl="2"/>
@@ -841,6 +918,7 @@
               <a:rPr lang="he-IL"/>
               <a:t>רמה שלישית</a:t>
             </a:r>
+            <a:endParaRPr lang="he-IL"/>
           </a:p>
           <a:p>
             <a:pPr lvl="3"/>
@@ -848,6 +926,7 @@
               <a:rPr lang="he-IL"/>
               <a:t>רמה רביעית</a:t>
             </a:r>
+            <a:endParaRPr lang="he-IL"/>
           </a:p>
           <a:p>
             <a:pPr lvl="4"/>
@@ -855,18 +934,13 @@
               <a:rPr lang="he-IL"/>
               <a:t>רמה חמישית</a:t>
             </a:r>
-          </a:p>
-        </p:txBody>
-      </p:sp>
-      <p:sp>
-        <p:nvSpPr>
-          <p:cNvPr id="4" name="מציין מיקום של תאריך 3">
-            <a:extLst>
-              <a:ext uri="{FF2B5EF4-FFF2-40B4-BE49-F238E27FC236}">
-                <a16:creationId xmlns:a16="http://schemas.microsoft.com/office/drawing/2014/main" id="{E498B300-6627-ACC7-AFE9-901D3EA1758B}"/>
-              </a:ext>
-            </a:extLst>
-          </p:cNvPr>
+            <a:endParaRPr lang="he-IL"/>
+          </a:p>
+        </p:txBody>
+      </p:sp>
+      <p:sp>
+        <p:nvSpPr>
+          <p:cNvPr id="4" name="מציין מיקום של תאריך 3"/>
           <p:cNvSpPr>
             <a:spLocks noGrp="1"/>
           </p:cNvSpPr>
@@ -881,7 +955,6 @@
           <a:p>
             <a:fld id="{C3236DAF-325B-41C6-A659-3FD835B93F99}" type="datetimeFigureOut">
               <a:rPr lang="he-IL" smtClean="0"/>
-              <a:t>י"א/אייר/תשפ"ג</a:t>
             </a:fld>
             <a:endParaRPr lang="he-IL"/>
           </a:p>
@@ -889,13 +962,7 @@
       </p:sp>
       <p:sp>
         <p:nvSpPr>
-          <p:cNvPr id="5" name="מציין מיקום של כותרת תחתונה 4">
-            <a:extLst>
-              <a:ext uri="{FF2B5EF4-FFF2-40B4-BE49-F238E27FC236}">
-                <a16:creationId xmlns:a16="http://schemas.microsoft.com/office/drawing/2014/main" id="{A4F37837-4374-F133-903B-3372F11814D7}"/>
-              </a:ext>
-            </a:extLst>
-          </p:cNvPr>
+          <p:cNvPr id="5" name="מציין מיקום של כותרת תחתונה 4"/>
           <p:cNvSpPr>
             <a:spLocks noGrp="1"/>
           </p:cNvSpPr>
@@ -914,13 +981,7 @@
       </p:sp>
       <p:sp>
         <p:nvSpPr>
-          <p:cNvPr id="6" name="מציין מיקום של מספר שקופית 5">
-            <a:extLst>
-              <a:ext uri="{FF2B5EF4-FFF2-40B4-BE49-F238E27FC236}">
-                <a16:creationId xmlns:a16="http://schemas.microsoft.com/office/drawing/2014/main" id="{44381A08-1462-E864-DA60-5F384D7C89F2}"/>
-              </a:ext>
-            </a:extLst>
-          </p:cNvPr>
+          <p:cNvPr id="6" name="מציין מיקום של מספר שקופית 5"/>
           <p:cNvSpPr>
             <a:spLocks noGrp="1"/>
           </p:cNvSpPr>
@@ -935,18 +996,12 @@
           <a:p>
             <a:fld id="{9AC017FD-76BB-43D1-8D1C-C9B1CC8C9978}" type="slidenum">
               <a:rPr lang="he-IL" smtClean="0"/>
-              <a:t>‹#›</a:t>
             </a:fld>
             <a:endParaRPr lang="he-IL"/>
           </a:p>
         </p:txBody>
       </p:sp>
     </p:spTree>
-    <p:extLst>
-      <p:ext uri="{BB962C8B-B14F-4D97-AF65-F5344CB8AC3E}">
-        <p14:creationId xmlns:p14="http://schemas.microsoft.com/office/powerpoint/2010/main" val="2869421026"/>
-      </p:ext>
-    </p:extLst>
   </p:cSld>
   <p:clrMapOvr>
     <a:masterClrMapping/>
@@ -954,7 +1009,7 @@
 </p:sldLayout>
 </file>
 
-<file path=ppt/slideLayouts/slideLayout3.xml><?xml version="1.0" encoding="utf-8"?>
+<file path=ppt/slideLayouts/slideLayout14.xml><?xml version="1.0" encoding="utf-8"?>
 <p:sldLayout xmlns:a="http://schemas.openxmlformats.org/drawingml/2006/main" xmlns:r="http://schemas.openxmlformats.org/officeDocument/2006/relationships" xmlns:p="http://schemas.openxmlformats.org/presentationml/2006/main" type="secHead" preserve="1">
   <p:cSld name="כותרת מקטע עליונה">
     <p:spTree>
@@ -973,18 +1028,12 @@
       </p:grpSpPr>
       <p:sp>
         <p:nvSpPr>
-          <p:cNvPr id="2" name="כותרת 1">
-            <a:extLst>
-              <a:ext uri="{FF2B5EF4-FFF2-40B4-BE49-F238E27FC236}">
-                <a16:creationId xmlns:a16="http://schemas.microsoft.com/office/drawing/2014/main" id="{9196D90B-DB75-0CB4-78D8-712C7A631E0D}"/>
-              </a:ext>
-            </a:extLst>
-          </p:cNvPr>
-          <p:cNvSpPr>
-            <a:spLocks noGrp="1"/>
-          </p:cNvSpPr>
-          <p:nvPr>
-            <p:ph type="title"/>
+          <p:cNvPr id="2" name="כותרת 1"/>
+          <p:cNvSpPr>
+            <a:spLocks noGrp="1"/>
+          </p:cNvSpPr>
+          <p:nvPr>
+            <p:ph type="title" hasCustomPrompt="1"/>
           </p:nvPr>
         </p:nvSpPr>
         <p:spPr>
@@ -1005,23 +1054,18 @@
               <a:rPr lang="he-IL"/>
               <a:t>לחץ כדי לערוך סגנון כותרת של תבנית בסיס</a:t>
             </a:r>
-          </a:p>
-        </p:txBody>
-      </p:sp>
-      <p:sp>
-        <p:nvSpPr>
-          <p:cNvPr id="3" name="מציין מיקום טקסט 2">
-            <a:extLst>
-              <a:ext uri="{FF2B5EF4-FFF2-40B4-BE49-F238E27FC236}">
-                <a16:creationId xmlns:a16="http://schemas.microsoft.com/office/drawing/2014/main" id="{0F68A10E-00D5-7920-26FD-E6645B82EB49}"/>
-              </a:ext>
-            </a:extLst>
-          </p:cNvPr>
-          <p:cNvSpPr>
-            <a:spLocks noGrp="1"/>
-          </p:cNvSpPr>
-          <p:nvPr>
-            <p:ph type="body" idx="1"/>
+            <a:endParaRPr lang="he-IL"/>
+          </a:p>
+        </p:txBody>
+      </p:sp>
+      <p:sp>
+        <p:nvSpPr>
+          <p:cNvPr id="3" name="מציין מיקום טקסט 2"/>
+          <p:cNvSpPr>
+            <a:spLocks noGrp="1"/>
+          </p:cNvSpPr>
+          <p:nvPr>
+            <p:ph type="body" idx="1" hasCustomPrompt="1"/>
           </p:nvPr>
         </p:nvSpPr>
         <p:spPr>
@@ -1130,18 +1174,13 @@
               <a:rPr lang="he-IL"/>
               <a:t>לחץ כדי לערוך סגנונות טקסט של תבנית בסיס</a:t>
             </a:r>
-          </a:p>
-        </p:txBody>
-      </p:sp>
-      <p:sp>
-        <p:nvSpPr>
-          <p:cNvPr id="4" name="מציין מיקום של תאריך 3">
-            <a:extLst>
-              <a:ext uri="{FF2B5EF4-FFF2-40B4-BE49-F238E27FC236}">
-                <a16:creationId xmlns:a16="http://schemas.microsoft.com/office/drawing/2014/main" id="{0FC370D1-940B-05DB-5650-B9E1E1F9D5A3}"/>
-              </a:ext>
-            </a:extLst>
-          </p:cNvPr>
+            <a:endParaRPr lang="he-IL"/>
+          </a:p>
+        </p:txBody>
+      </p:sp>
+      <p:sp>
+        <p:nvSpPr>
+          <p:cNvPr id="4" name="מציין מיקום של תאריך 3"/>
           <p:cNvSpPr>
             <a:spLocks noGrp="1"/>
           </p:cNvSpPr>
@@ -1156,7 +1195,6 @@
           <a:p>
             <a:fld id="{C3236DAF-325B-41C6-A659-3FD835B93F99}" type="datetimeFigureOut">
               <a:rPr lang="he-IL" smtClean="0"/>
-              <a:t>י"א/אייר/תשפ"ג</a:t>
             </a:fld>
             <a:endParaRPr lang="he-IL"/>
           </a:p>
@@ -1164,13 +1202,7 @@
       </p:sp>
       <p:sp>
         <p:nvSpPr>
-          <p:cNvPr id="5" name="מציין מיקום של כותרת תחתונה 4">
-            <a:extLst>
-              <a:ext uri="{FF2B5EF4-FFF2-40B4-BE49-F238E27FC236}">
-                <a16:creationId xmlns:a16="http://schemas.microsoft.com/office/drawing/2014/main" id="{3E1A0D2C-F56F-B270-12FC-960728EBA47A}"/>
-              </a:ext>
-            </a:extLst>
-          </p:cNvPr>
+          <p:cNvPr id="5" name="מציין מיקום של כותרת תחתונה 4"/>
           <p:cNvSpPr>
             <a:spLocks noGrp="1"/>
           </p:cNvSpPr>
@@ -1189,13 +1221,7 @@
       </p:sp>
       <p:sp>
         <p:nvSpPr>
-          <p:cNvPr id="6" name="מציין מיקום של מספר שקופית 5">
-            <a:extLst>
-              <a:ext uri="{FF2B5EF4-FFF2-40B4-BE49-F238E27FC236}">
-                <a16:creationId xmlns:a16="http://schemas.microsoft.com/office/drawing/2014/main" id="{025D4CEE-FFBB-A593-A46B-5D332F22BE69}"/>
-              </a:ext>
-            </a:extLst>
-          </p:cNvPr>
+          <p:cNvPr id="6" name="מציין מיקום של מספר שקופית 5"/>
           <p:cNvSpPr>
             <a:spLocks noGrp="1"/>
           </p:cNvSpPr>
@@ -1210,18 +1236,12 @@
           <a:p>
             <a:fld id="{9AC017FD-76BB-43D1-8D1C-C9B1CC8C9978}" type="slidenum">
               <a:rPr lang="he-IL" smtClean="0"/>
-              <a:t>‹#›</a:t>
             </a:fld>
             <a:endParaRPr lang="he-IL"/>
           </a:p>
         </p:txBody>
       </p:sp>
     </p:spTree>
-    <p:extLst>
-      <p:ext uri="{BB962C8B-B14F-4D97-AF65-F5344CB8AC3E}">
-        <p14:creationId xmlns:p14="http://schemas.microsoft.com/office/powerpoint/2010/main" val="3710015192"/>
-      </p:ext>
-    </p:extLst>
   </p:cSld>
   <p:clrMapOvr>
     <a:masterClrMapping/>
@@ -1229,7 +1249,7 @@
 </p:sldLayout>
 </file>
 
-<file path=ppt/slideLayouts/slideLayout4.xml><?xml version="1.0" encoding="utf-8"?>
+<file path=ppt/slideLayouts/slideLayout15.xml><?xml version="1.0" encoding="utf-8"?>
 <p:sldLayout xmlns:a="http://schemas.openxmlformats.org/drawingml/2006/main" xmlns:r="http://schemas.openxmlformats.org/officeDocument/2006/relationships" xmlns:p="http://schemas.openxmlformats.org/presentationml/2006/main" type="twoObj" preserve="1">
   <p:cSld name="שני תכנים">
     <p:spTree>
@@ -1248,18 +1268,12 @@
       </p:grpSpPr>
       <p:sp>
         <p:nvSpPr>
-          <p:cNvPr id="2" name="כותרת 1">
-            <a:extLst>
-              <a:ext uri="{FF2B5EF4-FFF2-40B4-BE49-F238E27FC236}">
-                <a16:creationId xmlns:a16="http://schemas.microsoft.com/office/drawing/2014/main" id="{D75C0813-00DA-1FEB-AB84-690EC5A0C3F7}"/>
-              </a:ext>
-            </a:extLst>
-          </p:cNvPr>
-          <p:cNvSpPr>
-            <a:spLocks noGrp="1"/>
-          </p:cNvSpPr>
-          <p:nvPr>
-            <p:ph type="title"/>
+          <p:cNvPr id="2" name="כותרת 1"/>
+          <p:cNvSpPr>
+            <a:spLocks noGrp="1"/>
+          </p:cNvSpPr>
+          <p:nvPr>
+            <p:ph type="title" hasCustomPrompt="1"/>
           </p:nvPr>
         </p:nvSpPr>
         <p:spPr/>
@@ -1271,23 +1285,18 @@
               <a:rPr lang="he-IL"/>
               <a:t>לחץ כדי לערוך סגנון כותרת של תבנית בסיס</a:t>
             </a:r>
-          </a:p>
-        </p:txBody>
-      </p:sp>
-      <p:sp>
-        <p:nvSpPr>
-          <p:cNvPr id="3" name="מציין מיקום תוכן 2">
-            <a:extLst>
-              <a:ext uri="{FF2B5EF4-FFF2-40B4-BE49-F238E27FC236}">
-                <a16:creationId xmlns:a16="http://schemas.microsoft.com/office/drawing/2014/main" id="{C47A7CE3-085E-C1E6-D87E-413D104EEA81}"/>
-              </a:ext>
-            </a:extLst>
-          </p:cNvPr>
-          <p:cNvSpPr>
-            <a:spLocks noGrp="1"/>
-          </p:cNvSpPr>
-          <p:nvPr>
-            <p:ph sz="half" idx="1"/>
+            <a:endParaRPr lang="he-IL"/>
+          </a:p>
+        </p:txBody>
+      </p:sp>
+      <p:sp>
+        <p:nvSpPr>
+          <p:cNvPr id="3" name="מציין מיקום תוכן 2"/>
+          <p:cNvSpPr>
+            <a:spLocks noGrp="1"/>
+          </p:cNvSpPr>
+          <p:nvPr>
+            <p:ph sz="half" idx="1" hasCustomPrompt="1"/>
           </p:nvPr>
         </p:nvSpPr>
         <p:spPr>
@@ -1305,6 +1314,7 @@
               <a:rPr lang="he-IL"/>
               <a:t>לחץ כדי לערוך סגנונות טקסט של תבנית בסיס</a:t>
             </a:r>
+            <a:endParaRPr lang="he-IL"/>
           </a:p>
           <a:p>
             <a:pPr lvl="1"/>
@@ -1312,6 +1322,7 @@
               <a:rPr lang="he-IL"/>
               <a:t>רמה שנייה</a:t>
             </a:r>
+            <a:endParaRPr lang="he-IL"/>
           </a:p>
           <a:p>
             <a:pPr lvl="2"/>
@@ -1319,6 +1330,7 @@
               <a:rPr lang="he-IL"/>
               <a:t>רמה שלישית</a:t>
             </a:r>
+            <a:endParaRPr lang="he-IL"/>
           </a:p>
           <a:p>
             <a:pPr lvl="3"/>
@@ -1326,6 +1338,7 @@
               <a:rPr lang="he-IL"/>
               <a:t>רמה רביעית</a:t>
             </a:r>
+            <a:endParaRPr lang="he-IL"/>
           </a:p>
           <a:p>
             <a:pPr lvl="4"/>
@@ -1333,23 +1346,18 @@
               <a:rPr lang="he-IL"/>
               <a:t>רמה חמישית</a:t>
             </a:r>
-          </a:p>
-        </p:txBody>
-      </p:sp>
-      <p:sp>
-        <p:nvSpPr>
-          <p:cNvPr id="4" name="מציין מיקום תוכן 3">
-            <a:extLst>
-              <a:ext uri="{FF2B5EF4-FFF2-40B4-BE49-F238E27FC236}">
-                <a16:creationId xmlns:a16="http://schemas.microsoft.com/office/drawing/2014/main" id="{B61E440F-C385-4CD0-F93A-E27F7D8AE310}"/>
-              </a:ext>
-            </a:extLst>
-          </p:cNvPr>
-          <p:cNvSpPr>
-            <a:spLocks noGrp="1"/>
-          </p:cNvSpPr>
-          <p:nvPr>
-            <p:ph sz="half" idx="2"/>
+            <a:endParaRPr lang="he-IL"/>
+          </a:p>
+        </p:txBody>
+      </p:sp>
+      <p:sp>
+        <p:nvSpPr>
+          <p:cNvPr id="4" name="מציין מיקום תוכן 3"/>
+          <p:cNvSpPr>
+            <a:spLocks noGrp="1"/>
+          </p:cNvSpPr>
+          <p:nvPr>
+            <p:ph sz="half" idx="2" hasCustomPrompt="1"/>
           </p:nvPr>
         </p:nvSpPr>
         <p:spPr>
@@ -1367,6 +1375,7 @@
               <a:rPr lang="he-IL"/>
               <a:t>לחץ כדי לערוך סגנונות טקסט של תבנית בסיס</a:t>
             </a:r>
+            <a:endParaRPr lang="he-IL"/>
           </a:p>
           <a:p>
             <a:pPr lvl="1"/>
@@ -1374,6 +1383,7 @@
               <a:rPr lang="he-IL"/>
               <a:t>רמה שנייה</a:t>
             </a:r>
+            <a:endParaRPr lang="he-IL"/>
           </a:p>
           <a:p>
             <a:pPr lvl="2"/>
@@ -1381,6 +1391,7 @@
               <a:rPr lang="he-IL"/>
               <a:t>רמה שלישית</a:t>
             </a:r>
+            <a:endParaRPr lang="he-IL"/>
           </a:p>
           <a:p>
             <a:pPr lvl="3"/>
@@ -1388,6 +1399,7 @@
               <a:rPr lang="he-IL"/>
               <a:t>רמה רביעית</a:t>
             </a:r>
+            <a:endParaRPr lang="he-IL"/>
           </a:p>
           <a:p>
             <a:pPr lvl="4"/>
@@ -1395,18 +1407,13 @@
               <a:rPr lang="he-IL"/>
               <a:t>רמה חמישית</a:t>
             </a:r>
-          </a:p>
-        </p:txBody>
-      </p:sp>
-      <p:sp>
-        <p:nvSpPr>
-          <p:cNvPr id="5" name="מציין מיקום של תאריך 4">
-            <a:extLst>
-              <a:ext uri="{FF2B5EF4-FFF2-40B4-BE49-F238E27FC236}">
-                <a16:creationId xmlns:a16="http://schemas.microsoft.com/office/drawing/2014/main" id="{0A0933CF-1397-2E2F-E932-88A64AF132EF}"/>
-              </a:ext>
-            </a:extLst>
-          </p:cNvPr>
+            <a:endParaRPr lang="he-IL"/>
+          </a:p>
+        </p:txBody>
+      </p:sp>
+      <p:sp>
+        <p:nvSpPr>
+          <p:cNvPr id="5" name="מציין מיקום של תאריך 4"/>
           <p:cNvSpPr>
             <a:spLocks noGrp="1"/>
           </p:cNvSpPr>
@@ -1421,7 +1428,6 @@
           <a:p>
             <a:fld id="{C3236DAF-325B-41C6-A659-3FD835B93F99}" type="datetimeFigureOut">
               <a:rPr lang="he-IL" smtClean="0"/>
-              <a:t>י"א/אייר/תשפ"ג</a:t>
             </a:fld>
             <a:endParaRPr lang="he-IL"/>
           </a:p>
@@ -1429,13 +1435,7 @@
       </p:sp>
       <p:sp>
         <p:nvSpPr>
-          <p:cNvPr id="6" name="מציין מיקום של כותרת תחתונה 5">
-            <a:extLst>
-              <a:ext uri="{FF2B5EF4-FFF2-40B4-BE49-F238E27FC236}">
-                <a16:creationId xmlns:a16="http://schemas.microsoft.com/office/drawing/2014/main" id="{620D530D-1AB1-D4EF-2CE7-C956DD2664F3}"/>
-              </a:ext>
-            </a:extLst>
-          </p:cNvPr>
+          <p:cNvPr id="6" name="מציין מיקום של כותרת תחתונה 5"/>
           <p:cNvSpPr>
             <a:spLocks noGrp="1"/>
           </p:cNvSpPr>
@@ -1454,13 +1454,7 @@
       </p:sp>
       <p:sp>
         <p:nvSpPr>
-          <p:cNvPr id="7" name="מציין מיקום של מספר שקופית 6">
-            <a:extLst>
-              <a:ext uri="{FF2B5EF4-FFF2-40B4-BE49-F238E27FC236}">
-                <a16:creationId xmlns:a16="http://schemas.microsoft.com/office/drawing/2014/main" id="{F83294EE-CA86-3397-CD8E-21A49DAE6C26}"/>
-              </a:ext>
-            </a:extLst>
-          </p:cNvPr>
+          <p:cNvPr id="7" name="מציין מיקום של מספר שקופית 6"/>
           <p:cNvSpPr>
             <a:spLocks noGrp="1"/>
           </p:cNvSpPr>
@@ -1475,18 +1469,12 @@
           <a:p>
             <a:fld id="{9AC017FD-76BB-43D1-8D1C-C9B1CC8C9978}" type="slidenum">
               <a:rPr lang="he-IL" smtClean="0"/>
-              <a:t>‹#›</a:t>
             </a:fld>
             <a:endParaRPr lang="he-IL"/>
           </a:p>
         </p:txBody>
       </p:sp>
     </p:spTree>
-    <p:extLst>
-      <p:ext uri="{BB962C8B-B14F-4D97-AF65-F5344CB8AC3E}">
-        <p14:creationId xmlns:p14="http://schemas.microsoft.com/office/powerpoint/2010/main" val="1833446587"/>
-      </p:ext>
-    </p:extLst>
   </p:cSld>
   <p:clrMapOvr>
     <a:masterClrMapping/>
@@ -1494,7 +1482,7 @@
 </p:sldLayout>
 </file>
 
-<file path=ppt/slideLayouts/slideLayout5.xml><?xml version="1.0" encoding="utf-8"?>
+<file path=ppt/slideLayouts/slideLayout16.xml><?xml version="1.0" encoding="utf-8"?>
 <p:sldLayout xmlns:a="http://schemas.openxmlformats.org/drawingml/2006/main" xmlns:r="http://schemas.openxmlformats.org/officeDocument/2006/relationships" xmlns:p="http://schemas.openxmlformats.org/presentationml/2006/main" type="twoTxTwoObj" preserve="1">
   <p:cSld name="השוואה">
     <p:spTree>
@@ -1513,18 +1501,12 @@
       </p:grpSpPr>
       <p:sp>
         <p:nvSpPr>
-          <p:cNvPr id="2" name="כותרת 1">
-            <a:extLst>
-              <a:ext uri="{FF2B5EF4-FFF2-40B4-BE49-F238E27FC236}">
-                <a16:creationId xmlns:a16="http://schemas.microsoft.com/office/drawing/2014/main" id="{603259C6-A75D-FB88-A4FA-DF90778568BD}"/>
-              </a:ext>
-            </a:extLst>
-          </p:cNvPr>
-          <p:cNvSpPr>
-            <a:spLocks noGrp="1"/>
-          </p:cNvSpPr>
-          <p:nvPr>
-            <p:ph type="title"/>
+          <p:cNvPr id="2" name="כותרת 1"/>
+          <p:cNvSpPr>
+            <a:spLocks noGrp="1"/>
+          </p:cNvSpPr>
+          <p:nvPr>
+            <p:ph type="title" hasCustomPrompt="1"/>
           </p:nvPr>
         </p:nvSpPr>
         <p:spPr>
@@ -1541,23 +1523,18 @@
               <a:rPr lang="he-IL"/>
               <a:t>לחץ כדי לערוך סגנון כותרת של תבנית בסיס</a:t>
             </a:r>
-          </a:p>
-        </p:txBody>
-      </p:sp>
-      <p:sp>
-        <p:nvSpPr>
-          <p:cNvPr id="3" name="מציין מיקום טקסט 2">
-            <a:extLst>
-              <a:ext uri="{FF2B5EF4-FFF2-40B4-BE49-F238E27FC236}">
-                <a16:creationId xmlns:a16="http://schemas.microsoft.com/office/drawing/2014/main" id="{1C6ADC79-5B58-536F-0FF3-64088010D27A}"/>
-              </a:ext>
-            </a:extLst>
-          </p:cNvPr>
-          <p:cNvSpPr>
-            <a:spLocks noGrp="1"/>
-          </p:cNvSpPr>
-          <p:nvPr>
-            <p:ph type="body" idx="1"/>
+            <a:endParaRPr lang="he-IL"/>
+          </a:p>
+        </p:txBody>
+      </p:sp>
+      <p:sp>
+        <p:nvSpPr>
+          <p:cNvPr id="3" name="מציין מיקום טקסט 2"/>
+          <p:cNvSpPr>
+            <a:spLocks noGrp="1"/>
+          </p:cNvSpPr>
+          <p:nvPr>
+            <p:ph type="body" idx="1" hasCustomPrompt="1"/>
           </p:nvPr>
         </p:nvSpPr>
         <p:spPr>
@@ -1612,23 +1589,18 @@
               <a:rPr lang="he-IL"/>
               <a:t>לחץ כדי לערוך סגנונות טקסט של תבנית בסיס</a:t>
             </a:r>
-          </a:p>
-        </p:txBody>
-      </p:sp>
-      <p:sp>
-        <p:nvSpPr>
-          <p:cNvPr id="4" name="מציין מיקום תוכן 3">
-            <a:extLst>
-              <a:ext uri="{FF2B5EF4-FFF2-40B4-BE49-F238E27FC236}">
-                <a16:creationId xmlns:a16="http://schemas.microsoft.com/office/drawing/2014/main" id="{E5F94AD8-28B1-1060-D93B-B8D90D125F13}"/>
-              </a:ext>
-            </a:extLst>
-          </p:cNvPr>
-          <p:cNvSpPr>
-            <a:spLocks noGrp="1"/>
-          </p:cNvSpPr>
-          <p:nvPr>
-            <p:ph sz="half" idx="2"/>
+            <a:endParaRPr lang="he-IL"/>
+          </a:p>
+        </p:txBody>
+      </p:sp>
+      <p:sp>
+        <p:nvSpPr>
+          <p:cNvPr id="4" name="מציין מיקום תוכן 3"/>
+          <p:cNvSpPr>
+            <a:spLocks noGrp="1"/>
+          </p:cNvSpPr>
+          <p:nvPr>
+            <p:ph sz="half" idx="2" hasCustomPrompt="1"/>
           </p:nvPr>
         </p:nvSpPr>
         <p:spPr>
@@ -1646,6 +1618,7 @@
               <a:rPr lang="he-IL"/>
               <a:t>לחץ כדי לערוך סגנונות טקסט של תבנית בסיס</a:t>
             </a:r>
+            <a:endParaRPr lang="he-IL"/>
           </a:p>
           <a:p>
             <a:pPr lvl="1"/>
@@ -1653,6 +1626,7 @@
               <a:rPr lang="he-IL"/>
               <a:t>רמה שנייה</a:t>
             </a:r>
+            <a:endParaRPr lang="he-IL"/>
           </a:p>
           <a:p>
             <a:pPr lvl="2"/>
@@ -1660,6 +1634,7 @@
               <a:rPr lang="he-IL"/>
               <a:t>רמה שלישית</a:t>
             </a:r>
+            <a:endParaRPr lang="he-IL"/>
           </a:p>
           <a:p>
             <a:pPr lvl="3"/>
@@ -1667,6 +1642,7 @@
               <a:rPr lang="he-IL"/>
               <a:t>רמה רביעית</a:t>
             </a:r>
+            <a:endParaRPr lang="he-IL"/>
           </a:p>
           <a:p>
             <a:pPr lvl="4"/>
@@ -1674,23 +1650,18 @@
               <a:rPr lang="he-IL"/>
               <a:t>רמה חמישית</a:t>
             </a:r>
-          </a:p>
-        </p:txBody>
-      </p:sp>
-      <p:sp>
-        <p:nvSpPr>
-          <p:cNvPr id="5" name="מציין מיקום טקסט 4">
-            <a:extLst>
-              <a:ext uri="{FF2B5EF4-FFF2-40B4-BE49-F238E27FC236}">
-                <a16:creationId xmlns:a16="http://schemas.microsoft.com/office/drawing/2014/main" id="{979039F0-ECA6-BC52-BFBE-584BF1EE28E0}"/>
-              </a:ext>
-            </a:extLst>
-          </p:cNvPr>
-          <p:cNvSpPr>
-            <a:spLocks noGrp="1"/>
-          </p:cNvSpPr>
-          <p:nvPr>
-            <p:ph type="body" sz="quarter" idx="3"/>
+            <a:endParaRPr lang="he-IL"/>
+          </a:p>
+        </p:txBody>
+      </p:sp>
+      <p:sp>
+        <p:nvSpPr>
+          <p:cNvPr id="5" name="מציין מיקום טקסט 4"/>
+          <p:cNvSpPr>
+            <a:spLocks noGrp="1"/>
+          </p:cNvSpPr>
+          <p:nvPr>
+            <p:ph type="body" sz="quarter" idx="3" hasCustomPrompt="1"/>
           </p:nvPr>
         </p:nvSpPr>
         <p:spPr>
@@ -1745,23 +1716,18 @@
               <a:rPr lang="he-IL"/>
               <a:t>לחץ כדי לערוך סגנונות טקסט של תבנית בסיס</a:t>
             </a:r>
-          </a:p>
-        </p:txBody>
-      </p:sp>
-      <p:sp>
-        <p:nvSpPr>
-          <p:cNvPr id="6" name="מציין מיקום תוכן 5">
-            <a:extLst>
-              <a:ext uri="{FF2B5EF4-FFF2-40B4-BE49-F238E27FC236}">
-                <a16:creationId xmlns:a16="http://schemas.microsoft.com/office/drawing/2014/main" id="{56D5266C-2BB0-A92A-0FA4-54F30A2BE269}"/>
-              </a:ext>
-            </a:extLst>
-          </p:cNvPr>
-          <p:cNvSpPr>
-            <a:spLocks noGrp="1"/>
-          </p:cNvSpPr>
-          <p:nvPr>
-            <p:ph sz="quarter" idx="4"/>
+            <a:endParaRPr lang="he-IL"/>
+          </a:p>
+        </p:txBody>
+      </p:sp>
+      <p:sp>
+        <p:nvSpPr>
+          <p:cNvPr id="6" name="מציין מיקום תוכן 5"/>
+          <p:cNvSpPr>
+            <a:spLocks noGrp="1"/>
+          </p:cNvSpPr>
+          <p:nvPr>
+            <p:ph sz="quarter" idx="4" hasCustomPrompt="1"/>
           </p:nvPr>
         </p:nvSpPr>
         <p:spPr>
@@ -1779,6 +1745,7 @@
               <a:rPr lang="he-IL"/>
               <a:t>לחץ כדי לערוך סגנונות טקסט של תבנית בסיס</a:t>
             </a:r>
+            <a:endParaRPr lang="he-IL"/>
           </a:p>
           <a:p>
             <a:pPr lvl="1"/>
@@ -1786,6 +1753,7 @@
               <a:rPr lang="he-IL"/>
               <a:t>רמה שנייה</a:t>
             </a:r>
+            <a:endParaRPr lang="he-IL"/>
           </a:p>
           <a:p>
             <a:pPr lvl="2"/>
@@ -1793,6 +1761,7 @@
               <a:rPr lang="he-IL"/>
               <a:t>רמה שלישית</a:t>
             </a:r>
+            <a:endParaRPr lang="he-IL"/>
           </a:p>
           <a:p>
             <a:pPr lvl="3"/>
@@ -1800,6 +1769,7 @@
               <a:rPr lang="he-IL"/>
               <a:t>רמה רביעית</a:t>
             </a:r>
+            <a:endParaRPr lang="he-IL"/>
           </a:p>
           <a:p>
             <a:pPr lvl="4"/>
@@ -1807,18 +1777,13 @@
               <a:rPr lang="he-IL"/>
               <a:t>רמה חמישית</a:t>
             </a:r>
-          </a:p>
-        </p:txBody>
-      </p:sp>
-      <p:sp>
-        <p:nvSpPr>
-          <p:cNvPr id="7" name="מציין מיקום של תאריך 6">
-            <a:extLst>
-              <a:ext uri="{FF2B5EF4-FFF2-40B4-BE49-F238E27FC236}">
-                <a16:creationId xmlns:a16="http://schemas.microsoft.com/office/drawing/2014/main" id="{B41E83DF-365B-CDA6-D5BD-553AE5D5AB13}"/>
-              </a:ext>
-            </a:extLst>
-          </p:cNvPr>
+            <a:endParaRPr lang="he-IL"/>
+          </a:p>
+        </p:txBody>
+      </p:sp>
+      <p:sp>
+        <p:nvSpPr>
+          <p:cNvPr id="7" name="מציין מיקום של תאריך 6"/>
           <p:cNvSpPr>
             <a:spLocks noGrp="1"/>
           </p:cNvSpPr>
@@ -1833,7 +1798,6 @@
           <a:p>
             <a:fld id="{C3236DAF-325B-41C6-A659-3FD835B93F99}" type="datetimeFigureOut">
               <a:rPr lang="he-IL" smtClean="0"/>
-              <a:t>י"א/אייר/תשפ"ג</a:t>
             </a:fld>
             <a:endParaRPr lang="he-IL"/>
           </a:p>
@@ -1841,13 +1805,7 @@
       </p:sp>
       <p:sp>
         <p:nvSpPr>
-          <p:cNvPr id="8" name="מציין מיקום של כותרת תחתונה 7">
-            <a:extLst>
-              <a:ext uri="{FF2B5EF4-FFF2-40B4-BE49-F238E27FC236}">
-                <a16:creationId xmlns:a16="http://schemas.microsoft.com/office/drawing/2014/main" id="{74950168-A35F-5508-6989-258877485636}"/>
-              </a:ext>
-            </a:extLst>
-          </p:cNvPr>
+          <p:cNvPr id="8" name="מציין מיקום של כותרת תחתונה 7"/>
           <p:cNvSpPr>
             <a:spLocks noGrp="1"/>
           </p:cNvSpPr>
@@ -1866,13 +1824,7 @@
       </p:sp>
       <p:sp>
         <p:nvSpPr>
-          <p:cNvPr id="9" name="מציין מיקום של מספר שקופית 8">
-            <a:extLst>
-              <a:ext uri="{FF2B5EF4-FFF2-40B4-BE49-F238E27FC236}">
-                <a16:creationId xmlns:a16="http://schemas.microsoft.com/office/drawing/2014/main" id="{AB8852F9-F5E0-1839-318A-D3A8FA4ECAC8}"/>
-              </a:ext>
-            </a:extLst>
-          </p:cNvPr>
+          <p:cNvPr id="9" name="מציין מיקום של מספר שקופית 8"/>
           <p:cNvSpPr>
             <a:spLocks noGrp="1"/>
           </p:cNvSpPr>
@@ -1887,18 +1839,12 @@
           <a:p>
             <a:fld id="{9AC017FD-76BB-43D1-8D1C-C9B1CC8C9978}" type="slidenum">
               <a:rPr lang="he-IL" smtClean="0"/>
-              <a:t>‹#›</a:t>
             </a:fld>
             <a:endParaRPr lang="he-IL"/>
           </a:p>
         </p:txBody>
       </p:sp>
     </p:spTree>
-    <p:extLst>
-      <p:ext uri="{BB962C8B-B14F-4D97-AF65-F5344CB8AC3E}">
-        <p14:creationId xmlns:p14="http://schemas.microsoft.com/office/powerpoint/2010/main" val="2868060654"/>
-      </p:ext>
-    </p:extLst>
   </p:cSld>
   <p:clrMapOvr>
     <a:masterClrMapping/>
@@ -1906,7 +1852,7 @@
 </p:sldLayout>
 </file>
 
-<file path=ppt/slideLayouts/slideLayout6.xml><?xml version="1.0" encoding="utf-8"?>
+<file path=ppt/slideLayouts/slideLayout17.xml><?xml version="1.0" encoding="utf-8"?>
 <p:sldLayout xmlns:a="http://schemas.openxmlformats.org/drawingml/2006/main" xmlns:r="http://schemas.openxmlformats.org/officeDocument/2006/relationships" xmlns:p="http://schemas.openxmlformats.org/presentationml/2006/main" type="titleOnly" preserve="1">
   <p:cSld name="כותרת בלבד">
     <p:spTree>
@@ -1925,18 +1871,12 @@
       </p:grpSpPr>
       <p:sp>
         <p:nvSpPr>
-          <p:cNvPr id="2" name="כותרת 1">
-            <a:extLst>
-              <a:ext uri="{FF2B5EF4-FFF2-40B4-BE49-F238E27FC236}">
-                <a16:creationId xmlns:a16="http://schemas.microsoft.com/office/drawing/2014/main" id="{17B33CAC-9FF9-2FDB-3407-BF9D61EAB25C}"/>
-              </a:ext>
-            </a:extLst>
-          </p:cNvPr>
-          <p:cNvSpPr>
-            <a:spLocks noGrp="1"/>
-          </p:cNvSpPr>
-          <p:nvPr>
-            <p:ph type="title"/>
+          <p:cNvPr id="2" name="כותרת 1"/>
+          <p:cNvSpPr>
+            <a:spLocks noGrp="1"/>
+          </p:cNvSpPr>
+          <p:nvPr>
+            <p:ph type="title" hasCustomPrompt="1"/>
           </p:nvPr>
         </p:nvSpPr>
         <p:spPr/>
@@ -1948,18 +1888,13 @@
               <a:rPr lang="he-IL"/>
               <a:t>לחץ כדי לערוך סגנון כותרת של תבנית בסיס</a:t>
             </a:r>
-          </a:p>
-        </p:txBody>
-      </p:sp>
-      <p:sp>
-        <p:nvSpPr>
-          <p:cNvPr id="3" name="מציין מיקום של תאריך 2">
-            <a:extLst>
-              <a:ext uri="{FF2B5EF4-FFF2-40B4-BE49-F238E27FC236}">
-                <a16:creationId xmlns:a16="http://schemas.microsoft.com/office/drawing/2014/main" id="{95058A08-52F4-0811-5200-C85CBAED14FB}"/>
-              </a:ext>
-            </a:extLst>
-          </p:cNvPr>
+            <a:endParaRPr lang="he-IL"/>
+          </a:p>
+        </p:txBody>
+      </p:sp>
+      <p:sp>
+        <p:nvSpPr>
+          <p:cNvPr id="3" name="מציין מיקום של תאריך 2"/>
           <p:cNvSpPr>
             <a:spLocks noGrp="1"/>
           </p:cNvSpPr>
@@ -1974,7 +1909,6 @@
           <a:p>
             <a:fld id="{C3236DAF-325B-41C6-A659-3FD835B93F99}" type="datetimeFigureOut">
               <a:rPr lang="he-IL" smtClean="0"/>
-              <a:t>י"א/אייר/תשפ"ג</a:t>
             </a:fld>
             <a:endParaRPr lang="he-IL"/>
           </a:p>
@@ -1982,13 +1916,7 @@
       </p:sp>
       <p:sp>
         <p:nvSpPr>
-          <p:cNvPr id="4" name="מציין מיקום של כותרת תחתונה 3">
-            <a:extLst>
-              <a:ext uri="{FF2B5EF4-FFF2-40B4-BE49-F238E27FC236}">
-                <a16:creationId xmlns:a16="http://schemas.microsoft.com/office/drawing/2014/main" id="{B02E6B69-6E03-FB2C-4BC0-E387BF6DE54E}"/>
-              </a:ext>
-            </a:extLst>
-          </p:cNvPr>
+          <p:cNvPr id="4" name="מציין מיקום של כותרת תחתונה 3"/>
           <p:cNvSpPr>
             <a:spLocks noGrp="1"/>
           </p:cNvSpPr>
@@ -2007,13 +1935,7 @@
       </p:sp>
       <p:sp>
         <p:nvSpPr>
-          <p:cNvPr id="5" name="מציין מיקום של מספר שקופית 4">
-            <a:extLst>
-              <a:ext uri="{FF2B5EF4-FFF2-40B4-BE49-F238E27FC236}">
-                <a16:creationId xmlns:a16="http://schemas.microsoft.com/office/drawing/2014/main" id="{1207F669-46D6-6218-650E-AC38DC389996}"/>
-              </a:ext>
-            </a:extLst>
-          </p:cNvPr>
+          <p:cNvPr id="5" name="מציין מיקום של מספר שקופית 4"/>
           <p:cNvSpPr>
             <a:spLocks noGrp="1"/>
           </p:cNvSpPr>
@@ -2028,18 +1950,12 @@
           <a:p>
             <a:fld id="{9AC017FD-76BB-43D1-8D1C-C9B1CC8C9978}" type="slidenum">
               <a:rPr lang="he-IL" smtClean="0"/>
-              <a:t>‹#›</a:t>
             </a:fld>
             <a:endParaRPr lang="he-IL"/>
           </a:p>
         </p:txBody>
       </p:sp>
     </p:spTree>
-    <p:extLst>
-      <p:ext uri="{BB962C8B-B14F-4D97-AF65-F5344CB8AC3E}">
-        <p14:creationId xmlns:p14="http://schemas.microsoft.com/office/powerpoint/2010/main" val="1011964187"/>
-      </p:ext>
-    </p:extLst>
   </p:cSld>
   <p:clrMapOvr>
     <a:masterClrMapping/>
@@ -2047,7 +1963,7 @@
 </p:sldLayout>
 </file>
 
-<file path=ppt/slideLayouts/slideLayout7.xml><?xml version="1.0" encoding="utf-8"?>
+<file path=ppt/slideLayouts/slideLayout18.xml><?xml version="1.0" encoding="utf-8"?>
 <p:sldLayout xmlns:a="http://schemas.openxmlformats.org/drawingml/2006/main" xmlns:r="http://schemas.openxmlformats.org/officeDocument/2006/relationships" xmlns:p="http://schemas.openxmlformats.org/presentationml/2006/main" type="blank" preserve="1">
   <p:cSld name="ריק">
     <p:spTree>
@@ -2066,13 +1982,7 @@
       </p:grpSpPr>
       <p:sp>
         <p:nvSpPr>
-          <p:cNvPr id="2" name="מציין מיקום של תאריך 1">
-            <a:extLst>
-              <a:ext uri="{FF2B5EF4-FFF2-40B4-BE49-F238E27FC236}">
-                <a16:creationId xmlns:a16="http://schemas.microsoft.com/office/drawing/2014/main" id="{2B50648A-970F-F9DD-716D-C63F9A7902FD}"/>
-              </a:ext>
-            </a:extLst>
-          </p:cNvPr>
+          <p:cNvPr id="2" name="מציין מיקום של תאריך 1"/>
           <p:cNvSpPr>
             <a:spLocks noGrp="1"/>
           </p:cNvSpPr>
@@ -2087,7 +1997,6 @@
           <a:p>
             <a:fld id="{C3236DAF-325B-41C6-A659-3FD835B93F99}" type="datetimeFigureOut">
               <a:rPr lang="he-IL" smtClean="0"/>
-              <a:t>י"א/אייר/תשפ"ג</a:t>
             </a:fld>
             <a:endParaRPr lang="he-IL"/>
           </a:p>
@@ -2095,13 +2004,7 @@
       </p:sp>
       <p:sp>
         <p:nvSpPr>
-          <p:cNvPr id="3" name="מציין מיקום של כותרת תחתונה 2">
-            <a:extLst>
-              <a:ext uri="{FF2B5EF4-FFF2-40B4-BE49-F238E27FC236}">
-                <a16:creationId xmlns:a16="http://schemas.microsoft.com/office/drawing/2014/main" id="{69C6DB86-7EEE-6D9E-4107-757215ABD28D}"/>
-              </a:ext>
-            </a:extLst>
-          </p:cNvPr>
+          <p:cNvPr id="3" name="מציין מיקום של כותרת תחתונה 2"/>
           <p:cNvSpPr>
             <a:spLocks noGrp="1"/>
           </p:cNvSpPr>
@@ -2120,13 +2023,7 @@
       </p:sp>
       <p:sp>
         <p:nvSpPr>
-          <p:cNvPr id="4" name="מציין מיקום של מספר שקופית 3">
-            <a:extLst>
-              <a:ext uri="{FF2B5EF4-FFF2-40B4-BE49-F238E27FC236}">
-                <a16:creationId xmlns:a16="http://schemas.microsoft.com/office/drawing/2014/main" id="{98FE7929-2701-3ED1-330B-754206E3BE2A}"/>
-              </a:ext>
-            </a:extLst>
-          </p:cNvPr>
+          <p:cNvPr id="4" name="מציין מיקום של מספר שקופית 3"/>
           <p:cNvSpPr>
             <a:spLocks noGrp="1"/>
           </p:cNvSpPr>
@@ -2141,18 +2038,12 @@
           <a:p>
             <a:fld id="{9AC017FD-76BB-43D1-8D1C-C9B1CC8C9978}" type="slidenum">
               <a:rPr lang="he-IL" smtClean="0"/>
-              <a:t>‹#›</a:t>
             </a:fld>
             <a:endParaRPr lang="he-IL"/>
           </a:p>
         </p:txBody>
       </p:sp>
     </p:spTree>
-    <p:extLst>
-      <p:ext uri="{BB962C8B-B14F-4D97-AF65-F5344CB8AC3E}">
-        <p14:creationId xmlns:p14="http://schemas.microsoft.com/office/powerpoint/2010/main" val="2596257233"/>
-      </p:ext>
-    </p:extLst>
   </p:cSld>
   <p:clrMapOvr>
     <a:masterClrMapping/>
@@ -2160,7 +2051,7 @@
 </p:sldLayout>
 </file>
 
-<file path=ppt/slideLayouts/slideLayout8.xml><?xml version="1.0" encoding="utf-8"?>
+<file path=ppt/slideLayouts/slideLayout19.xml><?xml version="1.0" encoding="utf-8"?>
 <p:sldLayout xmlns:a="http://schemas.openxmlformats.org/drawingml/2006/main" xmlns:r="http://schemas.openxmlformats.org/officeDocument/2006/relationships" xmlns:p="http://schemas.openxmlformats.org/presentationml/2006/main" type="objTx" preserve="1">
   <p:cSld name="תוכן עם כיתוב">
     <p:spTree>
@@ -2179,18 +2070,12 @@
       </p:grpSpPr>
       <p:sp>
         <p:nvSpPr>
-          <p:cNvPr id="2" name="כותרת 1">
-            <a:extLst>
-              <a:ext uri="{FF2B5EF4-FFF2-40B4-BE49-F238E27FC236}">
-                <a16:creationId xmlns:a16="http://schemas.microsoft.com/office/drawing/2014/main" id="{96D0B830-7BF0-B52C-1188-7DAD2CC3F009}"/>
-              </a:ext>
-            </a:extLst>
-          </p:cNvPr>
-          <p:cNvSpPr>
-            <a:spLocks noGrp="1"/>
-          </p:cNvSpPr>
-          <p:nvPr>
-            <p:ph type="title"/>
+          <p:cNvPr id="2" name="כותרת 1"/>
+          <p:cNvSpPr>
+            <a:spLocks noGrp="1"/>
+          </p:cNvSpPr>
+          <p:nvPr>
+            <p:ph type="title" hasCustomPrompt="1"/>
           </p:nvPr>
         </p:nvSpPr>
         <p:spPr>
@@ -2211,23 +2096,18 @@
               <a:rPr lang="he-IL"/>
               <a:t>לחץ כדי לערוך סגנון כותרת של תבנית בסיס</a:t>
             </a:r>
-          </a:p>
-        </p:txBody>
-      </p:sp>
-      <p:sp>
-        <p:nvSpPr>
-          <p:cNvPr id="3" name="מציין מיקום תוכן 2">
-            <a:extLst>
-              <a:ext uri="{FF2B5EF4-FFF2-40B4-BE49-F238E27FC236}">
-                <a16:creationId xmlns:a16="http://schemas.microsoft.com/office/drawing/2014/main" id="{135B46BC-015D-B96C-0B81-F6D08C3E9E65}"/>
-              </a:ext>
-            </a:extLst>
-          </p:cNvPr>
-          <p:cNvSpPr>
-            <a:spLocks noGrp="1"/>
-          </p:cNvSpPr>
-          <p:nvPr>
-            <p:ph idx="1"/>
+            <a:endParaRPr lang="he-IL"/>
+          </a:p>
+        </p:txBody>
+      </p:sp>
+      <p:sp>
+        <p:nvSpPr>
+          <p:cNvPr id="3" name="מציין מיקום תוכן 2"/>
+          <p:cNvSpPr>
+            <a:spLocks noGrp="1"/>
+          </p:cNvSpPr>
+          <p:nvPr>
+            <p:ph idx="1" hasCustomPrompt="1"/>
           </p:nvPr>
         </p:nvSpPr>
         <p:spPr>
@@ -2273,6 +2153,7 @@
               <a:rPr lang="he-IL"/>
               <a:t>לחץ כדי לערוך סגנונות טקסט של תבנית בסיס</a:t>
             </a:r>
+            <a:endParaRPr lang="he-IL"/>
           </a:p>
           <a:p>
             <a:pPr lvl="1"/>
@@ -2280,6 +2161,7 @@
               <a:rPr lang="he-IL"/>
               <a:t>רמה שנייה</a:t>
             </a:r>
+            <a:endParaRPr lang="he-IL"/>
           </a:p>
           <a:p>
             <a:pPr lvl="2"/>
@@ -2287,6 +2169,7 @@
               <a:rPr lang="he-IL"/>
               <a:t>רמה שלישית</a:t>
             </a:r>
+            <a:endParaRPr lang="he-IL"/>
           </a:p>
           <a:p>
             <a:pPr lvl="3"/>
@@ -2294,6 +2177,7 @@
               <a:rPr lang="he-IL"/>
               <a:t>רמה רביעית</a:t>
             </a:r>
+            <a:endParaRPr lang="he-IL"/>
           </a:p>
           <a:p>
             <a:pPr lvl="4"/>
@@ -2301,23 +2185,18 @@
               <a:rPr lang="he-IL"/>
               <a:t>רמה חמישית</a:t>
             </a:r>
-          </a:p>
-        </p:txBody>
-      </p:sp>
-      <p:sp>
-        <p:nvSpPr>
-          <p:cNvPr id="4" name="מציין מיקום טקסט 3">
-            <a:extLst>
-              <a:ext uri="{FF2B5EF4-FFF2-40B4-BE49-F238E27FC236}">
-                <a16:creationId xmlns:a16="http://schemas.microsoft.com/office/drawing/2014/main" id="{0FA68AD2-9D23-4D79-C3CD-0F646C80097F}"/>
-              </a:ext>
-            </a:extLst>
-          </p:cNvPr>
-          <p:cNvSpPr>
-            <a:spLocks noGrp="1"/>
-          </p:cNvSpPr>
-          <p:nvPr>
-            <p:ph type="body" sz="half" idx="2"/>
+            <a:endParaRPr lang="he-IL"/>
+          </a:p>
+        </p:txBody>
+      </p:sp>
+      <p:sp>
+        <p:nvSpPr>
+          <p:cNvPr id="4" name="מציין מיקום טקסט 3"/>
+          <p:cNvSpPr>
+            <a:spLocks noGrp="1"/>
+          </p:cNvSpPr>
+          <p:nvPr>
+            <p:ph type="body" sz="half" idx="2" hasCustomPrompt="1"/>
           </p:nvPr>
         </p:nvSpPr>
         <p:spPr>
@@ -2372,18 +2251,13 @@
               <a:rPr lang="he-IL"/>
               <a:t>לחץ כדי לערוך סגנונות טקסט של תבנית בסיס</a:t>
             </a:r>
-          </a:p>
-        </p:txBody>
-      </p:sp>
-      <p:sp>
-        <p:nvSpPr>
-          <p:cNvPr id="5" name="מציין מיקום של תאריך 4">
-            <a:extLst>
-              <a:ext uri="{FF2B5EF4-FFF2-40B4-BE49-F238E27FC236}">
-                <a16:creationId xmlns:a16="http://schemas.microsoft.com/office/drawing/2014/main" id="{019003A3-69F3-F0CE-E27B-0B6020AEB45C}"/>
-              </a:ext>
-            </a:extLst>
-          </p:cNvPr>
+            <a:endParaRPr lang="he-IL"/>
+          </a:p>
+        </p:txBody>
+      </p:sp>
+      <p:sp>
+        <p:nvSpPr>
+          <p:cNvPr id="5" name="מציין מיקום של תאריך 4"/>
           <p:cNvSpPr>
             <a:spLocks noGrp="1"/>
           </p:cNvSpPr>
@@ -2398,7 +2272,6 @@
           <a:p>
             <a:fld id="{C3236DAF-325B-41C6-A659-3FD835B93F99}" type="datetimeFigureOut">
               <a:rPr lang="he-IL" smtClean="0"/>
-              <a:t>י"א/אייר/תשפ"ג</a:t>
             </a:fld>
             <a:endParaRPr lang="he-IL"/>
           </a:p>
@@ -2406,13 +2279,7 @@
       </p:sp>
       <p:sp>
         <p:nvSpPr>
-          <p:cNvPr id="6" name="מציין מיקום של כותרת תחתונה 5">
-            <a:extLst>
-              <a:ext uri="{FF2B5EF4-FFF2-40B4-BE49-F238E27FC236}">
-                <a16:creationId xmlns:a16="http://schemas.microsoft.com/office/drawing/2014/main" id="{0C202905-944A-41CC-A0F7-8A5271F97517}"/>
-              </a:ext>
-            </a:extLst>
-          </p:cNvPr>
+          <p:cNvPr id="6" name="מציין מיקום של כותרת תחתונה 5"/>
           <p:cNvSpPr>
             <a:spLocks noGrp="1"/>
           </p:cNvSpPr>
@@ -2431,13 +2298,7 @@
       </p:sp>
       <p:sp>
         <p:nvSpPr>
-          <p:cNvPr id="7" name="מציין מיקום של מספר שקופית 6">
-            <a:extLst>
-              <a:ext uri="{FF2B5EF4-FFF2-40B4-BE49-F238E27FC236}">
-                <a16:creationId xmlns:a16="http://schemas.microsoft.com/office/drawing/2014/main" id="{BE7D9313-8254-8BAF-EB9B-595D5ABDE419}"/>
-              </a:ext>
-            </a:extLst>
-          </p:cNvPr>
+          <p:cNvPr id="7" name="מציין מיקום של מספר שקופית 6"/>
           <p:cNvSpPr>
             <a:spLocks noGrp="1"/>
           </p:cNvSpPr>
@@ -2452,18 +2313,2087 @@
           <a:p>
             <a:fld id="{9AC017FD-76BB-43D1-8D1C-C9B1CC8C9978}" type="slidenum">
               <a:rPr lang="he-IL" smtClean="0"/>
-              <a:t>‹#›</a:t>
             </a:fld>
             <a:endParaRPr lang="he-IL"/>
           </a:p>
         </p:txBody>
       </p:sp>
     </p:spTree>
-    <p:extLst>
-      <p:ext uri="{BB962C8B-B14F-4D97-AF65-F5344CB8AC3E}">
-        <p14:creationId xmlns:p14="http://schemas.microsoft.com/office/powerpoint/2010/main" val="1796302451"/>
-      </p:ext>
-    </p:extLst>
+  </p:cSld>
+  <p:clrMapOvr>
+    <a:masterClrMapping/>
+  </p:clrMapOvr>
+</p:sldLayout>
+</file>
+
+<file path=ppt/slideLayouts/slideLayout2.xml><?xml version="1.0" encoding="utf-8"?>
+<p:sldLayout xmlns:a="http://schemas.openxmlformats.org/drawingml/2006/main" xmlns:r="http://schemas.openxmlformats.org/officeDocument/2006/relationships" xmlns:p="http://schemas.openxmlformats.org/presentationml/2006/main" type="obj" preserve="1">
+  <p:cSld name="כותרת ותוכן">
+    <p:spTree>
+      <p:nvGrpSpPr>
+        <p:cNvPr id="1" name=""/>
+        <p:cNvGrpSpPr/>
+        <p:nvPr/>
+      </p:nvGrpSpPr>
+      <p:grpSpPr>
+        <a:xfrm>
+          <a:off x="0" y="0"/>
+          <a:ext cx="0" cy="0"/>
+          <a:chOff x="0" y="0"/>
+          <a:chExt cx="0" cy="0"/>
+        </a:xfrm>
+      </p:grpSpPr>
+      <p:sp>
+        <p:nvSpPr>
+          <p:cNvPr id="2" name="כותרת 1"/>
+          <p:cNvSpPr>
+            <a:spLocks noGrp="1"/>
+          </p:cNvSpPr>
+          <p:nvPr>
+            <p:ph type="title" hasCustomPrompt="1"/>
+          </p:nvPr>
+        </p:nvSpPr>
+        <p:spPr/>
+        <p:txBody>
+          <a:bodyPr/>
+          <a:lstStyle/>
+          <a:p>
+            <a:r>
+              <a:rPr lang="he-IL"/>
+              <a:t>לחץ כדי לערוך סגנון כותרת של תבנית בסיס</a:t>
+            </a:r>
+            <a:endParaRPr lang="he-IL"/>
+          </a:p>
+        </p:txBody>
+      </p:sp>
+      <p:sp>
+        <p:nvSpPr>
+          <p:cNvPr id="3" name="מציין מיקום תוכן 2"/>
+          <p:cNvSpPr>
+            <a:spLocks noGrp="1"/>
+          </p:cNvSpPr>
+          <p:nvPr>
+            <p:ph idx="1" hasCustomPrompt="1"/>
+          </p:nvPr>
+        </p:nvSpPr>
+        <p:spPr/>
+        <p:txBody>
+          <a:bodyPr/>
+          <a:lstStyle/>
+          <a:p>
+            <a:pPr lvl="0"/>
+            <a:r>
+              <a:rPr lang="he-IL"/>
+              <a:t>לחץ כדי לערוך סגנונות טקסט של תבנית בסיס</a:t>
+            </a:r>
+            <a:endParaRPr lang="he-IL"/>
+          </a:p>
+          <a:p>
+            <a:pPr lvl="1"/>
+            <a:r>
+              <a:rPr lang="he-IL"/>
+              <a:t>רמה שנייה</a:t>
+            </a:r>
+            <a:endParaRPr lang="he-IL"/>
+          </a:p>
+          <a:p>
+            <a:pPr lvl="2"/>
+            <a:r>
+              <a:rPr lang="he-IL"/>
+              <a:t>רמה שלישית</a:t>
+            </a:r>
+            <a:endParaRPr lang="he-IL"/>
+          </a:p>
+          <a:p>
+            <a:pPr lvl="3"/>
+            <a:r>
+              <a:rPr lang="he-IL"/>
+              <a:t>רמה רביעית</a:t>
+            </a:r>
+            <a:endParaRPr lang="he-IL"/>
+          </a:p>
+          <a:p>
+            <a:pPr lvl="4"/>
+            <a:r>
+              <a:rPr lang="he-IL"/>
+              <a:t>רמה חמישית</a:t>
+            </a:r>
+            <a:endParaRPr lang="he-IL"/>
+          </a:p>
+        </p:txBody>
+      </p:sp>
+      <p:sp>
+        <p:nvSpPr>
+          <p:cNvPr id="4" name="מציין מיקום של תאריך 3"/>
+          <p:cNvSpPr>
+            <a:spLocks noGrp="1"/>
+          </p:cNvSpPr>
+          <p:nvPr>
+            <p:ph type="dt" sz="half" idx="10"/>
+          </p:nvPr>
+        </p:nvSpPr>
+        <p:spPr/>
+        <p:txBody>
+          <a:bodyPr/>
+          <a:lstStyle/>
+          <a:p>
+            <a:fld id="{C3236DAF-325B-41C6-A659-3FD835B93F99}" type="datetimeFigureOut">
+              <a:rPr lang="he-IL" smtClean="0"/>
+            </a:fld>
+            <a:endParaRPr lang="he-IL"/>
+          </a:p>
+        </p:txBody>
+      </p:sp>
+      <p:sp>
+        <p:nvSpPr>
+          <p:cNvPr id="5" name="מציין מיקום של כותרת תחתונה 4"/>
+          <p:cNvSpPr>
+            <a:spLocks noGrp="1"/>
+          </p:cNvSpPr>
+          <p:nvPr>
+            <p:ph type="ftr" sz="quarter" idx="11"/>
+          </p:nvPr>
+        </p:nvSpPr>
+        <p:spPr/>
+        <p:txBody>
+          <a:bodyPr/>
+          <a:lstStyle/>
+          <a:p>
+            <a:endParaRPr lang="he-IL"/>
+          </a:p>
+        </p:txBody>
+      </p:sp>
+      <p:sp>
+        <p:nvSpPr>
+          <p:cNvPr id="6" name="מציין מיקום של מספר שקופית 5"/>
+          <p:cNvSpPr>
+            <a:spLocks noGrp="1"/>
+          </p:cNvSpPr>
+          <p:nvPr>
+            <p:ph type="sldNum" sz="quarter" idx="12"/>
+          </p:nvPr>
+        </p:nvSpPr>
+        <p:spPr/>
+        <p:txBody>
+          <a:bodyPr/>
+          <a:lstStyle/>
+          <a:p>
+            <a:fld id="{9AC017FD-76BB-43D1-8D1C-C9B1CC8C9978}" type="slidenum">
+              <a:rPr lang="he-IL" smtClean="0"/>
+            </a:fld>
+            <a:endParaRPr lang="he-IL"/>
+          </a:p>
+        </p:txBody>
+      </p:sp>
+    </p:spTree>
+  </p:cSld>
+  <p:clrMapOvr>
+    <a:masterClrMapping/>
+  </p:clrMapOvr>
+</p:sldLayout>
+</file>
+
+<file path=ppt/slideLayouts/slideLayout20.xml><?xml version="1.0" encoding="utf-8"?>
+<p:sldLayout xmlns:a="http://schemas.openxmlformats.org/drawingml/2006/main" xmlns:r="http://schemas.openxmlformats.org/officeDocument/2006/relationships" xmlns:p="http://schemas.openxmlformats.org/presentationml/2006/main" type="picTx" preserve="1">
+  <p:cSld name="תמונה עם כיתוב">
+    <p:spTree>
+      <p:nvGrpSpPr>
+        <p:cNvPr id="1" name=""/>
+        <p:cNvGrpSpPr/>
+        <p:nvPr/>
+      </p:nvGrpSpPr>
+      <p:grpSpPr>
+        <a:xfrm>
+          <a:off x="0" y="0"/>
+          <a:ext cx="0" cy="0"/>
+          <a:chOff x="0" y="0"/>
+          <a:chExt cx="0" cy="0"/>
+        </a:xfrm>
+      </p:grpSpPr>
+      <p:sp>
+        <p:nvSpPr>
+          <p:cNvPr id="2" name="כותרת 1"/>
+          <p:cNvSpPr>
+            <a:spLocks noGrp="1"/>
+          </p:cNvSpPr>
+          <p:nvPr>
+            <p:ph type="title" hasCustomPrompt="1"/>
+          </p:nvPr>
+        </p:nvSpPr>
+        <p:spPr>
+          <a:xfrm>
+            <a:off x="839788" y="457200"/>
+            <a:ext cx="3932237" cy="1600200"/>
+          </a:xfrm>
+        </p:spPr>
+        <p:txBody>
+          <a:bodyPr anchor="b"/>
+          <a:lstStyle>
+            <a:lvl1pPr>
+              <a:defRPr sz="3200"/>
+            </a:lvl1pPr>
+          </a:lstStyle>
+          <a:p>
+            <a:r>
+              <a:rPr lang="he-IL"/>
+              <a:t>לחץ כדי לערוך סגנון כותרת של תבנית בסיס</a:t>
+            </a:r>
+            <a:endParaRPr lang="he-IL"/>
+          </a:p>
+        </p:txBody>
+      </p:sp>
+      <p:sp>
+        <p:nvSpPr>
+          <p:cNvPr id="3" name="מציין מיקום של תמונה 2"/>
+          <p:cNvSpPr>
+            <a:spLocks noGrp="1"/>
+          </p:cNvSpPr>
+          <p:nvPr>
+            <p:ph type="pic" idx="1"/>
+          </p:nvPr>
+        </p:nvSpPr>
+        <p:spPr>
+          <a:xfrm>
+            <a:off x="5183188" y="987425"/>
+            <a:ext cx="6172200" cy="4873625"/>
+          </a:xfrm>
+        </p:spPr>
+        <p:txBody>
+          <a:bodyPr/>
+          <a:lstStyle>
+            <a:lvl1pPr marL="0" indent="0">
+              <a:buNone/>
+              <a:defRPr sz="3200"/>
+            </a:lvl1pPr>
+            <a:lvl2pPr marL="457200" indent="0">
+              <a:buNone/>
+              <a:defRPr sz="2800"/>
+            </a:lvl2pPr>
+            <a:lvl3pPr marL="914400" indent="0">
+              <a:buNone/>
+              <a:defRPr sz="2400"/>
+            </a:lvl3pPr>
+            <a:lvl4pPr marL="1371600" indent="0">
+              <a:buNone/>
+              <a:defRPr sz="2000"/>
+            </a:lvl4pPr>
+            <a:lvl5pPr marL="1828800" indent="0">
+              <a:buNone/>
+              <a:defRPr sz="2000"/>
+            </a:lvl5pPr>
+            <a:lvl6pPr marL="2286000" indent="0">
+              <a:buNone/>
+              <a:defRPr sz="2000"/>
+            </a:lvl6pPr>
+            <a:lvl7pPr marL="2743200" indent="0">
+              <a:buNone/>
+              <a:defRPr sz="2000"/>
+            </a:lvl7pPr>
+            <a:lvl8pPr marL="3200400" indent="0">
+              <a:buNone/>
+              <a:defRPr sz="2000"/>
+            </a:lvl8pPr>
+            <a:lvl9pPr marL="3657600" indent="0">
+              <a:buNone/>
+              <a:defRPr sz="2000"/>
+            </a:lvl9pPr>
+          </a:lstStyle>
+          <a:p>
+            <a:endParaRPr lang="he-IL"/>
+          </a:p>
+        </p:txBody>
+      </p:sp>
+      <p:sp>
+        <p:nvSpPr>
+          <p:cNvPr id="4" name="מציין מיקום טקסט 3"/>
+          <p:cNvSpPr>
+            <a:spLocks noGrp="1"/>
+          </p:cNvSpPr>
+          <p:nvPr>
+            <p:ph type="body" sz="half" idx="2" hasCustomPrompt="1"/>
+          </p:nvPr>
+        </p:nvSpPr>
+        <p:spPr>
+          <a:xfrm>
+            <a:off x="839788" y="2057400"/>
+            <a:ext cx="3932237" cy="3811588"/>
+          </a:xfrm>
+        </p:spPr>
+        <p:txBody>
+          <a:bodyPr/>
+          <a:lstStyle>
+            <a:lvl1pPr marL="0" indent="0">
+              <a:buNone/>
+              <a:defRPr sz="1600"/>
+            </a:lvl1pPr>
+            <a:lvl2pPr marL="457200" indent="0">
+              <a:buNone/>
+              <a:defRPr sz="1400"/>
+            </a:lvl2pPr>
+            <a:lvl3pPr marL="914400" indent="0">
+              <a:buNone/>
+              <a:defRPr sz="1200"/>
+            </a:lvl3pPr>
+            <a:lvl4pPr marL="1371600" indent="0">
+              <a:buNone/>
+              <a:defRPr sz="1000"/>
+            </a:lvl4pPr>
+            <a:lvl5pPr marL="1828800" indent="0">
+              <a:buNone/>
+              <a:defRPr sz="1000"/>
+            </a:lvl5pPr>
+            <a:lvl6pPr marL="2286000" indent="0">
+              <a:buNone/>
+              <a:defRPr sz="1000"/>
+            </a:lvl6pPr>
+            <a:lvl7pPr marL="2743200" indent="0">
+              <a:buNone/>
+              <a:defRPr sz="1000"/>
+            </a:lvl7pPr>
+            <a:lvl8pPr marL="3200400" indent="0">
+              <a:buNone/>
+              <a:defRPr sz="1000"/>
+            </a:lvl8pPr>
+            <a:lvl9pPr marL="3657600" indent="0">
+              <a:buNone/>
+              <a:defRPr sz="1000"/>
+            </a:lvl9pPr>
+          </a:lstStyle>
+          <a:p>
+            <a:pPr lvl="0"/>
+            <a:r>
+              <a:rPr lang="he-IL"/>
+              <a:t>לחץ כדי לערוך סגנונות טקסט של תבנית בסיס</a:t>
+            </a:r>
+            <a:endParaRPr lang="he-IL"/>
+          </a:p>
+        </p:txBody>
+      </p:sp>
+      <p:sp>
+        <p:nvSpPr>
+          <p:cNvPr id="5" name="מציין מיקום של תאריך 4"/>
+          <p:cNvSpPr>
+            <a:spLocks noGrp="1"/>
+          </p:cNvSpPr>
+          <p:nvPr>
+            <p:ph type="dt" sz="half" idx="10"/>
+          </p:nvPr>
+        </p:nvSpPr>
+        <p:spPr/>
+        <p:txBody>
+          <a:bodyPr/>
+          <a:lstStyle/>
+          <a:p>
+            <a:fld id="{C3236DAF-325B-41C6-A659-3FD835B93F99}" type="datetimeFigureOut">
+              <a:rPr lang="he-IL" smtClean="0"/>
+            </a:fld>
+            <a:endParaRPr lang="he-IL"/>
+          </a:p>
+        </p:txBody>
+      </p:sp>
+      <p:sp>
+        <p:nvSpPr>
+          <p:cNvPr id="6" name="מציין מיקום של כותרת תחתונה 5"/>
+          <p:cNvSpPr>
+            <a:spLocks noGrp="1"/>
+          </p:cNvSpPr>
+          <p:nvPr>
+            <p:ph type="ftr" sz="quarter" idx="11"/>
+          </p:nvPr>
+        </p:nvSpPr>
+        <p:spPr/>
+        <p:txBody>
+          <a:bodyPr/>
+          <a:lstStyle/>
+          <a:p>
+            <a:endParaRPr lang="he-IL"/>
+          </a:p>
+        </p:txBody>
+      </p:sp>
+      <p:sp>
+        <p:nvSpPr>
+          <p:cNvPr id="7" name="מציין מיקום של מספר שקופית 6"/>
+          <p:cNvSpPr>
+            <a:spLocks noGrp="1"/>
+          </p:cNvSpPr>
+          <p:nvPr>
+            <p:ph type="sldNum" sz="quarter" idx="12"/>
+          </p:nvPr>
+        </p:nvSpPr>
+        <p:spPr/>
+        <p:txBody>
+          <a:bodyPr/>
+          <a:lstStyle/>
+          <a:p>
+            <a:fld id="{9AC017FD-76BB-43D1-8D1C-C9B1CC8C9978}" type="slidenum">
+              <a:rPr lang="he-IL" smtClean="0"/>
+            </a:fld>
+            <a:endParaRPr lang="he-IL"/>
+          </a:p>
+        </p:txBody>
+      </p:sp>
+    </p:spTree>
+  </p:cSld>
+  <p:clrMapOvr>
+    <a:masterClrMapping/>
+  </p:clrMapOvr>
+</p:sldLayout>
+</file>
+
+<file path=ppt/slideLayouts/slideLayout21.xml><?xml version="1.0" encoding="utf-8"?>
+<p:sldLayout xmlns:a="http://schemas.openxmlformats.org/drawingml/2006/main" xmlns:r="http://schemas.openxmlformats.org/officeDocument/2006/relationships" xmlns:p="http://schemas.openxmlformats.org/presentationml/2006/main" type="vertTx" preserve="1">
+  <p:cSld name="כותרת וטקסט אנכי">
+    <p:spTree>
+      <p:nvGrpSpPr>
+        <p:cNvPr id="1" name=""/>
+        <p:cNvGrpSpPr/>
+        <p:nvPr/>
+      </p:nvGrpSpPr>
+      <p:grpSpPr>
+        <a:xfrm>
+          <a:off x="0" y="0"/>
+          <a:ext cx="0" cy="0"/>
+          <a:chOff x="0" y="0"/>
+          <a:chExt cx="0" cy="0"/>
+        </a:xfrm>
+      </p:grpSpPr>
+      <p:sp>
+        <p:nvSpPr>
+          <p:cNvPr id="2" name="כותרת 1"/>
+          <p:cNvSpPr>
+            <a:spLocks noGrp="1"/>
+          </p:cNvSpPr>
+          <p:nvPr>
+            <p:ph type="title" hasCustomPrompt="1"/>
+          </p:nvPr>
+        </p:nvSpPr>
+        <p:spPr/>
+        <p:txBody>
+          <a:bodyPr/>
+          <a:lstStyle/>
+          <a:p>
+            <a:r>
+              <a:rPr lang="he-IL"/>
+              <a:t>לחץ כדי לערוך סגנון כותרת של תבנית בסיס</a:t>
+            </a:r>
+            <a:endParaRPr lang="he-IL"/>
+          </a:p>
+        </p:txBody>
+      </p:sp>
+      <p:sp>
+        <p:nvSpPr>
+          <p:cNvPr id="3" name="מציין מיקום של טקסט אנכי 2"/>
+          <p:cNvSpPr>
+            <a:spLocks noGrp="1"/>
+          </p:cNvSpPr>
+          <p:nvPr>
+            <p:ph type="body" orient="vert" idx="1" hasCustomPrompt="1"/>
+          </p:nvPr>
+        </p:nvSpPr>
+        <p:spPr/>
+        <p:txBody>
+          <a:bodyPr vert="eaVert"/>
+          <a:lstStyle/>
+          <a:p>
+            <a:pPr lvl="0"/>
+            <a:r>
+              <a:rPr lang="he-IL"/>
+              <a:t>לחץ כדי לערוך סגנונות טקסט של תבנית בסיס</a:t>
+            </a:r>
+            <a:endParaRPr lang="he-IL"/>
+          </a:p>
+          <a:p>
+            <a:pPr lvl="1"/>
+            <a:r>
+              <a:rPr lang="he-IL"/>
+              <a:t>רמה שנייה</a:t>
+            </a:r>
+            <a:endParaRPr lang="he-IL"/>
+          </a:p>
+          <a:p>
+            <a:pPr lvl="2"/>
+            <a:r>
+              <a:rPr lang="he-IL"/>
+              <a:t>רמה שלישית</a:t>
+            </a:r>
+            <a:endParaRPr lang="he-IL"/>
+          </a:p>
+          <a:p>
+            <a:pPr lvl="3"/>
+            <a:r>
+              <a:rPr lang="he-IL"/>
+              <a:t>רמה רביעית</a:t>
+            </a:r>
+            <a:endParaRPr lang="he-IL"/>
+          </a:p>
+          <a:p>
+            <a:pPr lvl="4"/>
+            <a:r>
+              <a:rPr lang="he-IL"/>
+              <a:t>רמה חמישית</a:t>
+            </a:r>
+            <a:endParaRPr lang="he-IL"/>
+          </a:p>
+        </p:txBody>
+      </p:sp>
+      <p:sp>
+        <p:nvSpPr>
+          <p:cNvPr id="4" name="מציין מיקום של תאריך 3"/>
+          <p:cNvSpPr>
+            <a:spLocks noGrp="1"/>
+          </p:cNvSpPr>
+          <p:nvPr>
+            <p:ph type="dt" sz="half" idx="10"/>
+          </p:nvPr>
+        </p:nvSpPr>
+        <p:spPr/>
+        <p:txBody>
+          <a:bodyPr/>
+          <a:lstStyle/>
+          <a:p>
+            <a:fld id="{C3236DAF-325B-41C6-A659-3FD835B93F99}" type="datetimeFigureOut">
+              <a:rPr lang="he-IL" smtClean="0"/>
+            </a:fld>
+            <a:endParaRPr lang="he-IL"/>
+          </a:p>
+        </p:txBody>
+      </p:sp>
+      <p:sp>
+        <p:nvSpPr>
+          <p:cNvPr id="5" name="מציין מיקום של כותרת תחתונה 4"/>
+          <p:cNvSpPr>
+            <a:spLocks noGrp="1"/>
+          </p:cNvSpPr>
+          <p:nvPr>
+            <p:ph type="ftr" sz="quarter" idx="11"/>
+          </p:nvPr>
+        </p:nvSpPr>
+        <p:spPr/>
+        <p:txBody>
+          <a:bodyPr/>
+          <a:lstStyle/>
+          <a:p>
+            <a:endParaRPr lang="he-IL"/>
+          </a:p>
+        </p:txBody>
+      </p:sp>
+      <p:sp>
+        <p:nvSpPr>
+          <p:cNvPr id="6" name="מציין מיקום של מספר שקופית 5"/>
+          <p:cNvSpPr>
+            <a:spLocks noGrp="1"/>
+          </p:cNvSpPr>
+          <p:nvPr>
+            <p:ph type="sldNum" sz="quarter" idx="12"/>
+          </p:nvPr>
+        </p:nvSpPr>
+        <p:spPr/>
+        <p:txBody>
+          <a:bodyPr/>
+          <a:lstStyle/>
+          <a:p>
+            <a:fld id="{9AC017FD-76BB-43D1-8D1C-C9B1CC8C9978}" type="slidenum">
+              <a:rPr lang="he-IL" smtClean="0"/>
+            </a:fld>
+            <a:endParaRPr lang="he-IL"/>
+          </a:p>
+        </p:txBody>
+      </p:sp>
+    </p:spTree>
+  </p:cSld>
+  <p:clrMapOvr>
+    <a:masterClrMapping/>
+  </p:clrMapOvr>
+</p:sldLayout>
+</file>
+
+<file path=ppt/slideLayouts/slideLayout22.xml><?xml version="1.0" encoding="utf-8"?>
+<p:sldLayout xmlns:a="http://schemas.openxmlformats.org/drawingml/2006/main" xmlns:r="http://schemas.openxmlformats.org/officeDocument/2006/relationships" xmlns:p="http://schemas.openxmlformats.org/presentationml/2006/main" type="vertTitleAndTx" preserve="1">
+  <p:cSld name="כותרת אנכית וטקסט">
+    <p:spTree>
+      <p:nvGrpSpPr>
+        <p:cNvPr id="1" name=""/>
+        <p:cNvGrpSpPr/>
+        <p:nvPr/>
+      </p:nvGrpSpPr>
+      <p:grpSpPr>
+        <a:xfrm>
+          <a:off x="0" y="0"/>
+          <a:ext cx="0" cy="0"/>
+          <a:chOff x="0" y="0"/>
+          <a:chExt cx="0" cy="0"/>
+        </a:xfrm>
+      </p:grpSpPr>
+      <p:sp>
+        <p:nvSpPr>
+          <p:cNvPr id="2" name="כותרת אנכית 1"/>
+          <p:cNvSpPr>
+            <a:spLocks noGrp="1"/>
+          </p:cNvSpPr>
+          <p:nvPr>
+            <p:ph type="title" orient="vert" hasCustomPrompt="1"/>
+          </p:nvPr>
+        </p:nvSpPr>
+        <p:spPr>
+          <a:xfrm>
+            <a:off x="8724900" y="365125"/>
+            <a:ext cx="2628900" cy="5811838"/>
+          </a:xfrm>
+        </p:spPr>
+        <p:txBody>
+          <a:bodyPr vert="eaVert"/>
+          <a:lstStyle/>
+          <a:p>
+            <a:r>
+              <a:rPr lang="he-IL"/>
+              <a:t>לחץ כדי לערוך סגנון כותרת של תבנית בסיס</a:t>
+            </a:r>
+            <a:endParaRPr lang="he-IL"/>
+          </a:p>
+        </p:txBody>
+      </p:sp>
+      <p:sp>
+        <p:nvSpPr>
+          <p:cNvPr id="3" name="מציין מיקום של טקסט אנכי 2"/>
+          <p:cNvSpPr>
+            <a:spLocks noGrp="1"/>
+          </p:cNvSpPr>
+          <p:nvPr>
+            <p:ph type="body" orient="vert" idx="1" hasCustomPrompt="1"/>
+          </p:nvPr>
+        </p:nvSpPr>
+        <p:spPr>
+          <a:xfrm>
+            <a:off x="838200" y="365125"/>
+            <a:ext cx="7734300" cy="5811838"/>
+          </a:xfrm>
+        </p:spPr>
+        <p:txBody>
+          <a:bodyPr vert="eaVert"/>
+          <a:lstStyle/>
+          <a:p>
+            <a:pPr lvl="0"/>
+            <a:r>
+              <a:rPr lang="he-IL"/>
+              <a:t>לחץ כדי לערוך סגנונות טקסט של תבנית בסיס</a:t>
+            </a:r>
+            <a:endParaRPr lang="he-IL"/>
+          </a:p>
+          <a:p>
+            <a:pPr lvl="1"/>
+            <a:r>
+              <a:rPr lang="he-IL"/>
+              <a:t>רמה שנייה</a:t>
+            </a:r>
+            <a:endParaRPr lang="he-IL"/>
+          </a:p>
+          <a:p>
+            <a:pPr lvl="2"/>
+            <a:r>
+              <a:rPr lang="he-IL"/>
+              <a:t>רמה שלישית</a:t>
+            </a:r>
+            <a:endParaRPr lang="he-IL"/>
+          </a:p>
+          <a:p>
+            <a:pPr lvl="3"/>
+            <a:r>
+              <a:rPr lang="he-IL"/>
+              <a:t>רמה רביעית</a:t>
+            </a:r>
+            <a:endParaRPr lang="he-IL"/>
+          </a:p>
+          <a:p>
+            <a:pPr lvl="4"/>
+            <a:r>
+              <a:rPr lang="he-IL"/>
+              <a:t>רמה חמישית</a:t>
+            </a:r>
+            <a:endParaRPr lang="he-IL"/>
+          </a:p>
+        </p:txBody>
+      </p:sp>
+      <p:sp>
+        <p:nvSpPr>
+          <p:cNvPr id="4" name="מציין מיקום של תאריך 3"/>
+          <p:cNvSpPr>
+            <a:spLocks noGrp="1"/>
+          </p:cNvSpPr>
+          <p:nvPr>
+            <p:ph type="dt" sz="half" idx="10"/>
+          </p:nvPr>
+        </p:nvSpPr>
+        <p:spPr/>
+        <p:txBody>
+          <a:bodyPr/>
+          <a:lstStyle/>
+          <a:p>
+            <a:fld id="{C3236DAF-325B-41C6-A659-3FD835B93F99}" type="datetimeFigureOut">
+              <a:rPr lang="he-IL" smtClean="0"/>
+            </a:fld>
+            <a:endParaRPr lang="he-IL"/>
+          </a:p>
+        </p:txBody>
+      </p:sp>
+      <p:sp>
+        <p:nvSpPr>
+          <p:cNvPr id="5" name="מציין מיקום של כותרת תחתונה 4"/>
+          <p:cNvSpPr>
+            <a:spLocks noGrp="1"/>
+          </p:cNvSpPr>
+          <p:nvPr>
+            <p:ph type="ftr" sz="quarter" idx="11"/>
+          </p:nvPr>
+        </p:nvSpPr>
+        <p:spPr/>
+        <p:txBody>
+          <a:bodyPr/>
+          <a:lstStyle/>
+          <a:p>
+            <a:endParaRPr lang="he-IL"/>
+          </a:p>
+        </p:txBody>
+      </p:sp>
+      <p:sp>
+        <p:nvSpPr>
+          <p:cNvPr id="6" name="מציין מיקום של מספר שקופית 5"/>
+          <p:cNvSpPr>
+            <a:spLocks noGrp="1"/>
+          </p:cNvSpPr>
+          <p:nvPr>
+            <p:ph type="sldNum" sz="quarter" idx="12"/>
+          </p:nvPr>
+        </p:nvSpPr>
+        <p:spPr/>
+        <p:txBody>
+          <a:bodyPr/>
+          <a:lstStyle/>
+          <a:p>
+            <a:fld id="{9AC017FD-76BB-43D1-8D1C-C9B1CC8C9978}" type="slidenum">
+              <a:rPr lang="he-IL" smtClean="0"/>
+            </a:fld>
+            <a:endParaRPr lang="he-IL"/>
+          </a:p>
+        </p:txBody>
+      </p:sp>
+    </p:spTree>
+  </p:cSld>
+  <p:clrMapOvr>
+    <a:masterClrMapping/>
+  </p:clrMapOvr>
+</p:sldLayout>
+</file>
+
+<file path=ppt/slideLayouts/slideLayout3.xml><?xml version="1.0" encoding="utf-8"?>
+<p:sldLayout xmlns:a="http://schemas.openxmlformats.org/drawingml/2006/main" xmlns:r="http://schemas.openxmlformats.org/officeDocument/2006/relationships" xmlns:p="http://schemas.openxmlformats.org/presentationml/2006/main" type="secHead" preserve="1">
+  <p:cSld name="כותרת מקטע עליונה">
+    <p:spTree>
+      <p:nvGrpSpPr>
+        <p:cNvPr id="1" name=""/>
+        <p:cNvGrpSpPr/>
+        <p:nvPr/>
+      </p:nvGrpSpPr>
+      <p:grpSpPr>
+        <a:xfrm>
+          <a:off x="0" y="0"/>
+          <a:ext cx="0" cy="0"/>
+          <a:chOff x="0" y="0"/>
+          <a:chExt cx="0" cy="0"/>
+        </a:xfrm>
+      </p:grpSpPr>
+      <p:sp>
+        <p:nvSpPr>
+          <p:cNvPr id="2" name="כותרת 1"/>
+          <p:cNvSpPr>
+            <a:spLocks noGrp="1"/>
+          </p:cNvSpPr>
+          <p:nvPr>
+            <p:ph type="title" hasCustomPrompt="1"/>
+          </p:nvPr>
+        </p:nvSpPr>
+        <p:spPr>
+          <a:xfrm>
+            <a:off x="831850" y="1709738"/>
+            <a:ext cx="10515600" cy="2852737"/>
+          </a:xfrm>
+        </p:spPr>
+        <p:txBody>
+          <a:bodyPr anchor="b"/>
+          <a:lstStyle>
+            <a:lvl1pPr>
+              <a:defRPr sz="6000"/>
+            </a:lvl1pPr>
+          </a:lstStyle>
+          <a:p>
+            <a:r>
+              <a:rPr lang="he-IL"/>
+              <a:t>לחץ כדי לערוך סגנון כותרת של תבנית בסיס</a:t>
+            </a:r>
+            <a:endParaRPr lang="he-IL"/>
+          </a:p>
+        </p:txBody>
+      </p:sp>
+      <p:sp>
+        <p:nvSpPr>
+          <p:cNvPr id="3" name="מציין מיקום טקסט 2"/>
+          <p:cNvSpPr>
+            <a:spLocks noGrp="1"/>
+          </p:cNvSpPr>
+          <p:nvPr>
+            <p:ph type="body" idx="1" hasCustomPrompt="1"/>
+          </p:nvPr>
+        </p:nvSpPr>
+        <p:spPr>
+          <a:xfrm>
+            <a:off x="831850" y="4589463"/>
+            <a:ext cx="10515600" cy="1500187"/>
+          </a:xfrm>
+        </p:spPr>
+        <p:txBody>
+          <a:bodyPr/>
+          <a:lstStyle>
+            <a:lvl1pPr marL="0" indent="0">
+              <a:buNone/>
+              <a:defRPr sz="2400">
+                <a:solidFill>
+                  <a:schemeClr val="tx1">
+                    <a:tint val="75000"/>
+                  </a:schemeClr>
+                </a:solidFill>
+              </a:defRPr>
+            </a:lvl1pPr>
+            <a:lvl2pPr marL="457200" indent="0">
+              <a:buNone/>
+              <a:defRPr sz="2000">
+                <a:solidFill>
+                  <a:schemeClr val="tx1">
+                    <a:tint val="75000"/>
+                  </a:schemeClr>
+                </a:solidFill>
+              </a:defRPr>
+            </a:lvl2pPr>
+            <a:lvl3pPr marL="914400" indent="0">
+              <a:buNone/>
+              <a:defRPr sz="1800">
+                <a:solidFill>
+                  <a:schemeClr val="tx1">
+                    <a:tint val="75000"/>
+                  </a:schemeClr>
+                </a:solidFill>
+              </a:defRPr>
+            </a:lvl3pPr>
+            <a:lvl4pPr marL="1371600" indent="0">
+              <a:buNone/>
+              <a:defRPr sz="1600">
+                <a:solidFill>
+                  <a:schemeClr val="tx1">
+                    <a:tint val="75000"/>
+                  </a:schemeClr>
+                </a:solidFill>
+              </a:defRPr>
+            </a:lvl4pPr>
+            <a:lvl5pPr marL="1828800" indent="0">
+              <a:buNone/>
+              <a:defRPr sz="1600">
+                <a:solidFill>
+                  <a:schemeClr val="tx1">
+                    <a:tint val="75000"/>
+                  </a:schemeClr>
+                </a:solidFill>
+              </a:defRPr>
+            </a:lvl5pPr>
+            <a:lvl6pPr marL="2286000" indent="0">
+              <a:buNone/>
+              <a:defRPr sz="1600">
+                <a:solidFill>
+                  <a:schemeClr val="tx1">
+                    <a:tint val="75000"/>
+                  </a:schemeClr>
+                </a:solidFill>
+              </a:defRPr>
+            </a:lvl6pPr>
+            <a:lvl7pPr marL="2743200" indent="0">
+              <a:buNone/>
+              <a:defRPr sz="1600">
+                <a:solidFill>
+                  <a:schemeClr val="tx1">
+                    <a:tint val="75000"/>
+                  </a:schemeClr>
+                </a:solidFill>
+              </a:defRPr>
+            </a:lvl7pPr>
+            <a:lvl8pPr marL="3200400" indent="0">
+              <a:buNone/>
+              <a:defRPr sz="1600">
+                <a:solidFill>
+                  <a:schemeClr val="tx1">
+                    <a:tint val="75000"/>
+                  </a:schemeClr>
+                </a:solidFill>
+              </a:defRPr>
+            </a:lvl8pPr>
+            <a:lvl9pPr marL="3657600" indent="0">
+              <a:buNone/>
+              <a:defRPr sz="1600">
+                <a:solidFill>
+                  <a:schemeClr val="tx1">
+                    <a:tint val="75000"/>
+                  </a:schemeClr>
+                </a:solidFill>
+              </a:defRPr>
+            </a:lvl9pPr>
+          </a:lstStyle>
+          <a:p>
+            <a:pPr lvl="0"/>
+            <a:r>
+              <a:rPr lang="he-IL"/>
+              <a:t>לחץ כדי לערוך סגנונות טקסט של תבנית בסיס</a:t>
+            </a:r>
+            <a:endParaRPr lang="he-IL"/>
+          </a:p>
+        </p:txBody>
+      </p:sp>
+      <p:sp>
+        <p:nvSpPr>
+          <p:cNvPr id="4" name="מציין מיקום של תאריך 3"/>
+          <p:cNvSpPr>
+            <a:spLocks noGrp="1"/>
+          </p:cNvSpPr>
+          <p:nvPr>
+            <p:ph type="dt" sz="half" idx="10"/>
+          </p:nvPr>
+        </p:nvSpPr>
+        <p:spPr/>
+        <p:txBody>
+          <a:bodyPr/>
+          <a:lstStyle/>
+          <a:p>
+            <a:fld id="{C3236DAF-325B-41C6-A659-3FD835B93F99}" type="datetimeFigureOut">
+              <a:rPr lang="he-IL" smtClean="0"/>
+            </a:fld>
+            <a:endParaRPr lang="he-IL"/>
+          </a:p>
+        </p:txBody>
+      </p:sp>
+      <p:sp>
+        <p:nvSpPr>
+          <p:cNvPr id="5" name="מציין מיקום של כותרת תחתונה 4"/>
+          <p:cNvSpPr>
+            <a:spLocks noGrp="1"/>
+          </p:cNvSpPr>
+          <p:nvPr>
+            <p:ph type="ftr" sz="quarter" idx="11"/>
+          </p:nvPr>
+        </p:nvSpPr>
+        <p:spPr/>
+        <p:txBody>
+          <a:bodyPr/>
+          <a:lstStyle/>
+          <a:p>
+            <a:endParaRPr lang="he-IL"/>
+          </a:p>
+        </p:txBody>
+      </p:sp>
+      <p:sp>
+        <p:nvSpPr>
+          <p:cNvPr id="6" name="מציין מיקום של מספר שקופית 5"/>
+          <p:cNvSpPr>
+            <a:spLocks noGrp="1"/>
+          </p:cNvSpPr>
+          <p:nvPr>
+            <p:ph type="sldNum" sz="quarter" idx="12"/>
+          </p:nvPr>
+        </p:nvSpPr>
+        <p:spPr/>
+        <p:txBody>
+          <a:bodyPr/>
+          <a:lstStyle/>
+          <a:p>
+            <a:fld id="{9AC017FD-76BB-43D1-8D1C-C9B1CC8C9978}" type="slidenum">
+              <a:rPr lang="he-IL" smtClean="0"/>
+            </a:fld>
+            <a:endParaRPr lang="he-IL"/>
+          </a:p>
+        </p:txBody>
+      </p:sp>
+    </p:spTree>
+  </p:cSld>
+  <p:clrMapOvr>
+    <a:masterClrMapping/>
+  </p:clrMapOvr>
+</p:sldLayout>
+</file>
+
+<file path=ppt/slideLayouts/slideLayout4.xml><?xml version="1.0" encoding="utf-8"?>
+<p:sldLayout xmlns:a="http://schemas.openxmlformats.org/drawingml/2006/main" xmlns:r="http://schemas.openxmlformats.org/officeDocument/2006/relationships" xmlns:p="http://schemas.openxmlformats.org/presentationml/2006/main" type="twoObj" preserve="1">
+  <p:cSld name="שני תכנים">
+    <p:spTree>
+      <p:nvGrpSpPr>
+        <p:cNvPr id="1" name=""/>
+        <p:cNvGrpSpPr/>
+        <p:nvPr/>
+      </p:nvGrpSpPr>
+      <p:grpSpPr>
+        <a:xfrm>
+          <a:off x="0" y="0"/>
+          <a:ext cx="0" cy="0"/>
+          <a:chOff x="0" y="0"/>
+          <a:chExt cx="0" cy="0"/>
+        </a:xfrm>
+      </p:grpSpPr>
+      <p:sp>
+        <p:nvSpPr>
+          <p:cNvPr id="2" name="כותרת 1"/>
+          <p:cNvSpPr>
+            <a:spLocks noGrp="1"/>
+          </p:cNvSpPr>
+          <p:nvPr>
+            <p:ph type="title" hasCustomPrompt="1"/>
+          </p:nvPr>
+        </p:nvSpPr>
+        <p:spPr/>
+        <p:txBody>
+          <a:bodyPr/>
+          <a:lstStyle/>
+          <a:p>
+            <a:r>
+              <a:rPr lang="he-IL"/>
+              <a:t>לחץ כדי לערוך סגנון כותרת של תבנית בסיס</a:t>
+            </a:r>
+            <a:endParaRPr lang="he-IL"/>
+          </a:p>
+        </p:txBody>
+      </p:sp>
+      <p:sp>
+        <p:nvSpPr>
+          <p:cNvPr id="3" name="מציין מיקום תוכן 2"/>
+          <p:cNvSpPr>
+            <a:spLocks noGrp="1"/>
+          </p:cNvSpPr>
+          <p:nvPr>
+            <p:ph sz="half" idx="1" hasCustomPrompt="1"/>
+          </p:nvPr>
+        </p:nvSpPr>
+        <p:spPr>
+          <a:xfrm>
+            <a:off x="838200" y="1825625"/>
+            <a:ext cx="5181600" cy="4351338"/>
+          </a:xfrm>
+        </p:spPr>
+        <p:txBody>
+          <a:bodyPr/>
+          <a:lstStyle/>
+          <a:p>
+            <a:pPr lvl="0"/>
+            <a:r>
+              <a:rPr lang="he-IL"/>
+              <a:t>לחץ כדי לערוך סגנונות טקסט של תבנית בסיס</a:t>
+            </a:r>
+            <a:endParaRPr lang="he-IL"/>
+          </a:p>
+          <a:p>
+            <a:pPr lvl="1"/>
+            <a:r>
+              <a:rPr lang="he-IL"/>
+              <a:t>רמה שנייה</a:t>
+            </a:r>
+            <a:endParaRPr lang="he-IL"/>
+          </a:p>
+          <a:p>
+            <a:pPr lvl="2"/>
+            <a:r>
+              <a:rPr lang="he-IL"/>
+              <a:t>רמה שלישית</a:t>
+            </a:r>
+            <a:endParaRPr lang="he-IL"/>
+          </a:p>
+          <a:p>
+            <a:pPr lvl="3"/>
+            <a:r>
+              <a:rPr lang="he-IL"/>
+              <a:t>רמה רביעית</a:t>
+            </a:r>
+            <a:endParaRPr lang="he-IL"/>
+          </a:p>
+          <a:p>
+            <a:pPr lvl="4"/>
+            <a:r>
+              <a:rPr lang="he-IL"/>
+              <a:t>רמה חמישית</a:t>
+            </a:r>
+            <a:endParaRPr lang="he-IL"/>
+          </a:p>
+        </p:txBody>
+      </p:sp>
+      <p:sp>
+        <p:nvSpPr>
+          <p:cNvPr id="4" name="מציין מיקום תוכן 3"/>
+          <p:cNvSpPr>
+            <a:spLocks noGrp="1"/>
+          </p:cNvSpPr>
+          <p:nvPr>
+            <p:ph sz="half" idx="2" hasCustomPrompt="1"/>
+          </p:nvPr>
+        </p:nvSpPr>
+        <p:spPr>
+          <a:xfrm>
+            <a:off x="6172200" y="1825625"/>
+            <a:ext cx="5181600" cy="4351338"/>
+          </a:xfrm>
+        </p:spPr>
+        <p:txBody>
+          <a:bodyPr/>
+          <a:lstStyle/>
+          <a:p>
+            <a:pPr lvl="0"/>
+            <a:r>
+              <a:rPr lang="he-IL"/>
+              <a:t>לחץ כדי לערוך סגנונות טקסט של תבנית בסיס</a:t>
+            </a:r>
+            <a:endParaRPr lang="he-IL"/>
+          </a:p>
+          <a:p>
+            <a:pPr lvl="1"/>
+            <a:r>
+              <a:rPr lang="he-IL"/>
+              <a:t>רמה שנייה</a:t>
+            </a:r>
+            <a:endParaRPr lang="he-IL"/>
+          </a:p>
+          <a:p>
+            <a:pPr lvl="2"/>
+            <a:r>
+              <a:rPr lang="he-IL"/>
+              <a:t>רמה שלישית</a:t>
+            </a:r>
+            <a:endParaRPr lang="he-IL"/>
+          </a:p>
+          <a:p>
+            <a:pPr lvl="3"/>
+            <a:r>
+              <a:rPr lang="he-IL"/>
+              <a:t>רמה רביעית</a:t>
+            </a:r>
+            <a:endParaRPr lang="he-IL"/>
+          </a:p>
+          <a:p>
+            <a:pPr lvl="4"/>
+            <a:r>
+              <a:rPr lang="he-IL"/>
+              <a:t>רמה חמישית</a:t>
+            </a:r>
+            <a:endParaRPr lang="he-IL"/>
+          </a:p>
+        </p:txBody>
+      </p:sp>
+      <p:sp>
+        <p:nvSpPr>
+          <p:cNvPr id="5" name="מציין מיקום של תאריך 4"/>
+          <p:cNvSpPr>
+            <a:spLocks noGrp="1"/>
+          </p:cNvSpPr>
+          <p:nvPr>
+            <p:ph type="dt" sz="half" idx="10"/>
+          </p:nvPr>
+        </p:nvSpPr>
+        <p:spPr/>
+        <p:txBody>
+          <a:bodyPr/>
+          <a:lstStyle/>
+          <a:p>
+            <a:fld id="{C3236DAF-325B-41C6-A659-3FD835B93F99}" type="datetimeFigureOut">
+              <a:rPr lang="he-IL" smtClean="0"/>
+            </a:fld>
+            <a:endParaRPr lang="he-IL"/>
+          </a:p>
+        </p:txBody>
+      </p:sp>
+      <p:sp>
+        <p:nvSpPr>
+          <p:cNvPr id="6" name="מציין מיקום של כותרת תחתונה 5"/>
+          <p:cNvSpPr>
+            <a:spLocks noGrp="1"/>
+          </p:cNvSpPr>
+          <p:nvPr>
+            <p:ph type="ftr" sz="quarter" idx="11"/>
+          </p:nvPr>
+        </p:nvSpPr>
+        <p:spPr/>
+        <p:txBody>
+          <a:bodyPr/>
+          <a:lstStyle/>
+          <a:p>
+            <a:endParaRPr lang="he-IL"/>
+          </a:p>
+        </p:txBody>
+      </p:sp>
+      <p:sp>
+        <p:nvSpPr>
+          <p:cNvPr id="7" name="מציין מיקום של מספר שקופית 6"/>
+          <p:cNvSpPr>
+            <a:spLocks noGrp="1"/>
+          </p:cNvSpPr>
+          <p:nvPr>
+            <p:ph type="sldNum" sz="quarter" idx="12"/>
+          </p:nvPr>
+        </p:nvSpPr>
+        <p:spPr/>
+        <p:txBody>
+          <a:bodyPr/>
+          <a:lstStyle/>
+          <a:p>
+            <a:fld id="{9AC017FD-76BB-43D1-8D1C-C9B1CC8C9978}" type="slidenum">
+              <a:rPr lang="he-IL" smtClean="0"/>
+            </a:fld>
+            <a:endParaRPr lang="he-IL"/>
+          </a:p>
+        </p:txBody>
+      </p:sp>
+    </p:spTree>
+  </p:cSld>
+  <p:clrMapOvr>
+    <a:masterClrMapping/>
+  </p:clrMapOvr>
+</p:sldLayout>
+</file>
+
+<file path=ppt/slideLayouts/slideLayout5.xml><?xml version="1.0" encoding="utf-8"?>
+<p:sldLayout xmlns:a="http://schemas.openxmlformats.org/drawingml/2006/main" xmlns:r="http://schemas.openxmlformats.org/officeDocument/2006/relationships" xmlns:p="http://schemas.openxmlformats.org/presentationml/2006/main" type="twoTxTwoObj" preserve="1">
+  <p:cSld name="השוואה">
+    <p:spTree>
+      <p:nvGrpSpPr>
+        <p:cNvPr id="1" name=""/>
+        <p:cNvGrpSpPr/>
+        <p:nvPr/>
+      </p:nvGrpSpPr>
+      <p:grpSpPr>
+        <a:xfrm>
+          <a:off x="0" y="0"/>
+          <a:ext cx="0" cy="0"/>
+          <a:chOff x="0" y="0"/>
+          <a:chExt cx="0" cy="0"/>
+        </a:xfrm>
+      </p:grpSpPr>
+      <p:sp>
+        <p:nvSpPr>
+          <p:cNvPr id="2" name="כותרת 1"/>
+          <p:cNvSpPr>
+            <a:spLocks noGrp="1"/>
+          </p:cNvSpPr>
+          <p:nvPr>
+            <p:ph type="title" hasCustomPrompt="1"/>
+          </p:nvPr>
+        </p:nvSpPr>
+        <p:spPr>
+          <a:xfrm>
+            <a:off x="839788" y="365125"/>
+            <a:ext cx="10515600" cy="1325563"/>
+          </a:xfrm>
+        </p:spPr>
+        <p:txBody>
+          <a:bodyPr/>
+          <a:lstStyle/>
+          <a:p>
+            <a:r>
+              <a:rPr lang="he-IL"/>
+              <a:t>לחץ כדי לערוך סגנון כותרת של תבנית בסיס</a:t>
+            </a:r>
+            <a:endParaRPr lang="he-IL"/>
+          </a:p>
+        </p:txBody>
+      </p:sp>
+      <p:sp>
+        <p:nvSpPr>
+          <p:cNvPr id="3" name="מציין מיקום טקסט 2"/>
+          <p:cNvSpPr>
+            <a:spLocks noGrp="1"/>
+          </p:cNvSpPr>
+          <p:nvPr>
+            <p:ph type="body" idx="1" hasCustomPrompt="1"/>
+          </p:nvPr>
+        </p:nvSpPr>
+        <p:spPr>
+          <a:xfrm>
+            <a:off x="839788" y="1681163"/>
+            <a:ext cx="5157787" cy="823912"/>
+          </a:xfrm>
+        </p:spPr>
+        <p:txBody>
+          <a:bodyPr anchor="b"/>
+          <a:lstStyle>
+            <a:lvl1pPr marL="0" indent="0">
+              <a:buNone/>
+              <a:defRPr sz="2400" b="1"/>
+            </a:lvl1pPr>
+            <a:lvl2pPr marL="457200" indent="0">
+              <a:buNone/>
+              <a:defRPr sz="2000" b="1"/>
+            </a:lvl2pPr>
+            <a:lvl3pPr marL="914400" indent="0">
+              <a:buNone/>
+              <a:defRPr sz="1800" b="1"/>
+            </a:lvl3pPr>
+            <a:lvl4pPr marL="1371600" indent="0">
+              <a:buNone/>
+              <a:defRPr sz="1600" b="1"/>
+            </a:lvl4pPr>
+            <a:lvl5pPr marL="1828800" indent="0">
+              <a:buNone/>
+              <a:defRPr sz="1600" b="1"/>
+            </a:lvl5pPr>
+            <a:lvl6pPr marL="2286000" indent="0">
+              <a:buNone/>
+              <a:defRPr sz="1600" b="1"/>
+            </a:lvl6pPr>
+            <a:lvl7pPr marL="2743200" indent="0">
+              <a:buNone/>
+              <a:defRPr sz="1600" b="1"/>
+            </a:lvl7pPr>
+            <a:lvl8pPr marL="3200400" indent="0">
+              <a:buNone/>
+              <a:defRPr sz="1600" b="1"/>
+            </a:lvl8pPr>
+            <a:lvl9pPr marL="3657600" indent="0">
+              <a:buNone/>
+              <a:defRPr sz="1600" b="1"/>
+            </a:lvl9pPr>
+          </a:lstStyle>
+          <a:p>
+            <a:pPr lvl="0"/>
+            <a:r>
+              <a:rPr lang="he-IL"/>
+              <a:t>לחץ כדי לערוך סגנונות טקסט של תבנית בסיס</a:t>
+            </a:r>
+            <a:endParaRPr lang="he-IL"/>
+          </a:p>
+        </p:txBody>
+      </p:sp>
+      <p:sp>
+        <p:nvSpPr>
+          <p:cNvPr id="4" name="מציין מיקום תוכן 3"/>
+          <p:cNvSpPr>
+            <a:spLocks noGrp="1"/>
+          </p:cNvSpPr>
+          <p:nvPr>
+            <p:ph sz="half" idx="2" hasCustomPrompt="1"/>
+          </p:nvPr>
+        </p:nvSpPr>
+        <p:spPr>
+          <a:xfrm>
+            <a:off x="839788" y="2505075"/>
+            <a:ext cx="5157787" cy="3684588"/>
+          </a:xfrm>
+        </p:spPr>
+        <p:txBody>
+          <a:bodyPr/>
+          <a:lstStyle/>
+          <a:p>
+            <a:pPr lvl="0"/>
+            <a:r>
+              <a:rPr lang="he-IL"/>
+              <a:t>לחץ כדי לערוך סגנונות טקסט של תבנית בסיס</a:t>
+            </a:r>
+            <a:endParaRPr lang="he-IL"/>
+          </a:p>
+          <a:p>
+            <a:pPr lvl="1"/>
+            <a:r>
+              <a:rPr lang="he-IL"/>
+              <a:t>רמה שנייה</a:t>
+            </a:r>
+            <a:endParaRPr lang="he-IL"/>
+          </a:p>
+          <a:p>
+            <a:pPr lvl="2"/>
+            <a:r>
+              <a:rPr lang="he-IL"/>
+              <a:t>רמה שלישית</a:t>
+            </a:r>
+            <a:endParaRPr lang="he-IL"/>
+          </a:p>
+          <a:p>
+            <a:pPr lvl="3"/>
+            <a:r>
+              <a:rPr lang="he-IL"/>
+              <a:t>רמה רביעית</a:t>
+            </a:r>
+            <a:endParaRPr lang="he-IL"/>
+          </a:p>
+          <a:p>
+            <a:pPr lvl="4"/>
+            <a:r>
+              <a:rPr lang="he-IL"/>
+              <a:t>רמה חמישית</a:t>
+            </a:r>
+            <a:endParaRPr lang="he-IL"/>
+          </a:p>
+        </p:txBody>
+      </p:sp>
+      <p:sp>
+        <p:nvSpPr>
+          <p:cNvPr id="5" name="מציין מיקום טקסט 4"/>
+          <p:cNvSpPr>
+            <a:spLocks noGrp="1"/>
+          </p:cNvSpPr>
+          <p:nvPr>
+            <p:ph type="body" sz="quarter" idx="3" hasCustomPrompt="1"/>
+          </p:nvPr>
+        </p:nvSpPr>
+        <p:spPr>
+          <a:xfrm>
+            <a:off x="6172200" y="1681163"/>
+            <a:ext cx="5183188" cy="823912"/>
+          </a:xfrm>
+        </p:spPr>
+        <p:txBody>
+          <a:bodyPr anchor="b"/>
+          <a:lstStyle>
+            <a:lvl1pPr marL="0" indent="0">
+              <a:buNone/>
+              <a:defRPr sz="2400" b="1"/>
+            </a:lvl1pPr>
+            <a:lvl2pPr marL="457200" indent="0">
+              <a:buNone/>
+              <a:defRPr sz="2000" b="1"/>
+            </a:lvl2pPr>
+            <a:lvl3pPr marL="914400" indent="0">
+              <a:buNone/>
+              <a:defRPr sz="1800" b="1"/>
+            </a:lvl3pPr>
+            <a:lvl4pPr marL="1371600" indent="0">
+              <a:buNone/>
+              <a:defRPr sz="1600" b="1"/>
+            </a:lvl4pPr>
+            <a:lvl5pPr marL="1828800" indent="0">
+              <a:buNone/>
+              <a:defRPr sz="1600" b="1"/>
+            </a:lvl5pPr>
+            <a:lvl6pPr marL="2286000" indent="0">
+              <a:buNone/>
+              <a:defRPr sz="1600" b="1"/>
+            </a:lvl6pPr>
+            <a:lvl7pPr marL="2743200" indent="0">
+              <a:buNone/>
+              <a:defRPr sz="1600" b="1"/>
+            </a:lvl7pPr>
+            <a:lvl8pPr marL="3200400" indent="0">
+              <a:buNone/>
+              <a:defRPr sz="1600" b="1"/>
+            </a:lvl8pPr>
+            <a:lvl9pPr marL="3657600" indent="0">
+              <a:buNone/>
+              <a:defRPr sz="1600" b="1"/>
+            </a:lvl9pPr>
+          </a:lstStyle>
+          <a:p>
+            <a:pPr lvl="0"/>
+            <a:r>
+              <a:rPr lang="he-IL"/>
+              <a:t>לחץ כדי לערוך סגנונות טקסט של תבנית בסיס</a:t>
+            </a:r>
+            <a:endParaRPr lang="he-IL"/>
+          </a:p>
+        </p:txBody>
+      </p:sp>
+      <p:sp>
+        <p:nvSpPr>
+          <p:cNvPr id="6" name="מציין מיקום תוכן 5"/>
+          <p:cNvSpPr>
+            <a:spLocks noGrp="1"/>
+          </p:cNvSpPr>
+          <p:nvPr>
+            <p:ph sz="quarter" idx="4" hasCustomPrompt="1"/>
+          </p:nvPr>
+        </p:nvSpPr>
+        <p:spPr>
+          <a:xfrm>
+            <a:off x="6172200" y="2505075"/>
+            <a:ext cx="5183188" cy="3684588"/>
+          </a:xfrm>
+        </p:spPr>
+        <p:txBody>
+          <a:bodyPr/>
+          <a:lstStyle/>
+          <a:p>
+            <a:pPr lvl="0"/>
+            <a:r>
+              <a:rPr lang="he-IL"/>
+              <a:t>לחץ כדי לערוך סגנונות טקסט של תבנית בסיס</a:t>
+            </a:r>
+            <a:endParaRPr lang="he-IL"/>
+          </a:p>
+          <a:p>
+            <a:pPr lvl="1"/>
+            <a:r>
+              <a:rPr lang="he-IL"/>
+              <a:t>רמה שנייה</a:t>
+            </a:r>
+            <a:endParaRPr lang="he-IL"/>
+          </a:p>
+          <a:p>
+            <a:pPr lvl="2"/>
+            <a:r>
+              <a:rPr lang="he-IL"/>
+              <a:t>רמה שלישית</a:t>
+            </a:r>
+            <a:endParaRPr lang="he-IL"/>
+          </a:p>
+          <a:p>
+            <a:pPr lvl="3"/>
+            <a:r>
+              <a:rPr lang="he-IL"/>
+              <a:t>רמה רביעית</a:t>
+            </a:r>
+            <a:endParaRPr lang="he-IL"/>
+          </a:p>
+          <a:p>
+            <a:pPr lvl="4"/>
+            <a:r>
+              <a:rPr lang="he-IL"/>
+              <a:t>רמה חמישית</a:t>
+            </a:r>
+            <a:endParaRPr lang="he-IL"/>
+          </a:p>
+        </p:txBody>
+      </p:sp>
+      <p:sp>
+        <p:nvSpPr>
+          <p:cNvPr id="7" name="מציין מיקום של תאריך 6"/>
+          <p:cNvSpPr>
+            <a:spLocks noGrp="1"/>
+          </p:cNvSpPr>
+          <p:nvPr>
+            <p:ph type="dt" sz="half" idx="10"/>
+          </p:nvPr>
+        </p:nvSpPr>
+        <p:spPr/>
+        <p:txBody>
+          <a:bodyPr/>
+          <a:lstStyle/>
+          <a:p>
+            <a:fld id="{C3236DAF-325B-41C6-A659-3FD835B93F99}" type="datetimeFigureOut">
+              <a:rPr lang="he-IL" smtClean="0"/>
+            </a:fld>
+            <a:endParaRPr lang="he-IL"/>
+          </a:p>
+        </p:txBody>
+      </p:sp>
+      <p:sp>
+        <p:nvSpPr>
+          <p:cNvPr id="8" name="מציין מיקום של כותרת תחתונה 7"/>
+          <p:cNvSpPr>
+            <a:spLocks noGrp="1"/>
+          </p:cNvSpPr>
+          <p:nvPr>
+            <p:ph type="ftr" sz="quarter" idx="11"/>
+          </p:nvPr>
+        </p:nvSpPr>
+        <p:spPr/>
+        <p:txBody>
+          <a:bodyPr/>
+          <a:lstStyle/>
+          <a:p>
+            <a:endParaRPr lang="he-IL"/>
+          </a:p>
+        </p:txBody>
+      </p:sp>
+      <p:sp>
+        <p:nvSpPr>
+          <p:cNvPr id="9" name="מציין מיקום של מספר שקופית 8"/>
+          <p:cNvSpPr>
+            <a:spLocks noGrp="1"/>
+          </p:cNvSpPr>
+          <p:nvPr>
+            <p:ph type="sldNum" sz="quarter" idx="12"/>
+          </p:nvPr>
+        </p:nvSpPr>
+        <p:spPr/>
+        <p:txBody>
+          <a:bodyPr/>
+          <a:lstStyle/>
+          <a:p>
+            <a:fld id="{9AC017FD-76BB-43D1-8D1C-C9B1CC8C9978}" type="slidenum">
+              <a:rPr lang="he-IL" smtClean="0"/>
+            </a:fld>
+            <a:endParaRPr lang="he-IL"/>
+          </a:p>
+        </p:txBody>
+      </p:sp>
+    </p:spTree>
+  </p:cSld>
+  <p:clrMapOvr>
+    <a:masterClrMapping/>
+  </p:clrMapOvr>
+</p:sldLayout>
+</file>
+
+<file path=ppt/slideLayouts/slideLayout6.xml><?xml version="1.0" encoding="utf-8"?>
+<p:sldLayout xmlns:a="http://schemas.openxmlformats.org/drawingml/2006/main" xmlns:r="http://schemas.openxmlformats.org/officeDocument/2006/relationships" xmlns:p="http://schemas.openxmlformats.org/presentationml/2006/main" type="titleOnly" preserve="1">
+  <p:cSld name="כותרת בלבד">
+    <p:spTree>
+      <p:nvGrpSpPr>
+        <p:cNvPr id="1" name=""/>
+        <p:cNvGrpSpPr/>
+        <p:nvPr/>
+      </p:nvGrpSpPr>
+      <p:grpSpPr>
+        <a:xfrm>
+          <a:off x="0" y="0"/>
+          <a:ext cx="0" cy="0"/>
+          <a:chOff x="0" y="0"/>
+          <a:chExt cx="0" cy="0"/>
+        </a:xfrm>
+      </p:grpSpPr>
+      <p:sp>
+        <p:nvSpPr>
+          <p:cNvPr id="2" name="כותרת 1"/>
+          <p:cNvSpPr>
+            <a:spLocks noGrp="1"/>
+          </p:cNvSpPr>
+          <p:nvPr>
+            <p:ph type="title" hasCustomPrompt="1"/>
+          </p:nvPr>
+        </p:nvSpPr>
+        <p:spPr/>
+        <p:txBody>
+          <a:bodyPr/>
+          <a:lstStyle/>
+          <a:p>
+            <a:r>
+              <a:rPr lang="he-IL"/>
+              <a:t>לחץ כדי לערוך סגנון כותרת של תבנית בסיס</a:t>
+            </a:r>
+            <a:endParaRPr lang="he-IL"/>
+          </a:p>
+        </p:txBody>
+      </p:sp>
+      <p:sp>
+        <p:nvSpPr>
+          <p:cNvPr id="3" name="מציין מיקום של תאריך 2"/>
+          <p:cNvSpPr>
+            <a:spLocks noGrp="1"/>
+          </p:cNvSpPr>
+          <p:nvPr>
+            <p:ph type="dt" sz="half" idx="10"/>
+          </p:nvPr>
+        </p:nvSpPr>
+        <p:spPr/>
+        <p:txBody>
+          <a:bodyPr/>
+          <a:lstStyle/>
+          <a:p>
+            <a:fld id="{C3236DAF-325B-41C6-A659-3FD835B93F99}" type="datetimeFigureOut">
+              <a:rPr lang="he-IL" smtClean="0"/>
+            </a:fld>
+            <a:endParaRPr lang="he-IL"/>
+          </a:p>
+        </p:txBody>
+      </p:sp>
+      <p:sp>
+        <p:nvSpPr>
+          <p:cNvPr id="4" name="מציין מיקום של כותרת תחתונה 3"/>
+          <p:cNvSpPr>
+            <a:spLocks noGrp="1"/>
+          </p:cNvSpPr>
+          <p:nvPr>
+            <p:ph type="ftr" sz="quarter" idx="11"/>
+          </p:nvPr>
+        </p:nvSpPr>
+        <p:spPr/>
+        <p:txBody>
+          <a:bodyPr/>
+          <a:lstStyle/>
+          <a:p>
+            <a:endParaRPr lang="he-IL"/>
+          </a:p>
+        </p:txBody>
+      </p:sp>
+      <p:sp>
+        <p:nvSpPr>
+          <p:cNvPr id="5" name="מציין מיקום של מספר שקופית 4"/>
+          <p:cNvSpPr>
+            <a:spLocks noGrp="1"/>
+          </p:cNvSpPr>
+          <p:nvPr>
+            <p:ph type="sldNum" sz="quarter" idx="12"/>
+          </p:nvPr>
+        </p:nvSpPr>
+        <p:spPr/>
+        <p:txBody>
+          <a:bodyPr/>
+          <a:lstStyle/>
+          <a:p>
+            <a:fld id="{9AC017FD-76BB-43D1-8D1C-C9B1CC8C9978}" type="slidenum">
+              <a:rPr lang="he-IL" smtClean="0"/>
+            </a:fld>
+            <a:endParaRPr lang="he-IL"/>
+          </a:p>
+        </p:txBody>
+      </p:sp>
+    </p:spTree>
+  </p:cSld>
+  <p:clrMapOvr>
+    <a:masterClrMapping/>
+  </p:clrMapOvr>
+</p:sldLayout>
+</file>
+
+<file path=ppt/slideLayouts/slideLayout7.xml><?xml version="1.0" encoding="utf-8"?>
+<p:sldLayout xmlns:a="http://schemas.openxmlformats.org/drawingml/2006/main" xmlns:r="http://schemas.openxmlformats.org/officeDocument/2006/relationships" xmlns:p="http://schemas.openxmlformats.org/presentationml/2006/main" type="blank" preserve="1">
+  <p:cSld name="ריק">
+    <p:spTree>
+      <p:nvGrpSpPr>
+        <p:cNvPr id="1" name=""/>
+        <p:cNvGrpSpPr/>
+        <p:nvPr/>
+      </p:nvGrpSpPr>
+      <p:grpSpPr>
+        <a:xfrm>
+          <a:off x="0" y="0"/>
+          <a:ext cx="0" cy="0"/>
+          <a:chOff x="0" y="0"/>
+          <a:chExt cx="0" cy="0"/>
+        </a:xfrm>
+      </p:grpSpPr>
+      <p:sp>
+        <p:nvSpPr>
+          <p:cNvPr id="2" name="מציין מיקום של תאריך 1"/>
+          <p:cNvSpPr>
+            <a:spLocks noGrp="1"/>
+          </p:cNvSpPr>
+          <p:nvPr>
+            <p:ph type="dt" sz="half" idx="10"/>
+          </p:nvPr>
+        </p:nvSpPr>
+        <p:spPr/>
+        <p:txBody>
+          <a:bodyPr/>
+          <a:lstStyle/>
+          <a:p>
+            <a:fld id="{C3236DAF-325B-41C6-A659-3FD835B93F99}" type="datetimeFigureOut">
+              <a:rPr lang="he-IL" smtClean="0"/>
+            </a:fld>
+            <a:endParaRPr lang="he-IL"/>
+          </a:p>
+        </p:txBody>
+      </p:sp>
+      <p:sp>
+        <p:nvSpPr>
+          <p:cNvPr id="3" name="מציין מיקום של כותרת תחתונה 2"/>
+          <p:cNvSpPr>
+            <a:spLocks noGrp="1"/>
+          </p:cNvSpPr>
+          <p:nvPr>
+            <p:ph type="ftr" sz="quarter" idx="11"/>
+          </p:nvPr>
+        </p:nvSpPr>
+        <p:spPr/>
+        <p:txBody>
+          <a:bodyPr/>
+          <a:lstStyle/>
+          <a:p>
+            <a:endParaRPr lang="he-IL"/>
+          </a:p>
+        </p:txBody>
+      </p:sp>
+      <p:sp>
+        <p:nvSpPr>
+          <p:cNvPr id="4" name="מציין מיקום של מספר שקופית 3"/>
+          <p:cNvSpPr>
+            <a:spLocks noGrp="1"/>
+          </p:cNvSpPr>
+          <p:nvPr>
+            <p:ph type="sldNum" sz="quarter" idx="12"/>
+          </p:nvPr>
+        </p:nvSpPr>
+        <p:spPr/>
+        <p:txBody>
+          <a:bodyPr/>
+          <a:lstStyle/>
+          <a:p>
+            <a:fld id="{9AC017FD-76BB-43D1-8D1C-C9B1CC8C9978}" type="slidenum">
+              <a:rPr lang="he-IL" smtClean="0"/>
+            </a:fld>
+            <a:endParaRPr lang="he-IL"/>
+          </a:p>
+        </p:txBody>
+      </p:sp>
+    </p:spTree>
+  </p:cSld>
+  <p:clrMapOvr>
+    <a:masterClrMapping/>
+  </p:clrMapOvr>
+</p:sldLayout>
+</file>
+
+<file path=ppt/slideLayouts/slideLayout8.xml><?xml version="1.0" encoding="utf-8"?>
+<p:sldLayout xmlns:a="http://schemas.openxmlformats.org/drawingml/2006/main" xmlns:r="http://schemas.openxmlformats.org/officeDocument/2006/relationships" xmlns:p="http://schemas.openxmlformats.org/presentationml/2006/main" type="objTx" preserve="1">
+  <p:cSld name="תוכן עם כיתוב">
+    <p:spTree>
+      <p:nvGrpSpPr>
+        <p:cNvPr id="1" name=""/>
+        <p:cNvGrpSpPr/>
+        <p:nvPr/>
+      </p:nvGrpSpPr>
+      <p:grpSpPr>
+        <a:xfrm>
+          <a:off x="0" y="0"/>
+          <a:ext cx="0" cy="0"/>
+          <a:chOff x="0" y="0"/>
+          <a:chExt cx="0" cy="0"/>
+        </a:xfrm>
+      </p:grpSpPr>
+      <p:sp>
+        <p:nvSpPr>
+          <p:cNvPr id="2" name="כותרת 1"/>
+          <p:cNvSpPr>
+            <a:spLocks noGrp="1"/>
+          </p:cNvSpPr>
+          <p:nvPr>
+            <p:ph type="title" hasCustomPrompt="1"/>
+          </p:nvPr>
+        </p:nvSpPr>
+        <p:spPr>
+          <a:xfrm>
+            <a:off x="839788" y="457200"/>
+            <a:ext cx="3932237" cy="1600200"/>
+          </a:xfrm>
+        </p:spPr>
+        <p:txBody>
+          <a:bodyPr anchor="b"/>
+          <a:lstStyle>
+            <a:lvl1pPr>
+              <a:defRPr sz="3200"/>
+            </a:lvl1pPr>
+          </a:lstStyle>
+          <a:p>
+            <a:r>
+              <a:rPr lang="he-IL"/>
+              <a:t>לחץ כדי לערוך סגנון כותרת של תבנית בסיס</a:t>
+            </a:r>
+            <a:endParaRPr lang="he-IL"/>
+          </a:p>
+        </p:txBody>
+      </p:sp>
+      <p:sp>
+        <p:nvSpPr>
+          <p:cNvPr id="3" name="מציין מיקום תוכן 2"/>
+          <p:cNvSpPr>
+            <a:spLocks noGrp="1"/>
+          </p:cNvSpPr>
+          <p:nvPr>
+            <p:ph idx="1" hasCustomPrompt="1"/>
+          </p:nvPr>
+        </p:nvSpPr>
+        <p:spPr>
+          <a:xfrm>
+            <a:off x="5183188" y="987425"/>
+            <a:ext cx="6172200" cy="4873625"/>
+          </a:xfrm>
+        </p:spPr>
+        <p:txBody>
+          <a:bodyPr/>
+          <a:lstStyle>
+            <a:lvl1pPr>
+              <a:defRPr sz="3200"/>
+            </a:lvl1pPr>
+            <a:lvl2pPr>
+              <a:defRPr sz="2800"/>
+            </a:lvl2pPr>
+            <a:lvl3pPr>
+              <a:defRPr sz="2400"/>
+            </a:lvl3pPr>
+            <a:lvl4pPr>
+              <a:defRPr sz="2000"/>
+            </a:lvl4pPr>
+            <a:lvl5pPr>
+              <a:defRPr sz="2000"/>
+            </a:lvl5pPr>
+            <a:lvl6pPr>
+              <a:defRPr sz="2000"/>
+            </a:lvl6pPr>
+            <a:lvl7pPr>
+              <a:defRPr sz="2000"/>
+            </a:lvl7pPr>
+            <a:lvl8pPr>
+              <a:defRPr sz="2000"/>
+            </a:lvl8pPr>
+            <a:lvl9pPr>
+              <a:defRPr sz="2000"/>
+            </a:lvl9pPr>
+          </a:lstStyle>
+          <a:p>
+            <a:pPr lvl="0"/>
+            <a:r>
+              <a:rPr lang="he-IL"/>
+              <a:t>לחץ כדי לערוך סגנונות טקסט של תבנית בסיס</a:t>
+            </a:r>
+            <a:endParaRPr lang="he-IL"/>
+          </a:p>
+          <a:p>
+            <a:pPr lvl="1"/>
+            <a:r>
+              <a:rPr lang="he-IL"/>
+              <a:t>רמה שנייה</a:t>
+            </a:r>
+            <a:endParaRPr lang="he-IL"/>
+          </a:p>
+          <a:p>
+            <a:pPr lvl="2"/>
+            <a:r>
+              <a:rPr lang="he-IL"/>
+              <a:t>רמה שלישית</a:t>
+            </a:r>
+            <a:endParaRPr lang="he-IL"/>
+          </a:p>
+          <a:p>
+            <a:pPr lvl="3"/>
+            <a:r>
+              <a:rPr lang="he-IL"/>
+              <a:t>רמה רביעית</a:t>
+            </a:r>
+            <a:endParaRPr lang="he-IL"/>
+          </a:p>
+          <a:p>
+            <a:pPr lvl="4"/>
+            <a:r>
+              <a:rPr lang="he-IL"/>
+              <a:t>רמה חמישית</a:t>
+            </a:r>
+            <a:endParaRPr lang="he-IL"/>
+          </a:p>
+        </p:txBody>
+      </p:sp>
+      <p:sp>
+        <p:nvSpPr>
+          <p:cNvPr id="4" name="מציין מיקום טקסט 3"/>
+          <p:cNvSpPr>
+            <a:spLocks noGrp="1"/>
+          </p:cNvSpPr>
+          <p:nvPr>
+            <p:ph type="body" sz="half" idx="2" hasCustomPrompt="1"/>
+          </p:nvPr>
+        </p:nvSpPr>
+        <p:spPr>
+          <a:xfrm>
+            <a:off x="839788" y="2057400"/>
+            <a:ext cx="3932237" cy="3811588"/>
+          </a:xfrm>
+        </p:spPr>
+        <p:txBody>
+          <a:bodyPr/>
+          <a:lstStyle>
+            <a:lvl1pPr marL="0" indent="0">
+              <a:buNone/>
+              <a:defRPr sz="1600"/>
+            </a:lvl1pPr>
+            <a:lvl2pPr marL="457200" indent="0">
+              <a:buNone/>
+              <a:defRPr sz="1400"/>
+            </a:lvl2pPr>
+            <a:lvl3pPr marL="914400" indent="0">
+              <a:buNone/>
+              <a:defRPr sz="1200"/>
+            </a:lvl3pPr>
+            <a:lvl4pPr marL="1371600" indent="0">
+              <a:buNone/>
+              <a:defRPr sz="1000"/>
+            </a:lvl4pPr>
+            <a:lvl5pPr marL="1828800" indent="0">
+              <a:buNone/>
+              <a:defRPr sz="1000"/>
+            </a:lvl5pPr>
+            <a:lvl6pPr marL="2286000" indent="0">
+              <a:buNone/>
+              <a:defRPr sz="1000"/>
+            </a:lvl6pPr>
+            <a:lvl7pPr marL="2743200" indent="0">
+              <a:buNone/>
+              <a:defRPr sz="1000"/>
+            </a:lvl7pPr>
+            <a:lvl8pPr marL="3200400" indent="0">
+              <a:buNone/>
+              <a:defRPr sz="1000"/>
+            </a:lvl8pPr>
+            <a:lvl9pPr marL="3657600" indent="0">
+              <a:buNone/>
+              <a:defRPr sz="1000"/>
+            </a:lvl9pPr>
+          </a:lstStyle>
+          <a:p>
+            <a:pPr lvl="0"/>
+            <a:r>
+              <a:rPr lang="he-IL"/>
+              <a:t>לחץ כדי לערוך סגנונות טקסט של תבנית בסיס</a:t>
+            </a:r>
+            <a:endParaRPr lang="he-IL"/>
+          </a:p>
+        </p:txBody>
+      </p:sp>
+      <p:sp>
+        <p:nvSpPr>
+          <p:cNvPr id="5" name="מציין מיקום של תאריך 4"/>
+          <p:cNvSpPr>
+            <a:spLocks noGrp="1"/>
+          </p:cNvSpPr>
+          <p:nvPr>
+            <p:ph type="dt" sz="half" idx="10"/>
+          </p:nvPr>
+        </p:nvSpPr>
+        <p:spPr/>
+        <p:txBody>
+          <a:bodyPr/>
+          <a:lstStyle/>
+          <a:p>
+            <a:fld id="{C3236DAF-325B-41C6-A659-3FD835B93F99}" type="datetimeFigureOut">
+              <a:rPr lang="he-IL" smtClean="0"/>
+            </a:fld>
+            <a:endParaRPr lang="he-IL"/>
+          </a:p>
+        </p:txBody>
+      </p:sp>
+      <p:sp>
+        <p:nvSpPr>
+          <p:cNvPr id="6" name="מציין מיקום של כותרת תחתונה 5"/>
+          <p:cNvSpPr>
+            <a:spLocks noGrp="1"/>
+          </p:cNvSpPr>
+          <p:nvPr>
+            <p:ph type="ftr" sz="quarter" idx="11"/>
+          </p:nvPr>
+        </p:nvSpPr>
+        <p:spPr/>
+        <p:txBody>
+          <a:bodyPr/>
+          <a:lstStyle/>
+          <a:p>
+            <a:endParaRPr lang="he-IL"/>
+          </a:p>
+        </p:txBody>
+      </p:sp>
+      <p:sp>
+        <p:nvSpPr>
+          <p:cNvPr id="7" name="מציין מיקום של מספר שקופית 6"/>
+          <p:cNvSpPr>
+            <a:spLocks noGrp="1"/>
+          </p:cNvSpPr>
+          <p:nvPr>
+            <p:ph type="sldNum" sz="quarter" idx="12"/>
+          </p:nvPr>
+        </p:nvSpPr>
+        <p:spPr/>
+        <p:txBody>
+          <a:bodyPr/>
+          <a:lstStyle/>
+          <a:p>
+            <a:fld id="{9AC017FD-76BB-43D1-8D1C-C9B1CC8C9978}" type="slidenum">
+              <a:rPr lang="he-IL" smtClean="0"/>
+            </a:fld>
+            <a:endParaRPr lang="he-IL"/>
+          </a:p>
+        </p:txBody>
+      </p:sp>
+    </p:spTree>
   </p:cSld>
   <p:clrMapOvr>
     <a:masterClrMapping/>
@@ -2490,18 +4420,12 @@
       </p:grpSpPr>
       <p:sp>
         <p:nvSpPr>
-          <p:cNvPr id="2" name="כותרת 1">
-            <a:extLst>
-              <a:ext uri="{FF2B5EF4-FFF2-40B4-BE49-F238E27FC236}">
-                <a16:creationId xmlns:a16="http://schemas.microsoft.com/office/drawing/2014/main" id="{32A80DA2-F7CA-22E1-309A-FA0C0CF8BC93}"/>
-              </a:ext>
-            </a:extLst>
-          </p:cNvPr>
-          <p:cNvSpPr>
-            <a:spLocks noGrp="1"/>
-          </p:cNvSpPr>
-          <p:nvPr>
-            <p:ph type="title"/>
+          <p:cNvPr id="2" name="כותרת 1"/>
+          <p:cNvSpPr>
+            <a:spLocks noGrp="1"/>
+          </p:cNvSpPr>
+          <p:nvPr>
+            <p:ph type="title" hasCustomPrompt="1"/>
           </p:nvPr>
         </p:nvSpPr>
         <p:spPr>
@@ -2522,18 +4446,13 @@
               <a:rPr lang="he-IL"/>
               <a:t>לחץ כדי לערוך סגנון כותרת של תבנית בסיס</a:t>
             </a:r>
-          </a:p>
-        </p:txBody>
-      </p:sp>
-      <p:sp>
-        <p:nvSpPr>
-          <p:cNvPr id="3" name="מציין מיקום של תמונה 2">
-            <a:extLst>
-              <a:ext uri="{FF2B5EF4-FFF2-40B4-BE49-F238E27FC236}">
-                <a16:creationId xmlns:a16="http://schemas.microsoft.com/office/drawing/2014/main" id="{08B7D03E-C2B5-4E99-6E09-691E6465E445}"/>
-              </a:ext>
-            </a:extLst>
-          </p:cNvPr>
+            <a:endParaRPr lang="he-IL"/>
+          </a:p>
+        </p:txBody>
+      </p:sp>
+      <p:sp>
+        <p:nvSpPr>
+          <p:cNvPr id="3" name="מציין מיקום של תמונה 2"/>
           <p:cNvSpPr>
             <a:spLocks noGrp="1"/>
           </p:cNvSpPr>
@@ -2594,18 +4513,12 @@
       </p:sp>
       <p:sp>
         <p:nvSpPr>
-          <p:cNvPr id="4" name="מציין מיקום טקסט 3">
-            <a:extLst>
-              <a:ext uri="{FF2B5EF4-FFF2-40B4-BE49-F238E27FC236}">
-                <a16:creationId xmlns:a16="http://schemas.microsoft.com/office/drawing/2014/main" id="{267FB9E0-8608-73D2-84E4-EC04F6EA90F3}"/>
-              </a:ext>
-            </a:extLst>
-          </p:cNvPr>
-          <p:cNvSpPr>
-            <a:spLocks noGrp="1"/>
-          </p:cNvSpPr>
-          <p:nvPr>
-            <p:ph type="body" sz="half" idx="2"/>
+          <p:cNvPr id="4" name="מציין מיקום טקסט 3"/>
+          <p:cNvSpPr>
+            <a:spLocks noGrp="1"/>
+          </p:cNvSpPr>
+          <p:nvPr>
+            <p:ph type="body" sz="half" idx="2" hasCustomPrompt="1"/>
           </p:nvPr>
         </p:nvSpPr>
         <p:spPr>
@@ -2660,18 +4573,13 @@
               <a:rPr lang="he-IL"/>
               <a:t>לחץ כדי לערוך סגנונות טקסט של תבנית בסיס</a:t>
             </a:r>
-          </a:p>
-        </p:txBody>
-      </p:sp>
-      <p:sp>
-        <p:nvSpPr>
-          <p:cNvPr id="5" name="מציין מיקום של תאריך 4">
-            <a:extLst>
-              <a:ext uri="{FF2B5EF4-FFF2-40B4-BE49-F238E27FC236}">
-                <a16:creationId xmlns:a16="http://schemas.microsoft.com/office/drawing/2014/main" id="{A82E12E1-4020-06B4-D76A-6BB2C3721610}"/>
-              </a:ext>
-            </a:extLst>
-          </p:cNvPr>
+            <a:endParaRPr lang="he-IL"/>
+          </a:p>
+        </p:txBody>
+      </p:sp>
+      <p:sp>
+        <p:nvSpPr>
+          <p:cNvPr id="5" name="מציין מיקום של תאריך 4"/>
           <p:cNvSpPr>
             <a:spLocks noGrp="1"/>
           </p:cNvSpPr>
@@ -2686,7 +4594,6 @@
           <a:p>
             <a:fld id="{C3236DAF-325B-41C6-A659-3FD835B93F99}" type="datetimeFigureOut">
               <a:rPr lang="he-IL" smtClean="0"/>
-              <a:t>י"א/אייר/תשפ"ג</a:t>
             </a:fld>
             <a:endParaRPr lang="he-IL"/>
           </a:p>
@@ -2694,13 +4601,7 @@
       </p:sp>
       <p:sp>
         <p:nvSpPr>
-          <p:cNvPr id="6" name="מציין מיקום של כותרת תחתונה 5">
-            <a:extLst>
-              <a:ext uri="{FF2B5EF4-FFF2-40B4-BE49-F238E27FC236}">
-                <a16:creationId xmlns:a16="http://schemas.microsoft.com/office/drawing/2014/main" id="{4736A5C8-D07F-E788-8A12-27887C58E1D2}"/>
-              </a:ext>
-            </a:extLst>
-          </p:cNvPr>
+          <p:cNvPr id="6" name="מציין מיקום של כותרת תחתונה 5"/>
           <p:cNvSpPr>
             <a:spLocks noGrp="1"/>
           </p:cNvSpPr>
@@ -2719,13 +4620,7 @@
       </p:sp>
       <p:sp>
         <p:nvSpPr>
-          <p:cNvPr id="7" name="מציין מיקום של מספר שקופית 6">
-            <a:extLst>
-              <a:ext uri="{FF2B5EF4-FFF2-40B4-BE49-F238E27FC236}">
-                <a16:creationId xmlns:a16="http://schemas.microsoft.com/office/drawing/2014/main" id="{3F35E47B-4836-ED5A-2508-FB33C5A41010}"/>
-              </a:ext>
-            </a:extLst>
-          </p:cNvPr>
+          <p:cNvPr id="7" name="מציין מיקום של מספר שקופית 6"/>
           <p:cNvSpPr>
             <a:spLocks noGrp="1"/>
           </p:cNvSpPr>
@@ -2740,18 +4635,12 @@
           <a:p>
             <a:fld id="{9AC017FD-76BB-43D1-8D1C-C9B1CC8C9978}" type="slidenum">
               <a:rPr lang="he-IL" smtClean="0"/>
-              <a:t>‹#›</a:t>
             </a:fld>
             <a:endParaRPr lang="he-IL"/>
           </a:p>
         </p:txBody>
       </p:sp>
     </p:spTree>
-    <p:extLst>
-      <p:ext uri="{BB962C8B-B14F-4D97-AF65-F5344CB8AC3E}">
-        <p14:creationId xmlns:p14="http://schemas.microsoft.com/office/powerpoint/2010/main" val="3165134378"/>
-      </p:ext>
-    </p:extLst>
   </p:cSld>
   <p:clrMapOvr>
     <a:masterClrMapping/>
@@ -2765,7 +4654,7 @@
     <p:bg>
       <p:bgPr>
         <a:blipFill dpi="0" rotWithShape="1">
-          <a:blip r:embed="rId13">
+          <a:blip r:embed="rId12">
             <a:lum/>
           </a:blip>
           <a:srcRect/>
@@ -2792,13 +4681,7 @@
       </p:grpSpPr>
       <p:sp>
         <p:nvSpPr>
-          <p:cNvPr id="2" name="מציין מיקום של כותרת 1">
-            <a:extLst>
-              <a:ext uri="{FF2B5EF4-FFF2-40B4-BE49-F238E27FC236}">
-                <a16:creationId xmlns:a16="http://schemas.microsoft.com/office/drawing/2014/main" id="{60452AF2-2F4A-7E95-3BEA-9E4A361BCF90}"/>
-              </a:ext>
-            </a:extLst>
-          </p:cNvPr>
+          <p:cNvPr id="2" name="מציין מיקום של כותרת 1"/>
           <p:cNvSpPr>
             <a:spLocks noGrp="1"/>
           </p:cNvSpPr>
@@ -2825,18 +4708,13 @@
               <a:rPr lang="he-IL"/>
               <a:t>לחץ כדי לערוך סגנון כותרת של תבנית בסיס</a:t>
             </a:r>
-          </a:p>
-        </p:txBody>
-      </p:sp>
-      <p:sp>
-        <p:nvSpPr>
-          <p:cNvPr id="3" name="מציין מיקום טקסט 2">
-            <a:extLst>
-              <a:ext uri="{FF2B5EF4-FFF2-40B4-BE49-F238E27FC236}">
-                <a16:creationId xmlns:a16="http://schemas.microsoft.com/office/drawing/2014/main" id="{3C5DB968-67B3-585F-6BDD-EE9E23EF90DC}"/>
-              </a:ext>
-            </a:extLst>
-          </p:cNvPr>
+            <a:endParaRPr lang="he-IL"/>
+          </a:p>
+        </p:txBody>
+      </p:sp>
+      <p:sp>
+        <p:nvSpPr>
+          <p:cNvPr id="3" name="מציין מיקום טקסט 2"/>
           <p:cNvSpPr>
             <a:spLocks noGrp="1"/>
           </p:cNvSpPr>
@@ -2864,6 +4742,7 @@
               <a:rPr lang="he-IL"/>
               <a:t>לחץ כדי לערוך סגנונות טקסט של תבנית בסיס</a:t>
             </a:r>
+            <a:endParaRPr lang="he-IL"/>
           </a:p>
           <a:p>
             <a:pPr lvl="1"/>
@@ -2871,6 +4750,7 @@
               <a:rPr lang="he-IL"/>
               <a:t>רמה שנייה</a:t>
             </a:r>
+            <a:endParaRPr lang="he-IL"/>
           </a:p>
           <a:p>
             <a:pPr lvl="2"/>
@@ -2878,6 +4758,7 @@
               <a:rPr lang="he-IL"/>
               <a:t>רמה שלישית</a:t>
             </a:r>
+            <a:endParaRPr lang="he-IL"/>
           </a:p>
           <a:p>
             <a:pPr lvl="3"/>
@@ -2885,6 +4766,7 @@
               <a:rPr lang="he-IL"/>
               <a:t>רמה רביעית</a:t>
             </a:r>
+            <a:endParaRPr lang="he-IL"/>
           </a:p>
           <a:p>
             <a:pPr lvl="4"/>
@@ -2892,18 +4774,13 @@
               <a:rPr lang="he-IL"/>
               <a:t>רמה חמישית</a:t>
             </a:r>
-          </a:p>
-        </p:txBody>
-      </p:sp>
-      <p:sp>
-        <p:nvSpPr>
-          <p:cNvPr id="4" name="מציין מיקום של תאריך 3">
-            <a:extLst>
-              <a:ext uri="{FF2B5EF4-FFF2-40B4-BE49-F238E27FC236}">
-                <a16:creationId xmlns:a16="http://schemas.microsoft.com/office/drawing/2014/main" id="{DE95135F-B82E-B2D1-D258-CB487659FC47}"/>
-              </a:ext>
-            </a:extLst>
-          </p:cNvPr>
+            <a:endParaRPr lang="he-IL"/>
+          </a:p>
+        </p:txBody>
+      </p:sp>
+      <p:sp>
+        <p:nvSpPr>
+          <p:cNvPr id="4" name="מציין מיקום של תאריך 3"/>
           <p:cNvSpPr>
             <a:spLocks noGrp="1"/>
           </p:cNvSpPr>
@@ -2936,7 +4813,6 @@
           <a:p>
             <a:fld id="{C3236DAF-325B-41C6-A659-3FD835B93F99}" type="datetimeFigureOut">
               <a:rPr lang="he-IL" smtClean="0"/>
-              <a:t>י"א/אייר/תשפ"ג</a:t>
             </a:fld>
             <a:endParaRPr lang="he-IL"/>
           </a:p>
@@ -2944,13 +4820,7 @@
       </p:sp>
       <p:sp>
         <p:nvSpPr>
-          <p:cNvPr id="5" name="מציין מיקום של כותרת תחתונה 4">
-            <a:extLst>
-              <a:ext uri="{FF2B5EF4-FFF2-40B4-BE49-F238E27FC236}">
-                <a16:creationId xmlns:a16="http://schemas.microsoft.com/office/drawing/2014/main" id="{E3473F20-2A89-86EF-C7FD-D0FFF5182ACF}"/>
-              </a:ext>
-            </a:extLst>
-          </p:cNvPr>
+          <p:cNvPr id="5" name="מציין מיקום של כותרת תחתונה 4"/>
           <p:cNvSpPr>
             <a:spLocks noGrp="1"/>
           </p:cNvSpPr>
@@ -2987,13 +4857,7 @@
       </p:sp>
       <p:sp>
         <p:nvSpPr>
-          <p:cNvPr id="6" name="מציין מיקום של מספר שקופית 5">
-            <a:extLst>
-              <a:ext uri="{FF2B5EF4-FFF2-40B4-BE49-F238E27FC236}">
-                <a16:creationId xmlns:a16="http://schemas.microsoft.com/office/drawing/2014/main" id="{B3D4DC16-C1A1-0B12-2A9D-1E0244FE7AE9}"/>
-              </a:ext>
-            </a:extLst>
-          </p:cNvPr>
+          <p:cNvPr id="6" name="מציין מיקום של מספר שקופית 5"/>
           <p:cNvSpPr>
             <a:spLocks noGrp="1"/>
           </p:cNvSpPr>
@@ -3026,18 +4890,12 @@
           <a:p>
             <a:fld id="{9AC017FD-76BB-43D1-8D1C-C9B1CC8C9978}" type="slidenum">
               <a:rPr lang="he-IL" smtClean="0"/>
-              <a:t>‹#›</a:t>
             </a:fld>
             <a:endParaRPr lang="he-IL"/>
           </a:p>
         </p:txBody>
       </p:sp>
     </p:spTree>
-    <p:extLst>
-      <p:ext uri="{BB962C8B-B14F-4D97-AF65-F5344CB8AC3E}">
-        <p14:creationId xmlns:p14="http://schemas.microsoft.com/office/powerpoint/2010/main" val="2817494664"/>
-      </p:ext>
-    </p:extLst>
   </p:cSld>
   <p:clrMap bg1="lt1" tx1="dk1" bg2="lt2" tx2="dk2" accent1="accent1" accent2="accent2" accent3="accent3" accent4="accent4" accent5="accent5" accent6="accent6" hlink="hlink" folHlink="folHlink"/>
   <p:sldLayoutIdLst>
@@ -3052,6 +4910,552 @@
     <p:sldLayoutId id="2147483657" r:id="rId9"/>
     <p:sldLayoutId id="2147483658" r:id="rId10"/>
     <p:sldLayoutId id="2147483659" r:id="rId11"/>
+  </p:sldLayoutIdLst>
+  <p:txStyles>
+    <p:titleStyle>
+      <a:lvl1pPr algn="r" defTabSz="914400" rtl="1" eaLnBrk="1" latinLnBrk="0" hangingPunct="1">
+        <a:lnSpc>
+          <a:spcPct val="90000"/>
+        </a:lnSpc>
+        <a:spcBef>
+          <a:spcPct val="0"/>
+        </a:spcBef>
+        <a:buNone/>
+        <a:defRPr sz="4400" kern="1200">
+          <a:solidFill>
+            <a:schemeClr val="tx1"/>
+          </a:solidFill>
+          <a:latin typeface="+mj-lt"/>
+          <a:ea typeface="+mj-ea"/>
+          <a:cs typeface="+mj-cs"/>
+        </a:defRPr>
+      </a:lvl1pPr>
+    </p:titleStyle>
+    <p:bodyStyle>
+      <a:lvl1pPr marL="228600" indent="-228600" algn="r" defTabSz="914400" rtl="1" eaLnBrk="1" latinLnBrk="0" hangingPunct="1">
+        <a:lnSpc>
+          <a:spcPct val="90000"/>
+        </a:lnSpc>
+        <a:spcBef>
+          <a:spcPts val="1000"/>
+        </a:spcBef>
+        <a:buFont typeface="Arial" panose="020B0604020202020204" pitchFamily="34" charset="0"/>
+        <a:buChar char="•"/>
+        <a:defRPr sz="2800" kern="1200">
+          <a:solidFill>
+            <a:schemeClr val="tx1"/>
+          </a:solidFill>
+          <a:latin typeface="+mn-lt"/>
+          <a:ea typeface="+mn-ea"/>
+          <a:cs typeface="+mn-cs"/>
+        </a:defRPr>
+      </a:lvl1pPr>
+      <a:lvl2pPr marL="685800" indent="-228600" algn="r" defTabSz="914400" rtl="1" eaLnBrk="1" latinLnBrk="0" hangingPunct="1">
+        <a:lnSpc>
+          <a:spcPct val="90000"/>
+        </a:lnSpc>
+        <a:spcBef>
+          <a:spcPts val="500"/>
+        </a:spcBef>
+        <a:buFont typeface="Arial" panose="020B0604020202020204" pitchFamily="34" charset="0"/>
+        <a:buChar char="•"/>
+        <a:defRPr sz="2400" kern="1200">
+          <a:solidFill>
+            <a:schemeClr val="tx1"/>
+          </a:solidFill>
+          <a:latin typeface="+mn-lt"/>
+          <a:ea typeface="+mn-ea"/>
+          <a:cs typeface="+mn-cs"/>
+        </a:defRPr>
+      </a:lvl2pPr>
+      <a:lvl3pPr marL="1143000" indent="-228600" algn="r" defTabSz="914400" rtl="1" eaLnBrk="1" latinLnBrk="0" hangingPunct="1">
+        <a:lnSpc>
+          <a:spcPct val="90000"/>
+        </a:lnSpc>
+        <a:spcBef>
+          <a:spcPts val="500"/>
+        </a:spcBef>
+        <a:buFont typeface="Arial" panose="020B0604020202020204" pitchFamily="34" charset="0"/>
+        <a:buChar char="•"/>
+        <a:defRPr sz="2000" kern="1200">
+          <a:solidFill>
+            <a:schemeClr val="tx1"/>
+          </a:solidFill>
+          <a:latin typeface="+mn-lt"/>
+          <a:ea typeface="+mn-ea"/>
+          <a:cs typeface="+mn-cs"/>
+        </a:defRPr>
+      </a:lvl3pPr>
+      <a:lvl4pPr marL="1600200" indent="-228600" algn="r" defTabSz="914400" rtl="1" eaLnBrk="1" latinLnBrk="0" hangingPunct="1">
+        <a:lnSpc>
+          <a:spcPct val="90000"/>
+        </a:lnSpc>
+        <a:spcBef>
+          <a:spcPts val="500"/>
+        </a:spcBef>
+        <a:buFont typeface="Arial" panose="020B0604020202020204" pitchFamily="34" charset="0"/>
+        <a:buChar char="•"/>
+        <a:defRPr sz="1800" kern="1200">
+          <a:solidFill>
+            <a:schemeClr val="tx1"/>
+          </a:solidFill>
+          <a:latin typeface="+mn-lt"/>
+          <a:ea typeface="+mn-ea"/>
+          <a:cs typeface="+mn-cs"/>
+        </a:defRPr>
+      </a:lvl4pPr>
+      <a:lvl5pPr marL="2057400" indent="-228600" algn="r" defTabSz="914400" rtl="1" eaLnBrk="1" latinLnBrk="0" hangingPunct="1">
+        <a:lnSpc>
+          <a:spcPct val="90000"/>
+        </a:lnSpc>
+        <a:spcBef>
+          <a:spcPts val="500"/>
+        </a:spcBef>
+        <a:buFont typeface="Arial" panose="020B0604020202020204" pitchFamily="34" charset="0"/>
+        <a:buChar char="•"/>
+        <a:defRPr sz="1800" kern="1200">
+          <a:solidFill>
+            <a:schemeClr val="tx1"/>
+          </a:solidFill>
+          <a:latin typeface="+mn-lt"/>
+          <a:ea typeface="+mn-ea"/>
+          <a:cs typeface="+mn-cs"/>
+        </a:defRPr>
+      </a:lvl5pPr>
+      <a:lvl6pPr marL="2514600" indent="-228600" algn="r" defTabSz="914400" rtl="1" eaLnBrk="1" latinLnBrk="0" hangingPunct="1">
+        <a:lnSpc>
+          <a:spcPct val="90000"/>
+        </a:lnSpc>
+        <a:spcBef>
+          <a:spcPts val="500"/>
+        </a:spcBef>
+        <a:buFont typeface="Arial" panose="020B0604020202020204" pitchFamily="34" charset="0"/>
+        <a:buChar char="•"/>
+        <a:defRPr sz="1800" kern="1200">
+          <a:solidFill>
+            <a:schemeClr val="tx1"/>
+          </a:solidFill>
+          <a:latin typeface="+mn-lt"/>
+          <a:ea typeface="+mn-ea"/>
+          <a:cs typeface="+mn-cs"/>
+        </a:defRPr>
+      </a:lvl6pPr>
+      <a:lvl7pPr marL="2971800" indent="-228600" algn="r" defTabSz="914400" rtl="1" eaLnBrk="1" latinLnBrk="0" hangingPunct="1">
+        <a:lnSpc>
+          <a:spcPct val="90000"/>
+        </a:lnSpc>
+        <a:spcBef>
+          <a:spcPts val="500"/>
+        </a:spcBef>
+        <a:buFont typeface="Arial" panose="020B0604020202020204" pitchFamily="34" charset="0"/>
+        <a:buChar char="•"/>
+        <a:defRPr sz="1800" kern="1200">
+          <a:solidFill>
+            <a:schemeClr val="tx1"/>
+          </a:solidFill>
+          <a:latin typeface="+mn-lt"/>
+          <a:ea typeface="+mn-ea"/>
+          <a:cs typeface="+mn-cs"/>
+        </a:defRPr>
+      </a:lvl7pPr>
+      <a:lvl8pPr marL="3429000" indent="-228600" algn="r" defTabSz="914400" rtl="1" eaLnBrk="1" latinLnBrk="0" hangingPunct="1">
+        <a:lnSpc>
+          <a:spcPct val="90000"/>
+        </a:lnSpc>
+        <a:spcBef>
+          <a:spcPts val="500"/>
+        </a:spcBef>
+        <a:buFont typeface="Arial" panose="020B0604020202020204" pitchFamily="34" charset="0"/>
+        <a:buChar char="•"/>
+        <a:defRPr sz="1800" kern="1200">
+          <a:solidFill>
+            <a:schemeClr val="tx1"/>
+          </a:solidFill>
+          <a:latin typeface="+mn-lt"/>
+          <a:ea typeface="+mn-ea"/>
+          <a:cs typeface="+mn-cs"/>
+        </a:defRPr>
+      </a:lvl8pPr>
+      <a:lvl9pPr marL="3886200" indent="-228600" algn="r" defTabSz="914400" rtl="1" eaLnBrk="1" latinLnBrk="0" hangingPunct="1">
+        <a:lnSpc>
+          <a:spcPct val="90000"/>
+        </a:lnSpc>
+        <a:spcBef>
+          <a:spcPts val="500"/>
+        </a:spcBef>
+        <a:buFont typeface="Arial" panose="020B0604020202020204" pitchFamily="34" charset="0"/>
+        <a:buChar char="•"/>
+        <a:defRPr sz="1800" kern="1200">
+          <a:solidFill>
+            <a:schemeClr val="tx1"/>
+          </a:solidFill>
+          <a:latin typeface="+mn-lt"/>
+          <a:ea typeface="+mn-ea"/>
+          <a:cs typeface="+mn-cs"/>
+        </a:defRPr>
+      </a:lvl9pPr>
+    </p:bodyStyle>
+    <p:otherStyle>
+      <a:defPPr>
+        <a:defRPr lang="he-IL"/>
+      </a:defPPr>
+      <a:lvl1pPr marL="0" algn="r" defTabSz="914400" rtl="1" eaLnBrk="1" latinLnBrk="0" hangingPunct="1">
+        <a:defRPr sz="1800" kern="1200">
+          <a:solidFill>
+            <a:schemeClr val="tx1"/>
+          </a:solidFill>
+          <a:latin typeface="+mn-lt"/>
+          <a:ea typeface="+mn-ea"/>
+          <a:cs typeface="+mn-cs"/>
+        </a:defRPr>
+      </a:lvl1pPr>
+      <a:lvl2pPr marL="457200" algn="r" defTabSz="914400" rtl="1" eaLnBrk="1" latinLnBrk="0" hangingPunct="1">
+        <a:defRPr sz="1800" kern="1200">
+          <a:solidFill>
+            <a:schemeClr val="tx1"/>
+          </a:solidFill>
+          <a:latin typeface="+mn-lt"/>
+          <a:ea typeface="+mn-ea"/>
+          <a:cs typeface="+mn-cs"/>
+        </a:defRPr>
+      </a:lvl2pPr>
+      <a:lvl3pPr marL="914400" algn="r" defTabSz="914400" rtl="1" eaLnBrk="1" latinLnBrk="0" hangingPunct="1">
+        <a:defRPr sz="1800" kern="1200">
+          <a:solidFill>
+            <a:schemeClr val="tx1"/>
+          </a:solidFill>
+          <a:latin typeface="+mn-lt"/>
+          <a:ea typeface="+mn-ea"/>
+          <a:cs typeface="+mn-cs"/>
+        </a:defRPr>
+      </a:lvl3pPr>
+      <a:lvl4pPr marL="1371600" algn="r" defTabSz="914400" rtl="1" eaLnBrk="1" latinLnBrk="0" hangingPunct="1">
+        <a:defRPr sz="1800" kern="1200">
+          <a:solidFill>
+            <a:schemeClr val="tx1"/>
+          </a:solidFill>
+          <a:latin typeface="+mn-lt"/>
+          <a:ea typeface="+mn-ea"/>
+          <a:cs typeface="+mn-cs"/>
+        </a:defRPr>
+      </a:lvl4pPr>
+      <a:lvl5pPr marL="1828800" algn="r" defTabSz="914400" rtl="1" eaLnBrk="1" latinLnBrk="0" hangingPunct="1">
+        <a:defRPr sz="1800" kern="1200">
+          <a:solidFill>
+            <a:schemeClr val="tx1"/>
+          </a:solidFill>
+          <a:latin typeface="+mn-lt"/>
+          <a:ea typeface="+mn-ea"/>
+          <a:cs typeface="+mn-cs"/>
+        </a:defRPr>
+      </a:lvl5pPr>
+      <a:lvl6pPr marL="2286000" algn="r" defTabSz="914400" rtl="1" eaLnBrk="1" latinLnBrk="0" hangingPunct="1">
+        <a:defRPr sz="1800" kern="1200">
+          <a:solidFill>
+            <a:schemeClr val="tx1"/>
+          </a:solidFill>
+          <a:latin typeface="+mn-lt"/>
+          <a:ea typeface="+mn-ea"/>
+          <a:cs typeface="+mn-cs"/>
+        </a:defRPr>
+      </a:lvl6pPr>
+      <a:lvl7pPr marL="2743200" algn="r" defTabSz="914400" rtl="1" eaLnBrk="1" latinLnBrk="0" hangingPunct="1">
+        <a:defRPr sz="1800" kern="1200">
+          <a:solidFill>
+            <a:schemeClr val="tx1"/>
+          </a:solidFill>
+          <a:latin typeface="+mn-lt"/>
+          <a:ea typeface="+mn-ea"/>
+          <a:cs typeface="+mn-cs"/>
+        </a:defRPr>
+      </a:lvl7pPr>
+      <a:lvl8pPr marL="3200400" algn="r" defTabSz="914400" rtl="1" eaLnBrk="1" latinLnBrk="0" hangingPunct="1">
+        <a:defRPr sz="1800" kern="1200">
+          <a:solidFill>
+            <a:schemeClr val="tx1"/>
+          </a:solidFill>
+          <a:latin typeface="+mn-lt"/>
+          <a:ea typeface="+mn-ea"/>
+          <a:cs typeface="+mn-cs"/>
+        </a:defRPr>
+      </a:lvl8pPr>
+      <a:lvl9pPr marL="3657600" algn="r" defTabSz="914400" rtl="1" eaLnBrk="1" latinLnBrk="0" hangingPunct="1">
+        <a:defRPr sz="1800" kern="1200">
+          <a:solidFill>
+            <a:schemeClr val="tx1"/>
+          </a:solidFill>
+          <a:latin typeface="+mn-lt"/>
+          <a:ea typeface="+mn-ea"/>
+          <a:cs typeface="+mn-cs"/>
+        </a:defRPr>
+      </a:lvl9pPr>
+    </p:otherStyle>
+  </p:txStyles>
+</p:sldMaster>
+</file>
+
+<file path=ppt/slideMasters/slideMaster2.xml><?xml version="1.0" encoding="utf-8"?>
+<p:sldMaster xmlns:a="http://schemas.openxmlformats.org/drawingml/2006/main" xmlns:r="http://schemas.openxmlformats.org/officeDocument/2006/relationships" xmlns:p="http://schemas.openxmlformats.org/presentationml/2006/main">
+  <p:cSld>
+    <p:bg>
+      <p:bgPr>
+        <a:blipFill dpi="0" rotWithShape="1">
+          <a:blip r:embed="rId12">
+            <a:lum/>
+          </a:blip>
+          <a:srcRect/>
+          <a:stretch>
+            <a:fillRect t="-9000" b="-9000"/>
+          </a:stretch>
+        </a:blipFill>
+        <a:effectLst/>
+      </p:bgPr>
+    </p:bg>
+    <p:spTree>
+      <p:nvGrpSpPr>
+        <p:cNvPr id="1" name=""/>
+        <p:cNvGrpSpPr/>
+        <p:nvPr/>
+      </p:nvGrpSpPr>
+      <p:grpSpPr>
+        <a:xfrm>
+          <a:off x="0" y="0"/>
+          <a:ext cx="0" cy="0"/>
+          <a:chOff x="0" y="0"/>
+          <a:chExt cx="0" cy="0"/>
+        </a:xfrm>
+      </p:grpSpPr>
+      <p:sp>
+        <p:nvSpPr>
+          <p:cNvPr id="2" name="מציין מיקום של כותרת 1"/>
+          <p:cNvSpPr>
+            <a:spLocks noGrp="1"/>
+          </p:cNvSpPr>
+          <p:nvPr>
+            <p:ph type="title"/>
+          </p:nvPr>
+        </p:nvSpPr>
+        <p:spPr>
+          <a:xfrm>
+            <a:off x="838200" y="365125"/>
+            <a:ext cx="10515600" cy="1325563"/>
+          </a:xfrm>
+          <a:prstGeom prst="rect">
+            <a:avLst/>
+          </a:prstGeom>
+        </p:spPr>
+        <p:txBody>
+          <a:bodyPr vert="horz" lIns="91440" tIns="45720" rIns="91440" bIns="45720" rtlCol="1" anchor="ctr">
+            <a:normAutofit/>
+          </a:bodyPr>
+          <a:lstStyle/>
+          <a:p>
+            <a:r>
+              <a:rPr lang="he-IL"/>
+              <a:t>לחץ כדי לערוך סגנון כותרת של תבנית בסיס</a:t>
+            </a:r>
+            <a:endParaRPr lang="he-IL"/>
+          </a:p>
+        </p:txBody>
+      </p:sp>
+      <p:sp>
+        <p:nvSpPr>
+          <p:cNvPr id="3" name="מציין מיקום טקסט 2"/>
+          <p:cNvSpPr>
+            <a:spLocks noGrp="1"/>
+          </p:cNvSpPr>
+          <p:nvPr>
+            <p:ph type="body" idx="1"/>
+          </p:nvPr>
+        </p:nvSpPr>
+        <p:spPr>
+          <a:xfrm>
+            <a:off x="838200" y="1825625"/>
+            <a:ext cx="10515600" cy="4351338"/>
+          </a:xfrm>
+          <a:prstGeom prst="rect">
+            <a:avLst/>
+          </a:prstGeom>
+        </p:spPr>
+        <p:txBody>
+          <a:bodyPr vert="horz" lIns="91440" tIns="45720" rIns="91440" bIns="45720" rtlCol="1">
+            <a:normAutofit/>
+          </a:bodyPr>
+          <a:lstStyle/>
+          <a:p>
+            <a:pPr lvl="0"/>
+            <a:r>
+              <a:rPr lang="he-IL"/>
+              <a:t>לחץ כדי לערוך סגנונות טקסט של תבנית בסיס</a:t>
+            </a:r>
+            <a:endParaRPr lang="he-IL"/>
+          </a:p>
+          <a:p>
+            <a:pPr lvl="1"/>
+            <a:r>
+              <a:rPr lang="he-IL"/>
+              <a:t>רמה שנייה</a:t>
+            </a:r>
+            <a:endParaRPr lang="he-IL"/>
+          </a:p>
+          <a:p>
+            <a:pPr lvl="2"/>
+            <a:r>
+              <a:rPr lang="he-IL"/>
+              <a:t>רמה שלישית</a:t>
+            </a:r>
+            <a:endParaRPr lang="he-IL"/>
+          </a:p>
+          <a:p>
+            <a:pPr lvl="3"/>
+            <a:r>
+              <a:rPr lang="he-IL"/>
+              <a:t>רמה רביעית</a:t>
+            </a:r>
+            <a:endParaRPr lang="he-IL"/>
+          </a:p>
+          <a:p>
+            <a:pPr lvl="4"/>
+            <a:r>
+              <a:rPr lang="he-IL"/>
+              <a:t>רמה חמישית</a:t>
+            </a:r>
+            <a:endParaRPr lang="he-IL"/>
+          </a:p>
+        </p:txBody>
+      </p:sp>
+      <p:sp>
+        <p:nvSpPr>
+          <p:cNvPr id="4" name="מציין מיקום של תאריך 3"/>
+          <p:cNvSpPr>
+            <a:spLocks noGrp="1"/>
+          </p:cNvSpPr>
+          <p:nvPr>
+            <p:ph type="dt" sz="half" idx="2"/>
+          </p:nvPr>
+        </p:nvSpPr>
+        <p:spPr>
+          <a:xfrm>
+            <a:off x="8610600" y="6356350"/>
+            <a:ext cx="2743200" cy="365125"/>
+          </a:xfrm>
+          <a:prstGeom prst="rect">
+            <a:avLst/>
+          </a:prstGeom>
+        </p:spPr>
+        <p:txBody>
+          <a:bodyPr vert="horz" lIns="91440" tIns="45720" rIns="91440" bIns="45720" rtlCol="1" anchor="ctr"/>
+          <a:lstStyle>
+            <a:lvl1pPr algn="r">
+              <a:defRPr sz="1200">
+                <a:solidFill>
+                  <a:schemeClr val="tx1">
+                    <a:tint val="75000"/>
+                  </a:schemeClr>
+                </a:solidFill>
+              </a:defRPr>
+            </a:lvl1pPr>
+          </a:lstStyle>
+          <a:p>
+            <a:fld id="{C3236DAF-325B-41C6-A659-3FD835B93F99}" type="datetimeFigureOut">
+              <a:rPr lang="he-IL" smtClean="0"/>
+            </a:fld>
+            <a:endParaRPr lang="he-IL"/>
+          </a:p>
+        </p:txBody>
+      </p:sp>
+      <p:sp>
+        <p:nvSpPr>
+          <p:cNvPr id="5" name="מציין מיקום של כותרת תחתונה 4"/>
+          <p:cNvSpPr>
+            <a:spLocks noGrp="1"/>
+          </p:cNvSpPr>
+          <p:nvPr>
+            <p:ph type="ftr" sz="quarter" idx="3"/>
+          </p:nvPr>
+        </p:nvSpPr>
+        <p:spPr>
+          <a:xfrm>
+            <a:off x="4038600" y="6356350"/>
+            <a:ext cx="4114800" cy="365125"/>
+          </a:xfrm>
+          <a:prstGeom prst="rect">
+            <a:avLst/>
+          </a:prstGeom>
+        </p:spPr>
+        <p:txBody>
+          <a:bodyPr vert="horz" lIns="91440" tIns="45720" rIns="91440" bIns="45720" rtlCol="1" anchor="ctr"/>
+          <a:lstStyle>
+            <a:lvl1pPr algn="ctr">
+              <a:defRPr sz="1200">
+                <a:solidFill>
+                  <a:schemeClr val="tx1">
+                    <a:tint val="75000"/>
+                  </a:schemeClr>
+                </a:solidFill>
+              </a:defRPr>
+            </a:lvl1pPr>
+          </a:lstStyle>
+          <a:p>
+            <a:endParaRPr lang="he-IL"/>
+          </a:p>
+        </p:txBody>
+      </p:sp>
+      <p:sp>
+        <p:nvSpPr>
+          <p:cNvPr id="6" name="מציין מיקום של מספר שקופית 5"/>
+          <p:cNvSpPr>
+            <a:spLocks noGrp="1"/>
+          </p:cNvSpPr>
+          <p:nvPr>
+            <p:ph type="sldNum" sz="quarter" idx="4"/>
+          </p:nvPr>
+        </p:nvSpPr>
+        <p:spPr>
+          <a:xfrm>
+            <a:off x="838200" y="6356350"/>
+            <a:ext cx="2743200" cy="365125"/>
+          </a:xfrm>
+          <a:prstGeom prst="rect">
+            <a:avLst/>
+          </a:prstGeom>
+        </p:spPr>
+        <p:txBody>
+          <a:bodyPr vert="horz" lIns="91440" tIns="45720" rIns="91440" bIns="45720" rtlCol="1" anchor="ctr"/>
+          <a:lstStyle>
+            <a:lvl1pPr algn="l">
+              <a:defRPr sz="1200">
+                <a:solidFill>
+                  <a:schemeClr val="tx1">
+                    <a:tint val="75000"/>
+                  </a:schemeClr>
+                </a:solidFill>
+              </a:defRPr>
+            </a:lvl1pPr>
+          </a:lstStyle>
+          <a:p>
+            <a:fld id="{9AC017FD-76BB-43D1-8D1C-C9B1CC8C9978}" type="slidenum">
+              <a:rPr lang="he-IL" smtClean="0"/>
+            </a:fld>
+            <a:endParaRPr lang="he-IL"/>
+          </a:p>
+        </p:txBody>
+      </p:sp>
+    </p:spTree>
+  </p:cSld>
+  <p:clrMap bg1="lt1" tx1="dk1" bg2="lt2" tx2="dk2" accent1="accent1" accent2="accent2" accent3="accent3" accent4="accent4" accent5="accent5" accent6="accent6" hlink="hlink" folHlink="folHlink"/>
+  <p:sldLayoutIdLst>
+    <p:sldLayoutId id="2147483661" r:id="rId1"/>
+    <p:sldLayoutId id="2147483662" r:id="rId2"/>
+    <p:sldLayoutId id="2147483663" r:id="rId3"/>
+    <p:sldLayoutId id="2147483664" r:id="rId4"/>
+    <p:sldLayoutId id="2147483665" r:id="rId5"/>
+    <p:sldLayoutId id="2147483666" r:id="rId6"/>
+    <p:sldLayoutId id="2147483667" r:id="rId7"/>
+    <p:sldLayoutId id="2147483668" r:id="rId8"/>
+    <p:sldLayoutId id="2147483669" r:id="rId9"/>
+    <p:sldLayoutId id="2147483670" r:id="rId10"/>
+    <p:sldLayoutId id="2147483671" r:id="rId11"/>
   </p:sldLayoutIdLst>
   <p:txStyles>
     <p:titleStyle>
@@ -3355,13 +5759,7 @@
       </p:grpSpPr>
       <p:sp>
         <p:nvSpPr>
-          <p:cNvPr id="2" name="כותרת 1">
-            <a:extLst>
-              <a:ext uri="{FF2B5EF4-FFF2-40B4-BE49-F238E27FC236}">
-                <a16:creationId xmlns:a16="http://schemas.microsoft.com/office/drawing/2014/main" id="{3741BFE7-DCC6-55C2-4147-8C423331A909}"/>
-              </a:ext>
-            </a:extLst>
-          </p:cNvPr>
+          <p:cNvPr id="2" name="כותרת 1"/>
           <p:cNvSpPr>
             <a:spLocks noGrp="1"/>
           </p:cNvSpPr>
@@ -3384,13 +5782,7 @@
       </p:sp>
       <p:sp>
         <p:nvSpPr>
-          <p:cNvPr id="3" name="כותרת משנה 2">
-            <a:extLst>
-              <a:ext uri="{FF2B5EF4-FFF2-40B4-BE49-F238E27FC236}">
-                <a16:creationId xmlns:a16="http://schemas.microsoft.com/office/drawing/2014/main" id="{44807760-2DE8-6517-ED7B-AFDC4135F6A3}"/>
-              </a:ext>
-            </a:extLst>
-          </p:cNvPr>
+          <p:cNvPr id="3" name="כותרת משנה 2"/>
           <p:cNvSpPr>
             <a:spLocks noGrp="1"/>
           </p:cNvSpPr>
@@ -3408,11 +5800,6 @@
         </p:txBody>
       </p:sp>
     </p:spTree>
-    <p:extLst>
-      <p:ext uri="{BB962C8B-B14F-4D97-AF65-F5344CB8AC3E}">
-        <p14:creationId xmlns:p14="http://schemas.microsoft.com/office/powerpoint/2010/main" val="2284295141"/>
-      </p:ext>
-    </p:extLst>
   </p:cSld>
   <p:clrMapOvr>
     <a:masterClrMapping/>
@@ -3446,13 +5833,7 @@
       </p:grpSpPr>
       <p:sp>
         <p:nvSpPr>
-          <p:cNvPr id="2" name="כותרת 1">
-            <a:extLst>
-              <a:ext uri="{FF2B5EF4-FFF2-40B4-BE49-F238E27FC236}">
-                <a16:creationId xmlns:a16="http://schemas.microsoft.com/office/drawing/2014/main" id="{91917102-484B-F73A-F7F5-F4262E5B4011}"/>
-              </a:ext>
-            </a:extLst>
-          </p:cNvPr>
+          <p:cNvPr id="2" name="כותרת 1"/>
           <p:cNvSpPr>
             <a:spLocks noGrp="1"/>
           </p:cNvSpPr>
@@ -3473,10 +5854,6 @@
             <a:r>
               <a:rPr lang="en-US" dirty="0" smtClean="0"/>
               <a:t>3</a:t>
-            </a:r>
-            <a:r>
-              <a:rPr lang="en-US" dirty="0"/>
-              <a:t/>
             </a:r>
             <a:br>
               <a:rPr lang="en-US" dirty="0"/>
@@ -3510,7 +5887,7 @@
           <p:nvPr/>
         </p:nvPicPr>
         <p:blipFill>
-          <a:blip r:embed="rId2">
+          <a:blip r:embed="rId1">
             <a:extLst>
               <a:ext uri="{28A0092B-C50C-407E-A947-70E740481C1C}">
                 <a14:useLocalDpi xmlns:a14="http://schemas.microsoft.com/office/drawing/2010/main" val="0"/>
@@ -3532,11 +5909,6 @@
         </p:spPr>
       </p:pic>
     </p:spTree>
-    <p:extLst>
-      <p:ext uri="{BB962C8B-B14F-4D97-AF65-F5344CB8AC3E}">
-        <p14:creationId xmlns:p14="http://schemas.microsoft.com/office/powerpoint/2010/main" val="3247770455"/>
-      </p:ext>
-    </p:extLst>
   </p:cSld>
   <p:clrMapOvr>
     <a:masterClrMapping/>
@@ -3570,13 +5942,7 @@
       </p:grpSpPr>
       <p:sp>
         <p:nvSpPr>
-          <p:cNvPr id="2" name="כותרת 1">
-            <a:extLst>
-              <a:ext uri="{FF2B5EF4-FFF2-40B4-BE49-F238E27FC236}">
-                <a16:creationId xmlns:a16="http://schemas.microsoft.com/office/drawing/2014/main" id="{91917102-484B-F73A-F7F5-F4262E5B4011}"/>
-              </a:ext>
-            </a:extLst>
-          </p:cNvPr>
+          <p:cNvPr id="2" name="כותרת 1"/>
           <p:cNvSpPr>
             <a:spLocks noGrp="1"/>
           </p:cNvSpPr>
@@ -3586,7 +5952,9 @@
         </p:nvSpPr>
         <p:spPr/>
         <p:txBody>
-          <a:bodyPr/>
+          <a:bodyPr>
+            <a:normAutofit fontScale="90000"/>
+          </a:bodyPr>
           <a:lstStyle/>
           <a:p>
             <a:pPr algn="ctr"/>
@@ -3602,12 +5970,20 @@
               <a:rPr lang="en-US" dirty="0" smtClean="0"/>
             </a:br>
             <a:r>
-              <a:rPr lang="en-US" dirty="0" err="1"/>
-              <a:t>videolike</a:t>
+              <a:rPr lang="en-US" dirty="0" err="1">
+                <a:sym typeface="+mn-ea"/>
+              </a:rPr>
+              <a:t>videoLikeCount</a:t>
+            </a:r>
+            <a:r>
+              <a:rPr lang="en-US" dirty="0">
+                <a:sym typeface="+mn-ea"/>
+              </a:rPr>
+              <a:t> </a:t>
             </a:r>
             <a:r>
               <a:rPr lang="en-US" dirty="0"/>
-              <a:t> per </a:t>
+              <a:t>per </a:t>
             </a:r>
             <a:r>
               <a:rPr lang="en-US" dirty="0" err="1"/>
@@ -3628,7 +6004,7 @@
           </p:nvPr>
         </p:nvPicPr>
         <p:blipFill>
-          <a:blip r:embed="rId2">
+          <a:blip r:embed="rId1">
             <a:extLst>
               <a:ext uri="{28A0092B-C50C-407E-A947-70E740481C1C}">
                 <a14:useLocalDpi xmlns:a14="http://schemas.microsoft.com/office/drawing/2010/main" val="0"/>
@@ -3647,11 +6023,6 @@
         </p:spPr>
       </p:pic>
     </p:spTree>
-    <p:extLst>
-      <p:ext uri="{BB962C8B-B14F-4D97-AF65-F5344CB8AC3E}">
-        <p14:creationId xmlns:p14="http://schemas.microsoft.com/office/powerpoint/2010/main" val="3867197297"/>
-      </p:ext>
-    </p:extLst>
   </p:cSld>
   <p:clrMapOvr>
     <a:masterClrMapping/>
@@ -3685,13 +6056,7 @@
       </p:grpSpPr>
       <p:sp>
         <p:nvSpPr>
-          <p:cNvPr id="2" name="כותרת 1">
-            <a:extLst>
-              <a:ext uri="{FF2B5EF4-FFF2-40B4-BE49-F238E27FC236}">
-                <a16:creationId xmlns:a16="http://schemas.microsoft.com/office/drawing/2014/main" id="{91917102-484B-F73A-F7F5-F4262E5B4011}"/>
-              </a:ext>
-            </a:extLst>
-          </p:cNvPr>
+          <p:cNvPr id="2" name="כותרת 1"/>
           <p:cNvSpPr>
             <a:spLocks noGrp="1"/>
           </p:cNvSpPr>
@@ -3701,28 +6066,34 @@
         </p:nvSpPr>
         <p:spPr/>
         <p:txBody>
-          <a:bodyPr/>
+          <a:bodyPr>
+            <a:normAutofit fontScale="90000"/>
+          </a:bodyPr>
           <a:lstStyle/>
           <a:p>
             <a:pPr algn="ctr"/>
             <a:r>
               <a:rPr lang="en-US" dirty="0" smtClean="0"/>
               <a:t>Graph 5</a:t>
-            </a:r>
-            <a:r>
-              <a:rPr lang="en-US" dirty="0"/>
-              <a:t/>
             </a:r>
             <a:br>
               <a:rPr lang="en-US" dirty="0"/>
             </a:br>
             <a:r>
-              <a:rPr lang="en-US" dirty="0" err="1"/>
-              <a:t>videolike</a:t>
+              <a:rPr lang="en-US" dirty="0" err="1">
+                <a:sym typeface="+mn-ea"/>
+              </a:rPr>
+              <a:t>videoLikeCount</a:t>
+            </a:r>
+            <a:r>
+              <a:rPr lang="en-US" dirty="0">
+                <a:sym typeface="+mn-ea"/>
+              </a:rPr>
+              <a:t> </a:t>
             </a:r>
             <a:r>
               <a:rPr lang="en-US" dirty="0"/>
-              <a:t> per subscriber count</a:t>
+              <a:t>per subscriber count</a:t>
             </a:r>
             <a:endParaRPr lang="he-IL" dirty="0"/>
           </a:p>
@@ -3739,7 +6110,7 @@
           </p:nvPr>
         </p:nvPicPr>
         <p:blipFill>
-          <a:blip r:embed="rId2">
+          <a:blip r:embed="rId1">
             <a:extLst>
               <a:ext uri="{28A0092B-C50C-407E-A947-70E740481C1C}">
                 <a14:useLocalDpi xmlns:a14="http://schemas.microsoft.com/office/drawing/2010/main" val="0"/>
@@ -3758,11 +6129,6 @@
         </p:spPr>
       </p:pic>
     </p:spTree>
-    <p:extLst>
-      <p:ext uri="{BB962C8B-B14F-4D97-AF65-F5344CB8AC3E}">
-        <p14:creationId xmlns:p14="http://schemas.microsoft.com/office/powerpoint/2010/main" val="3127887361"/>
-      </p:ext>
-    </p:extLst>
   </p:cSld>
   <p:clrMapOvr>
     <a:masterClrMapping/>
@@ -3796,13 +6162,7 @@
       </p:grpSpPr>
       <p:sp>
         <p:nvSpPr>
-          <p:cNvPr id="2" name="כותרת 1">
-            <a:extLst>
-              <a:ext uri="{FF2B5EF4-FFF2-40B4-BE49-F238E27FC236}">
-                <a16:creationId xmlns:a16="http://schemas.microsoft.com/office/drawing/2014/main" id="{91917102-484B-F73A-F7F5-F4262E5B4011}"/>
-              </a:ext>
-            </a:extLst>
-          </p:cNvPr>
+          <p:cNvPr id="2" name="כותרת 1"/>
           <p:cNvSpPr>
             <a:spLocks noGrp="1"/>
           </p:cNvSpPr>
@@ -3812,7 +6172,9 @@
         </p:nvSpPr>
         <p:spPr/>
         <p:txBody>
-          <a:bodyPr/>
+          <a:bodyPr>
+            <a:normAutofit fontScale="90000"/>
+          </a:bodyPr>
           <a:lstStyle/>
           <a:p>
             <a:pPr algn="ctr"/>
@@ -3829,7 +6191,7 @@
             </a:br>
             <a:r>
               <a:rPr lang="en-US" dirty="0" err="1"/>
-              <a:t>videolike</a:t>
+              <a:t>videoLikeCount</a:t>
             </a:r>
             <a:r>
               <a:rPr lang="en-US" dirty="0"/>
@@ -3854,7 +6216,7 @@
           </p:nvPr>
         </p:nvPicPr>
         <p:blipFill>
-          <a:blip r:embed="rId2">
+          <a:blip r:embed="rId1">
             <a:extLst>
               <a:ext uri="{28A0092B-C50C-407E-A947-70E740481C1C}">
                 <a14:useLocalDpi xmlns:a14="http://schemas.microsoft.com/office/drawing/2010/main" val="0"/>
@@ -3873,11 +6235,6 @@
         </p:spPr>
       </p:pic>
     </p:spTree>
-    <p:extLst>
-      <p:ext uri="{BB962C8B-B14F-4D97-AF65-F5344CB8AC3E}">
-        <p14:creationId xmlns:p14="http://schemas.microsoft.com/office/powerpoint/2010/main" val="2646345653"/>
-      </p:ext>
-    </p:extLst>
   </p:cSld>
   <p:clrMapOvr>
     <a:masterClrMapping/>
@@ -3911,13 +6268,7 @@
       </p:grpSpPr>
       <p:sp>
         <p:nvSpPr>
-          <p:cNvPr id="2" name="כותרת 1">
-            <a:extLst>
-              <a:ext uri="{FF2B5EF4-FFF2-40B4-BE49-F238E27FC236}">
-                <a16:creationId xmlns:a16="http://schemas.microsoft.com/office/drawing/2014/main" id="{91917102-484B-F73A-F7F5-F4262E5B4011}"/>
-              </a:ext>
-            </a:extLst>
-          </p:cNvPr>
+          <p:cNvPr id="2" name="כותרת 1"/>
           <p:cNvSpPr>
             <a:spLocks noGrp="1"/>
           </p:cNvSpPr>
@@ -3927,7 +6278,9 @@
         </p:nvSpPr>
         <p:spPr/>
         <p:txBody>
-          <a:bodyPr/>
+          <a:bodyPr>
+            <a:normAutofit fontScale="90000"/>
+          </a:bodyPr>
           <a:lstStyle/>
           <a:p>
             <a:pPr algn="ctr"/>
@@ -3943,8 +6296,14 @@
               <a:rPr lang="en-US" dirty="0" smtClean="0"/>
             </a:br>
             <a:r>
+              <a:rPr lang="en-US" dirty="0" err="1">
+                <a:sym typeface="+mn-ea"/>
+              </a:rPr>
+              <a:t>Video</a:t>
+            </a:r>
+            <a:r>
               <a:rPr lang="en-US" dirty="0"/>
-              <a:t>comment per </a:t>
+              <a:t>commentCount per </a:t>
             </a:r>
             <a:r>
               <a:rPr lang="en-US" dirty="0" err="1"/>
@@ -3965,7 +6324,7 @@
           </p:nvPr>
         </p:nvPicPr>
         <p:blipFill>
-          <a:blip r:embed="rId2">
+          <a:blip r:embed="rId1">
             <a:extLst>
               <a:ext uri="{28A0092B-C50C-407E-A947-70E740481C1C}">
                 <a14:useLocalDpi xmlns:a14="http://schemas.microsoft.com/office/drawing/2010/main" val="0"/>
@@ -3984,11 +6343,6 @@
         </p:spPr>
       </p:pic>
     </p:spTree>
-    <p:extLst>
-      <p:ext uri="{BB962C8B-B14F-4D97-AF65-F5344CB8AC3E}">
-        <p14:creationId xmlns:p14="http://schemas.microsoft.com/office/powerpoint/2010/main" val="2662776740"/>
-      </p:ext>
-    </p:extLst>
   </p:cSld>
   <p:clrMapOvr>
     <a:masterClrMapping/>
@@ -4022,13 +6376,7 @@
       </p:grpSpPr>
       <p:sp>
         <p:nvSpPr>
-          <p:cNvPr id="2" name="כותרת 1">
-            <a:extLst>
-              <a:ext uri="{FF2B5EF4-FFF2-40B4-BE49-F238E27FC236}">
-                <a16:creationId xmlns:a16="http://schemas.microsoft.com/office/drawing/2014/main" id="{91917102-484B-F73A-F7F5-F4262E5B4011}"/>
-              </a:ext>
-            </a:extLst>
-          </p:cNvPr>
+          <p:cNvPr id="2" name="כותרת 1"/>
           <p:cNvSpPr>
             <a:spLocks noGrp="1"/>
           </p:cNvSpPr>
@@ -4038,7 +6386,9 @@
         </p:nvSpPr>
         <p:spPr/>
         <p:txBody>
-          <a:bodyPr/>
+          <a:bodyPr>
+            <a:normAutofit fontScale="90000"/>
+          </a:bodyPr>
           <a:lstStyle/>
           <a:p>
             <a:pPr algn="ctr"/>
@@ -4054,8 +6404,20 @@
               <a:rPr lang="en-US" dirty="0" smtClean="0"/>
             </a:br>
             <a:r>
+              <a:rPr lang="en-US" dirty="0" err="1">
+                <a:sym typeface="+mn-ea"/>
+              </a:rPr>
+              <a:t>Video</a:t>
+            </a:r>
+            <a:r>
+              <a:rPr lang="en-US" dirty="0">
+                <a:sym typeface="+mn-ea"/>
+              </a:rPr>
+              <a:t>commentCount </a:t>
+            </a:r>
+            <a:r>
               <a:rPr lang="en-US" dirty="0" smtClean="0"/>
-              <a:t>comment per </a:t>
+              <a:t>per </a:t>
             </a:r>
             <a:r>
               <a:rPr lang="en-US" dirty="0"/>
@@ -4076,7 +6438,7 @@
           </p:nvPr>
         </p:nvPicPr>
         <p:blipFill>
-          <a:blip r:embed="rId2">
+          <a:blip r:embed="rId1">
             <a:extLst>
               <a:ext uri="{28A0092B-C50C-407E-A947-70E740481C1C}">
                 <a14:useLocalDpi xmlns:a14="http://schemas.microsoft.com/office/drawing/2010/main" val="0"/>
@@ -4095,11 +6457,6 @@
         </p:spPr>
       </p:pic>
     </p:spTree>
-    <p:extLst>
-      <p:ext uri="{BB962C8B-B14F-4D97-AF65-F5344CB8AC3E}">
-        <p14:creationId xmlns:p14="http://schemas.microsoft.com/office/powerpoint/2010/main" val="2031404524"/>
-      </p:ext>
-    </p:extLst>
   </p:cSld>
   <p:clrMapOvr>
     <a:masterClrMapping/>
@@ -4133,13 +6490,7 @@
       </p:grpSpPr>
       <p:sp>
         <p:nvSpPr>
-          <p:cNvPr id="2" name="כותרת 1">
-            <a:extLst>
-              <a:ext uri="{FF2B5EF4-FFF2-40B4-BE49-F238E27FC236}">
-                <a16:creationId xmlns:a16="http://schemas.microsoft.com/office/drawing/2014/main" id="{91917102-484B-F73A-F7F5-F4262E5B4011}"/>
-              </a:ext>
-            </a:extLst>
-          </p:cNvPr>
+          <p:cNvPr id="2" name="כותרת 1"/>
           <p:cNvSpPr>
             <a:spLocks noGrp="1"/>
           </p:cNvSpPr>
@@ -4149,7 +6500,9 @@
         </p:nvSpPr>
         <p:spPr/>
         <p:txBody>
-          <a:bodyPr/>
+          <a:bodyPr>
+            <a:normAutofit fontScale="90000"/>
+          </a:bodyPr>
           <a:lstStyle/>
           <a:p>
             <a:pPr algn="ctr"/>
@@ -4160,17 +6513,25 @@
             <a:r>
               <a:rPr lang="en-US" dirty="0" smtClean="0"/>
               <a:t>9</a:t>
-            </a:r>
-            <a:r>
-              <a:rPr lang="en-US" dirty="0"/>
-              <a:t/>
             </a:r>
             <a:br>
               <a:rPr lang="en-US" dirty="0"/>
             </a:br>
             <a:r>
+              <a:rPr lang="en-US" dirty="0" err="1">
+                <a:sym typeface="+mn-ea"/>
+              </a:rPr>
+              <a:t>Video</a:t>
+            </a:r>
+            <a:r>
+              <a:rPr lang="en-US" dirty="0">
+                <a:sym typeface="+mn-ea"/>
+              </a:rPr>
+              <a:t>commentCount </a:t>
+            </a:r>
+            <a:r>
               <a:rPr lang="en-US" dirty="0"/>
-              <a:t>comment per </a:t>
+              <a:t>per </a:t>
             </a:r>
             <a:r>
               <a:rPr lang="en-US" dirty="0" err="1" smtClean="0"/>
@@ -4191,7 +6552,7 @@
           </p:nvPr>
         </p:nvPicPr>
         <p:blipFill>
-          <a:blip r:embed="rId2">
+          <a:blip r:embed="rId1">
             <a:extLst>
               <a:ext uri="{28A0092B-C50C-407E-A947-70E740481C1C}">
                 <a14:useLocalDpi xmlns:a14="http://schemas.microsoft.com/office/drawing/2010/main" val="0"/>
@@ -4210,11 +6571,6 @@
         </p:spPr>
       </p:pic>
     </p:spTree>
-    <p:extLst>
-      <p:ext uri="{BB962C8B-B14F-4D97-AF65-F5344CB8AC3E}">
-        <p14:creationId xmlns:p14="http://schemas.microsoft.com/office/powerpoint/2010/main" val="1274136664"/>
-      </p:ext>
-    </p:extLst>
   </p:cSld>
   <p:clrMapOvr>
     <a:masterClrMapping/>
@@ -4248,13 +6604,7 @@
       </p:grpSpPr>
       <p:sp>
         <p:nvSpPr>
-          <p:cNvPr id="2" name="כותרת 1">
-            <a:extLst>
-              <a:ext uri="{FF2B5EF4-FFF2-40B4-BE49-F238E27FC236}">
-                <a16:creationId xmlns:a16="http://schemas.microsoft.com/office/drawing/2014/main" id="{91917102-484B-F73A-F7F5-F4262E5B4011}"/>
-              </a:ext>
-            </a:extLst>
-          </p:cNvPr>
+          <p:cNvPr id="2" name="כותרת 1"/>
           <p:cNvSpPr>
             <a:spLocks noGrp="1"/>
           </p:cNvSpPr>
@@ -4264,7 +6614,9 @@
         </p:nvSpPr>
         <p:spPr/>
         <p:txBody>
-          <a:bodyPr/>
+          <a:bodyPr>
+            <a:normAutofit fontScale="90000"/>
+          </a:bodyPr>
           <a:lstStyle/>
           <a:p>
             <a:pPr algn="ctr"/>
@@ -4280,8 +6632,14 @@
               <a:rPr lang="en-US" dirty="0" smtClean="0"/>
             </a:br>
             <a:r>
+              <a:rPr lang="en-US" dirty="0">
+                <a:sym typeface="+mn-ea"/>
+              </a:rPr>
+              <a:t>elapsedtime </a:t>
+            </a:r>
+            <a:r>
               <a:rPr lang="en-US" dirty="0"/>
-              <a:t>elapsed per </a:t>
+              <a:t>per </a:t>
             </a:r>
             <a:r>
               <a:rPr lang="en-US" dirty="0" err="1"/>
@@ -4302,7 +6660,7 @@
           </p:nvPr>
         </p:nvPicPr>
         <p:blipFill>
-          <a:blip r:embed="rId2">
+          <a:blip r:embed="rId1">
             <a:extLst>
               <a:ext uri="{28A0092B-C50C-407E-A947-70E740481C1C}">
                 <a14:useLocalDpi xmlns:a14="http://schemas.microsoft.com/office/drawing/2010/main" val="0"/>
@@ -4321,11 +6679,6 @@
         </p:spPr>
       </p:pic>
     </p:spTree>
-    <p:extLst>
-      <p:ext uri="{BB962C8B-B14F-4D97-AF65-F5344CB8AC3E}">
-        <p14:creationId xmlns:p14="http://schemas.microsoft.com/office/powerpoint/2010/main" val="132620354"/>
-      </p:ext>
-    </p:extLst>
   </p:cSld>
   <p:clrMapOvr>
     <a:masterClrMapping/>
@@ -4359,13 +6712,7 @@
       </p:grpSpPr>
       <p:sp>
         <p:nvSpPr>
-          <p:cNvPr id="2" name="כותרת 1">
-            <a:extLst>
-              <a:ext uri="{FF2B5EF4-FFF2-40B4-BE49-F238E27FC236}">
-                <a16:creationId xmlns:a16="http://schemas.microsoft.com/office/drawing/2014/main" id="{91917102-484B-F73A-F7F5-F4262E5B4011}"/>
-              </a:ext>
-            </a:extLst>
-          </p:cNvPr>
+          <p:cNvPr id="2" name="כותרת 1"/>
           <p:cNvSpPr>
             <a:spLocks noGrp="1"/>
           </p:cNvSpPr>
@@ -4375,7 +6722,9 @@
         </p:nvSpPr>
         <p:spPr/>
         <p:txBody>
-          <a:bodyPr/>
+          <a:bodyPr>
+            <a:normAutofit fontScale="90000"/>
+          </a:bodyPr>
           <a:lstStyle/>
           <a:p>
             <a:pPr algn="ctr"/>
@@ -4391,8 +6740,10 @@
               <a:rPr lang="en-US" dirty="0" smtClean="0"/>
             </a:br>
             <a:r>
-              <a:rPr lang="en-US" dirty="0"/>
-              <a:t>elapsed </a:t>
+              <a:rPr lang="en-US" dirty="0">
+                <a:sym typeface="+mn-ea"/>
+              </a:rPr>
+              <a:t>elapsedtime </a:t>
             </a:r>
             <a:r>
               <a:rPr lang="en-US" dirty="0" smtClean="0"/>
@@ -4417,7 +6768,7 @@
           </p:nvPr>
         </p:nvPicPr>
         <p:blipFill>
-          <a:blip r:embed="rId2">
+          <a:blip r:embed="rId1">
             <a:extLst>
               <a:ext uri="{28A0092B-C50C-407E-A947-70E740481C1C}">
                 <a14:useLocalDpi xmlns:a14="http://schemas.microsoft.com/office/drawing/2010/main" val="0"/>
@@ -4436,11 +6787,6 @@
         </p:spPr>
       </p:pic>
     </p:spTree>
-    <p:extLst>
-      <p:ext uri="{BB962C8B-B14F-4D97-AF65-F5344CB8AC3E}">
-        <p14:creationId xmlns:p14="http://schemas.microsoft.com/office/powerpoint/2010/main" val="1718617716"/>
-      </p:ext>
-    </p:extLst>
   </p:cSld>
   <p:clrMapOvr>
     <a:masterClrMapping/>
@@ -4474,13 +6820,7 @@
       </p:grpSpPr>
       <p:sp>
         <p:nvSpPr>
-          <p:cNvPr id="2" name="כותרת 1">
-            <a:extLst>
-              <a:ext uri="{FF2B5EF4-FFF2-40B4-BE49-F238E27FC236}">
-                <a16:creationId xmlns:a16="http://schemas.microsoft.com/office/drawing/2014/main" id="{91917102-484B-F73A-F7F5-F4262E5B4011}"/>
-              </a:ext>
-            </a:extLst>
-          </p:cNvPr>
+          <p:cNvPr id="2" name="כותרת 1"/>
           <p:cNvSpPr>
             <a:spLocks noGrp="1"/>
           </p:cNvSpPr>
@@ -4490,7 +6830,9 @@
         </p:nvSpPr>
         <p:spPr/>
         <p:txBody>
-          <a:bodyPr/>
+          <a:bodyPr>
+            <a:normAutofit fontScale="90000"/>
+          </a:bodyPr>
           <a:lstStyle/>
           <a:p>
             <a:pPr algn="ctr"/>
@@ -4507,7 +6849,7 @@
             </a:br>
             <a:r>
               <a:rPr lang="en-US" dirty="0"/>
-              <a:t>elapsed per </a:t>
+              <a:t>elapsedtime per </a:t>
             </a:r>
             <a:r>
               <a:rPr lang="en-US" dirty="0" err="1"/>
@@ -4528,7 +6870,7 @@
           </p:nvPr>
         </p:nvPicPr>
         <p:blipFill>
-          <a:blip r:embed="rId2">
+          <a:blip r:embed="rId1">
             <a:extLst>
               <a:ext uri="{28A0092B-C50C-407E-A947-70E740481C1C}">
                 <a14:useLocalDpi xmlns:a14="http://schemas.microsoft.com/office/drawing/2010/main" val="0"/>
@@ -4547,11 +6889,6 @@
         </p:spPr>
       </p:pic>
     </p:spTree>
-    <p:extLst>
-      <p:ext uri="{BB962C8B-B14F-4D97-AF65-F5344CB8AC3E}">
-        <p14:creationId xmlns:p14="http://schemas.microsoft.com/office/powerpoint/2010/main" val="533002588"/>
-      </p:ext>
-    </p:extLst>
   </p:cSld>
   <p:clrMapOvr>
     <a:masterClrMapping/>
@@ -4585,13 +6922,7 @@
       </p:grpSpPr>
       <p:sp>
         <p:nvSpPr>
-          <p:cNvPr id="2" name="כותרת 1">
-            <a:extLst>
-              <a:ext uri="{FF2B5EF4-FFF2-40B4-BE49-F238E27FC236}">
-                <a16:creationId xmlns:a16="http://schemas.microsoft.com/office/drawing/2014/main" id="{91917102-484B-F73A-F7F5-F4262E5B4011}"/>
-              </a:ext>
-            </a:extLst>
-          </p:cNvPr>
+          <p:cNvPr id="2" name="כותרת 1"/>
           <p:cNvSpPr>
             <a:spLocks noGrp="1"/>
           </p:cNvSpPr>
@@ -4615,13 +6946,7 @@
       </p:sp>
       <p:sp>
         <p:nvSpPr>
-          <p:cNvPr id="3" name="מציין מיקום תוכן 2">
-            <a:extLst>
-              <a:ext uri="{FF2B5EF4-FFF2-40B4-BE49-F238E27FC236}">
-                <a16:creationId xmlns:a16="http://schemas.microsoft.com/office/drawing/2014/main" id="{BB871835-7F28-DFB1-68BF-392EDAA464AE}"/>
-              </a:ext>
-            </a:extLst>
-          </p:cNvPr>
+          <p:cNvPr id="3" name="מציין מיקום תוכן 2"/>
           <p:cNvSpPr>
             <a:spLocks noGrp="1"/>
           </p:cNvSpPr>
@@ -4641,6 +6966,7 @@
               <a:rPr lang="en-US" dirty="0"/>
               <a:t>The main purpose of this data analyzation is to aid YouTube channel owners to expand or maintain their user base by providing them with useful information regarding YouTube video usage.</a:t>
             </a:r>
+            <a:endParaRPr lang="en-US" dirty="0"/>
           </a:p>
           <a:p>
             <a:pPr marL="0" indent="0" algn="l">
@@ -4655,11 +6981,232 @@
         </p:txBody>
       </p:sp>
     </p:spTree>
-    <p:extLst>
-      <p:ext uri="{BB962C8B-B14F-4D97-AF65-F5344CB8AC3E}">
-        <p14:creationId xmlns:p14="http://schemas.microsoft.com/office/powerpoint/2010/main" val="3898922164"/>
-      </p:ext>
-    </p:extLst>
+  </p:cSld>
+  <p:clrMapOvr>
+    <a:masterClrMapping/>
+  </p:clrMapOvr>
+  <p:timing>
+    <p:tnLst>
+      <p:par>
+        <p:cTn id="1" dur="indefinite" restart="never" nodeType="tmRoot"/>
+      </p:par>
+    </p:tnLst>
+  </p:timing>
+</p:sld>
+</file>
+
+<file path=ppt/slides/slide20.xml><?xml version="1.0" encoding="utf-8"?>
+<p:sld xmlns:a="http://schemas.openxmlformats.org/drawingml/2006/main" xmlns:r="http://schemas.openxmlformats.org/officeDocument/2006/relationships" xmlns:p="http://schemas.openxmlformats.org/presentationml/2006/main">
+  <p:cSld>
+    <p:spTree>
+      <p:nvGrpSpPr>
+        <p:cNvPr id="1" name=""/>
+        <p:cNvGrpSpPr/>
+        <p:nvPr/>
+      </p:nvGrpSpPr>
+      <p:grpSpPr>
+        <a:xfrm>
+          <a:off x="0" y="0"/>
+          <a:ext cx="0" cy="0"/>
+          <a:chOff x="0" y="0"/>
+          <a:chExt cx="0" cy="0"/>
+        </a:xfrm>
+      </p:grpSpPr>
+      <p:sp>
+        <p:nvSpPr>
+          <p:cNvPr id="2" name="כותרת 1"/>
+          <p:cNvSpPr>
+            <a:spLocks noGrp="1"/>
+          </p:cNvSpPr>
+          <p:nvPr>
+            <p:ph type="title"/>
+          </p:nvPr>
+        </p:nvSpPr>
+        <p:spPr/>
+        <p:txBody>
+          <a:bodyPr>
+            <a:normAutofit fontScale="90000"/>
+          </a:bodyPr>
+          <a:lstStyle/>
+          <a:p>
+            <a:pPr algn="ctr"/>
+            <a:r>
+              <a:rPr lang="en-US" sz="4890" dirty="0"/>
+              <a:t>Graph </a:t>
+            </a:r>
+            <a:r>
+              <a:rPr lang="en-US" sz="4890" dirty="0" smtClean="0"/>
+              <a:t>13</a:t>
+            </a:r>
+            <a:br>
+              <a:rPr lang="en-US" sz="4890" dirty="0" smtClean="0"/>
+            </a:br>
+            <a:r>
+              <a:rPr lang="en-US" sz="4890" dirty="0" smtClean="0"/>
+              <a:t>sample linear regression</a:t>
+            </a:r>
+            <a:br>
+              <a:rPr lang="en-US" sz="4890" dirty="0" smtClean="0"/>
+            </a:br>
+            <a:r>
+              <a:rPr lang="en-US" sz="4890" dirty="0">
+                <a:sym typeface="+mn-ea"/>
+              </a:rPr>
+              <a:t>elapsedtime </a:t>
+            </a:r>
+            <a:r>
+              <a:rPr lang="en-US" sz="4890" dirty="0"/>
+              <a:t>per </a:t>
+            </a:r>
+            <a:r>
+              <a:rPr lang="en-US" sz="4890" dirty="0" err="1">
+                <a:sym typeface="+mn-ea"/>
+              </a:rPr>
+              <a:t>videoviewcount</a:t>
+            </a:r>
+            <a:endParaRPr lang="he-IL" sz="4890" dirty="0"/>
+          </a:p>
+        </p:txBody>
+      </p:sp>
+      <p:pic>
+        <p:nvPicPr>
+          <p:cNvPr id="5" name="Picture 4" descr="linear regresion for 2000 points"/>
+          <p:cNvPicPr>
+            <a:picLocks noChangeAspect="1"/>
+          </p:cNvPicPr>
+          <p:nvPr/>
+        </p:nvPicPr>
+        <p:blipFill>
+          <a:blip r:embed="rId1"/>
+          <a:stretch>
+            <a:fillRect/>
+          </a:stretch>
+        </p:blipFill>
+        <p:spPr>
+          <a:xfrm>
+            <a:off x="3348990" y="1825625"/>
+            <a:ext cx="5494020" cy="4293870"/>
+          </a:xfrm>
+          <a:prstGeom prst="rect">
+            <a:avLst/>
+          </a:prstGeom>
+        </p:spPr>
+      </p:pic>
+    </p:spTree>
+  </p:cSld>
+  <p:clrMapOvr>
+    <a:masterClrMapping/>
+  </p:clrMapOvr>
+  <p:timing>
+    <p:tnLst>
+      <p:par>
+        <p:cTn id="1" dur="indefinite" restart="never" nodeType="tmRoot"/>
+      </p:par>
+    </p:tnLst>
+  </p:timing>
+</p:sld>
+</file>
+
+<file path=ppt/slides/slide21.xml><?xml version="1.0" encoding="utf-8"?>
+<p:sld xmlns:a="http://schemas.openxmlformats.org/drawingml/2006/main" xmlns:r="http://schemas.openxmlformats.org/officeDocument/2006/relationships" xmlns:p="http://schemas.openxmlformats.org/presentationml/2006/main">
+  <p:cSld>
+    <p:spTree>
+      <p:nvGrpSpPr>
+        <p:cNvPr id="1" name=""/>
+        <p:cNvGrpSpPr/>
+        <p:nvPr/>
+      </p:nvGrpSpPr>
+      <p:grpSpPr>
+        <a:xfrm>
+          <a:off x="0" y="0"/>
+          <a:ext cx="0" cy="0"/>
+          <a:chOff x="0" y="0"/>
+          <a:chExt cx="0" cy="0"/>
+        </a:xfrm>
+      </p:grpSpPr>
+      <p:sp>
+        <p:nvSpPr>
+          <p:cNvPr id="2" name="כותרת 1"/>
+          <p:cNvSpPr>
+            <a:spLocks noGrp="1"/>
+          </p:cNvSpPr>
+          <p:nvPr>
+            <p:ph type="title"/>
+          </p:nvPr>
+        </p:nvSpPr>
+        <p:spPr/>
+        <p:txBody>
+          <a:bodyPr>
+            <a:normAutofit fontScale="90000"/>
+          </a:bodyPr>
+          <a:lstStyle/>
+          <a:p>
+            <a:pPr algn="ctr"/>
+            <a:r>
+              <a:rPr lang="en-US" sz="4890" dirty="0"/>
+              <a:t>Graph </a:t>
+            </a:r>
+            <a:r>
+              <a:rPr lang="en-US" sz="4890" dirty="0" smtClean="0"/>
+              <a:t>14</a:t>
+            </a:r>
+            <a:br>
+              <a:rPr lang="en-US" sz="4890" dirty="0" smtClean="0"/>
+            </a:br>
+            <a:r>
+              <a:rPr lang="en-US" sz="4890" dirty="0" smtClean="0">
+                <a:sym typeface="+mn-ea"/>
+              </a:rPr>
+              <a:t>sample polynomial regression</a:t>
+            </a:r>
+            <a:br>
+              <a:rPr lang="en-US" sz="4890" dirty="0" smtClean="0"/>
+            </a:br>
+            <a:r>
+              <a:rPr lang="en-US" sz="4890" dirty="0">
+                <a:sym typeface="+mn-ea"/>
+              </a:rPr>
+              <a:t>elapsedtime </a:t>
+            </a:r>
+            <a:r>
+              <a:rPr lang="en-US" sz="4890" dirty="0"/>
+              <a:t>per </a:t>
+            </a:r>
+            <a:r>
+              <a:rPr lang="en-US" sz="4890" dirty="0" err="1">
+                <a:sym typeface="+mn-ea"/>
+              </a:rPr>
+              <a:t>videoviewcount</a:t>
+            </a:r>
+            <a:endParaRPr lang="he-IL" sz="4890" dirty="0"/>
+          </a:p>
+        </p:txBody>
+      </p:sp>
+      <p:pic>
+        <p:nvPicPr>
+          <p:cNvPr id="5" name="Picture 4" descr="polynomial regresion for 2000 points"/>
+          <p:cNvPicPr>
+            <a:picLocks noChangeAspect="1"/>
+          </p:cNvPicPr>
+          <p:nvPr/>
+        </p:nvPicPr>
+        <p:blipFill>
+          <a:blip r:embed="rId1"/>
+          <a:stretch>
+            <a:fillRect/>
+          </a:stretch>
+        </p:blipFill>
+        <p:spPr>
+          <a:xfrm>
+            <a:off x="3427730" y="1825625"/>
+            <a:ext cx="5337175" cy="4251325"/>
+          </a:xfrm>
+          <a:prstGeom prst="rect">
+            <a:avLst/>
+          </a:prstGeom>
+        </p:spPr>
+      </p:pic>
+    </p:spTree>
   </p:cSld>
   <p:clrMapOvr>
     <a:masterClrMapping/>
@@ -4693,13 +7240,7 @@
       </p:grpSpPr>
       <p:sp>
         <p:nvSpPr>
-          <p:cNvPr id="2" name="כותרת 1">
-            <a:extLst>
-              <a:ext uri="{FF2B5EF4-FFF2-40B4-BE49-F238E27FC236}">
-                <a16:creationId xmlns:a16="http://schemas.microsoft.com/office/drawing/2014/main" id="{91917102-484B-F73A-F7F5-F4262E5B4011}"/>
-              </a:ext>
-            </a:extLst>
-          </p:cNvPr>
+          <p:cNvPr id="2" name="כותרת 1"/>
           <p:cNvSpPr>
             <a:spLocks noGrp="1"/>
           </p:cNvSpPr>
@@ -4723,13 +7264,7 @@
       </p:sp>
       <p:sp>
         <p:nvSpPr>
-          <p:cNvPr id="3" name="מציין מיקום תוכן 2">
-            <a:extLst>
-              <a:ext uri="{FF2B5EF4-FFF2-40B4-BE49-F238E27FC236}">
-                <a16:creationId xmlns:a16="http://schemas.microsoft.com/office/drawing/2014/main" id="{BB871835-7F28-DFB1-68BF-392EDAA464AE}"/>
-              </a:ext>
-            </a:extLst>
-          </p:cNvPr>
+          <p:cNvPr id="3" name="מציין מיקום תוכן 2"/>
           <p:cNvSpPr>
             <a:spLocks noGrp="1"/>
           </p:cNvSpPr>
@@ -4755,6 +7290,7 @@
               <a:rPr lang="en-US" sz="2400" dirty="0"/>
               <a:t>tain 27 different columns, of which the first column is the index column the index number is unique to every row thus it can be defined as the primary key every row has a unique number identifying it. </a:t>
             </a:r>
+            <a:endParaRPr lang="en-US" sz="2400" dirty="0"/>
           </a:p>
           <a:p>
             <a:pPr marL="0" indent="0" algn="l">
@@ -4764,6 +7300,7 @@
               <a:rPr lang="en-US" sz="2400" dirty="0"/>
               <a:t>The other 26 remaining columns contain YouTube related data, the channel id column is the unique id of every channel.</a:t>
             </a:r>
+            <a:endParaRPr lang="en-US" sz="2400" dirty="0"/>
           </a:p>
           <a:p>
             <a:pPr marL="0" indent="0" algn="l">
@@ -4811,11 +7348,6 @@
         </p:txBody>
       </p:sp>
     </p:spTree>
-    <p:extLst>
-      <p:ext uri="{BB962C8B-B14F-4D97-AF65-F5344CB8AC3E}">
-        <p14:creationId xmlns:p14="http://schemas.microsoft.com/office/powerpoint/2010/main" val="1242214602"/>
-      </p:ext>
-    </p:extLst>
   </p:cSld>
   <p:clrMapOvr>
     <a:masterClrMapping/>
@@ -4849,13 +7381,7 @@
       </p:grpSpPr>
       <p:sp>
         <p:nvSpPr>
-          <p:cNvPr id="2" name="כותרת 1">
-            <a:extLst>
-              <a:ext uri="{FF2B5EF4-FFF2-40B4-BE49-F238E27FC236}">
-                <a16:creationId xmlns:a16="http://schemas.microsoft.com/office/drawing/2014/main" id="{91917102-484B-F73A-F7F5-F4262E5B4011}"/>
-              </a:ext>
-            </a:extLst>
-          </p:cNvPr>
+          <p:cNvPr id="2" name="כותרת 1"/>
           <p:cNvSpPr>
             <a:spLocks noGrp="1"/>
           </p:cNvSpPr>
@@ -4879,13 +7405,7 @@
       </p:sp>
       <p:sp>
         <p:nvSpPr>
-          <p:cNvPr id="3" name="מציין מיקום תוכן 2">
-            <a:extLst>
-              <a:ext uri="{FF2B5EF4-FFF2-40B4-BE49-F238E27FC236}">
-                <a16:creationId xmlns:a16="http://schemas.microsoft.com/office/drawing/2014/main" id="{BB871835-7F28-DFB1-68BF-392EDAA464AE}"/>
-              </a:ext>
-            </a:extLst>
-          </p:cNvPr>
+          <p:cNvPr id="3" name="מציין מיקום תוכן 2"/>
           <p:cNvSpPr>
             <a:spLocks noGrp="1"/>
           </p:cNvSpPr>
@@ -5029,6 +7549,9 @@
               </a:rPr>
               <a:t>.</a:t>
             </a:r>
+            <a:endParaRPr lang="en-US" sz="1800" b="0" i="0" u="none" strike="noStrike" dirty="0" smtClean="0">
+              <a:effectLst/>
+            </a:endParaRPr>
           </a:p>
           <a:p>
             <a:pPr marL="0" indent="0" algn="l" rtl="0">
@@ -5304,11 +7827,6 @@
         </p:txBody>
       </p:sp>
     </p:spTree>
-    <p:extLst>
-      <p:ext uri="{BB962C8B-B14F-4D97-AF65-F5344CB8AC3E}">
-        <p14:creationId xmlns:p14="http://schemas.microsoft.com/office/powerpoint/2010/main" val="2109354857"/>
-      </p:ext>
-    </p:extLst>
   </p:cSld>
   <p:clrMapOvr>
     <a:masterClrMapping/>
@@ -5342,13 +7860,7 @@
       </p:grpSpPr>
       <p:sp>
         <p:nvSpPr>
-          <p:cNvPr id="2" name="כותרת 1">
-            <a:extLst>
-              <a:ext uri="{FF2B5EF4-FFF2-40B4-BE49-F238E27FC236}">
-                <a16:creationId xmlns:a16="http://schemas.microsoft.com/office/drawing/2014/main" id="{91917102-484B-F73A-F7F5-F4262E5B4011}"/>
-              </a:ext>
-            </a:extLst>
-          </p:cNvPr>
+          <p:cNvPr id="2" name="כותרת 1"/>
           <p:cNvSpPr>
             <a:spLocks noGrp="1"/>
           </p:cNvSpPr>
@@ -5372,13 +7884,7 @@
       </p:sp>
       <p:sp>
         <p:nvSpPr>
-          <p:cNvPr id="3" name="מציין מיקום תוכן 2">
-            <a:extLst>
-              <a:ext uri="{FF2B5EF4-FFF2-40B4-BE49-F238E27FC236}">
-                <a16:creationId xmlns:a16="http://schemas.microsoft.com/office/drawing/2014/main" id="{BB871835-7F28-DFB1-68BF-392EDAA464AE}"/>
-              </a:ext>
-            </a:extLst>
-          </p:cNvPr>
+          <p:cNvPr id="3" name="מציין מיקום תוכן 2"/>
           <p:cNvSpPr>
             <a:spLocks noGrp="1"/>
           </p:cNvSpPr>
@@ -5398,6 +7904,7 @@
               <a:rPr lang="en-US" sz="1800" dirty="0"/>
               <a:t>To achieve the main objective a comparison will be made between factors with known correlation outcome to factors with unknow correlation outcome. This method will help draw conclusions about the factors with the unknown correlation to success.</a:t>
             </a:r>
+            <a:endParaRPr lang="en-US" sz="1800" dirty="0"/>
           </a:p>
           <a:p>
             <a:pPr marL="0" indent="0" algn="l" rtl="0">
@@ -5435,11 +7942,6 @@
         </p:txBody>
       </p:sp>
     </p:spTree>
-    <p:extLst>
-      <p:ext uri="{BB962C8B-B14F-4D97-AF65-F5344CB8AC3E}">
-        <p14:creationId xmlns:p14="http://schemas.microsoft.com/office/powerpoint/2010/main" val="815716002"/>
-      </p:ext>
-    </p:extLst>
   </p:cSld>
   <p:clrMapOvr>
     <a:masterClrMapping/>
@@ -5473,13 +7975,7 @@
       </p:grpSpPr>
       <p:sp>
         <p:nvSpPr>
-          <p:cNvPr id="2" name="כותרת 1">
-            <a:extLst>
-              <a:ext uri="{FF2B5EF4-FFF2-40B4-BE49-F238E27FC236}">
-                <a16:creationId xmlns:a16="http://schemas.microsoft.com/office/drawing/2014/main" id="{91917102-484B-F73A-F7F5-F4262E5B4011}"/>
-              </a:ext>
-            </a:extLst>
-          </p:cNvPr>
+          <p:cNvPr id="2" name="כותרת 1"/>
           <p:cNvSpPr>
             <a:spLocks noGrp="1"/>
           </p:cNvSpPr>
@@ -5503,13 +7999,7 @@
       </p:sp>
       <p:sp>
         <p:nvSpPr>
-          <p:cNvPr id="3" name="מציין מיקום תוכן 2">
-            <a:extLst>
-              <a:ext uri="{FF2B5EF4-FFF2-40B4-BE49-F238E27FC236}">
-                <a16:creationId xmlns:a16="http://schemas.microsoft.com/office/drawing/2014/main" id="{BB871835-7F28-DFB1-68BF-392EDAA464AE}"/>
-              </a:ext>
-            </a:extLst>
-          </p:cNvPr>
+          <p:cNvPr id="3" name="מציין מיקום תוכן 2"/>
           <p:cNvSpPr>
             <a:spLocks noGrp="1"/>
           </p:cNvSpPr>
@@ -5541,6 +8031,7 @@
               <a:rPr lang="en-US" dirty="0"/>
               <a:t>The logical assumption is that a channel owner will want to maximize his number of subscriptions, views, likes and will want o minimize his number of dislikes. </a:t>
             </a:r>
+            <a:endParaRPr lang="en-US" dirty="0"/>
           </a:p>
           <a:p>
             <a:pPr marL="0" indent="0" algn="l">
@@ -5550,15 +8041,11 @@
               <a:rPr lang="en-US" dirty="0"/>
               <a:t>A big amount of likes and views for a specific video can be seen as a short term success and a big amount of subscriptions or a big amount of likes and views per channel can be seen as a long term success.</a:t>
             </a:r>
+            <a:endParaRPr lang="en-US" dirty="0"/>
           </a:p>
         </p:txBody>
       </p:sp>
     </p:spTree>
-    <p:extLst>
-      <p:ext uri="{BB962C8B-B14F-4D97-AF65-F5344CB8AC3E}">
-        <p14:creationId xmlns:p14="http://schemas.microsoft.com/office/powerpoint/2010/main" val="4095045641"/>
-      </p:ext>
-    </p:extLst>
   </p:cSld>
   <p:clrMapOvr>
     <a:masterClrMapping/>
@@ -5592,13 +8079,7 @@
       </p:grpSpPr>
       <p:sp>
         <p:nvSpPr>
-          <p:cNvPr id="2" name="כותרת 1">
-            <a:extLst>
-              <a:ext uri="{FF2B5EF4-FFF2-40B4-BE49-F238E27FC236}">
-                <a16:creationId xmlns:a16="http://schemas.microsoft.com/office/drawing/2014/main" id="{91917102-484B-F73A-F7F5-F4262E5B4011}"/>
-              </a:ext>
-            </a:extLst>
-          </p:cNvPr>
+          <p:cNvPr id="2" name="כותרת 1"/>
           <p:cNvSpPr>
             <a:spLocks noGrp="1"/>
           </p:cNvSpPr>
@@ -5622,13 +8103,7 @@
       </p:sp>
       <p:sp>
         <p:nvSpPr>
-          <p:cNvPr id="3" name="מציין מיקום תוכן 2">
-            <a:extLst>
-              <a:ext uri="{FF2B5EF4-FFF2-40B4-BE49-F238E27FC236}">
-                <a16:creationId xmlns:a16="http://schemas.microsoft.com/office/drawing/2014/main" id="{BB871835-7F28-DFB1-68BF-392EDAA464AE}"/>
-              </a:ext>
-            </a:extLst>
-          </p:cNvPr>
+          <p:cNvPr id="3" name="מציין מיקום תוכן 2"/>
           <p:cNvSpPr>
             <a:spLocks noGrp="1"/>
           </p:cNvSpPr>
@@ -5668,6 +8143,7 @@
               <a:rPr lang="en-US" dirty="0"/>
               <a:t>For example, a video that got 100 likes but have been watched a million times compared to a video that got 100 likes but have been watched only a thousand times, it can be assumed that both videos got very different reactions from the audience.</a:t>
             </a:r>
+            <a:endParaRPr lang="en-US" dirty="0"/>
           </a:p>
           <a:p>
             <a:pPr marL="0" indent="0" algn="l">
@@ -5687,6 +8163,7 @@
               <a:rPr lang="en-US" dirty="0"/>
               <a:t>The channel that got the most subscriptions or the video that got the most likes\views divided by a factor that represents the video\channel popularity for example number of subscriptions will give a scale of the video\channel success.</a:t>
             </a:r>
+            <a:endParaRPr lang="en-US" dirty="0"/>
           </a:p>
           <a:p>
             <a:pPr marL="0" indent="0" algn="l">
@@ -5697,11 +8174,6 @@
         </p:txBody>
       </p:sp>
     </p:spTree>
-    <p:extLst>
-      <p:ext uri="{BB962C8B-B14F-4D97-AF65-F5344CB8AC3E}">
-        <p14:creationId xmlns:p14="http://schemas.microsoft.com/office/powerpoint/2010/main" val="1889291697"/>
-      </p:ext>
-    </p:extLst>
   </p:cSld>
   <p:clrMapOvr>
     <a:masterClrMapping/>
@@ -5735,13 +8207,7 @@
       </p:grpSpPr>
       <p:sp>
         <p:nvSpPr>
-          <p:cNvPr id="2" name="כותרת 1">
-            <a:extLst>
-              <a:ext uri="{FF2B5EF4-FFF2-40B4-BE49-F238E27FC236}">
-                <a16:creationId xmlns:a16="http://schemas.microsoft.com/office/drawing/2014/main" id="{91917102-484B-F73A-F7F5-F4262E5B4011}"/>
-              </a:ext>
-            </a:extLst>
-          </p:cNvPr>
+          <p:cNvPr id="2" name="כותרת 1"/>
           <p:cNvSpPr>
             <a:spLocks noGrp="1"/>
           </p:cNvSpPr>
@@ -5785,7 +8251,7 @@
           </p:nvPr>
         </p:nvPicPr>
         <p:blipFill>
-          <a:blip r:embed="rId2" cstate="print">
+          <a:blip r:embed="rId1" cstate="print">
             <a:extLst>
               <a:ext uri="{28A0092B-C50C-407E-A947-70E740481C1C}">
                 <a14:useLocalDpi xmlns:a14="http://schemas.microsoft.com/office/drawing/2010/main" val="0"/>
@@ -5804,11 +8270,6 @@
         </p:spPr>
       </p:pic>
     </p:spTree>
-    <p:extLst>
-      <p:ext uri="{BB962C8B-B14F-4D97-AF65-F5344CB8AC3E}">
-        <p14:creationId xmlns:p14="http://schemas.microsoft.com/office/powerpoint/2010/main" val="1561935290"/>
-      </p:ext>
-    </p:extLst>
   </p:cSld>
   <p:clrMapOvr>
     <a:masterClrMapping/>
@@ -5842,13 +8303,7 @@
       </p:grpSpPr>
       <p:sp>
         <p:nvSpPr>
-          <p:cNvPr id="2" name="כותרת 1">
-            <a:extLst>
-              <a:ext uri="{FF2B5EF4-FFF2-40B4-BE49-F238E27FC236}">
-                <a16:creationId xmlns:a16="http://schemas.microsoft.com/office/drawing/2014/main" id="{91917102-484B-F73A-F7F5-F4262E5B4011}"/>
-              </a:ext>
-            </a:extLst>
-          </p:cNvPr>
+          <p:cNvPr id="2" name="כותרת 1"/>
           <p:cNvSpPr>
             <a:spLocks noGrp="1"/>
           </p:cNvSpPr>
@@ -5869,10 +8324,6 @@
             <a:r>
               <a:rPr lang="en-US" dirty="0" smtClean="0"/>
               <a:t>2</a:t>
-            </a:r>
-            <a:r>
-              <a:rPr lang="en-US" dirty="0"/>
-              <a:t/>
             </a:r>
             <a:br>
               <a:rPr lang="en-US" dirty="0"/>
@@ -5900,7 +8351,7 @@
           </p:nvPr>
         </p:nvPicPr>
         <p:blipFill>
-          <a:blip r:embed="rId2" cstate="print">
+          <a:blip r:embed="rId1" cstate="print">
             <a:extLst>
               <a:ext uri="{28A0092B-C50C-407E-A947-70E740481C1C}">
                 <a14:useLocalDpi xmlns:a14="http://schemas.microsoft.com/office/drawing/2010/main" val="0"/>
@@ -5919,11 +8370,6 @@
         </p:spPr>
       </p:pic>
     </p:spTree>
-    <p:extLst>
-      <p:ext uri="{BB962C8B-B14F-4D97-AF65-F5344CB8AC3E}">
-        <p14:creationId xmlns:p14="http://schemas.microsoft.com/office/powerpoint/2010/main" val="3287575754"/>
-      </p:ext>
-    </p:extLst>
   </p:cSld>
   <p:clrMapOvr>
     <a:masterClrMapping/>
@@ -5981,7 +8427,7 @@
     </a:clrScheme>
     <a:fontScheme name="Office">
       <a:majorFont>
-        <a:latin typeface="Calibri Light" panose="020F0302020204030204"/>
+        <a:latin typeface="Calibri Light"/>
         <a:ea typeface=""/>
         <a:cs typeface=""/>
         <a:font script="Jpan" typeface="游ゴシック Light"/>
@@ -6014,26 +8460,9 @@
         <a:font script="Viet" typeface="Times New Roman"/>
         <a:font script="Uigh" typeface="Microsoft Uighur"/>
         <a:font script="Geor" typeface="Sylfaen"/>
-        <a:font script="Armn" typeface="Arial"/>
-        <a:font script="Bugi" typeface="Leelawadee UI"/>
-        <a:font script="Bopo" typeface="Microsoft JhengHei"/>
-        <a:font script="Java" typeface="Javanese Text"/>
-        <a:font script="Lisu" typeface="Segoe UI"/>
-        <a:font script="Mymr" typeface="Myanmar Text"/>
-        <a:font script="Nkoo" typeface="Ebrima"/>
-        <a:font script="Olck" typeface="Nirmala UI"/>
-        <a:font script="Osma" typeface="Ebrima"/>
-        <a:font script="Phag" typeface="Phagspa"/>
-        <a:font script="Syrn" typeface="Estrangelo Edessa"/>
-        <a:font script="Syrj" typeface="Estrangelo Edessa"/>
-        <a:font script="Syre" typeface="Estrangelo Edessa"/>
-        <a:font script="Sora" typeface="Nirmala UI"/>
-        <a:font script="Tale" typeface="Microsoft Tai Le"/>
-        <a:font script="Talu" typeface="Microsoft New Tai Lue"/>
-        <a:font script="Tfng" typeface="Ebrima"/>
       </a:majorFont>
       <a:minorFont>
-        <a:latin typeface="Calibri" panose="020F0502020204030204"/>
+        <a:latin typeface="Calibri"/>
         <a:ea typeface=""/>
         <a:cs typeface=""/>
         <a:font script="Jpan" typeface="游ゴシック"/>
@@ -6066,23 +8495,6 @@
         <a:font script="Viet" typeface="Arial"/>
         <a:font script="Uigh" typeface="Microsoft Uighur"/>
         <a:font script="Geor" typeface="Sylfaen"/>
-        <a:font script="Armn" typeface="Arial"/>
-        <a:font script="Bugi" typeface="Leelawadee UI"/>
-        <a:font script="Bopo" typeface="Microsoft JhengHei"/>
-        <a:font script="Java" typeface="Javanese Text"/>
-        <a:font script="Lisu" typeface="Segoe UI"/>
-        <a:font script="Mymr" typeface="Myanmar Text"/>
-        <a:font script="Nkoo" typeface="Ebrima"/>
-        <a:font script="Olck" typeface="Nirmala UI"/>
-        <a:font script="Osma" typeface="Ebrima"/>
-        <a:font script="Phag" typeface="Phagspa"/>
-        <a:font script="Syrn" typeface="Estrangelo Edessa"/>
-        <a:font script="Syrj" typeface="Estrangelo Edessa"/>
-        <a:font script="Syre" typeface="Estrangelo Edessa"/>
-        <a:font script="Sora" typeface="Nirmala UI"/>
-        <a:font script="Tale" typeface="Microsoft Tai Le"/>
-        <a:font script="Talu" typeface="Microsoft New Tai Lue"/>
-        <a:font script="Tfng" typeface="Ebrima"/>
       </a:minorFont>
     </a:fontScheme>
     <a:fmtScheme name="Office">
@@ -6223,8 +8635,265 @@
       </a:bgFillStyleLst>
     </a:fmtScheme>
   </a:themeElements>
-  <a:objectDefaults/>
-  <a:extraClrSchemeLst/>
+  <a:extLst>
+    <a:ext uri="{05A4C25C-085E-4340-85A3-A5531E510DB2}">
+      <thm15:themeFamily xmlns:thm15="http://schemas.microsoft.com/office/thememl/2012/main" name="Office Theme" id="{62F939B6-93AF-4DB8-9C6B-D6C7DFDC589F}" vid="{4A3C46E8-61CC-4603-A589-7422A47A8E4A}"/>
+    </a:ext>
+  </a:extLst>
+</a:theme>
+</file>
+
+<file path=ppt/theme/theme2.xml><?xml version="1.0" encoding="utf-8"?>
+<a:theme xmlns:a="http://schemas.openxmlformats.org/drawingml/2006/main" name="1_ערכת נושא Office">
+  <a:themeElements>
+    <a:clrScheme name="Office">
+      <a:dk1>
+        <a:sysClr val="windowText" lastClr="000000"/>
+      </a:dk1>
+      <a:lt1>
+        <a:sysClr val="window" lastClr="FFFFFF"/>
+      </a:lt1>
+      <a:dk2>
+        <a:srgbClr val="44546A"/>
+      </a:dk2>
+      <a:lt2>
+        <a:srgbClr val="E7E6E6"/>
+      </a:lt2>
+      <a:accent1>
+        <a:srgbClr val="4472C4"/>
+      </a:accent1>
+      <a:accent2>
+        <a:srgbClr val="ED7D31"/>
+      </a:accent2>
+      <a:accent3>
+        <a:srgbClr val="A5A5A5"/>
+      </a:accent3>
+      <a:accent4>
+        <a:srgbClr val="FFC000"/>
+      </a:accent4>
+      <a:accent5>
+        <a:srgbClr val="5B9BD5"/>
+      </a:accent5>
+      <a:accent6>
+        <a:srgbClr val="70AD47"/>
+      </a:accent6>
+      <a:hlink>
+        <a:srgbClr val="0563C1"/>
+      </a:hlink>
+      <a:folHlink>
+        <a:srgbClr val="954F72"/>
+      </a:folHlink>
+    </a:clrScheme>
+    <a:fontScheme name="Office">
+      <a:majorFont>
+        <a:latin typeface="Calibri Light"/>
+        <a:ea typeface=""/>
+        <a:cs typeface=""/>
+        <a:font script="Jpan" typeface="游ゴシック Light"/>
+        <a:font script="Hang" typeface="맑은 고딕"/>
+        <a:font script="Hans" typeface="等线 Light"/>
+        <a:font script="Hant" typeface="新細明體"/>
+        <a:font script="Arab" typeface="Times New Roman"/>
+        <a:font script="Hebr" typeface="Times New Roman"/>
+        <a:font script="Thai" typeface="Angsana New"/>
+        <a:font script="Ethi" typeface="Nyala"/>
+        <a:font script="Beng" typeface="Vrinda"/>
+        <a:font script="Gujr" typeface="Shruti"/>
+        <a:font script="Khmr" typeface="MoolBoran"/>
+        <a:font script="Knda" typeface="Tunga"/>
+        <a:font script="Guru" typeface="Raavi"/>
+        <a:font script="Cans" typeface="Euphemia"/>
+        <a:font script="Cher" typeface="Plantagenet Cherokee"/>
+        <a:font script="Yiii" typeface="Microsoft Yi Baiti"/>
+        <a:font script="Tibt" typeface="Microsoft Himalaya"/>
+        <a:font script="Thaa" typeface="MV Boli"/>
+        <a:font script="Deva" typeface="Mangal"/>
+        <a:font script="Telu" typeface="Gautami"/>
+        <a:font script="Taml" typeface="Latha"/>
+        <a:font script="Syrc" typeface="Estrangelo Edessa"/>
+        <a:font script="Orya" typeface="Kalinga"/>
+        <a:font script="Mlym" typeface="Kartika"/>
+        <a:font script="Laoo" typeface="DokChampa"/>
+        <a:font script="Sinh" typeface="Iskoola Pota"/>
+        <a:font script="Mong" typeface="Mongolian Baiti"/>
+        <a:font script="Viet" typeface="Times New Roman"/>
+        <a:font script="Uigh" typeface="Microsoft Uighur"/>
+        <a:font script="Geor" typeface="Sylfaen"/>
+      </a:majorFont>
+      <a:minorFont>
+        <a:latin typeface="Calibri"/>
+        <a:ea typeface=""/>
+        <a:cs typeface=""/>
+        <a:font script="Jpan" typeface="游ゴシック"/>
+        <a:font script="Hang" typeface="맑은 고딕"/>
+        <a:font script="Hans" typeface="等线"/>
+        <a:font script="Hant" typeface="新細明體"/>
+        <a:font script="Arab" typeface="Arial"/>
+        <a:font script="Hebr" typeface="Arial"/>
+        <a:font script="Thai" typeface="Cordia New"/>
+        <a:font script="Ethi" typeface="Nyala"/>
+        <a:font script="Beng" typeface="Vrinda"/>
+        <a:font script="Gujr" typeface="Shruti"/>
+        <a:font script="Khmr" typeface="DaunPenh"/>
+        <a:font script="Knda" typeface="Tunga"/>
+        <a:font script="Guru" typeface="Raavi"/>
+        <a:font script="Cans" typeface="Euphemia"/>
+        <a:font script="Cher" typeface="Plantagenet Cherokee"/>
+        <a:font script="Yiii" typeface="Microsoft Yi Baiti"/>
+        <a:font script="Tibt" typeface="Microsoft Himalaya"/>
+        <a:font script="Thaa" typeface="MV Boli"/>
+        <a:font script="Deva" typeface="Mangal"/>
+        <a:font script="Telu" typeface="Gautami"/>
+        <a:font script="Taml" typeface="Latha"/>
+        <a:font script="Syrc" typeface="Estrangelo Edessa"/>
+        <a:font script="Orya" typeface="Kalinga"/>
+        <a:font script="Mlym" typeface="Kartika"/>
+        <a:font script="Laoo" typeface="DokChampa"/>
+        <a:font script="Sinh" typeface="Iskoola Pota"/>
+        <a:font script="Mong" typeface="Mongolian Baiti"/>
+        <a:font script="Viet" typeface="Arial"/>
+        <a:font script="Uigh" typeface="Microsoft Uighur"/>
+        <a:font script="Geor" typeface="Sylfaen"/>
+      </a:minorFont>
+    </a:fontScheme>
+    <a:fmtScheme name="Office">
+      <a:fillStyleLst>
+        <a:solidFill>
+          <a:schemeClr val="phClr"/>
+        </a:solidFill>
+        <a:gradFill rotWithShape="1">
+          <a:gsLst>
+            <a:gs pos="0">
+              <a:schemeClr val="phClr">
+                <a:lumMod val="110000"/>
+                <a:satMod val="105000"/>
+                <a:tint val="67000"/>
+              </a:schemeClr>
+            </a:gs>
+            <a:gs pos="50000">
+              <a:schemeClr val="phClr">
+                <a:lumMod val="105000"/>
+                <a:satMod val="103000"/>
+                <a:tint val="73000"/>
+              </a:schemeClr>
+            </a:gs>
+            <a:gs pos="100000">
+              <a:schemeClr val="phClr">
+                <a:lumMod val="105000"/>
+                <a:satMod val="109000"/>
+                <a:tint val="81000"/>
+              </a:schemeClr>
+            </a:gs>
+          </a:gsLst>
+          <a:lin ang="5400000" scaled="0"/>
+        </a:gradFill>
+        <a:gradFill rotWithShape="1">
+          <a:gsLst>
+            <a:gs pos="0">
+              <a:schemeClr val="phClr">
+                <a:satMod val="103000"/>
+                <a:lumMod val="102000"/>
+                <a:tint val="94000"/>
+              </a:schemeClr>
+            </a:gs>
+            <a:gs pos="50000">
+              <a:schemeClr val="phClr">
+                <a:satMod val="110000"/>
+                <a:lumMod val="100000"/>
+                <a:shade val="100000"/>
+              </a:schemeClr>
+            </a:gs>
+            <a:gs pos="100000">
+              <a:schemeClr val="phClr">
+                <a:lumMod val="99000"/>
+                <a:satMod val="120000"/>
+                <a:shade val="78000"/>
+              </a:schemeClr>
+            </a:gs>
+          </a:gsLst>
+          <a:lin ang="5400000" scaled="0"/>
+        </a:gradFill>
+      </a:fillStyleLst>
+      <a:lnStyleLst>
+        <a:ln w="6350" cap="flat" cmpd="sng" algn="ctr">
+          <a:solidFill>
+            <a:schemeClr val="phClr"/>
+          </a:solidFill>
+          <a:prstDash val="solid"/>
+          <a:miter lim="800000"/>
+        </a:ln>
+        <a:ln w="12700" cap="flat" cmpd="sng" algn="ctr">
+          <a:solidFill>
+            <a:schemeClr val="phClr"/>
+          </a:solidFill>
+          <a:prstDash val="solid"/>
+          <a:miter lim="800000"/>
+        </a:ln>
+        <a:ln w="19050" cap="flat" cmpd="sng" algn="ctr">
+          <a:solidFill>
+            <a:schemeClr val="phClr"/>
+          </a:solidFill>
+          <a:prstDash val="solid"/>
+          <a:miter lim="800000"/>
+        </a:ln>
+      </a:lnStyleLst>
+      <a:effectStyleLst>
+        <a:effectStyle>
+          <a:effectLst/>
+        </a:effectStyle>
+        <a:effectStyle>
+          <a:effectLst/>
+        </a:effectStyle>
+        <a:effectStyle>
+          <a:effectLst>
+            <a:outerShdw blurRad="57150" dist="19050" dir="5400000" algn="ctr" rotWithShape="0">
+              <a:srgbClr val="000000">
+                <a:alpha val="63000"/>
+              </a:srgbClr>
+            </a:outerShdw>
+          </a:effectLst>
+        </a:effectStyle>
+      </a:effectStyleLst>
+      <a:bgFillStyleLst>
+        <a:solidFill>
+          <a:schemeClr val="phClr"/>
+        </a:solidFill>
+        <a:solidFill>
+          <a:schemeClr val="phClr">
+            <a:tint val="95000"/>
+            <a:satMod val="170000"/>
+          </a:schemeClr>
+        </a:solidFill>
+        <a:gradFill rotWithShape="1">
+          <a:gsLst>
+            <a:gs pos="0">
+              <a:schemeClr val="phClr">
+                <a:tint val="93000"/>
+                <a:satMod val="150000"/>
+                <a:shade val="98000"/>
+                <a:lumMod val="102000"/>
+              </a:schemeClr>
+            </a:gs>
+            <a:gs pos="50000">
+              <a:schemeClr val="phClr">
+                <a:tint val="98000"/>
+                <a:satMod val="130000"/>
+                <a:shade val="90000"/>
+                <a:lumMod val="103000"/>
+              </a:schemeClr>
+            </a:gs>
+            <a:gs pos="100000">
+              <a:schemeClr val="phClr">
+                <a:shade val="63000"/>
+                <a:satMod val="120000"/>
+              </a:schemeClr>
+            </a:gs>
+          </a:gsLst>
+          <a:lin ang="5400000" scaled="0"/>
+        </a:gradFill>
+      </a:bgFillStyleLst>
+    </a:fmtScheme>
+  </a:themeElements>
   <a:extLst>
     <a:ext uri="{05A4C25C-085E-4340-85A3-A5531E510DB2}">
       <thm15:themeFamily xmlns:thm15="http://schemas.microsoft.com/office/thememl/2012/main" name="Office Theme" id="{62F939B6-93AF-4DB8-9C6B-D6C7DFDC589F}" vid="{4A3C46E8-61CC-4603-A589-7422A47A8E4A}"/>

--- a/YouTube dataset analysis presentation.pptx
+++ b/YouTube dataset analysis presentation.pptx
@@ -7043,11 +7043,8 @@
             </a:br>
             <a:r>
               <a:rPr lang="en-US" sz="4890" dirty="0" smtClean="0"/>
-              <a:t>sample linear regression</a:t>
-            </a:r>
-            <a:br>
-              <a:rPr lang="en-US" sz="4890" dirty="0" smtClean="0"/>
-            </a:br>
+              <a:t>sample linear regression </a:t>
+            </a:r>
             <a:r>
               <a:rPr lang="en-US" sz="4890" dirty="0">
                 <a:sym typeface="+mn-ea"/>
@@ -7070,7 +7067,7 @@
       </p:sp>
       <p:pic>
         <p:nvPicPr>
-          <p:cNvPr id="5" name="Picture 4" descr="linear regresion for 2000 points"/>
+          <p:cNvPr id="3" name="Picture 2" descr="linear regresion for points with medina mean and mode"/>
           <p:cNvPicPr>
             <a:picLocks noChangeAspect="1"/>
           </p:cNvPicPr>
@@ -7084,8 +7081,8 @@
         </p:blipFill>
         <p:spPr>
           <a:xfrm>
-            <a:off x="3348990" y="1825625"/>
-            <a:ext cx="5494020" cy="4293870"/>
+            <a:off x="3219450" y="1920875"/>
+            <a:ext cx="5753100" cy="4496435"/>
           </a:xfrm>
           <a:prstGeom prst="rect">
             <a:avLst/>
@@ -7157,11 +7154,8 @@
               <a:rPr lang="en-US" sz="4890" dirty="0" smtClean="0">
                 <a:sym typeface="+mn-ea"/>
               </a:rPr>
-              <a:t>sample polynomial regression</a:t>
-            </a:r>
-            <a:br>
-              <a:rPr lang="en-US" sz="4890" dirty="0" smtClean="0"/>
-            </a:br>
+              <a:t>sample polynomial regression </a:t>
+            </a:r>
             <a:r>
               <a:rPr lang="en-US" sz="4890" dirty="0">
                 <a:sym typeface="+mn-ea"/>
@@ -7184,7 +7178,7 @@
       </p:sp>
       <p:pic>
         <p:nvPicPr>
-          <p:cNvPr id="5" name="Picture 4" descr="polynomial regresion for 2000 points"/>
+          <p:cNvPr id="3" name="Picture 2" descr="polynomial regresion for with mena medeian mode"/>
           <p:cNvPicPr>
             <a:picLocks noChangeAspect="1"/>
           </p:cNvPicPr>
@@ -7198,8 +7192,8 @@
         </p:blipFill>
         <p:spPr>
           <a:xfrm>
-            <a:off x="3427730" y="1825625"/>
-            <a:ext cx="5337175" cy="4251325"/>
+            <a:off x="3223895" y="1958340"/>
+            <a:ext cx="5744210" cy="4489450"/>
           </a:xfrm>
           <a:prstGeom prst="rect">
             <a:avLst/>

--- a/YouTube dataset analysis presentation.pptx
+++ b/YouTube dataset analysis presentation.pptx
@@ -7067,7 +7067,7 @@
       </p:sp>
       <p:pic>
         <p:nvPicPr>
-          <p:cNvPr id="3" name="Picture 2" descr="linear regresion for points with medina mean and mode"/>
+          <p:cNvPr id="4" name="Picture 3" descr="linear regresion for points with medina mean and mode"/>
           <p:cNvPicPr>
             <a:picLocks noChangeAspect="1"/>
           </p:cNvPicPr>
@@ -7081,8 +7081,8 @@
         </p:blipFill>
         <p:spPr>
           <a:xfrm>
-            <a:off x="3219450" y="1920875"/>
-            <a:ext cx="5753100" cy="4496435"/>
+            <a:off x="3313430" y="1805940"/>
+            <a:ext cx="5564505" cy="4432300"/>
           </a:xfrm>
           <a:prstGeom prst="rect">
             <a:avLst/>
@@ -7178,7 +7178,7 @@
       </p:sp>
       <p:pic>
         <p:nvPicPr>
-          <p:cNvPr id="3" name="Picture 2" descr="polynomial regresion for with mena medeian mode"/>
+          <p:cNvPr id="4" name="Picture 3" descr="polynomial regresion for with mena medeian mode"/>
           <p:cNvPicPr>
             <a:picLocks noChangeAspect="1"/>
           </p:cNvPicPr>
@@ -7192,8 +7192,8 @@
         </p:blipFill>
         <p:spPr>
           <a:xfrm>
-            <a:off x="3223895" y="1958340"/>
-            <a:ext cx="5744210" cy="4489450"/>
+            <a:off x="3295015" y="1832610"/>
+            <a:ext cx="5601970" cy="4462145"/>
           </a:xfrm>
           <a:prstGeom prst="rect">
             <a:avLst/>
